--- a/java/JChartLib/docs/ui_framing.pptx
+++ b/java/JChartLib/docs/ui_framing.pptx
@@ -5,7 +5,7 @@
     <p:sldMasterId id="2147483648" r:id="rId1"/>
   </p:sldMasterIdLst>
   <p:notesMasterIdLst>
-    <p:notesMasterId r:id="rId14"/>
+    <p:notesMasterId r:id="rId15"/>
   </p:notesMasterIdLst>
   <p:sldIdLst>
     <p:sldId id="257" r:id="rId2"/>
@@ -20,6 +20,7 @@
     <p:sldId id="267" r:id="rId11"/>
     <p:sldId id="266" r:id="rId12"/>
     <p:sldId id="264" r:id="rId13"/>
+    <p:sldId id="269" r:id="rId14"/>
   </p:sldIdLst>
   <p:sldSz cx="9144000" cy="6858000" type="screen4x3"/>
   <p:notesSz cx="7010400" cy="9296400"/>
@@ -203,7 +204,7 @@
           <a:p>
             <a:fld id="{451F6C7C-57B4-44C2-A879-518E542631BF}" type="datetimeFigureOut">
               <a:rPr lang="en-US" smtClean="0"/>
-              <a:t>7/29/2015</a:t>
+              <a:t>9/24/2015</a:t>
             </a:fld>
             <a:endParaRPr lang="en-US"/>
           </a:p>
@@ -736,7 +737,7 @@
           <a:p>
             <a:fld id="{B3B44F0C-6643-4E85-A7FB-3BB2F8AA78FB}" type="datetime1">
               <a:rPr lang="en-US" smtClean="0"/>
-              <a:t>7/30/2015</a:t>
+              <a:t>9/24/2015</a:t>
             </a:fld>
             <a:endParaRPr lang="en-US"/>
           </a:p>
@@ -919,7 +920,7 @@
           <a:p>
             <a:fld id="{8F5BB2FE-DFCB-4D7F-A08C-F22FECF2C0CD}" type="datetime1">
               <a:rPr lang="en-US" smtClean="0"/>
-              <a:t>7/30/2015</a:t>
+              <a:t>9/24/2015</a:t>
             </a:fld>
             <a:endParaRPr lang="en-US"/>
           </a:p>
@@ -1099,7 +1100,7 @@
           <a:p>
             <a:fld id="{0F45ABAE-FDFC-4E8A-9AEA-00D2AFD8DE8B}" type="datetime1">
               <a:rPr lang="en-US" smtClean="0"/>
-              <a:t>7/30/2015</a:t>
+              <a:t>9/24/2015</a:t>
             </a:fld>
             <a:endParaRPr lang="en-US"/>
           </a:p>
@@ -1269,7 +1270,7 @@
           <a:p>
             <a:fld id="{37163F97-8B7A-4C99-BFC1-3EC5BAD8F465}" type="datetime1">
               <a:rPr lang="en-US" smtClean="0"/>
-              <a:t>7/30/2015</a:t>
+              <a:t>9/24/2015</a:t>
             </a:fld>
             <a:endParaRPr lang="en-US"/>
           </a:p>
@@ -1515,7 +1516,7 @@
           <a:p>
             <a:fld id="{215CA718-9FC9-4CB4-A637-7B18B96432A9}" type="datetime1">
               <a:rPr lang="en-US" smtClean="0"/>
-              <a:t>7/30/2015</a:t>
+              <a:t>9/24/2015</a:t>
             </a:fld>
             <a:endParaRPr lang="en-US"/>
           </a:p>
@@ -1803,7 +1804,7 @@
           <a:p>
             <a:fld id="{02978113-6A0B-4308-BF24-BE3F446DC299}" type="datetime1">
               <a:rPr lang="en-US" smtClean="0"/>
-              <a:t>7/30/2015</a:t>
+              <a:t>9/24/2015</a:t>
             </a:fld>
             <a:endParaRPr lang="en-US"/>
           </a:p>
@@ -2225,7 +2226,7 @@
           <a:p>
             <a:fld id="{30B8CE64-9E95-47EA-AA0B-EDAF22908BEA}" type="datetime1">
               <a:rPr lang="en-US" smtClean="0"/>
-              <a:t>7/30/2015</a:t>
+              <a:t>9/24/2015</a:t>
             </a:fld>
             <a:endParaRPr lang="en-US"/>
           </a:p>
@@ -2353,7 +2354,7 @@
           <a:p>
             <a:fld id="{C05A1361-3B57-4CE1-99E9-6F73D07E7AFD}" type="datetime1">
               <a:rPr lang="en-US" smtClean="0"/>
-              <a:t>7/30/2015</a:t>
+              <a:t>9/24/2015</a:t>
             </a:fld>
             <a:endParaRPr lang="en-US"/>
           </a:p>
@@ -2533,7 +2534,7 @@
           <a:p>
             <a:fld id="{48084879-C730-49C2-9369-4526E7313D15}" type="datetime1">
               <a:rPr lang="en-US" smtClean="0"/>
-              <a:t>7/30/2015</a:t>
+              <a:t>9/24/2015</a:t>
             </a:fld>
             <a:endParaRPr lang="en-US"/>
           </a:p>
@@ -2810,7 +2811,7 @@
           <a:p>
             <a:fld id="{08B42C97-3C78-4F31-BBF5-0836FE73BBF4}" type="datetime1">
               <a:rPr lang="en-US" smtClean="0"/>
-              <a:t>7/30/2015</a:t>
+              <a:t>9/24/2015</a:t>
             </a:fld>
             <a:endParaRPr lang="en-US"/>
           </a:p>
@@ -3063,7 +3064,7 @@
           <a:p>
             <a:fld id="{20BBBBF6-E6AB-4416-A560-6979273157FF}" type="datetime1">
               <a:rPr lang="en-US" smtClean="0"/>
-              <a:t>7/30/2015</a:t>
+              <a:t>9/24/2015</a:t>
             </a:fld>
             <a:endParaRPr lang="en-US"/>
           </a:p>
@@ -3276,7 +3277,7 @@
           <a:p>
             <a:fld id="{BA333682-8707-47CB-92BD-798CEAEF6CB6}" type="datetime1">
               <a:rPr lang="en-US" smtClean="0"/>
-              <a:t>7/30/2015</a:t>
+              <a:t>9/24/2015</a:t>
             </a:fld>
             <a:endParaRPr lang="en-US"/>
           </a:p>
@@ -4718,11 +4719,7 @@
           <a:p>
             <a:r>
               <a:rPr lang="en-US" dirty="0" smtClean="0"/>
-              <a:t>Axis Properties </a:t>
-            </a:r>
-            <a:r>
-              <a:rPr lang="en-US" dirty="0" smtClean="0"/>
-              <a:t>View</a:t>
+              <a:t>Axis Properties View</a:t>
             </a:r>
             <a:endParaRPr lang="en-US" dirty="0"/>
           </a:p>
@@ -7359,11 +7356,7 @@
                 <a:pPr algn="r"/>
                 <a:r>
                   <a:rPr lang="en-US" sz="1200" dirty="0" smtClean="0"/>
-                  <a:t>Size</a:t>
-                </a:r>
-                <a:r>
-                  <a:rPr lang="en-US" sz="1200" dirty="0" smtClean="0"/>
-                  <a:t>:</a:t>
+                  <a:t>Size:</a:t>
                 </a:r>
                 <a:endParaRPr lang="en-US" sz="1200" dirty="0"/>
               </a:p>
@@ -7917,11 +7910,7 @@
                 <a:pPr algn="r"/>
                 <a:r>
                   <a:rPr lang="en-US" sz="1000" dirty="0" smtClean="0"/>
-                  <a:t>Weight</a:t>
-                </a:r>
-                <a:r>
-                  <a:rPr lang="en-US" sz="1000" dirty="0" smtClean="0"/>
-                  <a:t>:</a:t>
+                  <a:t>Weight:</a:t>
                 </a:r>
                 <a:endParaRPr lang="en-US" sz="1000" dirty="0"/>
               </a:p>
@@ -8400,6 +8389,427 @@
 </p:sld>
 </file>
 
+<file path=ppt/slides/slide13.xml><?xml version="1.0" encoding="utf-8"?>
+<p:sld xmlns:a="http://schemas.openxmlformats.org/drawingml/2006/main" xmlns:r="http://schemas.openxmlformats.org/officeDocument/2006/relationships" xmlns:p="http://schemas.openxmlformats.org/presentationml/2006/main">
+  <p:cSld>
+    <p:spTree>
+      <p:nvGrpSpPr>
+        <p:cNvPr id="1" name=""/>
+        <p:cNvGrpSpPr/>
+        <p:nvPr/>
+      </p:nvGrpSpPr>
+      <p:grpSpPr>
+        <a:xfrm>
+          <a:off x="0" y="0"/>
+          <a:ext cx="0" cy="0"/>
+          <a:chOff x="0" y="0"/>
+          <a:chExt cx="0" cy="0"/>
+        </a:xfrm>
+      </p:grpSpPr>
+      <p:sp>
+        <p:nvSpPr>
+          <p:cNvPr id="2" name="Title 1"/>
+          <p:cNvSpPr>
+            <a:spLocks noGrp="1"/>
+          </p:cNvSpPr>
+          <p:nvPr>
+            <p:ph type="title"/>
+          </p:nvPr>
+        </p:nvSpPr>
+        <p:spPr/>
+        <p:txBody>
+          <a:bodyPr>
+            <a:normAutofit fontScale="90000"/>
+          </a:bodyPr>
+          <a:lstStyle/>
+          <a:p>
+            <a:r>
+              <a:rPr lang="en-US" dirty="0" smtClean="0"/>
+              <a:t>Chart Layout</a:t>
+            </a:r>
+            <a:endParaRPr lang="en-US" dirty="0"/>
+          </a:p>
+        </p:txBody>
+      </p:sp>
+      <p:sp>
+        <p:nvSpPr>
+          <p:cNvPr id="3" name="Slide Number Placeholder 2"/>
+          <p:cNvSpPr>
+            <a:spLocks noGrp="1"/>
+          </p:cNvSpPr>
+          <p:nvPr>
+            <p:ph type="sldNum" sz="quarter" idx="12"/>
+          </p:nvPr>
+        </p:nvSpPr>
+        <p:spPr/>
+        <p:txBody>
+          <a:bodyPr/>
+          <a:lstStyle/>
+          <a:p>
+            <a:r>
+              <a:rPr lang="en-US" smtClean="0"/>
+              <a:t>Page </a:t>
+            </a:r>
+            <a:fld id="{F1B1EB98-98E7-4A5A-BA8F-7513A9456E79}" type="slidenum">
+              <a:rPr lang="en-US" smtClean="0"/>
+              <a:pPr/>
+              <a:t>13</a:t>
+            </a:fld>
+            <a:endParaRPr lang="en-US" dirty="0"/>
+          </a:p>
+        </p:txBody>
+      </p:sp>
+      <p:sp>
+        <p:nvSpPr>
+          <p:cNvPr id="4" name="Rectangle 3"/>
+          <p:cNvSpPr/>
+          <p:nvPr/>
+        </p:nvSpPr>
+        <p:spPr>
+          <a:xfrm>
+            <a:off x="2743200" y="1981200"/>
+            <a:ext cx="3733800" cy="3352800"/>
+          </a:xfrm>
+          <a:prstGeom prst="rect">
+            <a:avLst/>
+          </a:prstGeom>
+          <a:solidFill>
+            <a:schemeClr val="bg1"/>
+          </a:solidFill>
+        </p:spPr>
+        <p:style>
+          <a:lnRef idx="2">
+            <a:schemeClr val="accent1">
+              <a:shade val="50000"/>
+            </a:schemeClr>
+          </a:lnRef>
+          <a:fillRef idx="1">
+            <a:schemeClr val="accent1"/>
+          </a:fillRef>
+          <a:effectRef idx="0">
+            <a:schemeClr val="accent1"/>
+          </a:effectRef>
+          <a:fontRef idx="minor">
+            <a:schemeClr val="lt1"/>
+          </a:fontRef>
+        </p:style>
+        <p:txBody>
+          <a:bodyPr rtlCol="0" anchor="ctr"/>
+          <a:lstStyle/>
+          <a:p>
+            <a:pPr algn="ctr"/>
+            <a:r>
+              <a:rPr lang="en-US" dirty="0" smtClean="0">
+                <a:solidFill>
+                  <a:schemeClr val="tx1"/>
+                </a:solidFill>
+              </a:rPr>
+              <a:t>Chart</a:t>
+            </a:r>
+            <a:endParaRPr lang="en-US" dirty="0">
+              <a:solidFill>
+                <a:schemeClr val="tx1"/>
+              </a:solidFill>
+            </a:endParaRPr>
+          </a:p>
+        </p:txBody>
+      </p:sp>
+      <p:sp>
+        <p:nvSpPr>
+          <p:cNvPr id="5" name="Rectangle 4"/>
+          <p:cNvSpPr/>
+          <p:nvPr/>
+        </p:nvSpPr>
+        <p:spPr>
+          <a:xfrm>
+            <a:off x="2743200" y="1981200"/>
+            <a:ext cx="3733800" cy="381000"/>
+          </a:xfrm>
+          <a:prstGeom prst="rect">
+            <a:avLst/>
+          </a:prstGeom>
+          <a:solidFill>
+            <a:schemeClr val="bg1"/>
+          </a:solidFill>
+        </p:spPr>
+        <p:style>
+          <a:lnRef idx="2">
+            <a:schemeClr val="accent1">
+              <a:shade val="50000"/>
+            </a:schemeClr>
+          </a:lnRef>
+          <a:fillRef idx="1">
+            <a:schemeClr val="accent1"/>
+          </a:fillRef>
+          <a:effectRef idx="0">
+            <a:schemeClr val="accent1"/>
+          </a:effectRef>
+          <a:fontRef idx="minor">
+            <a:schemeClr val="lt1"/>
+          </a:fontRef>
+        </p:style>
+        <p:txBody>
+          <a:bodyPr rtlCol="0" anchor="ctr"/>
+          <a:lstStyle/>
+          <a:p>
+            <a:pPr algn="ctr"/>
+            <a:r>
+              <a:rPr lang="en-US" dirty="0" smtClean="0">
+                <a:solidFill>
+                  <a:schemeClr val="tx1"/>
+                </a:solidFill>
+              </a:rPr>
+              <a:t>Secondary Domain Title</a:t>
+            </a:r>
+            <a:endParaRPr lang="en-US" dirty="0">
+              <a:solidFill>
+                <a:schemeClr val="tx1"/>
+              </a:solidFill>
+            </a:endParaRPr>
+          </a:p>
+        </p:txBody>
+      </p:sp>
+      <p:sp>
+        <p:nvSpPr>
+          <p:cNvPr id="6" name="Rectangle 5"/>
+          <p:cNvSpPr/>
+          <p:nvPr/>
+        </p:nvSpPr>
+        <p:spPr>
+          <a:xfrm>
+            <a:off x="2743200" y="4957313"/>
+            <a:ext cx="3733800" cy="381000"/>
+          </a:xfrm>
+          <a:prstGeom prst="rect">
+            <a:avLst/>
+          </a:prstGeom>
+          <a:solidFill>
+            <a:schemeClr val="bg1"/>
+          </a:solidFill>
+        </p:spPr>
+        <p:style>
+          <a:lnRef idx="2">
+            <a:schemeClr val="accent1">
+              <a:shade val="50000"/>
+            </a:schemeClr>
+          </a:lnRef>
+          <a:fillRef idx="1">
+            <a:schemeClr val="accent1"/>
+          </a:fillRef>
+          <a:effectRef idx="0">
+            <a:schemeClr val="accent1"/>
+          </a:effectRef>
+          <a:fontRef idx="minor">
+            <a:schemeClr val="lt1"/>
+          </a:fontRef>
+        </p:style>
+        <p:txBody>
+          <a:bodyPr rtlCol="0" anchor="ctr"/>
+          <a:lstStyle/>
+          <a:p>
+            <a:pPr algn="ctr"/>
+            <a:r>
+              <a:rPr lang="en-US" dirty="0" smtClean="0">
+                <a:solidFill>
+                  <a:schemeClr val="tx1"/>
+                </a:solidFill>
+              </a:rPr>
+              <a:t>Domain </a:t>
+            </a:r>
+            <a:r>
+              <a:rPr lang="en-US" dirty="0" smtClean="0">
+                <a:solidFill>
+                  <a:schemeClr val="tx1"/>
+                </a:solidFill>
+              </a:rPr>
+              <a:t>Title</a:t>
+            </a:r>
+            <a:endParaRPr lang="en-US" dirty="0">
+              <a:solidFill>
+                <a:schemeClr val="tx1"/>
+              </a:solidFill>
+            </a:endParaRPr>
+          </a:p>
+        </p:txBody>
+      </p:sp>
+      <p:sp>
+        <p:nvSpPr>
+          <p:cNvPr id="7" name="Rectangle 6"/>
+          <p:cNvSpPr/>
+          <p:nvPr/>
+        </p:nvSpPr>
+        <p:spPr>
+          <a:xfrm rot="16200000">
+            <a:off x="1636143" y="3469256"/>
+            <a:ext cx="2595113" cy="381000"/>
+          </a:xfrm>
+          <a:prstGeom prst="rect">
+            <a:avLst/>
+          </a:prstGeom>
+          <a:solidFill>
+            <a:schemeClr val="bg1"/>
+          </a:solidFill>
+        </p:spPr>
+        <p:style>
+          <a:lnRef idx="2">
+            <a:schemeClr val="accent1">
+              <a:shade val="50000"/>
+            </a:schemeClr>
+          </a:lnRef>
+          <a:fillRef idx="1">
+            <a:schemeClr val="accent1"/>
+          </a:fillRef>
+          <a:effectRef idx="0">
+            <a:schemeClr val="accent1"/>
+          </a:effectRef>
+          <a:fontRef idx="minor">
+            <a:schemeClr val="lt1"/>
+          </a:fontRef>
+        </p:style>
+        <p:txBody>
+          <a:bodyPr rtlCol="0" anchor="ctr"/>
+          <a:lstStyle/>
+          <a:p>
+            <a:pPr algn="ctr"/>
+            <a:r>
+              <a:rPr lang="en-US" dirty="0" smtClean="0">
+                <a:solidFill>
+                  <a:schemeClr val="tx1"/>
+                </a:solidFill>
+              </a:rPr>
+              <a:t>Range Title</a:t>
+            </a:r>
+            <a:endParaRPr lang="en-US" dirty="0">
+              <a:solidFill>
+                <a:schemeClr val="tx1"/>
+              </a:solidFill>
+            </a:endParaRPr>
+          </a:p>
+        </p:txBody>
+      </p:sp>
+      <p:sp>
+        <p:nvSpPr>
+          <p:cNvPr id="8" name="Rectangle 7"/>
+          <p:cNvSpPr/>
+          <p:nvPr/>
+        </p:nvSpPr>
+        <p:spPr>
+          <a:xfrm rot="16200000">
+            <a:off x="4988943" y="3469257"/>
+            <a:ext cx="2595113" cy="381000"/>
+          </a:xfrm>
+          <a:prstGeom prst="rect">
+            <a:avLst/>
+          </a:prstGeom>
+          <a:solidFill>
+            <a:schemeClr val="bg1"/>
+          </a:solidFill>
+        </p:spPr>
+        <p:style>
+          <a:lnRef idx="2">
+            <a:schemeClr val="accent1">
+              <a:shade val="50000"/>
+            </a:schemeClr>
+          </a:lnRef>
+          <a:fillRef idx="1">
+            <a:schemeClr val="accent1"/>
+          </a:fillRef>
+          <a:effectRef idx="0">
+            <a:schemeClr val="accent1"/>
+          </a:effectRef>
+          <a:fontRef idx="minor">
+            <a:schemeClr val="lt1"/>
+          </a:fontRef>
+        </p:style>
+        <p:txBody>
+          <a:bodyPr rtlCol="0" anchor="ctr"/>
+          <a:lstStyle/>
+          <a:p>
+            <a:pPr algn="ctr"/>
+            <a:r>
+              <a:rPr lang="en-US" dirty="0" smtClean="0">
+                <a:solidFill>
+                  <a:schemeClr val="tx1"/>
+                </a:solidFill>
+              </a:rPr>
+              <a:t>Secondary Range Title</a:t>
+            </a:r>
+            <a:endParaRPr lang="en-US" dirty="0">
+              <a:solidFill>
+                <a:schemeClr val="tx1"/>
+              </a:solidFill>
+            </a:endParaRPr>
+          </a:p>
+        </p:txBody>
+      </p:sp>
+      <p:sp>
+        <p:nvSpPr>
+          <p:cNvPr id="9" name="Rectangle 8"/>
+          <p:cNvSpPr/>
+          <p:nvPr/>
+        </p:nvSpPr>
+        <p:spPr>
+          <a:xfrm>
+            <a:off x="2743200" y="1600200"/>
+            <a:ext cx="3733800" cy="381000"/>
+          </a:xfrm>
+          <a:prstGeom prst="rect">
+            <a:avLst/>
+          </a:prstGeom>
+          <a:solidFill>
+            <a:schemeClr val="bg1"/>
+          </a:solidFill>
+        </p:spPr>
+        <p:style>
+          <a:lnRef idx="2">
+            <a:schemeClr val="accent1">
+              <a:shade val="50000"/>
+            </a:schemeClr>
+          </a:lnRef>
+          <a:fillRef idx="1">
+            <a:schemeClr val="accent1"/>
+          </a:fillRef>
+          <a:effectRef idx="0">
+            <a:schemeClr val="accent1"/>
+          </a:effectRef>
+          <a:fontRef idx="minor">
+            <a:schemeClr val="lt1"/>
+          </a:fontRef>
+        </p:style>
+        <p:txBody>
+          <a:bodyPr rtlCol="0" anchor="ctr"/>
+          <a:lstStyle/>
+          <a:p>
+            <a:pPr algn="ctr"/>
+            <a:r>
+              <a:rPr lang="en-US" dirty="0" smtClean="0">
+                <a:solidFill>
+                  <a:schemeClr val="tx1"/>
+                </a:solidFill>
+              </a:rPr>
+              <a:t>Chart Title</a:t>
+            </a:r>
+            <a:endParaRPr lang="en-US" dirty="0">
+              <a:solidFill>
+                <a:schemeClr val="tx1"/>
+              </a:solidFill>
+            </a:endParaRPr>
+          </a:p>
+        </p:txBody>
+      </p:sp>
+    </p:spTree>
+    <p:extLst>
+      <p:ext uri="{BB962C8B-B14F-4D97-AF65-F5344CB8AC3E}">
+        <p14:creationId xmlns:p14="http://schemas.microsoft.com/office/powerpoint/2010/main" val="477428930"/>
+      </p:ext>
+    </p:extLst>
+  </p:cSld>
+  <p:clrMapOvr>
+    <a:masterClrMapping/>
+  </p:clrMapOvr>
+</p:sld>
+</file>
+
 <file path=ppt/slides/slide2.xml><?xml version="1.0" encoding="utf-8"?>
 <p:sld xmlns:a="http://schemas.openxmlformats.org/drawingml/2006/main" xmlns:r="http://schemas.openxmlformats.org/officeDocument/2006/relationships" xmlns:p="http://schemas.openxmlformats.org/presentationml/2006/main">
   <p:cSld>
@@ -8757,7 +9167,23 @@
                     <a:schemeClr val="tx1"/>
                   </a:solidFill>
                 </a:rPr>
-                <a:t>(3.4,5.677); (5643.3 2.4); </a:t>
+                <a:t>(</a:t>
+              </a:r>
+              <a:r>
+                <a:rPr lang="en-US" sz="1200" smtClean="0">
+                  <a:solidFill>
+                    <a:schemeClr val="tx1"/>
+                  </a:solidFill>
+                </a:rPr>
+                <a:t>3.4</a:t>
+              </a:r>
+              <a:r>
+                <a:rPr lang="en-US" sz="1200" smtClean="0">
+                  <a:solidFill>
+                    <a:schemeClr val="tx1"/>
+                  </a:solidFill>
+                </a:rPr>
+                <a:t>, 5.677</a:t>
               </a:r>
               <a:r>
                 <a:rPr lang="en-US" sz="1200" dirty="0" smtClean="0">
@@ -8765,7 +9191,23 @@
                     <a:schemeClr val="tx1"/>
                   </a:solidFill>
                 </a:rPr>
-                <a:t>Plots </a:t>
+                <a:t>); </a:t>
+              </a:r>
+              <a:r>
+                <a:rPr lang="en-US" sz="1200" smtClean="0">
+                  <a:solidFill>
+                    <a:schemeClr val="tx1"/>
+                  </a:solidFill>
+                </a:rPr>
+                <a:t>(</a:t>
+              </a:r>
+              <a:r>
+                <a:rPr lang="en-US" sz="1200" smtClean="0">
+                  <a:solidFill>
+                    <a:schemeClr val="tx1"/>
+                  </a:solidFill>
+                </a:rPr>
+                <a:t>5643.3, 2.4</a:t>
               </a:r>
               <a:r>
                 <a:rPr lang="en-US" sz="1200" dirty="0" smtClean="0">
@@ -8773,7 +9215,7 @@
                     <a:schemeClr val="tx1"/>
                   </a:solidFill>
                 </a:rPr>
-                <a:t>2 of 2; Size: 400 x 375</a:t>
+                <a:t>); Plots 2 of 2; Size: 400 x 375</a:t>
               </a:r>
               <a:endParaRPr lang="en-US" sz="1200" dirty="0">
                 <a:solidFill>
@@ -11639,11 +12081,7 @@
             </a:r>
             <a:r>
               <a:rPr lang="en-US" dirty="0" smtClean="0"/>
-              <a:t> Properties </a:t>
-            </a:r>
-            <a:r>
-              <a:rPr lang="en-US" dirty="0" smtClean="0"/>
-              <a:t>View</a:t>
+              <a:t> Properties View</a:t>
             </a:r>
             <a:endParaRPr lang="en-US" dirty="0"/>
           </a:p>
@@ -14117,11 +14555,7 @@
           <a:p>
             <a:r>
               <a:rPr lang="en-US" dirty="0" smtClean="0"/>
-              <a:t>Legend Properties </a:t>
-            </a:r>
-            <a:r>
-              <a:rPr lang="en-US" dirty="0" smtClean="0"/>
-              <a:t>View</a:t>
+              <a:t>Legend Properties View</a:t>
             </a:r>
             <a:endParaRPr lang="en-US" dirty="0"/>
           </a:p>

--- a/java/JChartLib/docs/ui_framing.pptx
+++ b/java/JChartLib/docs/ui_framing.pptx
@@ -4330,7 +4330,7 @@
               </p:blipFill>
               <p:spPr bwMode="auto">
                 <a:xfrm>
-                  <a:off x="2121408" y="1670304"/>
+                  <a:off x="1905000" y="1670304"/>
                   <a:ext cx="164592" cy="164592"/>
                 </a:xfrm>
                 <a:prstGeom prst="rect">
@@ -4391,7 +4391,7 @@
             </p:pic>
             <p:pic>
               <p:nvPicPr>
-                <p:cNvPr id="1033" name="Picture 9" descr="C:\Files\jgordon\personal\code\gordoza-code\java\jutils\src\org\jutils\icons\document-export16.png"/>
+                <p:cNvPr id="2051" name="Picture 3" descr="C:\Files\jgordon\personal\code\gordoza-code\java\jutils\src\org\jutils\icons\arrow-left16.png"/>
                 <p:cNvPicPr>
                   <a:picLocks noChangeAspect="1" noChangeArrowheads="1"/>
                 </p:cNvPicPr>
@@ -4412,7 +4412,7 @@
               </p:blipFill>
               <p:spPr bwMode="auto">
                 <a:xfrm>
-                  <a:off x="1828800" y="1670304"/>
+                  <a:off x="2209800" y="1670304"/>
                   <a:ext cx="164592" cy="164592"/>
                 </a:xfrm>
                 <a:prstGeom prst="rect">
@@ -4432,7 +4432,7 @@
             </p:pic>
             <p:pic>
               <p:nvPicPr>
-                <p:cNvPr id="2051" name="Picture 3" descr="C:\Files\jgordon\personal\code\gordoza-code\java\jutils\src\org\jutils\icons\arrow-left16.png"/>
+                <p:cNvPr id="2052" name="Picture 4" descr="C:\Files\jgordon\personal\code\gordoza-code\java\jutils\src\org\jutils\icons\arrow-up16.png"/>
                 <p:cNvPicPr>
                   <a:picLocks noChangeAspect="1" noChangeArrowheads="1"/>
                 </p:cNvPicPr>
@@ -4440,6 +4440,47 @@
               </p:nvPicPr>
               <p:blipFill>
                 <a:blip r:embed="rId5">
+                  <a:extLst>
+                    <a:ext uri="{28A0092B-C50C-407E-A947-70E740481C1C}">
+                      <a14:useLocalDpi xmlns:a14="http://schemas.microsoft.com/office/drawing/2010/main" val="0"/>
+                    </a:ext>
+                  </a:extLst>
+                </a:blip>
+                <a:srcRect/>
+                <a:stretch>
+                  <a:fillRect/>
+                </a:stretch>
+              </p:blipFill>
+              <p:spPr bwMode="auto">
+                <a:xfrm>
+                  <a:off x="2743200" y="1670304"/>
+                  <a:ext cx="164592" cy="164592"/>
+                </a:xfrm>
+                <a:prstGeom prst="rect">
+                  <a:avLst/>
+                </a:prstGeom>
+                <a:noFill/>
+                <a:extLst>
+                  <a:ext uri="{909E8E84-426E-40DD-AFC4-6F175D3DCCD1}">
+                    <a14:hiddenFill xmlns:a14="http://schemas.microsoft.com/office/drawing/2010/main">
+                      <a:solidFill>
+                        <a:srgbClr val="FFFFFF"/>
+                      </a:solidFill>
+                    </a14:hiddenFill>
+                  </a:ext>
+                </a:extLst>
+              </p:spPr>
+            </p:pic>
+            <p:pic>
+              <p:nvPicPr>
+                <p:cNvPr id="2053" name="Picture 5" descr="C:\Files\jgordon\personal\code\gordoza-code\java\jutils\src\org\jutils\icons\arrow-right16.png"/>
+                <p:cNvPicPr>
+                  <a:picLocks noChangeAspect="1" noChangeArrowheads="1"/>
+                </p:cNvPicPr>
+                <p:nvPr/>
+              </p:nvPicPr>
+              <p:blipFill>
+                <a:blip r:embed="rId6">
                   <a:extLst>
                     <a:ext uri="{28A0092B-C50C-407E-A947-70E740481C1C}">
                       <a14:useLocalDpi xmlns:a14="http://schemas.microsoft.com/office/drawing/2010/main" val="0"/>
@@ -4473,48 +4514,7 @@
             </p:pic>
             <p:pic>
               <p:nvPicPr>
-                <p:cNvPr id="2052" name="Picture 4" descr="C:\Files\jgordon\personal\code\gordoza-code\java\jutils\src\org\jutils\icons\arrow-up16.png"/>
-                <p:cNvPicPr>
-                  <a:picLocks noChangeAspect="1" noChangeArrowheads="1"/>
-                </p:cNvPicPr>
-                <p:nvPr/>
-              </p:nvPicPr>
-              <p:blipFill>
-                <a:blip r:embed="rId6">
-                  <a:extLst>
-                    <a:ext uri="{28A0092B-C50C-407E-A947-70E740481C1C}">
-                      <a14:useLocalDpi xmlns:a14="http://schemas.microsoft.com/office/drawing/2010/main" val="0"/>
-                    </a:ext>
-                  </a:extLst>
-                </a:blip>
-                <a:srcRect/>
-                <a:stretch>
-                  <a:fillRect/>
-                </a:stretch>
-              </p:blipFill>
-              <p:spPr bwMode="auto">
-                <a:xfrm>
-                  <a:off x="2959608" y="1670304"/>
-                  <a:ext cx="164592" cy="164592"/>
-                </a:xfrm>
-                <a:prstGeom prst="rect">
-                  <a:avLst/>
-                </a:prstGeom>
-                <a:noFill/>
-                <a:extLst>
-                  <a:ext uri="{909E8E84-426E-40DD-AFC4-6F175D3DCCD1}">
-                    <a14:hiddenFill xmlns:a14="http://schemas.microsoft.com/office/drawing/2010/main">
-                      <a:solidFill>
-                        <a:srgbClr val="FFFFFF"/>
-                      </a:solidFill>
-                    </a14:hiddenFill>
-                  </a:ext>
-                </a:extLst>
-              </p:spPr>
-            </p:pic>
-            <p:pic>
-              <p:nvPicPr>
-                <p:cNvPr id="2053" name="Picture 5" descr="C:\Files\jgordon\personal\code\gordoza-code\java\jutils\src\org\jutils\icons\arrow-right16.png"/>
+                <p:cNvPr id="23" name="Picture 2" descr="C:\Files\jgordon\personal\code\gordoza-code\java\jutils\src\org\jutils\icons\down16.png"/>
                 <p:cNvPicPr>
                   <a:picLocks noChangeAspect="1" noChangeArrowheads="1"/>
                 </p:cNvPicPr>
@@ -4535,48 +4535,7 @@
               </p:blipFill>
               <p:spPr bwMode="auto">
                 <a:xfrm>
-                  <a:off x="2642616" y="1670304"/>
-                  <a:ext cx="164592" cy="164592"/>
-                </a:xfrm>
-                <a:prstGeom prst="rect">
-                  <a:avLst/>
-                </a:prstGeom>
-                <a:noFill/>
-                <a:extLst>
-                  <a:ext uri="{909E8E84-426E-40DD-AFC4-6F175D3DCCD1}">
-                    <a14:hiddenFill xmlns:a14="http://schemas.microsoft.com/office/drawing/2010/main">
-                      <a:solidFill>
-                        <a:srgbClr val="FFFFFF"/>
-                      </a:solidFill>
-                    </a14:hiddenFill>
-                  </a:ext>
-                </a:extLst>
-              </p:spPr>
-            </p:pic>
-            <p:pic>
-              <p:nvPicPr>
-                <p:cNvPr id="23" name="Picture 2" descr="C:\Files\jgordon\personal\code\gordoza-code\java\jutils\src\org\jutils\icons\down16.png"/>
-                <p:cNvPicPr>
-                  <a:picLocks noChangeAspect="1" noChangeArrowheads="1"/>
-                </p:cNvPicPr>
-                <p:nvPr/>
-              </p:nvPicPr>
-              <p:blipFill>
-                <a:blip r:embed="rId8">
-                  <a:extLst>
-                    <a:ext uri="{28A0092B-C50C-407E-A947-70E740481C1C}">
-                      <a14:useLocalDpi xmlns:a14="http://schemas.microsoft.com/office/drawing/2010/main" val="0"/>
-                    </a:ext>
-                  </a:extLst>
-                </a:blip>
-                <a:srcRect/>
-                <a:stretch>
-                  <a:fillRect/>
-                </a:stretch>
-              </p:blipFill>
-              <p:spPr bwMode="auto">
-                <a:xfrm>
-                  <a:off x="3188208" y="1670304"/>
+                  <a:off x="2971800" y="1670304"/>
                   <a:ext cx="164592" cy="164592"/>
                 </a:xfrm>
                 <a:prstGeom prst="rect">
@@ -8614,15 +8573,7 @@
                   <a:schemeClr val="tx1"/>
                 </a:solidFill>
               </a:rPr>
-              <a:t>Domain </a:t>
-            </a:r>
-            <a:r>
-              <a:rPr lang="en-US" dirty="0" smtClean="0">
-                <a:solidFill>
-                  <a:schemeClr val="tx1"/>
-                </a:solidFill>
-              </a:rPr>
-              <a:t>Title</a:t>
+              <a:t>Domain Title</a:t>
             </a:r>
             <a:endParaRPr lang="en-US" dirty="0">
               <a:solidFill>
@@ -8790,6 +8741,483 @@
               <a:t>Chart Title</a:t>
             </a:r>
             <a:endParaRPr lang="en-US" dirty="0">
+              <a:solidFill>
+                <a:schemeClr val="tx1"/>
+              </a:solidFill>
+            </a:endParaRPr>
+          </a:p>
+        </p:txBody>
+      </p:sp>
+      <p:sp>
+        <p:nvSpPr>
+          <p:cNvPr id="10" name="Rectangle 9"/>
+          <p:cNvSpPr/>
+          <p:nvPr/>
+        </p:nvSpPr>
+        <p:spPr>
+          <a:xfrm>
+            <a:off x="3124200" y="4724399"/>
+            <a:ext cx="1066800" cy="232913"/>
+          </a:xfrm>
+          <a:prstGeom prst="rect">
+            <a:avLst/>
+          </a:prstGeom>
+          <a:solidFill>
+            <a:schemeClr val="bg1"/>
+          </a:solidFill>
+        </p:spPr>
+        <p:style>
+          <a:lnRef idx="2">
+            <a:schemeClr val="accent1">
+              <a:shade val="50000"/>
+            </a:schemeClr>
+          </a:lnRef>
+          <a:fillRef idx="1">
+            <a:schemeClr val="accent1"/>
+          </a:fillRef>
+          <a:effectRef idx="0">
+            <a:schemeClr val="accent1"/>
+          </a:effectRef>
+          <a:fontRef idx="minor">
+            <a:schemeClr val="lt1"/>
+          </a:fontRef>
+        </p:style>
+        <p:txBody>
+          <a:bodyPr rtlCol="0" anchor="ctr"/>
+          <a:lstStyle/>
+          <a:p>
+            <a:pPr algn="ctr"/>
+            <a:r>
+              <a:rPr lang="en-US" sz="1200" dirty="0" smtClean="0">
+                <a:solidFill>
+                  <a:schemeClr val="tx1"/>
+                </a:solidFill>
+              </a:rPr>
+              <a:t>min D tick</a:t>
+            </a:r>
+            <a:endParaRPr lang="en-US" sz="1200" dirty="0">
+              <a:solidFill>
+                <a:schemeClr val="tx1"/>
+              </a:solidFill>
+            </a:endParaRPr>
+          </a:p>
+        </p:txBody>
+      </p:sp>
+      <p:sp>
+        <p:nvSpPr>
+          <p:cNvPr id="11" name="Rectangle 10"/>
+          <p:cNvSpPr/>
+          <p:nvPr/>
+        </p:nvSpPr>
+        <p:spPr>
+          <a:xfrm>
+            <a:off x="5029200" y="4717209"/>
+            <a:ext cx="1066800" cy="232913"/>
+          </a:xfrm>
+          <a:prstGeom prst="rect">
+            <a:avLst/>
+          </a:prstGeom>
+          <a:solidFill>
+            <a:schemeClr val="bg1"/>
+          </a:solidFill>
+        </p:spPr>
+        <p:style>
+          <a:lnRef idx="2">
+            <a:schemeClr val="accent1">
+              <a:shade val="50000"/>
+            </a:schemeClr>
+          </a:lnRef>
+          <a:fillRef idx="1">
+            <a:schemeClr val="accent1"/>
+          </a:fillRef>
+          <a:effectRef idx="0">
+            <a:schemeClr val="accent1"/>
+          </a:effectRef>
+          <a:fontRef idx="minor">
+            <a:schemeClr val="lt1"/>
+          </a:fontRef>
+        </p:style>
+        <p:txBody>
+          <a:bodyPr rtlCol="0" anchor="ctr"/>
+          <a:lstStyle/>
+          <a:p>
+            <a:pPr algn="ctr"/>
+            <a:r>
+              <a:rPr lang="en-US" sz="1200" dirty="0" smtClean="0">
+                <a:solidFill>
+                  <a:schemeClr val="tx1"/>
+                </a:solidFill>
+              </a:rPr>
+              <a:t>max D tick</a:t>
+            </a:r>
+            <a:endParaRPr lang="en-US" sz="1200" dirty="0">
+              <a:solidFill>
+                <a:schemeClr val="tx1"/>
+              </a:solidFill>
+            </a:endParaRPr>
+          </a:p>
+        </p:txBody>
+      </p:sp>
+      <p:sp>
+        <p:nvSpPr>
+          <p:cNvPr id="12" name="Rectangle 11"/>
+          <p:cNvSpPr/>
+          <p:nvPr/>
+        </p:nvSpPr>
+        <p:spPr>
+          <a:xfrm>
+            <a:off x="3124200" y="2362200"/>
+            <a:ext cx="1066800" cy="232913"/>
+          </a:xfrm>
+          <a:prstGeom prst="rect">
+            <a:avLst/>
+          </a:prstGeom>
+          <a:solidFill>
+            <a:schemeClr val="bg1"/>
+          </a:solidFill>
+        </p:spPr>
+        <p:style>
+          <a:lnRef idx="2">
+            <a:schemeClr val="accent1">
+              <a:shade val="50000"/>
+            </a:schemeClr>
+          </a:lnRef>
+          <a:fillRef idx="1">
+            <a:schemeClr val="accent1"/>
+          </a:fillRef>
+          <a:effectRef idx="0">
+            <a:schemeClr val="accent1"/>
+          </a:effectRef>
+          <a:fontRef idx="minor">
+            <a:schemeClr val="lt1"/>
+          </a:fontRef>
+        </p:style>
+        <p:txBody>
+          <a:bodyPr rtlCol="0" anchor="ctr"/>
+          <a:lstStyle/>
+          <a:p>
+            <a:pPr algn="ctr"/>
+            <a:r>
+              <a:rPr lang="en-US" sz="1200" dirty="0" smtClean="0">
+                <a:solidFill>
+                  <a:schemeClr val="tx1"/>
+                </a:solidFill>
+              </a:rPr>
+              <a:t>min SD tick</a:t>
+            </a:r>
+            <a:endParaRPr lang="en-US" sz="1200" dirty="0">
+              <a:solidFill>
+                <a:schemeClr val="tx1"/>
+              </a:solidFill>
+            </a:endParaRPr>
+          </a:p>
+        </p:txBody>
+      </p:sp>
+      <p:sp>
+        <p:nvSpPr>
+          <p:cNvPr id="13" name="Rectangle 12"/>
+          <p:cNvSpPr/>
+          <p:nvPr/>
+        </p:nvSpPr>
+        <p:spPr>
+          <a:xfrm>
+            <a:off x="4953000" y="2362200"/>
+            <a:ext cx="1143000" cy="232913"/>
+          </a:xfrm>
+          <a:prstGeom prst="rect">
+            <a:avLst/>
+          </a:prstGeom>
+          <a:solidFill>
+            <a:schemeClr val="bg1"/>
+          </a:solidFill>
+        </p:spPr>
+        <p:style>
+          <a:lnRef idx="2">
+            <a:schemeClr val="accent1">
+              <a:shade val="50000"/>
+            </a:schemeClr>
+          </a:lnRef>
+          <a:fillRef idx="1">
+            <a:schemeClr val="accent1"/>
+          </a:fillRef>
+          <a:effectRef idx="0">
+            <a:schemeClr val="accent1"/>
+          </a:effectRef>
+          <a:fontRef idx="minor">
+            <a:schemeClr val="lt1"/>
+          </a:fontRef>
+        </p:style>
+        <p:txBody>
+          <a:bodyPr rtlCol="0" anchor="ctr"/>
+          <a:lstStyle/>
+          <a:p>
+            <a:pPr algn="ctr"/>
+            <a:r>
+              <a:rPr lang="en-US" sz="1200" dirty="0" smtClean="0">
+                <a:solidFill>
+                  <a:schemeClr val="tx1"/>
+                </a:solidFill>
+              </a:rPr>
+              <a:t>max SD tick</a:t>
+            </a:r>
+            <a:endParaRPr lang="en-US" sz="1200" dirty="0">
+              <a:solidFill>
+                <a:schemeClr val="tx1"/>
+              </a:solidFill>
+            </a:endParaRPr>
+          </a:p>
+        </p:txBody>
+      </p:sp>
+      <p:sp>
+        <p:nvSpPr>
+          <p:cNvPr id="14" name="Rectangle 13"/>
+          <p:cNvSpPr/>
+          <p:nvPr/>
+        </p:nvSpPr>
+        <p:spPr>
+          <a:xfrm>
+            <a:off x="3810000" y="2595113"/>
+            <a:ext cx="1600200" cy="2122096"/>
+          </a:xfrm>
+          <a:prstGeom prst="rect">
+            <a:avLst/>
+          </a:prstGeom>
+          <a:noFill/>
+        </p:spPr>
+        <p:style>
+          <a:lnRef idx="2">
+            <a:schemeClr val="accent1">
+              <a:shade val="50000"/>
+            </a:schemeClr>
+          </a:lnRef>
+          <a:fillRef idx="1">
+            <a:schemeClr val="accent1"/>
+          </a:fillRef>
+          <a:effectRef idx="0">
+            <a:schemeClr val="accent1"/>
+          </a:effectRef>
+          <a:fontRef idx="minor">
+            <a:schemeClr val="lt1"/>
+          </a:fontRef>
+        </p:style>
+        <p:txBody>
+          <a:bodyPr rtlCol="0" anchor="ctr"/>
+          <a:lstStyle/>
+          <a:p>
+            <a:pPr algn="ctr"/>
+            <a:endParaRPr lang="en-US" dirty="0">
+              <a:solidFill>
+                <a:schemeClr val="tx1"/>
+              </a:solidFill>
+            </a:endParaRPr>
+          </a:p>
+        </p:txBody>
+      </p:sp>
+      <p:sp>
+        <p:nvSpPr>
+          <p:cNvPr id="15" name="Rectangle 14"/>
+          <p:cNvSpPr/>
+          <p:nvPr/>
+        </p:nvSpPr>
+        <p:spPr>
+          <a:xfrm>
+            <a:off x="3124200" y="4419599"/>
+            <a:ext cx="685800" cy="381001"/>
+          </a:xfrm>
+          <a:prstGeom prst="rect">
+            <a:avLst/>
+          </a:prstGeom>
+          <a:noFill/>
+        </p:spPr>
+        <p:style>
+          <a:lnRef idx="2">
+            <a:schemeClr val="accent1">
+              <a:shade val="50000"/>
+            </a:schemeClr>
+          </a:lnRef>
+          <a:fillRef idx="1">
+            <a:schemeClr val="accent1"/>
+          </a:fillRef>
+          <a:effectRef idx="0">
+            <a:schemeClr val="accent1"/>
+          </a:effectRef>
+          <a:fontRef idx="minor">
+            <a:schemeClr val="lt1"/>
+          </a:fontRef>
+        </p:style>
+        <p:txBody>
+          <a:bodyPr rtlCol="0" anchor="ctr"/>
+          <a:lstStyle/>
+          <a:p>
+            <a:pPr algn="ctr"/>
+            <a:r>
+              <a:rPr lang="en-US" sz="1200" dirty="0" smtClean="0">
+                <a:solidFill>
+                  <a:schemeClr val="tx1"/>
+                </a:solidFill>
+              </a:rPr>
+              <a:t>min R tick</a:t>
+            </a:r>
+            <a:endParaRPr lang="en-US" sz="1200" dirty="0">
+              <a:solidFill>
+                <a:schemeClr val="tx1"/>
+              </a:solidFill>
+            </a:endParaRPr>
+          </a:p>
+        </p:txBody>
+      </p:sp>
+      <p:sp>
+        <p:nvSpPr>
+          <p:cNvPr id="16" name="Rectangle 15"/>
+          <p:cNvSpPr/>
+          <p:nvPr/>
+        </p:nvSpPr>
+        <p:spPr>
+          <a:xfrm>
+            <a:off x="3124200" y="2514599"/>
+            <a:ext cx="685800" cy="381001"/>
+          </a:xfrm>
+          <a:prstGeom prst="rect">
+            <a:avLst/>
+          </a:prstGeom>
+          <a:noFill/>
+        </p:spPr>
+        <p:style>
+          <a:lnRef idx="2">
+            <a:schemeClr val="accent1">
+              <a:shade val="50000"/>
+            </a:schemeClr>
+          </a:lnRef>
+          <a:fillRef idx="1">
+            <a:schemeClr val="accent1"/>
+          </a:fillRef>
+          <a:effectRef idx="0">
+            <a:schemeClr val="accent1"/>
+          </a:effectRef>
+          <a:fontRef idx="minor">
+            <a:schemeClr val="lt1"/>
+          </a:fontRef>
+        </p:style>
+        <p:txBody>
+          <a:bodyPr rtlCol="0" anchor="ctr"/>
+          <a:lstStyle/>
+          <a:p>
+            <a:pPr algn="ctr"/>
+            <a:r>
+              <a:rPr lang="en-US" sz="1200" dirty="0" smtClean="0">
+                <a:solidFill>
+                  <a:schemeClr val="tx1"/>
+                </a:solidFill>
+              </a:rPr>
+              <a:t>max R tick</a:t>
+            </a:r>
+            <a:endParaRPr lang="en-US" sz="1200" dirty="0">
+              <a:solidFill>
+                <a:schemeClr val="tx1"/>
+              </a:solidFill>
+            </a:endParaRPr>
+          </a:p>
+        </p:txBody>
+      </p:sp>
+      <p:sp>
+        <p:nvSpPr>
+          <p:cNvPr id="17" name="Rectangle 16"/>
+          <p:cNvSpPr/>
+          <p:nvPr/>
+        </p:nvSpPr>
+        <p:spPr>
+          <a:xfrm>
+            <a:off x="5410200" y="4419599"/>
+            <a:ext cx="685800" cy="381001"/>
+          </a:xfrm>
+          <a:prstGeom prst="rect">
+            <a:avLst/>
+          </a:prstGeom>
+          <a:noFill/>
+        </p:spPr>
+        <p:style>
+          <a:lnRef idx="2">
+            <a:schemeClr val="accent1">
+              <a:shade val="50000"/>
+            </a:schemeClr>
+          </a:lnRef>
+          <a:fillRef idx="1">
+            <a:schemeClr val="accent1"/>
+          </a:fillRef>
+          <a:effectRef idx="0">
+            <a:schemeClr val="accent1"/>
+          </a:effectRef>
+          <a:fontRef idx="minor">
+            <a:schemeClr val="lt1"/>
+          </a:fontRef>
+        </p:style>
+        <p:txBody>
+          <a:bodyPr rtlCol="0" anchor="ctr"/>
+          <a:lstStyle/>
+          <a:p>
+            <a:pPr algn="ctr"/>
+            <a:r>
+              <a:rPr lang="en-US" sz="1200" dirty="0" smtClean="0">
+                <a:solidFill>
+                  <a:schemeClr val="tx1"/>
+                </a:solidFill>
+              </a:rPr>
+              <a:t>min SR tick</a:t>
+            </a:r>
+            <a:endParaRPr lang="en-US" sz="1200" dirty="0">
+              <a:solidFill>
+                <a:schemeClr val="tx1"/>
+              </a:solidFill>
+            </a:endParaRPr>
+          </a:p>
+        </p:txBody>
+      </p:sp>
+      <p:sp>
+        <p:nvSpPr>
+          <p:cNvPr id="18" name="Rectangle 17"/>
+          <p:cNvSpPr/>
+          <p:nvPr/>
+        </p:nvSpPr>
+        <p:spPr>
+          <a:xfrm>
+            <a:off x="5410200" y="2514599"/>
+            <a:ext cx="685800" cy="381001"/>
+          </a:xfrm>
+          <a:prstGeom prst="rect">
+            <a:avLst/>
+          </a:prstGeom>
+          <a:noFill/>
+        </p:spPr>
+        <p:style>
+          <a:lnRef idx="2">
+            <a:schemeClr val="accent1">
+              <a:shade val="50000"/>
+            </a:schemeClr>
+          </a:lnRef>
+          <a:fillRef idx="1">
+            <a:schemeClr val="accent1"/>
+          </a:fillRef>
+          <a:effectRef idx="0">
+            <a:schemeClr val="accent1"/>
+          </a:effectRef>
+          <a:fontRef idx="minor">
+            <a:schemeClr val="lt1"/>
+          </a:fontRef>
+        </p:style>
+        <p:txBody>
+          <a:bodyPr rtlCol="0" anchor="ctr"/>
+          <a:lstStyle/>
+          <a:p>
+            <a:pPr algn="ctr"/>
+            <a:r>
+              <a:rPr lang="en-US" sz="1200" dirty="0" smtClean="0">
+                <a:solidFill>
+                  <a:schemeClr val="tx1"/>
+                </a:solidFill>
+              </a:rPr>
+              <a:t>max SR tick</a:t>
+            </a:r>
+            <a:endParaRPr lang="en-US" sz="1200" dirty="0">
               <a:solidFill>
                 <a:schemeClr val="tx1"/>
               </a:solidFill>
@@ -8980,7 +9408,7 @@
             </p:blipFill>
             <p:spPr bwMode="auto">
               <a:xfrm>
-                <a:off x="3962400" y="1976438"/>
+                <a:off x="3973703" y="1976438"/>
                 <a:ext cx="161925" cy="161925"/>
               </a:xfrm>
               <a:prstGeom prst="rect">
@@ -9021,7 +9449,7 @@
             </p:blipFill>
             <p:spPr bwMode="auto">
               <a:xfrm>
-                <a:off x="4267200" y="1981200"/>
+                <a:off x="4507103" y="1981200"/>
                 <a:ext cx="152400" cy="152400"/>
               </a:xfrm>
               <a:prstGeom prst="rect">
@@ -9062,7 +9490,7 @@
             </p:blipFill>
             <p:spPr bwMode="auto">
               <a:xfrm>
-                <a:off x="4810950" y="1975104"/>
+                <a:off x="5050853" y="1975104"/>
                 <a:ext cx="164592" cy="164592"/>
               </a:xfrm>
               <a:prstGeom prst="rect">
@@ -9103,7 +9531,7 @@
             </p:blipFill>
             <p:spPr bwMode="auto">
               <a:xfrm>
-                <a:off x="4572000" y="1975104"/>
+                <a:off x="4811903" y="1975104"/>
                 <a:ext cx="164592" cy="164592"/>
               </a:xfrm>
               <a:prstGeom prst="rect">
@@ -9175,15 +9603,7 @@
                     <a:schemeClr val="tx1"/>
                   </a:solidFill>
                 </a:rPr>
-                <a:t>3.4</a:t>
-              </a:r>
-              <a:r>
-                <a:rPr lang="en-US" sz="1200" smtClean="0">
-                  <a:solidFill>
-                    <a:schemeClr val="tx1"/>
-                  </a:solidFill>
-                </a:rPr>
-                <a:t>, 5.677</a:t>
+                <a:t>3.4, 5.677</a:t>
               </a:r>
               <a:r>
                 <a:rPr lang="en-US" sz="1200" dirty="0" smtClean="0">
@@ -9199,15 +9619,7 @@
                     <a:schemeClr val="tx1"/>
                   </a:solidFill>
                 </a:rPr>
-                <a:t>(</a:t>
-              </a:r>
-              <a:r>
-                <a:rPr lang="en-US" sz="1200" smtClean="0">
-                  <a:solidFill>
-                    <a:schemeClr val="tx1"/>
-                  </a:solidFill>
-                </a:rPr>
-                <a:t>5643.3, 2.4</a:t>
+                <a:t>(5643.3, 2.4</a:t>
               </a:r>
               <a:r>
                 <a:rPr lang="en-US" sz="1200" dirty="0" smtClean="0">
@@ -9279,6 +9691,47 @@
           </a:p>
         </p:txBody>
       </p:sp>
+      <p:pic>
+        <p:nvPicPr>
+          <p:cNvPr id="14" name="Picture 9" descr="C:\Files\jgordon\personal\code\gordoza-code\java\jutils\src\org\jutils\icons\document-export16.png"/>
+          <p:cNvPicPr>
+            <a:picLocks noChangeAspect="1" noChangeArrowheads="1"/>
+          </p:cNvPicPr>
+          <p:nvPr/>
+        </p:nvPicPr>
+        <p:blipFill>
+          <a:blip r:embed="rId6">
+            <a:extLst>
+              <a:ext uri="{28A0092B-C50C-407E-A947-70E740481C1C}">
+                <a14:useLocalDpi xmlns:a14="http://schemas.microsoft.com/office/drawing/2010/main" val="0"/>
+              </a:ext>
+            </a:extLst>
+          </a:blip>
+          <a:srcRect/>
+          <a:stretch>
+            <a:fillRect/>
+          </a:stretch>
+        </p:blipFill>
+        <p:spPr bwMode="auto">
+          <a:xfrm>
+            <a:off x="3035808" y="2045208"/>
+            <a:ext cx="164592" cy="164592"/>
+          </a:xfrm>
+          <a:prstGeom prst="rect">
+            <a:avLst/>
+          </a:prstGeom>
+          <a:noFill/>
+          <a:extLst>
+            <a:ext uri="{909E8E84-426E-40DD-AFC4-6F175D3DCCD1}">
+              <a14:hiddenFill xmlns:a14="http://schemas.microsoft.com/office/drawing/2010/main">
+                <a:solidFill>
+                  <a:srgbClr val="FFFFFF"/>
+                </a:solidFill>
+              </a14:hiddenFill>
+            </a:ext>
+          </a:extLst>
+        </p:spPr>
+      </p:pic>
     </p:spTree>
     <p:extLst>
       <p:ext uri="{BB962C8B-B14F-4D97-AF65-F5344CB8AC3E}">

--- a/java/JChartLib/docs/ui_framing.pptx
+++ b/java/JChartLib/docs/ui_framing.pptx
@@ -204,7 +204,7 @@
           <a:p>
             <a:fld id="{451F6C7C-57B4-44C2-A879-518E542631BF}" type="datetimeFigureOut">
               <a:rPr lang="en-US" smtClean="0"/>
-              <a:t>9/24/2015</a:t>
+              <a:t>10/8/2015</a:t>
             </a:fld>
             <a:endParaRPr lang="en-US"/>
           </a:p>
@@ -737,7 +737,7 @@
           <a:p>
             <a:fld id="{B3B44F0C-6643-4E85-A7FB-3BB2F8AA78FB}" type="datetime1">
               <a:rPr lang="en-US" smtClean="0"/>
-              <a:t>9/24/2015</a:t>
+              <a:t>10/8/2015</a:t>
             </a:fld>
             <a:endParaRPr lang="en-US"/>
           </a:p>
@@ -920,7 +920,7 @@
           <a:p>
             <a:fld id="{8F5BB2FE-DFCB-4D7F-A08C-F22FECF2C0CD}" type="datetime1">
               <a:rPr lang="en-US" smtClean="0"/>
-              <a:t>9/24/2015</a:t>
+              <a:t>10/8/2015</a:t>
             </a:fld>
             <a:endParaRPr lang="en-US"/>
           </a:p>
@@ -1100,7 +1100,7 @@
           <a:p>
             <a:fld id="{0F45ABAE-FDFC-4E8A-9AEA-00D2AFD8DE8B}" type="datetime1">
               <a:rPr lang="en-US" smtClean="0"/>
-              <a:t>9/24/2015</a:t>
+              <a:t>10/8/2015</a:t>
             </a:fld>
             <a:endParaRPr lang="en-US"/>
           </a:p>
@@ -1270,7 +1270,7 @@
           <a:p>
             <a:fld id="{37163F97-8B7A-4C99-BFC1-3EC5BAD8F465}" type="datetime1">
               <a:rPr lang="en-US" smtClean="0"/>
-              <a:t>9/24/2015</a:t>
+              <a:t>10/8/2015</a:t>
             </a:fld>
             <a:endParaRPr lang="en-US"/>
           </a:p>
@@ -1516,7 +1516,7 @@
           <a:p>
             <a:fld id="{215CA718-9FC9-4CB4-A637-7B18B96432A9}" type="datetime1">
               <a:rPr lang="en-US" smtClean="0"/>
-              <a:t>9/24/2015</a:t>
+              <a:t>10/8/2015</a:t>
             </a:fld>
             <a:endParaRPr lang="en-US"/>
           </a:p>
@@ -1804,7 +1804,7 @@
           <a:p>
             <a:fld id="{02978113-6A0B-4308-BF24-BE3F446DC299}" type="datetime1">
               <a:rPr lang="en-US" smtClean="0"/>
-              <a:t>9/24/2015</a:t>
+              <a:t>10/8/2015</a:t>
             </a:fld>
             <a:endParaRPr lang="en-US"/>
           </a:p>
@@ -2226,7 +2226,7 @@
           <a:p>
             <a:fld id="{30B8CE64-9E95-47EA-AA0B-EDAF22908BEA}" type="datetime1">
               <a:rPr lang="en-US" smtClean="0"/>
-              <a:t>9/24/2015</a:t>
+              <a:t>10/8/2015</a:t>
             </a:fld>
             <a:endParaRPr lang="en-US"/>
           </a:p>
@@ -2354,7 +2354,7 @@
           <a:p>
             <a:fld id="{C05A1361-3B57-4CE1-99E9-6F73D07E7AFD}" type="datetime1">
               <a:rPr lang="en-US" smtClean="0"/>
-              <a:t>9/24/2015</a:t>
+              <a:t>10/8/2015</a:t>
             </a:fld>
             <a:endParaRPr lang="en-US"/>
           </a:p>
@@ -2534,7 +2534,7 @@
           <a:p>
             <a:fld id="{48084879-C730-49C2-9369-4526E7313D15}" type="datetime1">
               <a:rPr lang="en-US" smtClean="0"/>
-              <a:t>9/24/2015</a:t>
+              <a:t>10/8/2015</a:t>
             </a:fld>
             <a:endParaRPr lang="en-US"/>
           </a:p>
@@ -2811,7 +2811,7 @@
           <a:p>
             <a:fld id="{08B42C97-3C78-4F31-BBF5-0836FE73BBF4}" type="datetime1">
               <a:rPr lang="en-US" smtClean="0"/>
-              <a:t>9/24/2015</a:t>
+              <a:t>10/8/2015</a:t>
             </a:fld>
             <a:endParaRPr lang="en-US"/>
           </a:p>
@@ -3064,7 +3064,7 @@
           <a:p>
             <a:fld id="{20BBBBF6-E6AB-4416-A560-6979273157FF}" type="datetime1">
               <a:rPr lang="en-US" smtClean="0"/>
-              <a:t>9/24/2015</a:t>
+              <a:t>10/8/2015</a:t>
             </a:fld>
             <a:endParaRPr lang="en-US"/>
           </a:p>
@@ -3277,7 +3277,7 @@
           <a:p>
             <a:fld id="{BA333682-8707-47CB-92BD-798CEAEF6CB6}" type="datetime1">
               <a:rPr lang="en-US" smtClean="0"/>
-              <a:t>9/24/2015</a:t>
+              <a:t>10/8/2015</a:t>
             </a:fld>
             <a:endParaRPr lang="en-US"/>
           </a:p>
@@ -8487,9 +8487,7 @@
           <a:prstGeom prst="rect">
             <a:avLst/>
           </a:prstGeom>
-          <a:solidFill>
-            <a:schemeClr val="bg1"/>
-          </a:solidFill>
+          <a:noFill/>
         </p:spPr>
         <p:style>
           <a:lnRef idx="2">
@@ -8536,15 +8534,13 @@
         </p:nvSpPr>
         <p:spPr>
           <a:xfrm>
-            <a:off x="2743200" y="4957313"/>
+            <a:off x="2743200" y="4953000"/>
             <a:ext cx="3733800" cy="381000"/>
           </a:xfrm>
           <a:prstGeom prst="rect">
             <a:avLst/>
           </a:prstGeom>
-          <a:solidFill>
-            <a:schemeClr val="bg1"/>
-          </a:solidFill>
+          <a:noFill/>
         </p:spPr>
         <p:style>
           <a:lnRef idx="2">
@@ -8591,15 +8587,13 @@
         </p:nvSpPr>
         <p:spPr>
           <a:xfrm rot="16200000">
-            <a:off x="1636143" y="3469256"/>
-            <a:ext cx="2595113" cy="381000"/>
+            <a:off x="1255143" y="3464943"/>
+            <a:ext cx="3357113" cy="381000"/>
           </a:xfrm>
           <a:prstGeom prst="rect">
             <a:avLst/>
           </a:prstGeom>
-          <a:solidFill>
-            <a:schemeClr val="bg1"/>
-          </a:solidFill>
+          <a:noFill/>
         </p:spPr>
         <p:style>
           <a:lnRef idx="2">
@@ -8646,15 +8640,13 @@
         </p:nvSpPr>
         <p:spPr>
           <a:xfrm rot="16200000">
-            <a:off x="4988943" y="3469257"/>
-            <a:ext cx="2595113" cy="381000"/>
+            <a:off x="4610100" y="3467100"/>
+            <a:ext cx="3352800" cy="381000"/>
           </a:xfrm>
           <a:prstGeom prst="rect">
             <a:avLst/>
           </a:prstGeom>
-          <a:solidFill>
-            <a:schemeClr val="bg1"/>
-          </a:solidFill>
+          <a:noFill/>
         </p:spPr>
         <p:style>
           <a:lnRef idx="2">

--- a/java/JChartLib/docs/ui_framing.pptx
+++ b/java/JChartLib/docs/ui_framing.pptx
@@ -8418,805 +8418,1004 @@
           </a:p>
         </p:txBody>
       </p:sp>
-      <p:sp>
-        <p:nvSpPr>
-          <p:cNvPr id="4" name="Rectangle 3"/>
-          <p:cNvSpPr/>
+      <p:grpSp>
+        <p:nvGrpSpPr>
+          <p:cNvPr id="24" name="Group 23"/>
+          <p:cNvGrpSpPr/>
           <p:nvPr/>
-        </p:nvSpPr>
-        <p:spPr>
+        </p:nvGrpSpPr>
+        <p:grpSpPr>
           <a:xfrm>
-            <a:off x="2743200" y="1981200"/>
-            <a:ext cx="3733800" cy="3352800"/>
+            <a:off x="2705100" y="1600200"/>
+            <a:ext cx="3733800" cy="4038600"/>
+            <a:chOff x="2514600" y="1449956"/>
+            <a:chExt cx="3733800" cy="4038600"/>
           </a:xfrm>
-          <a:prstGeom prst="rect">
-            <a:avLst/>
-          </a:prstGeom>
-          <a:solidFill>
-            <a:schemeClr val="bg1"/>
-          </a:solidFill>
-        </p:spPr>
-        <p:style>
-          <a:lnRef idx="2">
-            <a:schemeClr val="accent1">
-              <a:shade val="50000"/>
-            </a:schemeClr>
-          </a:lnRef>
-          <a:fillRef idx="1">
-            <a:schemeClr val="accent1"/>
-          </a:fillRef>
-          <a:effectRef idx="0">
-            <a:schemeClr val="accent1"/>
-          </a:effectRef>
-          <a:fontRef idx="minor">
-            <a:schemeClr val="lt1"/>
-          </a:fontRef>
-        </p:style>
-        <p:txBody>
-          <a:bodyPr rtlCol="0" anchor="ctr"/>
-          <a:lstStyle/>
-          <a:p>
-            <a:pPr algn="ctr"/>
-            <a:r>
-              <a:rPr lang="en-US" dirty="0" smtClean="0">
+        </p:grpSpPr>
+        <p:sp>
+          <p:nvSpPr>
+            <p:cNvPr id="5" name="Rectangle 4"/>
+            <p:cNvSpPr/>
+            <p:nvPr/>
+          </p:nvSpPr>
+          <p:spPr>
+            <a:xfrm>
+              <a:off x="2514600" y="2135756"/>
+              <a:ext cx="3733800" cy="381000"/>
+            </a:xfrm>
+            <a:prstGeom prst="rect">
+              <a:avLst/>
+            </a:prstGeom>
+            <a:noFill/>
+            <a:ln>
+              <a:solidFill>
+                <a:schemeClr val="accent2">
+                  <a:lumMod val="60000"/>
+                  <a:lumOff val="40000"/>
+                </a:schemeClr>
+              </a:solidFill>
+            </a:ln>
+          </p:spPr>
+          <p:style>
+            <a:lnRef idx="2">
+              <a:schemeClr val="accent1">
+                <a:shade val="50000"/>
+              </a:schemeClr>
+            </a:lnRef>
+            <a:fillRef idx="1">
+              <a:schemeClr val="accent1"/>
+            </a:fillRef>
+            <a:effectRef idx="0">
+              <a:schemeClr val="accent1"/>
+            </a:effectRef>
+            <a:fontRef idx="minor">
+              <a:schemeClr val="lt1"/>
+            </a:fontRef>
+          </p:style>
+          <p:txBody>
+            <a:bodyPr rtlCol="0" anchor="ctr"/>
+            <a:lstStyle/>
+            <a:p>
+              <a:pPr algn="ctr"/>
+              <a:r>
+                <a:rPr lang="en-US" dirty="0" smtClean="0">
+                  <a:solidFill>
+                    <a:schemeClr val="tx1"/>
+                  </a:solidFill>
+                </a:rPr>
+                <a:t>Secondary Domain Title</a:t>
+              </a:r>
+              <a:endParaRPr lang="en-US" dirty="0">
                 <a:solidFill>
                   <a:schemeClr val="tx1"/>
                 </a:solidFill>
-              </a:rPr>
-              <a:t>Chart</a:t>
-            </a:r>
-            <a:endParaRPr lang="en-US" dirty="0">
+              </a:endParaRPr>
+            </a:p>
+          </p:txBody>
+        </p:sp>
+        <p:sp>
+          <p:nvSpPr>
+            <p:cNvPr id="6" name="Rectangle 5"/>
+            <p:cNvSpPr/>
+            <p:nvPr/>
+          </p:nvSpPr>
+          <p:spPr>
+            <a:xfrm>
+              <a:off x="2514600" y="5107556"/>
+              <a:ext cx="3733800" cy="381000"/>
+            </a:xfrm>
+            <a:prstGeom prst="rect">
+              <a:avLst/>
+            </a:prstGeom>
+            <a:noFill/>
+            <a:ln>
               <a:solidFill>
-                <a:schemeClr val="tx1"/>
+                <a:schemeClr val="accent2">
+                  <a:lumMod val="60000"/>
+                  <a:lumOff val="40000"/>
+                </a:schemeClr>
               </a:solidFill>
-            </a:endParaRPr>
-          </a:p>
-        </p:txBody>
-      </p:sp>
-      <p:sp>
-        <p:nvSpPr>
-          <p:cNvPr id="5" name="Rectangle 4"/>
-          <p:cNvSpPr/>
-          <p:nvPr/>
-        </p:nvSpPr>
-        <p:spPr>
-          <a:xfrm>
-            <a:off x="2743200" y="1981200"/>
-            <a:ext cx="3733800" cy="381000"/>
-          </a:xfrm>
-          <a:prstGeom prst="rect">
-            <a:avLst/>
-          </a:prstGeom>
-          <a:noFill/>
-        </p:spPr>
-        <p:style>
-          <a:lnRef idx="2">
-            <a:schemeClr val="accent1">
-              <a:shade val="50000"/>
-            </a:schemeClr>
-          </a:lnRef>
-          <a:fillRef idx="1">
-            <a:schemeClr val="accent1"/>
-          </a:fillRef>
-          <a:effectRef idx="0">
-            <a:schemeClr val="accent1"/>
-          </a:effectRef>
-          <a:fontRef idx="minor">
-            <a:schemeClr val="lt1"/>
-          </a:fontRef>
-        </p:style>
-        <p:txBody>
-          <a:bodyPr rtlCol="0" anchor="ctr"/>
-          <a:lstStyle/>
-          <a:p>
-            <a:pPr algn="ctr"/>
-            <a:r>
-              <a:rPr lang="en-US" dirty="0" smtClean="0">
+            </a:ln>
+          </p:spPr>
+          <p:style>
+            <a:lnRef idx="2">
+              <a:schemeClr val="accent1">
+                <a:shade val="50000"/>
+              </a:schemeClr>
+            </a:lnRef>
+            <a:fillRef idx="1">
+              <a:schemeClr val="accent1"/>
+            </a:fillRef>
+            <a:effectRef idx="0">
+              <a:schemeClr val="accent1"/>
+            </a:effectRef>
+            <a:fontRef idx="minor">
+              <a:schemeClr val="lt1"/>
+            </a:fontRef>
+          </p:style>
+          <p:txBody>
+            <a:bodyPr rtlCol="0" anchor="ctr"/>
+            <a:lstStyle/>
+            <a:p>
+              <a:pPr algn="ctr"/>
+              <a:r>
+                <a:rPr lang="en-US" dirty="0" smtClean="0">
+                  <a:solidFill>
+                    <a:schemeClr val="tx1"/>
+                  </a:solidFill>
+                </a:rPr>
+                <a:t>Domain Title</a:t>
+              </a:r>
+              <a:endParaRPr lang="en-US" dirty="0">
                 <a:solidFill>
                   <a:schemeClr val="tx1"/>
                 </a:solidFill>
-              </a:rPr>
-              <a:t>Secondary Domain Title</a:t>
-            </a:r>
-            <a:endParaRPr lang="en-US" dirty="0">
-              <a:solidFill>
-                <a:schemeClr val="tx1"/>
-              </a:solidFill>
-            </a:endParaRPr>
-          </a:p>
-        </p:txBody>
-      </p:sp>
-      <p:sp>
-        <p:nvSpPr>
-          <p:cNvPr id="6" name="Rectangle 5"/>
-          <p:cNvSpPr/>
-          <p:nvPr/>
-        </p:nvSpPr>
-        <p:spPr>
-          <a:xfrm>
-            <a:off x="2743200" y="4953000"/>
-            <a:ext cx="3733800" cy="381000"/>
-          </a:xfrm>
-          <a:prstGeom prst="rect">
-            <a:avLst/>
-          </a:prstGeom>
-          <a:noFill/>
-        </p:spPr>
-        <p:style>
-          <a:lnRef idx="2">
-            <a:schemeClr val="accent1">
-              <a:shade val="50000"/>
-            </a:schemeClr>
-          </a:lnRef>
-          <a:fillRef idx="1">
-            <a:schemeClr val="accent1"/>
-          </a:fillRef>
-          <a:effectRef idx="0">
-            <a:schemeClr val="accent1"/>
-          </a:effectRef>
-          <a:fontRef idx="minor">
-            <a:schemeClr val="lt1"/>
-          </a:fontRef>
-        </p:style>
-        <p:txBody>
-          <a:bodyPr rtlCol="0" anchor="ctr"/>
-          <a:lstStyle/>
-          <a:p>
-            <a:pPr algn="ctr"/>
-            <a:r>
-              <a:rPr lang="en-US" dirty="0" smtClean="0">
+              </a:endParaRPr>
+            </a:p>
+          </p:txBody>
+        </p:sp>
+        <p:sp>
+          <p:nvSpPr>
+            <p:cNvPr id="7" name="Rectangle 6"/>
+            <p:cNvSpPr/>
+            <p:nvPr/>
+          </p:nvSpPr>
+          <p:spPr>
+            <a:xfrm rot="16200000">
+              <a:off x="1026544" y="3619499"/>
+              <a:ext cx="3357113" cy="381000"/>
+            </a:xfrm>
+            <a:prstGeom prst="rect">
+              <a:avLst/>
+            </a:prstGeom>
+            <a:noFill/>
+          </p:spPr>
+          <p:style>
+            <a:lnRef idx="2">
+              <a:schemeClr val="accent1">
+                <a:shade val="50000"/>
+              </a:schemeClr>
+            </a:lnRef>
+            <a:fillRef idx="1">
+              <a:schemeClr val="accent1"/>
+            </a:fillRef>
+            <a:effectRef idx="0">
+              <a:schemeClr val="accent1"/>
+            </a:effectRef>
+            <a:fontRef idx="minor">
+              <a:schemeClr val="lt1"/>
+            </a:fontRef>
+          </p:style>
+          <p:txBody>
+            <a:bodyPr rtlCol="0" anchor="ctr"/>
+            <a:lstStyle/>
+            <a:p>
+              <a:pPr algn="ctr"/>
+              <a:r>
+                <a:rPr lang="en-US" dirty="0" smtClean="0">
+                  <a:solidFill>
+                    <a:schemeClr val="tx1"/>
+                  </a:solidFill>
+                </a:rPr>
+                <a:t>Range Title</a:t>
+              </a:r>
+              <a:endParaRPr lang="en-US" dirty="0">
                 <a:solidFill>
                   <a:schemeClr val="tx1"/>
                 </a:solidFill>
-              </a:rPr>
-              <a:t>Domain Title</a:t>
-            </a:r>
-            <a:endParaRPr lang="en-US" dirty="0">
-              <a:solidFill>
-                <a:schemeClr val="tx1"/>
-              </a:solidFill>
-            </a:endParaRPr>
-          </a:p>
-        </p:txBody>
-      </p:sp>
-      <p:sp>
-        <p:nvSpPr>
-          <p:cNvPr id="7" name="Rectangle 6"/>
-          <p:cNvSpPr/>
-          <p:nvPr/>
-        </p:nvSpPr>
-        <p:spPr>
-          <a:xfrm rot="16200000">
-            <a:off x="1255143" y="3464943"/>
-            <a:ext cx="3357113" cy="381000"/>
-          </a:xfrm>
-          <a:prstGeom prst="rect">
-            <a:avLst/>
-          </a:prstGeom>
-          <a:noFill/>
-        </p:spPr>
-        <p:style>
-          <a:lnRef idx="2">
-            <a:schemeClr val="accent1">
-              <a:shade val="50000"/>
-            </a:schemeClr>
-          </a:lnRef>
-          <a:fillRef idx="1">
-            <a:schemeClr val="accent1"/>
-          </a:fillRef>
-          <a:effectRef idx="0">
-            <a:schemeClr val="accent1"/>
-          </a:effectRef>
-          <a:fontRef idx="minor">
-            <a:schemeClr val="lt1"/>
-          </a:fontRef>
-        </p:style>
-        <p:txBody>
-          <a:bodyPr rtlCol="0" anchor="ctr"/>
-          <a:lstStyle/>
-          <a:p>
-            <a:pPr algn="ctr"/>
-            <a:r>
-              <a:rPr lang="en-US" dirty="0" smtClean="0">
+              </a:endParaRPr>
+            </a:p>
+          </p:txBody>
+        </p:sp>
+        <p:sp>
+          <p:nvSpPr>
+            <p:cNvPr id="8" name="Rectangle 7"/>
+            <p:cNvSpPr/>
+            <p:nvPr/>
+          </p:nvSpPr>
+          <p:spPr>
+            <a:xfrm rot="16200000">
+              <a:off x="4381500" y="3621656"/>
+              <a:ext cx="3352800" cy="381000"/>
+            </a:xfrm>
+            <a:prstGeom prst="rect">
+              <a:avLst/>
+            </a:prstGeom>
+            <a:noFill/>
+          </p:spPr>
+          <p:style>
+            <a:lnRef idx="2">
+              <a:schemeClr val="accent1">
+                <a:shade val="50000"/>
+              </a:schemeClr>
+            </a:lnRef>
+            <a:fillRef idx="1">
+              <a:schemeClr val="accent1"/>
+            </a:fillRef>
+            <a:effectRef idx="0">
+              <a:schemeClr val="accent1"/>
+            </a:effectRef>
+            <a:fontRef idx="minor">
+              <a:schemeClr val="lt1"/>
+            </a:fontRef>
+          </p:style>
+          <p:txBody>
+            <a:bodyPr rtlCol="0" anchor="ctr"/>
+            <a:lstStyle/>
+            <a:p>
+              <a:pPr algn="ctr"/>
+              <a:r>
+                <a:rPr lang="en-US" dirty="0" smtClean="0">
+                  <a:solidFill>
+                    <a:schemeClr val="tx1"/>
+                  </a:solidFill>
+                </a:rPr>
+                <a:t>Secondary Range Title</a:t>
+              </a:r>
+              <a:endParaRPr lang="en-US" dirty="0">
                 <a:solidFill>
                   <a:schemeClr val="tx1"/>
                 </a:solidFill>
-              </a:rPr>
-              <a:t>Range Title</a:t>
-            </a:r>
-            <a:endParaRPr lang="en-US" dirty="0">
-              <a:solidFill>
-                <a:schemeClr val="tx1"/>
-              </a:solidFill>
-            </a:endParaRPr>
-          </a:p>
-        </p:txBody>
-      </p:sp>
-      <p:sp>
-        <p:nvSpPr>
-          <p:cNvPr id="8" name="Rectangle 7"/>
-          <p:cNvSpPr/>
-          <p:nvPr/>
-        </p:nvSpPr>
-        <p:spPr>
-          <a:xfrm rot="16200000">
-            <a:off x="4610100" y="3467100"/>
-            <a:ext cx="3352800" cy="381000"/>
-          </a:xfrm>
-          <a:prstGeom prst="rect">
-            <a:avLst/>
-          </a:prstGeom>
-          <a:noFill/>
-        </p:spPr>
-        <p:style>
-          <a:lnRef idx="2">
-            <a:schemeClr val="accent1">
-              <a:shade val="50000"/>
-            </a:schemeClr>
-          </a:lnRef>
-          <a:fillRef idx="1">
-            <a:schemeClr val="accent1"/>
-          </a:fillRef>
-          <a:effectRef idx="0">
-            <a:schemeClr val="accent1"/>
-          </a:effectRef>
-          <a:fontRef idx="minor">
-            <a:schemeClr val="lt1"/>
-          </a:fontRef>
-        </p:style>
-        <p:txBody>
-          <a:bodyPr rtlCol="0" anchor="ctr"/>
-          <a:lstStyle/>
-          <a:p>
-            <a:pPr algn="ctr"/>
-            <a:r>
-              <a:rPr lang="en-US" dirty="0" smtClean="0">
+              </a:endParaRPr>
+            </a:p>
+          </p:txBody>
+        </p:sp>
+        <p:sp>
+          <p:nvSpPr>
+            <p:cNvPr id="9" name="Rectangle 8"/>
+            <p:cNvSpPr/>
+            <p:nvPr/>
+          </p:nvSpPr>
+          <p:spPr>
+            <a:xfrm>
+              <a:off x="2514600" y="1449956"/>
+              <a:ext cx="3733800" cy="381000"/>
+            </a:xfrm>
+            <a:prstGeom prst="rect">
+              <a:avLst/>
+            </a:prstGeom>
+            <a:solidFill>
+              <a:schemeClr val="bg1"/>
+            </a:solidFill>
+          </p:spPr>
+          <p:style>
+            <a:lnRef idx="2">
+              <a:schemeClr val="accent1">
+                <a:shade val="50000"/>
+              </a:schemeClr>
+            </a:lnRef>
+            <a:fillRef idx="1">
+              <a:schemeClr val="accent1"/>
+            </a:fillRef>
+            <a:effectRef idx="0">
+              <a:schemeClr val="accent1"/>
+            </a:effectRef>
+            <a:fontRef idx="minor">
+              <a:schemeClr val="lt1"/>
+            </a:fontRef>
+          </p:style>
+          <p:txBody>
+            <a:bodyPr rtlCol="0" anchor="ctr"/>
+            <a:lstStyle/>
+            <a:p>
+              <a:pPr algn="ctr"/>
+              <a:r>
+                <a:rPr lang="en-US" dirty="0" smtClean="0">
+                  <a:solidFill>
+                    <a:schemeClr val="tx1"/>
+                  </a:solidFill>
+                </a:rPr>
+                <a:t>Chart Title</a:t>
+              </a:r>
+              <a:endParaRPr lang="en-US" dirty="0">
                 <a:solidFill>
                   <a:schemeClr val="tx1"/>
                 </a:solidFill>
-              </a:rPr>
-              <a:t>Secondary Range Title</a:t>
-            </a:r>
-            <a:endParaRPr lang="en-US" dirty="0">
-              <a:solidFill>
-                <a:schemeClr val="tx1"/>
-              </a:solidFill>
-            </a:endParaRPr>
-          </a:p>
-        </p:txBody>
-      </p:sp>
-      <p:sp>
-        <p:nvSpPr>
-          <p:cNvPr id="9" name="Rectangle 8"/>
-          <p:cNvSpPr/>
-          <p:nvPr/>
-        </p:nvSpPr>
-        <p:spPr>
-          <a:xfrm>
-            <a:off x="2743200" y="1600200"/>
-            <a:ext cx="3733800" cy="381000"/>
-          </a:xfrm>
-          <a:prstGeom prst="rect">
-            <a:avLst/>
-          </a:prstGeom>
-          <a:solidFill>
-            <a:schemeClr val="bg1"/>
-          </a:solidFill>
-        </p:spPr>
-        <p:style>
-          <a:lnRef idx="2">
-            <a:schemeClr val="accent1">
-              <a:shade val="50000"/>
-            </a:schemeClr>
-          </a:lnRef>
-          <a:fillRef idx="1">
-            <a:schemeClr val="accent1"/>
-          </a:fillRef>
-          <a:effectRef idx="0">
-            <a:schemeClr val="accent1"/>
-          </a:effectRef>
-          <a:fontRef idx="minor">
-            <a:schemeClr val="lt1"/>
-          </a:fontRef>
-        </p:style>
-        <p:txBody>
-          <a:bodyPr rtlCol="0" anchor="ctr"/>
-          <a:lstStyle/>
-          <a:p>
-            <a:pPr algn="ctr"/>
-            <a:r>
-              <a:rPr lang="en-US" dirty="0" smtClean="0">
+              </a:endParaRPr>
+            </a:p>
+          </p:txBody>
+        </p:sp>
+        <p:sp>
+          <p:nvSpPr>
+            <p:cNvPr id="10" name="Rectangle 9"/>
+            <p:cNvSpPr/>
+            <p:nvPr/>
+          </p:nvSpPr>
+          <p:spPr>
+            <a:xfrm>
+              <a:off x="3048000" y="4874643"/>
+              <a:ext cx="1066800" cy="232913"/>
+            </a:xfrm>
+            <a:prstGeom prst="rect">
+              <a:avLst/>
+            </a:prstGeom>
+            <a:solidFill>
+              <a:schemeClr val="bg1"/>
+            </a:solidFill>
+          </p:spPr>
+          <p:style>
+            <a:lnRef idx="2">
+              <a:schemeClr val="accent1">
+                <a:shade val="50000"/>
+              </a:schemeClr>
+            </a:lnRef>
+            <a:fillRef idx="1">
+              <a:schemeClr val="accent1"/>
+            </a:fillRef>
+            <a:effectRef idx="0">
+              <a:schemeClr val="accent1"/>
+            </a:effectRef>
+            <a:fontRef idx="minor">
+              <a:schemeClr val="lt1"/>
+            </a:fontRef>
+          </p:style>
+          <p:txBody>
+            <a:bodyPr rtlCol="0" anchor="ctr"/>
+            <a:lstStyle/>
+            <a:p>
+              <a:pPr algn="ctr"/>
+              <a:r>
+                <a:rPr lang="en-US" sz="1200" dirty="0" smtClean="0">
+                  <a:solidFill>
+                    <a:schemeClr val="tx1"/>
+                  </a:solidFill>
+                </a:rPr>
+                <a:t>min D tick</a:t>
+              </a:r>
+              <a:endParaRPr lang="en-US" sz="1200" dirty="0">
                 <a:solidFill>
                   <a:schemeClr val="tx1"/>
                 </a:solidFill>
-              </a:rPr>
-              <a:t>Chart Title</a:t>
-            </a:r>
-            <a:endParaRPr lang="en-US" dirty="0">
-              <a:solidFill>
-                <a:schemeClr val="tx1"/>
-              </a:solidFill>
-            </a:endParaRPr>
-          </a:p>
-        </p:txBody>
-      </p:sp>
-      <p:sp>
-        <p:nvSpPr>
-          <p:cNvPr id="10" name="Rectangle 9"/>
-          <p:cNvSpPr/>
-          <p:nvPr/>
-        </p:nvSpPr>
-        <p:spPr>
-          <a:xfrm>
-            <a:off x="3124200" y="4724399"/>
-            <a:ext cx="1066800" cy="232913"/>
-          </a:xfrm>
-          <a:prstGeom prst="rect">
-            <a:avLst/>
-          </a:prstGeom>
-          <a:solidFill>
-            <a:schemeClr val="bg1"/>
-          </a:solidFill>
-        </p:spPr>
-        <p:style>
-          <a:lnRef idx="2">
-            <a:schemeClr val="accent1">
-              <a:shade val="50000"/>
-            </a:schemeClr>
-          </a:lnRef>
-          <a:fillRef idx="1">
-            <a:schemeClr val="accent1"/>
-          </a:fillRef>
-          <a:effectRef idx="0">
-            <a:schemeClr val="accent1"/>
-          </a:effectRef>
-          <a:fontRef idx="minor">
-            <a:schemeClr val="lt1"/>
-          </a:fontRef>
-        </p:style>
-        <p:txBody>
-          <a:bodyPr rtlCol="0" anchor="ctr"/>
-          <a:lstStyle/>
-          <a:p>
-            <a:pPr algn="ctr"/>
-            <a:r>
-              <a:rPr lang="en-US" sz="1200" dirty="0" smtClean="0">
+              </a:endParaRPr>
+            </a:p>
+          </p:txBody>
+        </p:sp>
+        <p:sp>
+          <p:nvSpPr>
+            <p:cNvPr id="11" name="Rectangle 10"/>
+            <p:cNvSpPr/>
+            <p:nvPr/>
+          </p:nvSpPr>
+          <p:spPr>
+            <a:xfrm>
+              <a:off x="4648200" y="4871765"/>
+              <a:ext cx="1066800" cy="232913"/>
+            </a:xfrm>
+            <a:prstGeom prst="rect">
+              <a:avLst/>
+            </a:prstGeom>
+            <a:solidFill>
+              <a:schemeClr val="bg1"/>
+            </a:solidFill>
+          </p:spPr>
+          <p:style>
+            <a:lnRef idx="2">
+              <a:schemeClr val="accent1">
+                <a:shade val="50000"/>
+              </a:schemeClr>
+            </a:lnRef>
+            <a:fillRef idx="1">
+              <a:schemeClr val="accent1"/>
+            </a:fillRef>
+            <a:effectRef idx="0">
+              <a:schemeClr val="accent1"/>
+            </a:effectRef>
+            <a:fontRef idx="minor">
+              <a:schemeClr val="lt1"/>
+            </a:fontRef>
+          </p:style>
+          <p:txBody>
+            <a:bodyPr rtlCol="0" anchor="ctr"/>
+            <a:lstStyle/>
+            <a:p>
+              <a:pPr algn="ctr"/>
+              <a:r>
+                <a:rPr lang="en-US" sz="1200" dirty="0" smtClean="0">
+                  <a:solidFill>
+                    <a:schemeClr val="tx1"/>
+                  </a:solidFill>
+                </a:rPr>
+                <a:t>max D tick</a:t>
+              </a:r>
+              <a:endParaRPr lang="en-US" sz="1200" dirty="0">
                 <a:solidFill>
                   <a:schemeClr val="tx1"/>
                 </a:solidFill>
-              </a:rPr>
-              <a:t>min D tick</a:t>
-            </a:r>
-            <a:endParaRPr lang="en-US" sz="1200" dirty="0">
-              <a:solidFill>
-                <a:schemeClr val="tx1"/>
-              </a:solidFill>
-            </a:endParaRPr>
-          </a:p>
-        </p:txBody>
-      </p:sp>
-      <p:sp>
-        <p:nvSpPr>
-          <p:cNvPr id="11" name="Rectangle 10"/>
-          <p:cNvSpPr/>
-          <p:nvPr/>
-        </p:nvSpPr>
-        <p:spPr>
-          <a:xfrm>
-            <a:off x="5029200" y="4717209"/>
-            <a:ext cx="1066800" cy="232913"/>
-          </a:xfrm>
-          <a:prstGeom prst="rect">
-            <a:avLst/>
-          </a:prstGeom>
-          <a:solidFill>
-            <a:schemeClr val="bg1"/>
-          </a:solidFill>
-        </p:spPr>
-        <p:style>
-          <a:lnRef idx="2">
-            <a:schemeClr val="accent1">
-              <a:shade val="50000"/>
-            </a:schemeClr>
-          </a:lnRef>
-          <a:fillRef idx="1">
-            <a:schemeClr val="accent1"/>
-          </a:fillRef>
-          <a:effectRef idx="0">
-            <a:schemeClr val="accent1"/>
-          </a:effectRef>
-          <a:fontRef idx="minor">
-            <a:schemeClr val="lt1"/>
-          </a:fontRef>
-        </p:style>
-        <p:txBody>
-          <a:bodyPr rtlCol="0" anchor="ctr"/>
-          <a:lstStyle/>
-          <a:p>
-            <a:pPr algn="ctr"/>
-            <a:r>
-              <a:rPr lang="en-US" sz="1200" dirty="0" smtClean="0">
+              </a:endParaRPr>
+            </a:p>
+          </p:txBody>
+        </p:sp>
+        <p:sp>
+          <p:nvSpPr>
+            <p:cNvPr id="12" name="Rectangle 11"/>
+            <p:cNvSpPr/>
+            <p:nvPr/>
+          </p:nvSpPr>
+          <p:spPr>
+            <a:xfrm>
+              <a:off x="3048000" y="2516756"/>
+              <a:ext cx="1066800" cy="232913"/>
+            </a:xfrm>
+            <a:prstGeom prst="rect">
+              <a:avLst/>
+            </a:prstGeom>
+            <a:solidFill>
+              <a:schemeClr val="bg1"/>
+            </a:solidFill>
+          </p:spPr>
+          <p:style>
+            <a:lnRef idx="2">
+              <a:schemeClr val="accent1">
+                <a:shade val="50000"/>
+              </a:schemeClr>
+            </a:lnRef>
+            <a:fillRef idx="1">
+              <a:schemeClr val="accent1"/>
+            </a:fillRef>
+            <a:effectRef idx="0">
+              <a:schemeClr val="accent1"/>
+            </a:effectRef>
+            <a:fontRef idx="minor">
+              <a:schemeClr val="lt1"/>
+            </a:fontRef>
+          </p:style>
+          <p:txBody>
+            <a:bodyPr rtlCol="0" anchor="ctr"/>
+            <a:lstStyle/>
+            <a:p>
+              <a:pPr algn="ctr"/>
+              <a:r>
+                <a:rPr lang="en-US" sz="1200" dirty="0" smtClean="0">
+                  <a:solidFill>
+                    <a:schemeClr val="tx1"/>
+                  </a:solidFill>
+                </a:rPr>
+                <a:t>min SD tick</a:t>
+              </a:r>
+              <a:endParaRPr lang="en-US" sz="1200" dirty="0">
                 <a:solidFill>
                   <a:schemeClr val="tx1"/>
                 </a:solidFill>
-              </a:rPr>
-              <a:t>max D tick</a:t>
-            </a:r>
-            <a:endParaRPr lang="en-US" sz="1200" dirty="0">
-              <a:solidFill>
-                <a:schemeClr val="tx1"/>
-              </a:solidFill>
-            </a:endParaRPr>
-          </a:p>
-        </p:txBody>
-      </p:sp>
-      <p:sp>
-        <p:nvSpPr>
-          <p:cNvPr id="12" name="Rectangle 11"/>
-          <p:cNvSpPr/>
-          <p:nvPr/>
-        </p:nvSpPr>
-        <p:spPr>
-          <a:xfrm>
-            <a:off x="3124200" y="2362200"/>
-            <a:ext cx="1066800" cy="232913"/>
-          </a:xfrm>
-          <a:prstGeom prst="rect">
-            <a:avLst/>
-          </a:prstGeom>
-          <a:solidFill>
-            <a:schemeClr val="bg1"/>
-          </a:solidFill>
-        </p:spPr>
-        <p:style>
-          <a:lnRef idx="2">
-            <a:schemeClr val="accent1">
-              <a:shade val="50000"/>
-            </a:schemeClr>
-          </a:lnRef>
-          <a:fillRef idx="1">
-            <a:schemeClr val="accent1"/>
-          </a:fillRef>
-          <a:effectRef idx="0">
-            <a:schemeClr val="accent1"/>
-          </a:effectRef>
-          <a:fontRef idx="minor">
-            <a:schemeClr val="lt1"/>
-          </a:fontRef>
-        </p:style>
-        <p:txBody>
-          <a:bodyPr rtlCol="0" anchor="ctr"/>
-          <a:lstStyle/>
-          <a:p>
-            <a:pPr algn="ctr"/>
-            <a:r>
-              <a:rPr lang="en-US" sz="1200" dirty="0" smtClean="0">
+              </a:endParaRPr>
+            </a:p>
+          </p:txBody>
+        </p:sp>
+        <p:sp>
+          <p:nvSpPr>
+            <p:cNvPr id="13" name="Rectangle 12"/>
+            <p:cNvSpPr/>
+            <p:nvPr/>
+          </p:nvSpPr>
+          <p:spPr>
+            <a:xfrm>
+              <a:off x="4648200" y="2516756"/>
+              <a:ext cx="1066800" cy="232913"/>
+            </a:xfrm>
+            <a:prstGeom prst="rect">
+              <a:avLst/>
+            </a:prstGeom>
+            <a:solidFill>
+              <a:schemeClr val="bg1"/>
+            </a:solidFill>
+          </p:spPr>
+          <p:style>
+            <a:lnRef idx="2">
+              <a:schemeClr val="accent1">
+                <a:shade val="50000"/>
+              </a:schemeClr>
+            </a:lnRef>
+            <a:fillRef idx="1">
+              <a:schemeClr val="accent1"/>
+            </a:fillRef>
+            <a:effectRef idx="0">
+              <a:schemeClr val="accent1"/>
+            </a:effectRef>
+            <a:fontRef idx="minor">
+              <a:schemeClr val="lt1"/>
+            </a:fontRef>
+          </p:style>
+          <p:txBody>
+            <a:bodyPr rtlCol="0" anchor="ctr"/>
+            <a:lstStyle/>
+            <a:p>
+              <a:pPr algn="ctr"/>
+              <a:r>
+                <a:rPr lang="en-US" sz="1200" dirty="0" smtClean="0">
+                  <a:solidFill>
+                    <a:schemeClr val="tx1"/>
+                  </a:solidFill>
+                </a:rPr>
+                <a:t>max SD tick</a:t>
+              </a:r>
+              <a:endParaRPr lang="en-US" sz="1200" dirty="0">
                 <a:solidFill>
                   <a:schemeClr val="tx1"/>
                 </a:solidFill>
-              </a:rPr>
-              <a:t>min SD tick</a:t>
-            </a:r>
-            <a:endParaRPr lang="en-US" sz="1200" dirty="0">
-              <a:solidFill>
-                <a:schemeClr val="tx1"/>
-              </a:solidFill>
-            </a:endParaRPr>
-          </a:p>
-        </p:txBody>
-      </p:sp>
-      <p:sp>
-        <p:nvSpPr>
-          <p:cNvPr id="13" name="Rectangle 12"/>
-          <p:cNvSpPr/>
-          <p:nvPr/>
-        </p:nvSpPr>
-        <p:spPr>
-          <a:xfrm>
-            <a:off x="4953000" y="2362200"/>
-            <a:ext cx="1143000" cy="232913"/>
-          </a:xfrm>
-          <a:prstGeom prst="rect">
-            <a:avLst/>
-          </a:prstGeom>
-          <a:solidFill>
-            <a:schemeClr val="bg1"/>
-          </a:solidFill>
-        </p:spPr>
-        <p:style>
-          <a:lnRef idx="2">
-            <a:schemeClr val="accent1">
-              <a:shade val="50000"/>
-            </a:schemeClr>
-          </a:lnRef>
-          <a:fillRef idx="1">
-            <a:schemeClr val="accent1"/>
-          </a:fillRef>
-          <a:effectRef idx="0">
-            <a:schemeClr val="accent1"/>
-          </a:effectRef>
-          <a:fontRef idx="minor">
-            <a:schemeClr val="lt1"/>
-          </a:fontRef>
-        </p:style>
-        <p:txBody>
-          <a:bodyPr rtlCol="0" anchor="ctr"/>
-          <a:lstStyle/>
-          <a:p>
-            <a:pPr algn="ctr"/>
-            <a:r>
-              <a:rPr lang="en-US" sz="1200" dirty="0" smtClean="0">
+              </a:endParaRPr>
+            </a:p>
+          </p:txBody>
+        </p:sp>
+        <p:sp>
+          <p:nvSpPr>
+            <p:cNvPr id="14" name="Rectangle 13"/>
+            <p:cNvSpPr/>
+            <p:nvPr/>
+          </p:nvSpPr>
+          <p:spPr>
+            <a:xfrm>
+              <a:off x="3581400" y="2749669"/>
+              <a:ext cx="1600200" cy="2122096"/>
+            </a:xfrm>
+            <a:prstGeom prst="rect">
+              <a:avLst/>
+            </a:prstGeom>
+            <a:noFill/>
+          </p:spPr>
+          <p:style>
+            <a:lnRef idx="2">
+              <a:schemeClr val="accent1">
+                <a:shade val="50000"/>
+              </a:schemeClr>
+            </a:lnRef>
+            <a:fillRef idx="1">
+              <a:schemeClr val="accent1"/>
+            </a:fillRef>
+            <a:effectRef idx="0">
+              <a:schemeClr val="accent1"/>
+            </a:effectRef>
+            <a:fontRef idx="minor">
+              <a:schemeClr val="lt1"/>
+            </a:fontRef>
+          </p:style>
+          <p:txBody>
+            <a:bodyPr rtlCol="0" anchor="ctr"/>
+            <a:lstStyle/>
+            <a:p>
+              <a:pPr algn="ctr"/>
+              <a:endParaRPr lang="en-US" dirty="0">
                 <a:solidFill>
                   <a:schemeClr val="tx1"/>
                 </a:solidFill>
-              </a:rPr>
-              <a:t>max SD tick</a:t>
-            </a:r>
-            <a:endParaRPr lang="en-US" sz="1200" dirty="0">
-              <a:solidFill>
-                <a:schemeClr val="tx1"/>
-              </a:solidFill>
-            </a:endParaRPr>
-          </a:p>
-        </p:txBody>
-      </p:sp>
-      <p:sp>
-        <p:nvSpPr>
-          <p:cNvPr id="14" name="Rectangle 13"/>
-          <p:cNvSpPr/>
-          <p:nvPr/>
-        </p:nvSpPr>
-        <p:spPr>
-          <a:xfrm>
-            <a:off x="3810000" y="2595113"/>
-            <a:ext cx="1600200" cy="2122096"/>
-          </a:xfrm>
-          <a:prstGeom prst="rect">
-            <a:avLst/>
-          </a:prstGeom>
-          <a:noFill/>
-        </p:spPr>
-        <p:style>
-          <a:lnRef idx="2">
-            <a:schemeClr val="accent1">
-              <a:shade val="50000"/>
-            </a:schemeClr>
-          </a:lnRef>
-          <a:fillRef idx="1">
-            <a:schemeClr val="accent1"/>
-          </a:fillRef>
-          <a:effectRef idx="0">
-            <a:schemeClr val="accent1"/>
-          </a:effectRef>
-          <a:fontRef idx="minor">
-            <a:schemeClr val="lt1"/>
-          </a:fontRef>
-        </p:style>
-        <p:txBody>
-          <a:bodyPr rtlCol="0" anchor="ctr"/>
-          <a:lstStyle/>
-          <a:p>
-            <a:pPr algn="ctr"/>
-            <a:endParaRPr lang="en-US" dirty="0">
-              <a:solidFill>
-                <a:schemeClr val="tx1"/>
-              </a:solidFill>
-            </a:endParaRPr>
-          </a:p>
-        </p:txBody>
-      </p:sp>
-      <p:sp>
-        <p:nvSpPr>
-          <p:cNvPr id="15" name="Rectangle 14"/>
-          <p:cNvSpPr/>
-          <p:nvPr/>
-        </p:nvSpPr>
-        <p:spPr>
-          <a:xfrm>
-            <a:off x="3124200" y="4419599"/>
-            <a:ext cx="685800" cy="381001"/>
-          </a:xfrm>
-          <a:prstGeom prst="rect">
-            <a:avLst/>
-          </a:prstGeom>
-          <a:noFill/>
-        </p:spPr>
-        <p:style>
-          <a:lnRef idx="2">
-            <a:schemeClr val="accent1">
-              <a:shade val="50000"/>
-            </a:schemeClr>
-          </a:lnRef>
-          <a:fillRef idx="1">
-            <a:schemeClr val="accent1"/>
-          </a:fillRef>
-          <a:effectRef idx="0">
-            <a:schemeClr val="accent1"/>
-          </a:effectRef>
-          <a:fontRef idx="minor">
-            <a:schemeClr val="lt1"/>
-          </a:fontRef>
-        </p:style>
-        <p:txBody>
-          <a:bodyPr rtlCol="0" anchor="ctr"/>
-          <a:lstStyle/>
-          <a:p>
-            <a:pPr algn="ctr"/>
-            <a:r>
-              <a:rPr lang="en-US" sz="1200" dirty="0" smtClean="0">
+              </a:endParaRPr>
+            </a:p>
+          </p:txBody>
+        </p:sp>
+        <p:sp>
+          <p:nvSpPr>
+            <p:cNvPr id="15" name="Rectangle 14"/>
+            <p:cNvSpPr/>
+            <p:nvPr/>
+          </p:nvSpPr>
+          <p:spPr>
+            <a:xfrm>
+              <a:off x="2895600" y="4574155"/>
+              <a:ext cx="685800" cy="381001"/>
+            </a:xfrm>
+            <a:prstGeom prst="rect">
+              <a:avLst/>
+            </a:prstGeom>
+            <a:noFill/>
+          </p:spPr>
+          <p:style>
+            <a:lnRef idx="2">
+              <a:schemeClr val="accent1">
+                <a:shade val="50000"/>
+              </a:schemeClr>
+            </a:lnRef>
+            <a:fillRef idx="1">
+              <a:schemeClr val="accent1"/>
+            </a:fillRef>
+            <a:effectRef idx="0">
+              <a:schemeClr val="accent1"/>
+            </a:effectRef>
+            <a:fontRef idx="minor">
+              <a:schemeClr val="lt1"/>
+            </a:fontRef>
+          </p:style>
+          <p:txBody>
+            <a:bodyPr rtlCol="0" anchor="ctr"/>
+            <a:lstStyle/>
+            <a:p>
+              <a:pPr algn="ctr"/>
+              <a:r>
+                <a:rPr lang="en-US" sz="1200" dirty="0" smtClean="0">
+                  <a:solidFill>
+                    <a:schemeClr val="tx1"/>
+                  </a:solidFill>
+                </a:rPr>
+                <a:t>min R tick</a:t>
+              </a:r>
+              <a:endParaRPr lang="en-US" sz="1200" dirty="0">
                 <a:solidFill>
                   <a:schemeClr val="tx1"/>
                 </a:solidFill>
-              </a:rPr>
-              <a:t>min R tick</a:t>
-            </a:r>
-            <a:endParaRPr lang="en-US" sz="1200" dirty="0">
-              <a:solidFill>
-                <a:schemeClr val="tx1"/>
-              </a:solidFill>
-            </a:endParaRPr>
-          </a:p>
-        </p:txBody>
-      </p:sp>
-      <p:sp>
-        <p:nvSpPr>
-          <p:cNvPr id="16" name="Rectangle 15"/>
-          <p:cNvSpPr/>
-          <p:nvPr/>
-        </p:nvSpPr>
-        <p:spPr>
-          <a:xfrm>
-            <a:off x="3124200" y="2514599"/>
-            <a:ext cx="685800" cy="381001"/>
-          </a:xfrm>
-          <a:prstGeom prst="rect">
-            <a:avLst/>
-          </a:prstGeom>
-          <a:noFill/>
-        </p:spPr>
-        <p:style>
-          <a:lnRef idx="2">
-            <a:schemeClr val="accent1">
-              <a:shade val="50000"/>
-            </a:schemeClr>
-          </a:lnRef>
-          <a:fillRef idx="1">
-            <a:schemeClr val="accent1"/>
-          </a:fillRef>
-          <a:effectRef idx="0">
-            <a:schemeClr val="accent1"/>
-          </a:effectRef>
-          <a:fontRef idx="minor">
-            <a:schemeClr val="lt1"/>
-          </a:fontRef>
-        </p:style>
-        <p:txBody>
-          <a:bodyPr rtlCol="0" anchor="ctr"/>
-          <a:lstStyle/>
-          <a:p>
-            <a:pPr algn="ctr"/>
-            <a:r>
-              <a:rPr lang="en-US" sz="1200" dirty="0" smtClean="0">
+              </a:endParaRPr>
+            </a:p>
+          </p:txBody>
+        </p:sp>
+        <p:sp>
+          <p:nvSpPr>
+            <p:cNvPr id="16" name="Rectangle 15"/>
+            <p:cNvSpPr/>
+            <p:nvPr/>
+          </p:nvSpPr>
+          <p:spPr>
+            <a:xfrm>
+              <a:off x="2895600" y="2669155"/>
+              <a:ext cx="685800" cy="381001"/>
+            </a:xfrm>
+            <a:prstGeom prst="rect">
+              <a:avLst/>
+            </a:prstGeom>
+            <a:noFill/>
+          </p:spPr>
+          <p:style>
+            <a:lnRef idx="2">
+              <a:schemeClr val="accent1">
+                <a:shade val="50000"/>
+              </a:schemeClr>
+            </a:lnRef>
+            <a:fillRef idx="1">
+              <a:schemeClr val="accent1"/>
+            </a:fillRef>
+            <a:effectRef idx="0">
+              <a:schemeClr val="accent1"/>
+            </a:effectRef>
+            <a:fontRef idx="minor">
+              <a:schemeClr val="lt1"/>
+            </a:fontRef>
+          </p:style>
+          <p:txBody>
+            <a:bodyPr rtlCol="0" anchor="ctr"/>
+            <a:lstStyle/>
+            <a:p>
+              <a:pPr algn="ctr"/>
+              <a:r>
+                <a:rPr lang="en-US" sz="1200" dirty="0" smtClean="0">
+                  <a:solidFill>
+                    <a:schemeClr val="tx1"/>
+                  </a:solidFill>
+                </a:rPr>
+                <a:t>max R tick</a:t>
+              </a:r>
+              <a:endParaRPr lang="en-US" sz="1200" dirty="0">
                 <a:solidFill>
                   <a:schemeClr val="tx1"/>
                 </a:solidFill>
-              </a:rPr>
-              <a:t>max R tick</a:t>
-            </a:r>
-            <a:endParaRPr lang="en-US" sz="1200" dirty="0">
-              <a:solidFill>
-                <a:schemeClr val="tx1"/>
-              </a:solidFill>
-            </a:endParaRPr>
-          </a:p>
-        </p:txBody>
-      </p:sp>
-      <p:sp>
-        <p:nvSpPr>
-          <p:cNvPr id="17" name="Rectangle 16"/>
-          <p:cNvSpPr/>
-          <p:nvPr/>
-        </p:nvSpPr>
-        <p:spPr>
-          <a:xfrm>
-            <a:off x="5410200" y="4419599"/>
-            <a:ext cx="685800" cy="381001"/>
-          </a:xfrm>
-          <a:prstGeom prst="rect">
-            <a:avLst/>
-          </a:prstGeom>
-          <a:noFill/>
-        </p:spPr>
-        <p:style>
-          <a:lnRef idx="2">
-            <a:schemeClr val="accent1">
-              <a:shade val="50000"/>
-            </a:schemeClr>
-          </a:lnRef>
-          <a:fillRef idx="1">
-            <a:schemeClr val="accent1"/>
-          </a:fillRef>
-          <a:effectRef idx="0">
-            <a:schemeClr val="accent1"/>
-          </a:effectRef>
-          <a:fontRef idx="minor">
-            <a:schemeClr val="lt1"/>
-          </a:fontRef>
-        </p:style>
-        <p:txBody>
-          <a:bodyPr rtlCol="0" anchor="ctr"/>
-          <a:lstStyle/>
-          <a:p>
-            <a:pPr algn="ctr"/>
-            <a:r>
-              <a:rPr lang="en-US" sz="1200" dirty="0" smtClean="0">
+              </a:endParaRPr>
+            </a:p>
+          </p:txBody>
+        </p:sp>
+        <p:sp>
+          <p:nvSpPr>
+            <p:cNvPr id="17" name="Rectangle 16"/>
+            <p:cNvSpPr/>
+            <p:nvPr/>
+          </p:nvSpPr>
+          <p:spPr>
+            <a:xfrm>
+              <a:off x="5181600" y="4574155"/>
+              <a:ext cx="685800" cy="381001"/>
+            </a:xfrm>
+            <a:prstGeom prst="rect">
+              <a:avLst/>
+            </a:prstGeom>
+            <a:noFill/>
+          </p:spPr>
+          <p:style>
+            <a:lnRef idx="2">
+              <a:schemeClr val="accent1">
+                <a:shade val="50000"/>
+              </a:schemeClr>
+            </a:lnRef>
+            <a:fillRef idx="1">
+              <a:schemeClr val="accent1"/>
+            </a:fillRef>
+            <a:effectRef idx="0">
+              <a:schemeClr val="accent1"/>
+            </a:effectRef>
+            <a:fontRef idx="minor">
+              <a:schemeClr val="lt1"/>
+            </a:fontRef>
+          </p:style>
+          <p:txBody>
+            <a:bodyPr rtlCol="0" anchor="ctr"/>
+            <a:lstStyle/>
+            <a:p>
+              <a:pPr algn="ctr"/>
+              <a:r>
+                <a:rPr lang="en-US" sz="1200" dirty="0" smtClean="0">
+                  <a:solidFill>
+                    <a:schemeClr val="tx1"/>
+                  </a:solidFill>
+                </a:rPr>
+                <a:t>min SR tick</a:t>
+              </a:r>
+              <a:endParaRPr lang="en-US" sz="1200" dirty="0">
                 <a:solidFill>
                   <a:schemeClr val="tx1"/>
                 </a:solidFill>
-              </a:rPr>
-              <a:t>min SR tick</a:t>
-            </a:r>
-            <a:endParaRPr lang="en-US" sz="1200" dirty="0">
-              <a:solidFill>
-                <a:schemeClr val="tx1"/>
-              </a:solidFill>
-            </a:endParaRPr>
-          </a:p>
-        </p:txBody>
-      </p:sp>
-      <p:sp>
-        <p:nvSpPr>
-          <p:cNvPr id="18" name="Rectangle 17"/>
-          <p:cNvSpPr/>
-          <p:nvPr/>
-        </p:nvSpPr>
-        <p:spPr>
-          <a:xfrm>
-            <a:off x="5410200" y="2514599"/>
-            <a:ext cx="685800" cy="381001"/>
-          </a:xfrm>
-          <a:prstGeom prst="rect">
-            <a:avLst/>
-          </a:prstGeom>
-          <a:noFill/>
-        </p:spPr>
-        <p:style>
-          <a:lnRef idx="2">
-            <a:schemeClr val="accent1">
-              <a:shade val="50000"/>
-            </a:schemeClr>
-          </a:lnRef>
-          <a:fillRef idx="1">
-            <a:schemeClr val="accent1"/>
-          </a:fillRef>
-          <a:effectRef idx="0">
-            <a:schemeClr val="accent1"/>
-          </a:effectRef>
-          <a:fontRef idx="minor">
-            <a:schemeClr val="lt1"/>
-          </a:fontRef>
-        </p:style>
-        <p:txBody>
-          <a:bodyPr rtlCol="0" anchor="ctr"/>
-          <a:lstStyle/>
-          <a:p>
-            <a:pPr algn="ctr"/>
-            <a:r>
-              <a:rPr lang="en-US" sz="1200" dirty="0" smtClean="0">
+              </a:endParaRPr>
+            </a:p>
+          </p:txBody>
+        </p:sp>
+        <p:sp>
+          <p:nvSpPr>
+            <p:cNvPr id="18" name="Rectangle 17"/>
+            <p:cNvSpPr/>
+            <p:nvPr/>
+          </p:nvSpPr>
+          <p:spPr>
+            <a:xfrm>
+              <a:off x="5181600" y="2669155"/>
+              <a:ext cx="685800" cy="381001"/>
+            </a:xfrm>
+            <a:prstGeom prst="rect">
+              <a:avLst/>
+            </a:prstGeom>
+            <a:noFill/>
+          </p:spPr>
+          <p:style>
+            <a:lnRef idx="2">
+              <a:schemeClr val="accent1">
+                <a:shade val="50000"/>
+              </a:schemeClr>
+            </a:lnRef>
+            <a:fillRef idx="1">
+              <a:schemeClr val="accent1"/>
+            </a:fillRef>
+            <a:effectRef idx="0">
+              <a:schemeClr val="accent1"/>
+            </a:effectRef>
+            <a:fontRef idx="minor">
+              <a:schemeClr val="lt1"/>
+            </a:fontRef>
+          </p:style>
+          <p:txBody>
+            <a:bodyPr rtlCol="0" anchor="ctr"/>
+            <a:lstStyle/>
+            <a:p>
+              <a:pPr algn="ctr"/>
+              <a:r>
+                <a:rPr lang="en-US" sz="1200" dirty="0" smtClean="0">
+                  <a:solidFill>
+                    <a:schemeClr val="tx1"/>
+                  </a:solidFill>
+                </a:rPr>
+                <a:t>max SR tick</a:t>
+              </a:r>
+              <a:endParaRPr lang="en-US" sz="1200" dirty="0">
                 <a:solidFill>
                   <a:schemeClr val="tx1"/>
                 </a:solidFill>
-              </a:rPr>
-              <a:t>max SR tick</a:t>
-            </a:r>
-            <a:endParaRPr lang="en-US" sz="1200" dirty="0">
+              </a:endParaRPr>
+            </a:p>
+          </p:txBody>
+        </p:sp>
+        <p:sp>
+          <p:nvSpPr>
+            <p:cNvPr id="19" name="Rectangle 18"/>
+            <p:cNvSpPr/>
+            <p:nvPr/>
+          </p:nvSpPr>
+          <p:spPr>
+            <a:xfrm>
+              <a:off x="5334000" y="5336156"/>
+              <a:ext cx="914400" cy="152400"/>
+            </a:xfrm>
+            <a:prstGeom prst="rect">
+              <a:avLst/>
+            </a:prstGeom>
+            <a:noFill/>
+          </p:spPr>
+          <p:style>
+            <a:lnRef idx="2">
+              <a:schemeClr val="accent1">
+                <a:shade val="50000"/>
+              </a:schemeClr>
+            </a:lnRef>
+            <a:fillRef idx="1">
+              <a:schemeClr val="accent1"/>
+            </a:fillRef>
+            <a:effectRef idx="0">
+              <a:schemeClr val="accent1"/>
+            </a:effectRef>
+            <a:fontRef idx="minor">
+              <a:schemeClr val="lt1"/>
+            </a:fontRef>
+          </p:style>
+          <p:txBody>
+            <a:bodyPr rtlCol="0" anchor="ctr"/>
+            <a:lstStyle/>
+            <a:p>
+              <a:pPr algn="r"/>
+              <a:r>
+                <a:rPr lang="en-US" sz="1100" dirty="0" smtClean="0">
+                  <a:solidFill>
+                    <a:schemeClr val="tx1"/>
+                  </a:solidFill>
+                </a:rPr>
+                <a:t>Top/Bottom</a:t>
+              </a:r>
+              <a:endParaRPr lang="en-US" sz="1100" dirty="0">
+                <a:solidFill>
+                  <a:schemeClr val="tx1"/>
+                </a:solidFill>
+              </a:endParaRPr>
+            </a:p>
+          </p:txBody>
+        </p:sp>
+        <p:sp>
+          <p:nvSpPr>
+            <p:cNvPr id="20" name="Rectangle 19"/>
+            <p:cNvSpPr/>
+            <p:nvPr/>
+          </p:nvSpPr>
+          <p:spPr>
+            <a:xfrm>
+              <a:off x="2514600" y="1449956"/>
+              <a:ext cx="914400" cy="152400"/>
+            </a:xfrm>
+            <a:prstGeom prst="rect">
+              <a:avLst/>
+            </a:prstGeom>
+            <a:noFill/>
+          </p:spPr>
+          <p:style>
+            <a:lnRef idx="2">
+              <a:schemeClr val="accent1">
+                <a:shade val="50000"/>
+              </a:schemeClr>
+            </a:lnRef>
+            <a:fillRef idx="1">
+              <a:schemeClr val="accent1"/>
+            </a:fillRef>
+            <a:effectRef idx="0">
+              <a:schemeClr val="accent1"/>
+            </a:effectRef>
+            <a:fontRef idx="minor">
+              <a:schemeClr val="lt1"/>
+            </a:fontRef>
+          </p:style>
+          <p:txBody>
+            <a:bodyPr rtlCol="0" anchor="ctr"/>
+            <a:lstStyle/>
+            <a:p>
+              <a:pPr algn="r"/>
+              <a:r>
+                <a:rPr lang="en-US" sz="1100" dirty="0" smtClean="0">
+                  <a:solidFill>
+                    <a:schemeClr val="tx1"/>
+                  </a:solidFill>
+                </a:rPr>
+                <a:t>Top/Bottom</a:t>
+              </a:r>
+              <a:endParaRPr lang="en-US" sz="1100" dirty="0">
+                <a:solidFill>
+                  <a:schemeClr val="tx1"/>
+                </a:solidFill>
+              </a:endParaRPr>
+            </a:p>
+          </p:txBody>
+        </p:sp>
+        <p:sp>
+          <p:nvSpPr>
+            <p:cNvPr id="21" name="Rectangle 20"/>
+            <p:cNvSpPr/>
+            <p:nvPr/>
+          </p:nvSpPr>
+          <p:spPr>
+            <a:xfrm>
+              <a:off x="2514600" y="1830956"/>
+              <a:ext cx="3733800" cy="309112"/>
+            </a:xfrm>
+            <a:prstGeom prst="rect">
+              <a:avLst/>
+            </a:prstGeom>
+            <a:solidFill>
+              <a:schemeClr val="bg1"/>
+            </a:solidFill>
+          </p:spPr>
+          <p:style>
+            <a:lnRef idx="2">
+              <a:schemeClr val="accent1">
+                <a:shade val="50000"/>
+              </a:schemeClr>
+            </a:lnRef>
+            <a:fillRef idx="1">
+              <a:schemeClr val="accent1"/>
+            </a:fillRef>
+            <a:effectRef idx="0">
+              <a:schemeClr val="accent1"/>
+            </a:effectRef>
+            <a:fontRef idx="minor">
+              <a:schemeClr val="lt1"/>
+            </a:fontRef>
+          </p:style>
+          <p:txBody>
+            <a:bodyPr rtlCol="0" anchor="ctr"/>
+            <a:lstStyle/>
+            <a:p>
+              <a:pPr algn="ctr"/>
+              <a:r>
+                <a:rPr lang="en-US" sz="1400" dirty="0" smtClean="0">
+                  <a:solidFill>
+                    <a:schemeClr val="tx1"/>
+                  </a:solidFill>
+                </a:rPr>
+                <a:t>Subtitle</a:t>
+              </a:r>
+              <a:endParaRPr lang="en-US" sz="1400" dirty="0">
+                <a:solidFill>
+                  <a:schemeClr val="tx1"/>
+                </a:solidFill>
+              </a:endParaRPr>
+            </a:p>
+          </p:txBody>
+        </p:sp>
+        <p:sp>
+          <p:nvSpPr>
+            <p:cNvPr id="4" name="Rectangle 3"/>
+            <p:cNvSpPr/>
+            <p:nvPr/>
+          </p:nvSpPr>
+          <p:spPr>
+            <a:xfrm>
+              <a:off x="3581400" y="2749668"/>
+              <a:ext cx="1600200" cy="2122097"/>
+            </a:xfrm>
+            <a:prstGeom prst="rect">
+              <a:avLst/>
+            </a:prstGeom>
+            <a:solidFill>
+              <a:schemeClr val="bg1"/>
+            </a:solidFill>
+            <a:ln>
               <a:solidFill>
-                <a:schemeClr val="tx1"/>
+                <a:schemeClr val="accent3">
+                  <a:lumMod val="75000"/>
+                </a:schemeClr>
               </a:solidFill>
-            </a:endParaRPr>
-          </a:p>
-        </p:txBody>
-      </p:sp>
+            </a:ln>
+          </p:spPr>
+          <p:style>
+            <a:lnRef idx="2">
+              <a:schemeClr val="accent1">
+                <a:shade val="50000"/>
+              </a:schemeClr>
+            </a:lnRef>
+            <a:fillRef idx="1">
+              <a:schemeClr val="accent1"/>
+            </a:fillRef>
+            <a:effectRef idx="0">
+              <a:schemeClr val="accent1"/>
+            </a:effectRef>
+            <a:fontRef idx="minor">
+              <a:schemeClr val="lt1"/>
+            </a:fontRef>
+          </p:style>
+          <p:txBody>
+            <a:bodyPr rtlCol="0" anchor="ctr"/>
+            <a:lstStyle/>
+            <a:p>
+              <a:pPr algn="ctr"/>
+              <a:r>
+                <a:rPr lang="en-US" dirty="0" smtClean="0">
+                  <a:solidFill>
+                    <a:schemeClr val="tx1"/>
+                  </a:solidFill>
+                </a:rPr>
+                <a:t>Plots</a:t>
+              </a:r>
+              <a:endParaRPr lang="en-US" dirty="0">
+                <a:solidFill>
+                  <a:schemeClr val="tx1"/>
+                </a:solidFill>
+              </a:endParaRPr>
+            </a:p>
+          </p:txBody>
+        </p:sp>
+      </p:grpSp>
     </p:spTree>
     <p:extLst>
       <p:ext uri="{BB962C8B-B14F-4D97-AF65-F5344CB8AC3E}">

--- a/java/JChartLib/docs/ui_framing.pptx
+++ b/java/JChartLib/docs/ui_framing.pptx
@@ -204,7 +204,7 @@
           <a:p>
             <a:fld id="{451F6C7C-57B4-44C2-A879-518E542631BF}" type="datetimeFigureOut">
               <a:rPr lang="en-US" smtClean="0"/>
-              <a:t>10/8/2015</a:t>
+              <a:t>10/12/2015</a:t>
             </a:fld>
             <a:endParaRPr lang="en-US"/>
           </a:p>
@@ -737,7 +737,7 @@
           <a:p>
             <a:fld id="{B3B44F0C-6643-4E85-A7FB-3BB2F8AA78FB}" type="datetime1">
               <a:rPr lang="en-US" smtClean="0"/>
-              <a:t>10/8/2015</a:t>
+              <a:t>10/12/2015</a:t>
             </a:fld>
             <a:endParaRPr lang="en-US"/>
           </a:p>
@@ -920,7 +920,7 @@
           <a:p>
             <a:fld id="{8F5BB2FE-DFCB-4D7F-A08C-F22FECF2C0CD}" type="datetime1">
               <a:rPr lang="en-US" smtClean="0"/>
-              <a:t>10/8/2015</a:t>
+              <a:t>10/12/2015</a:t>
             </a:fld>
             <a:endParaRPr lang="en-US"/>
           </a:p>
@@ -1100,7 +1100,7 @@
           <a:p>
             <a:fld id="{0F45ABAE-FDFC-4E8A-9AEA-00D2AFD8DE8B}" type="datetime1">
               <a:rPr lang="en-US" smtClean="0"/>
-              <a:t>10/8/2015</a:t>
+              <a:t>10/12/2015</a:t>
             </a:fld>
             <a:endParaRPr lang="en-US"/>
           </a:p>
@@ -1270,7 +1270,7 @@
           <a:p>
             <a:fld id="{37163F97-8B7A-4C99-BFC1-3EC5BAD8F465}" type="datetime1">
               <a:rPr lang="en-US" smtClean="0"/>
-              <a:t>10/8/2015</a:t>
+              <a:t>10/12/2015</a:t>
             </a:fld>
             <a:endParaRPr lang="en-US"/>
           </a:p>
@@ -1516,7 +1516,7 @@
           <a:p>
             <a:fld id="{215CA718-9FC9-4CB4-A637-7B18B96432A9}" type="datetime1">
               <a:rPr lang="en-US" smtClean="0"/>
-              <a:t>10/8/2015</a:t>
+              <a:t>10/12/2015</a:t>
             </a:fld>
             <a:endParaRPr lang="en-US"/>
           </a:p>
@@ -1804,7 +1804,7 @@
           <a:p>
             <a:fld id="{02978113-6A0B-4308-BF24-BE3F446DC299}" type="datetime1">
               <a:rPr lang="en-US" smtClean="0"/>
-              <a:t>10/8/2015</a:t>
+              <a:t>10/12/2015</a:t>
             </a:fld>
             <a:endParaRPr lang="en-US"/>
           </a:p>
@@ -2226,7 +2226,7 @@
           <a:p>
             <a:fld id="{30B8CE64-9E95-47EA-AA0B-EDAF22908BEA}" type="datetime1">
               <a:rPr lang="en-US" smtClean="0"/>
-              <a:t>10/8/2015</a:t>
+              <a:t>10/12/2015</a:t>
             </a:fld>
             <a:endParaRPr lang="en-US"/>
           </a:p>
@@ -2354,7 +2354,7 @@
           <a:p>
             <a:fld id="{C05A1361-3B57-4CE1-99E9-6F73D07E7AFD}" type="datetime1">
               <a:rPr lang="en-US" smtClean="0"/>
-              <a:t>10/8/2015</a:t>
+              <a:t>10/12/2015</a:t>
             </a:fld>
             <a:endParaRPr lang="en-US"/>
           </a:p>
@@ -2534,7 +2534,7 @@
           <a:p>
             <a:fld id="{48084879-C730-49C2-9369-4526E7313D15}" type="datetime1">
               <a:rPr lang="en-US" smtClean="0"/>
-              <a:t>10/8/2015</a:t>
+              <a:t>10/12/2015</a:t>
             </a:fld>
             <a:endParaRPr lang="en-US"/>
           </a:p>
@@ -2811,7 +2811,7 @@
           <a:p>
             <a:fld id="{08B42C97-3C78-4F31-BBF5-0836FE73BBF4}" type="datetime1">
               <a:rPr lang="en-US" smtClean="0"/>
-              <a:t>10/8/2015</a:t>
+              <a:t>10/12/2015</a:t>
             </a:fld>
             <a:endParaRPr lang="en-US"/>
           </a:p>
@@ -3064,7 +3064,7 @@
           <a:p>
             <a:fld id="{20BBBBF6-E6AB-4416-A560-6979273157FF}" type="datetime1">
               <a:rPr lang="en-US" smtClean="0"/>
-              <a:t>10/8/2015</a:t>
+              <a:t>10/12/2015</a:t>
             </a:fld>
             <a:endParaRPr lang="en-US"/>
           </a:p>
@@ -3277,7 +3277,7 @@
           <a:p>
             <a:fld id="{BA333682-8707-47CB-92BD-798CEAEF6CB6}" type="datetime1">
               <a:rPr lang="en-US" smtClean="0"/>
-              <a:t>10/8/2015</a:t>
+              <a:t>10/12/2015</a:t>
             </a:fld>
             <a:endParaRPr lang="en-US"/>
           </a:p>
@@ -5646,10 +5646,10 @@
         </p:nvGrpSpPr>
         <p:grpSpPr>
           <a:xfrm>
-            <a:off x="2705101" y="1981200"/>
-            <a:ext cx="3733800" cy="3352800"/>
+            <a:off x="2305050" y="1981200"/>
+            <a:ext cx="4533900" cy="3352800"/>
             <a:chOff x="2705101" y="2286000"/>
-            <a:chExt cx="3733800" cy="3352800"/>
+            <a:chExt cx="4533900" cy="3352800"/>
           </a:xfrm>
         </p:grpSpPr>
         <p:sp>
@@ -5661,7 +5661,7 @@
           <p:spPr>
             <a:xfrm>
               <a:off x="2705101" y="2286000"/>
-              <a:ext cx="3733800" cy="3352800"/>
+              <a:ext cx="4533900" cy="3352800"/>
             </a:xfrm>
             <a:prstGeom prst="rect">
               <a:avLst/>
@@ -5708,7 +5708,7 @@
           <p:spPr>
             <a:xfrm>
               <a:off x="2801467" y="2667000"/>
-              <a:ext cx="3523132" cy="2895600"/>
+              <a:ext cx="4361334" cy="2895600"/>
             </a:xfrm>
             <a:prstGeom prst="rect">
               <a:avLst/>
@@ -5743,8 +5743,13 @@
                     <a:schemeClr val="tx1"/>
                   </a:solidFill>
                 </a:rPr>
-                <a:t>Plot 1</a:t>
+                <a:t>Name	Visible	Dataset	Domain	Range</a:t>
               </a:r>
+              <a:endParaRPr lang="en-US" sz="1200" dirty="0" smtClean="0">
+                <a:solidFill>
+                  <a:schemeClr val="tx1"/>
+                </a:solidFill>
+              </a:endParaRPr>
             </a:p>
             <a:p>
               <a:r>
@@ -5753,8 +5758,22 @@
                     <a:schemeClr val="tx1"/>
                   </a:solidFill>
                 </a:rPr>
-                <a:t>Plot 2</a:t>
+                <a:t>Plot 1	     </a:t>
               </a:r>
+              <a:r>
+                <a:rPr lang="en-US" sz="1200" dirty="0" smtClean="0">
+                  <a:solidFill>
+                    <a:schemeClr val="tx1"/>
+                  </a:solidFill>
+                  <a:latin typeface="Calibri"/>
+                </a:rPr>
+                <a:t>□	DS1	S2	S3</a:t>
+              </a:r>
+              <a:endParaRPr lang="en-US" sz="1200" dirty="0" smtClean="0">
+                <a:solidFill>
+                  <a:schemeClr val="tx1"/>
+                </a:solidFill>
+              </a:endParaRPr>
             </a:p>
             <a:p>
               <a:r>
@@ -5763,8 +5782,52 @@
                     <a:schemeClr val="tx1"/>
                   </a:solidFill>
                 </a:rPr>
-                <a:t>…</a:t>
+                <a:t>Plot </a:t>
               </a:r>
+              <a:r>
+                <a:rPr lang="en-US" sz="1200" dirty="0">
+                  <a:solidFill>
+                    <a:schemeClr val="tx1"/>
+                  </a:solidFill>
+                </a:rPr>
+                <a:t>2	</a:t>
+              </a:r>
+              <a:r>
+                <a:rPr lang="en-US" sz="1200" dirty="0" smtClean="0">
+                  <a:solidFill>
+                    <a:schemeClr val="tx1"/>
+                  </a:solidFill>
+                </a:rPr>
+                <a:t>     □	DS2	S2	S4</a:t>
+              </a:r>
+              <a:endParaRPr lang="en-US" sz="1200" dirty="0" smtClean="0">
+                <a:solidFill>
+                  <a:schemeClr val="tx1"/>
+                </a:solidFill>
+              </a:endParaRPr>
+            </a:p>
+            <a:p>
+              <a:r>
+                <a:rPr lang="en-US" sz="1200" dirty="0">
+                  <a:solidFill>
+                    <a:schemeClr val="tx1"/>
+                  </a:solidFill>
+                </a:rPr>
+                <a:t>…	</a:t>
+              </a:r>
+              <a:r>
+                <a:rPr lang="en-US" sz="1200" dirty="0" smtClean="0">
+                  <a:solidFill>
+                    <a:schemeClr val="tx1"/>
+                  </a:solidFill>
+                </a:rPr>
+                <a:t>     □	DS3	S1	S2</a:t>
+              </a:r>
+              <a:endParaRPr lang="en-US" sz="1200" dirty="0" smtClean="0">
+                <a:solidFill>
+                  <a:schemeClr val="tx1"/>
+                </a:solidFill>
+              </a:endParaRPr>
             </a:p>
             <a:p>
               <a:r>
@@ -5773,7 +5836,23 @@
                     <a:schemeClr val="tx1"/>
                   </a:solidFill>
                 </a:rPr>
-                <a:t>Plot n</a:t>
+                <a:t>Plot </a:t>
+              </a:r>
+              <a:r>
+                <a:rPr lang="en-US" sz="1200" dirty="0">
+                  <a:solidFill>
+                    <a:schemeClr val="tx1"/>
+                  </a:solidFill>
+                </a:rPr>
+                <a:t>n	</a:t>
+              </a:r>
+              <a:r>
+                <a:rPr lang="en-US" sz="1200" dirty="0" smtClean="0">
+                  <a:solidFill>
+                    <a:schemeClr val="tx1"/>
+                  </a:solidFill>
+                </a:rPr>
+                <a:t>     □	DS4	S1	S4</a:t>
               </a:r>
               <a:endParaRPr lang="en-US" sz="1200" dirty="0">
                 <a:solidFill>
@@ -5792,9 +5871,9 @@
           <p:grpSpPr>
             <a:xfrm>
               <a:off x="2801468" y="2362200"/>
-              <a:ext cx="3523132" cy="304800"/>
+              <a:ext cx="4361334" cy="304800"/>
               <a:chOff x="2801468" y="3124200"/>
-              <a:chExt cx="3523132" cy="304800"/>
+              <a:chExt cx="4361334" cy="304800"/>
             </a:xfrm>
           </p:grpSpPr>
           <p:sp>
@@ -5806,7 +5885,7 @@
             <p:spPr>
               <a:xfrm>
                 <a:off x="2801468" y="3124200"/>
-                <a:ext cx="3523132" cy="304800"/>
+                <a:ext cx="4361334" cy="304800"/>
               </a:xfrm>
               <a:prstGeom prst="rect">
                 <a:avLst/>
@@ -5867,7 +5946,7 @@
             </p:blipFill>
             <p:spPr bwMode="auto">
               <a:xfrm>
-                <a:off x="3874008" y="3193033"/>
+                <a:off x="3664459" y="3193033"/>
                 <a:ext cx="164592" cy="164592"/>
               </a:xfrm>
               <a:prstGeom prst="rect">
@@ -5908,7 +5987,7 @@
             </p:blipFill>
             <p:spPr bwMode="auto">
               <a:xfrm>
-                <a:off x="3649315" y="3194304"/>
+                <a:off x="3435859" y="3194304"/>
                 <a:ext cx="164592" cy="164592"/>
               </a:xfrm>
               <a:prstGeom prst="rect">
@@ -6010,47 +6089,6 @@
           </p:pic>
         </p:grpSp>
       </p:grpSp>
-      <p:pic>
-        <p:nvPicPr>
-          <p:cNvPr id="14" name="Picture 2" descr="C:\Files\jgordon\personal\code\gordoza-code\java\jutils\src\org\jutils\icons\edit-clear.png"/>
-          <p:cNvPicPr>
-            <a:picLocks noChangeAspect="1" noChangeArrowheads="1"/>
-          </p:cNvPicPr>
-          <p:nvPr/>
-        </p:nvPicPr>
-        <p:blipFill>
-          <a:blip r:embed="rId6">
-            <a:extLst>
-              <a:ext uri="{28A0092B-C50C-407E-A947-70E740481C1C}">
-                <a14:useLocalDpi xmlns:a14="http://schemas.microsoft.com/office/drawing/2010/main" val="0"/>
-              </a:ext>
-            </a:extLst>
-          </a:blip>
-          <a:srcRect/>
-          <a:stretch>
-            <a:fillRect/>
-          </a:stretch>
-        </p:blipFill>
-        <p:spPr bwMode="auto">
-          <a:xfrm>
-            <a:off x="3340608" y="2133600"/>
-            <a:ext cx="164592" cy="164592"/>
-          </a:xfrm>
-          <a:prstGeom prst="rect">
-            <a:avLst/>
-          </a:prstGeom>
-          <a:noFill/>
-          <a:extLst>
-            <a:ext uri="{909E8E84-426E-40DD-AFC4-6F175D3DCCD1}">
-              <a14:hiddenFill xmlns:a14="http://schemas.microsoft.com/office/drawing/2010/main">
-                <a:solidFill>
-                  <a:srgbClr val="FFFFFF"/>
-                </a:solidFill>
-              </a14:hiddenFill>
-            </a:ext>
-          </a:extLst>
-        </p:spPr>
-      </p:pic>
       <p:sp>
         <p:nvSpPr>
           <p:cNvPr id="9" name="Slide Number Placeholder 8"/>
@@ -9955,7 +9993,7 @@
       </p:grpSpPr>
       <p:grpSp>
         <p:nvGrpSpPr>
-          <p:cNvPr id="24" name="Group 23"/>
+          <p:cNvPr id="6" name="Group 5"/>
           <p:cNvGrpSpPr/>
           <p:nvPr/>
         </p:nvGrpSpPr>
@@ -9963,7 +10001,7 @@
           <a:xfrm>
             <a:off x="2705100" y="1981200"/>
             <a:ext cx="3733801" cy="3352800"/>
-            <a:chOff x="2705100" y="1752600"/>
+            <a:chOff x="2705100" y="1981200"/>
             <a:chExt cx="3733801" cy="3352800"/>
           </a:xfrm>
         </p:grpSpPr>
@@ -9975,7 +10013,7 @@
           </p:nvSpPr>
           <p:spPr>
             <a:xfrm>
-              <a:off x="2705101" y="1752600"/>
+              <a:off x="2705101" y="1981200"/>
               <a:ext cx="3733800" cy="3352800"/>
             </a:xfrm>
             <a:prstGeom prst="rect">
@@ -10022,7 +10060,7 @@
           </p:nvSpPr>
           <p:spPr>
             <a:xfrm>
-              <a:off x="2705100" y="4800600"/>
+              <a:off x="2705100" y="5029200"/>
               <a:ext cx="3733799" cy="304800"/>
             </a:xfrm>
             <a:prstGeom prst="rect">
@@ -10069,191 +10107,6 @@
             </a:p>
           </p:txBody>
         </p:sp>
-        <p:grpSp>
-          <p:nvGrpSpPr>
-            <p:cNvPr id="23" name="Group 22"/>
-            <p:cNvGrpSpPr/>
-            <p:nvPr/>
-          </p:nvGrpSpPr>
-          <p:grpSpPr>
-            <a:xfrm>
-              <a:off x="2705101" y="1752600"/>
-              <a:ext cx="3733799" cy="304800"/>
-              <a:chOff x="2705101" y="1752600"/>
-              <a:chExt cx="3733799" cy="304800"/>
-            </a:xfrm>
-          </p:grpSpPr>
-          <p:sp>
-            <p:nvSpPr>
-              <p:cNvPr id="4" name="Rectangle 3"/>
-              <p:cNvSpPr/>
-              <p:nvPr/>
-            </p:nvSpPr>
-            <p:spPr>
-              <a:xfrm>
-                <a:off x="2705101" y="1752600"/>
-                <a:ext cx="3733799" cy="304800"/>
-              </a:xfrm>
-              <a:prstGeom prst="rect">
-                <a:avLst/>
-              </a:prstGeom>
-              <a:solidFill>
-                <a:schemeClr val="bg1"/>
-              </a:solidFill>
-            </p:spPr>
-            <p:style>
-              <a:lnRef idx="2">
-                <a:schemeClr val="accent1">
-                  <a:shade val="50000"/>
-                </a:schemeClr>
-              </a:lnRef>
-              <a:fillRef idx="1">
-                <a:schemeClr val="accent1"/>
-              </a:fillRef>
-              <a:effectRef idx="0">
-                <a:schemeClr val="accent1"/>
-              </a:effectRef>
-              <a:fontRef idx="minor">
-                <a:schemeClr val="lt1"/>
-              </a:fontRef>
-            </p:style>
-            <p:txBody>
-              <a:bodyPr rtlCol="0" anchor="ctr"/>
-              <a:lstStyle/>
-              <a:p>
-                <a:pPr algn="ctr"/>
-                <a:endParaRPr lang="en-US" dirty="0">
-                  <a:solidFill>
-                    <a:schemeClr val="tx1"/>
-                  </a:solidFill>
-                </a:endParaRPr>
-              </a:p>
-            </p:txBody>
-          </p:sp>
-          <p:pic>
-            <p:nvPicPr>
-              <p:cNvPr id="22" name="Picture 5" descr="C:\Files\jgordon\personal\code\gordoza-code\java\jutils\src\org\jutils\icons\save16.png"/>
-              <p:cNvPicPr>
-                <a:picLocks noChangeAspect="1" noChangeArrowheads="1"/>
-              </p:cNvPicPr>
-              <p:nvPr/>
-            </p:nvPicPr>
-            <p:blipFill>
-              <a:blip r:embed="rId2">
-                <a:extLst>
-                  <a:ext uri="{28A0092B-C50C-407E-A947-70E740481C1C}">
-                    <a14:useLocalDpi xmlns:a14="http://schemas.microsoft.com/office/drawing/2010/main" val="0"/>
-                  </a:ext>
-                </a:extLst>
-              </a:blip>
-              <a:srcRect/>
-              <a:stretch>
-                <a:fillRect/>
-              </a:stretch>
-            </p:blipFill>
-            <p:spPr bwMode="auto">
-              <a:xfrm>
-                <a:off x="2819400" y="1822704"/>
-                <a:ext cx="164592" cy="164592"/>
-              </a:xfrm>
-              <a:prstGeom prst="rect">
-                <a:avLst/>
-              </a:prstGeom>
-              <a:noFill/>
-              <a:extLst>
-                <a:ext uri="{909E8E84-426E-40DD-AFC4-6F175D3DCCD1}">
-                  <a14:hiddenFill xmlns:a14="http://schemas.microsoft.com/office/drawing/2010/main">
-                    <a:solidFill>
-                      <a:srgbClr val="FFFFFF"/>
-                    </a:solidFill>
-                  </a14:hiddenFill>
-                </a:ext>
-              </a:extLst>
-            </p:spPr>
-          </p:pic>
-          <p:pic>
-            <p:nvPicPr>
-              <p:cNvPr id="1026" name="Picture 2" descr="C:\Files\jgordon\personal\code\gordoza-code\java\jutils\src\org\jutils\icons\edit-add16.png"/>
-              <p:cNvPicPr>
-                <a:picLocks noChangeAspect="1" noChangeArrowheads="1"/>
-              </p:cNvPicPr>
-              <p:nvPr/>
-            </p:nvPicPr>
-            <p:blipFill>
-              <a:blip r:embed="rId3">
-                <a:extLst>
-                  <a:ext uri="{28A0092B-C50C-407E-A947-70E740481C1C}">
-                    <a14:useLocalDpi xmlns:a14="http://schemas.microsoft.com/office/drawing/2010/main" val="0"/>
-                  </a:ext>
-                </a:extLst>
-              </a:blip>
-              <a:srcRect/>
-              <a:stretch>
-                <a:fillRect/>
-              </a:stretch>
-            </p:blipFill>
-            <p:spPr bwMode="auto">
-              <a:xfrm>
-                <a:off x="3124200" y="1822704"/>
-                <a:ext cx="164592" cy="164592"/>
-              </a:xfrm>
-              <a:prstGeom prst="rect">
-                <a:avLst/>
-              </a:prstGeom>
-              <a:noFill/>
-              <a:extLst>
-                <a:ext uri="{909E8E84-426E-40DD-AFC4-6F175D3DCCD1}">
-                  <a14:hiddenFill xmlns:a14="http://schemas.microsoft.com/office/drawing/2010/main">
-                    <a:solidFill>
-                      <a:srgbClr val="FFFFFF"/>
-                    </a:solidFill>
-                  </a14:hiddenFill>
-                </a:ext>
-              </a:extLst>
-            </p:spPr>
-          </p:pic>
-          <p:pic>
-            <p:nvPicPr>
-              <p:cNvPr id="1027" name="Picture 3" descr="C:\Files\jgordon\personal\code\gordoza-code\java\jutils\src\org\jutils\icons\edit-delete16.png"/>
-              <p:cNvPicPr>
-                <a:picLocks noChangeAspect="1" noChangeArrowheads="1"/>
-              </p:cNvPicPr>
-              <p:nvPr/>
-            </p:nvPicPr>
-            <p:blipFill>
-              <a:blip r:embed="rId4">
-                <a:extLst>
-                  <a:ext uri="{28A0092B-C50C-407E-A947-70E740481C1C}">
-                    <a14:useLocalDpi xmlns:a14="http://schemas.microsoft.com/office/drawing/2010/main" val="0"/>
-                  </a:ext>
-                </a:extLst>
-              </a:blip>
-              <a:srcRect/>
-              <a:stretch>
-                <a:fillRect/>
-              </a:stretch>
-            </p:blipFill>
-            <p:spPr bwMode="auto">
-              <a:xfrm>
-                <a:off x="3352800" y="1822704"/>
-                <a:ext cx="164592" cy="164592"/>
-              </a:xfrm>
-              <a:prstGeom prst="rect">
-                <a:avLst/>
-              </a:prstGeom>
-              <a:noFill/>
-              <a:extLst>
-                <a:ext uri="{909E8E84-426E-40DD-AFC4-6F175D3DCCD1}">
-                  <a14:hiddenFill xmlns:a14="http://schemas.microsoft.com/office/drawing/2010/main">
-                    <a:solidFill>
-                      <a:srgbClr val="FFFFFF"/>
-                    </a:solidFill>
-                  </a14:hiddenFill>
-                </a:ext>
-              </a:extLst>
-            </p:spPr>
-          </p:pic>
-        </p:grpSp>
       </p:grpSp>
       <p:sp>
         <p:nvSpPr>
@@ -10289,7 +10142,7 @@
           <p:nvPr>
             <p:extLst>
               <p:ext uri="{D42A27DB-BD31-4B8C-83A1-F6EECF244321}">
-                <p14:modId xmlns:p14="http://schemas.microsoft.com/office/powerpoint/2010/main" val="805657861"/>
+                <p14:modId xmlns:p14="http://schemas.microsoft.com/office/powerpoint/2010/main" val="1839193688"/>
               </p:ext>
             </p:extLst>
           </p:nvPr>
@@ -10654,47 +10507,232 @@
           </a:graphicData>
         </a:graphic>
       </p:graphicFrame>
-      <p:pic>
-        <p:nvPicPr>
-          <p:cNvPr id="1028" name="Picture 4" descr="C:\Files\jgordon\personal\UsefulIcons\multi-cache\edit-clear-locationbar-ltr.png"/>
-          <p:cNvPicPr>
-            <a:picLocks noChangeAspect="1" noChangeArrowheads="1"/>
-          </p:cNvPicPr>
+      <p:grpSp>
+        <p:nvGrpSpPr>
+          <p:cNvPr id="3" name="Group 2"/>
+          <p:cNvGrpSpPr/>
           <p:nvPr/>
-        </p:nvPicPr>
-        <p:blipFill>
-          <a:blip r:embed="rId5" cstate="print">
+        </p:nvGrpSpPr>
+        <p:grpSpPr>
+          <a:xfrm>
+            <a:off x="2705101" y="1981200"/>
+            <a:ext cx="3733799" cy="304800"/>
+            <a:chOff x="2705101" y="1981200"/>
+            <a:chExt cx="3733799" cy="304800"/>
+          </a:xfrm>
+        </p:grpSpPr>
+        <p:sp>
+          <p:nvSpPr>
+            <p:cNvPr id="4" name="Rectangle 3"/>
+            <p:cNvSpPr/>
+            <p:nvPr/>
+          </p:nvSpPr>
+          <p:spPr>
+            <a:xfrm>
+              <a:off x="2705101" y="1981200"/>
+              <a:ext cx="3733799" cy="304800"/>
+            </a:xfrm>
+            <a:prstGeom prst="rect">
+              <a:avLst/>
+            </a:prstGeom>
+            <a:solidFill>
+              <a:schemeClr val="bg1"/>
+            </a:solidFill>
+          </p:spPr>
+          <p:style>
+            <a:lnRef idx="2">
+              <a:schemeClr val="accent1">
+                <a:shade val="50000"/>
+              </a:schemeClr>
+            </a:lnRef>
+            <a:fillRef idx="1">
+              <a:schemeClr val="accent1"/>
+            </a:fillRef>
+            <a:effectRef idx="0">
+              <a:schemeClr val="accent1"/>
+            </a:effectRef>
+            <a:fontRef idx="minor">
+              <a:schemeClr val="lt1"/>
+            </a:fontRef>
+          </p:style>
+          <p:txBody>
+            <a:bodyPr rtlCol="0" anchor="ctr"/>
+            <a:lstStyle/>
+            <a:p>
+              <a:pPr algn="ctr"/>
+              <a:endParaRPr lang="en-US" dirty="0">
+                <a:solidFill>
+                  <a:schemeClr val="tx1"/>
+                </a:solidFill>
+              </a:endParaRPr>
+            </a:p>
+          </p:txBody>
+        </p:sp>
+        <p:pic>
+          <p:nvPicPr>
+            <p:cNvPr id="22" name="Picture 5" descr="C:\Files\jgordon\personal\code\gordoza-code\java\jutils\src\org\jutils\icons\save16.png"/>
+            <p:cNvPicPr>
+              <a:picLocks noChangeAspect="1" noChangeArrowheads="1"/>
+            </p:cNvPicPr>
+            <p:nvPr/>
+          </p:nvPicPr>
+          <p:blipFill>
+            <a:blip r:embed="rId2">
+              <a:extLst>
+                <a:ext uri="{28A0092B-C50C-407E-A947-70E740481C1C}">
+                  <a14:useLocalDpi xmlns:a14="http://schemas.microsoft.com/office/drawing/2010/main" val="0"/>
+                </a:ext>
+              </a:extLst>
+            </a:blip>
+            <a:srcRect/>
+            <a:stretch>
+              <a:fillRect/>
+            </a:stretch>
+          </p:blipFill>
+          <p:spPr bwMode="auto">
+            <a:xfrm>
+              <a:off x="2819400" y="2051304"/>
+              <a:ext cx="164592" cy="164592"/>
+            </a:xfrm>
+            <a:prstGeom prst="rect">
+              <a:avLst/>
+            </a:prstGeom>
+            <a:noFill/>
             <a:extLst>
-              <a:ext uri="{28A0092B-C50C-407E-A947-70E740481C1C}">
-                <a14:useLocalDpi xmlns:a14="http://schemas.microsoft.com/office/drawing/2010/main" val="0"/>
+              <a:ext uri="{909E8E84-426E-40DD-AFC4-6F175D3DCCD1}">
+                <a14:hiddenFill xmlns:a14="http://schemas.microsoft.com/office/drawing/2010/main">
+                  <a:solidFill>
+                    <a:srgbClr val="FFFFFF"/>
+                  </a:solidFill>
+                </a14:hiddenFill>
               </a:ext>
             </a:extLst>
-          </a:blip>
-          <a:srcRect/>
-          <a:stretch>
-            <a:fillRect/>
-          </a:stretch>
-        </p:blipFill>
-        <p:spPr bwMode="auto">
-          <a:xfrm>
-            <a:off x="3569208" y="2057400"/>
-            <a:ext cx="164592" cy="164592"/>
-          </a:xfrm>
-          <a:prstGeom prst="rect">
-            <a:avLst/>
-          </a:prstGeom>
-          <a:noFill/>
-          <a:extLst>
-            <a:ext uri="{909E8E84-426E-40DD-AFC4-6F175D3DCCD1}">
-              <a14:hiddenFill xmlns:a14="http://schemas.microsoft.com/office/drawing/2010/main">
-                <a:solidFill>
-                  <a:srgbClr val="FFFFFF"/>
-                </a:solidFill>
-              </a14:hiddenFill>
-            </a:ext>
-          </a:extLst>
-        </p:spPr>
-      </p:pic>
+          </p:spPr>
+        </p:pic>
+        <p:pic>
+          <p:nvPicPr>
+            <p:cNvPr id="1026" name="Picture 2" descr="C:\Files\jgordon\personal\code\gordoza-code\java\jutils\src\org\jutils\icons\edit-add16.png"/>
+            <p:cNvPicPr>
+              <a:picLocks noChangeAspect="1" noChangeArrowheads="1"/>
+            </p:cNvPicPr>
+            <p:nvPr/>
+          </p:nvPicPr>
+          <p:blipFill>
+            <a:blip r:embed="rId3">
+              <a:extLst>
+                <a:ext uri="{28A0092B-C50C-407E-A947-70E740481C1C}">
+                  <a14:useLocalDpi xmlns:a14="http://schemas.microsoft.com/office/drawing/2010/main" val="0"/>
+                </a:ext>
+              </a:extLst>
+            </a:blip>
+            <a:srcRect/>
+            <a:stretch>
+              <a:fillRect/>
+            </a:stretch>
+          </p:blipFill>
+          <p:spPr bwMode="auto">
+            <a:xfrm>
+              <a:off x="3124200" y="2051304"/>
+              <a:ext cx="164592" cy="164592"/>
+            </a:xfrm>
+            <a:prstGeom prst="rect">
+              <a:avLst/>
+            </a:prstGeom>
+            <a:noFill/>
+            <a:extLst>
+              <a:ext uri="{909E8E84-426E-40DD-AFC4-6F175D3DCCD1}">
+                <a14:hiddenFill xmlns:a14="http://schemas.microsoft.com/office/drawing/2010/main">
+                  <a:solidFill>
+                    <a:srgbClr val="FFFFFF"/>
+                  </a:solidFill>
+                </a14:hiddenFill>
+              </a:ext>
+            </a:extLst>
+          </p:spPr>
+        </p:pic>
+        <p:pic>
+          <p:nvPicPr>
+            <p:cNvPr id="1027" name="Picture 3" descr="C:\Files\jgordon\personal\code\gordoza-code\java\jutils\src\org\jutils\icons\edit-delete16.png"/>
+            <p:cNvPicPr>
+              <a:picLocks noChangeAspect="1" noChangeArrowheads="1"/>
+            </p:cNvPicPr>
+            <p:nvPr/>
+          </p:nvPicPr>
+          <p:blipFill>
+            <a:blip r:embed="rId4">
+              <a:extLst>
+                <a:ext uri="{28A0092B-C50C-407E-A947-70E740481C1C}">
+                  <a14:useLocalDpi xmlns:a14="http://schemas.microsoft.com/office/drawing/2010/main" val="0"/>
+                </a:ext>
+              </a:extLst>
+            </a:blip>
+            <a:srcRect/>
+            <a:stretch>
+              <a:fillRect/>
+            </a:stretch>
+          </p:blipFill>
+          <p:spPr bwMode="auto">
+            <a:xfrm>
+              <a:off x="3352800" y="2051304"/>
+              <a:ext cx="164592" cy="164592"/>
+            </a:xfrm>
+            <a:prstGeom prst="rect">
+              <a:avLst/>
+            </a:prstGeom>
+            <a:noFill/>
+            <a:extLst>
+              <a:ext uri="{909E8E84-426E-40DD-AFC4-6F175D3DCCD1}">
+                <a14:hiddenFill xmlns:a14="http://schemas.microsoft.com/office/drawing/2010/main">
+                  <a:solidFill>
+                    <a:srgbClr val="FFFFFF"/>
+                  </a:solidFill>
+                </a14:hiddenFill>
+              </a:ext>
+            </a:extLst>
+          </p:spPr>
+        </p:pic>
+        <p:pic>
+          <p:nvPicPr>
+            <p:cNvPr id="1028" name="Picture 4" descr="C:\Files\jgordon\personal\UsefulIcons\multi-cache\edit-clear-locationbar-ltr.png"/>
+            <p:cNvPicPr>
+              <a:picLocks noChangeAspect="1" noChangeArrowheads="1"/>
+            </p:cNvPicPr>
+            <p:nvPr/>
+          </p:nvPicPr>
+          <p:blipFill>
+            <a:blip r:embed="rId5" cstate="print">
+              <a:extLst>
+                <a:ext uri="{28A0092B-C50C-407E-A947-70E740481C1C}">
+                  <a14:useLocalDpi xmlns:a14="http://schemas.microsoft.com/office/drawing/2010/main" val="0"/>
+                </a:ext>
+              </a:extLst>
+            </a:blip>
+            <a:srcRect/>
+            <a:stretch>
+              <a:fillRect/>
+            </a:stretch>
+          </p:blipFill>
+          <p:spPr bwMode="auto">
+            <a:xfrm>
+              <a:off x="3569208" y="2048256"/>
+              <a:ext cx="164592" cy="164592"/>
+            </a:xfrm>
+            <a:prstGeom prst="rect">
+              <a:avLst/>
+            </a:prstGeom>
+            <a:noFill/>
+            <a:extLst>
+              <a:ext uri="{909E8E84-426E-40DD-AFC4-6F175D3DCCD1}">
+                <a14:hiddenFill xmlns:a14="http://schemas.microsoft.com/office/drawing/2010/main">
+                  <a:solidFill>
+                    <a:srgbClr val="FFFFFF"/>
+                  </a:solidFill>
+                </a14:hiddenFill>
+              </a:ext>
+            </a:extLst>
+          </p:spPr>
+        </p:pic>
+      </p:grpSp>
       <p:sp>
         <p:nvSpPr>
           <p:cNvPr id="5" name="Slide Number Placeholder 4"/>

--- a/java/JChartLib/docs/ui_framing.pptx
+++ b/java/JChartLib/docs/ui_framing.pptx
@@ -2,25 +2,28 @@
 <file path=ppt/presentation.xml><?xml version="1.0" encoding="utf-8"?>
 <p:presentation xmlns:a="http://schemas.openxmlformats.org/drawingml/2006/main" xmlns:r="http://schemas.openxmlformats.org/officeDocument/2006/relationships" xmlns:p="http://schemas.openxmlformats.org/presentationml/2006/main" showSpecialPlsOnTitleSld="0" saveSubsetFonts="1">
   <p:sldMasterIdLst>
-    <p:sldMasterId id="2147483648" r:id="rId1"/>
+    <p:sldMasterId id="2147483660" r:id="rId1"/>
   </p:sldMasterIdLst>
   <p:notesMasterIdLst>
-    <p:notesMasterId r:id="rId15"/>
+    <p:notesMasterId r:id="rId18"/>
   </p:notesMasterIdLst>
   <p:sldIdLst>
-    <p:sldId id="257" r:id="rId2"/>
-    <p:sldId id="258" r:id="rId3"/>
-    <p:sldId id="259" r:id="rId4"/>
-    <p:sldId id="260" r:id="rId5"/>
-    <p:sldId id="261" r:id="rId6"/>
-    <p:sldId id="262" r:id="rId7"/>
-    <p:sldId id="265" r:id="rId8"/>
-    <p:sldId id="263" r:id="rId9"/>
-    <p:sldId id="268" r:id="rId10"/>
-    <p:sldId id="267" r:id="rId11"/>
-    <p:sldId id="266" r:id="rId12"/>
-    <p:sldId id="264" r:id="rId13"/>
-    <p:sldId id="269" r:id="rId14"/>
+    <p:sldId id="270" r:id="rId2"/>
+    <p:sldId id="257" r:id="rId3"/>
+    <p:sldId id="258" r:id="rId4"/>
+    <p:sldId id="259" r:id="rId5"/>
+    <p:sldId id="260" r:id="rId6"/>
+    <p:sldId id="261" r:id="rId7"/>
+    <p:sldId id="262" r:id="rId8"/>
+    <p:sldId id="265" r:id="rId9"/>
+    <p:sldId id="263" r:id="rId10"/>
+    <p:sldId id="268" r:id="rId11"/>
+    <p:sldId id="272" r:id="rId12"/>
+    <p:sldId id="267" r:id="rId13"/>
+    <p:sldId id="266" r:id="rId14"/>
+    <p:sldId id="264" r:id="rId15"/>
+    <p:sldId id="269" r:id="rId16"/>
+    <p:sldId id="271" r:id="rId17"/>
   </p:sldIdLst>
   <p:sldSz cx="9144000" cy="6858000" type="screen4x3"/>
   <p:notesSz cx="7010400" cy="9296400"/>
@@ -204,7 +207,7 @@
           <a:p>
             <a:fld id="{451F6C7C-57B4-44C2-A879-518E542631BF}" type="datetimeFigureOut">
               <a:rPr lang="en-US" smtClean="0"/>
-              <a:t>10/12/2015</a:t>
+              <a:t>2/27/2016</a:t>
             </a:fld>
             <a:endParaRPr lang="en-US"/>
           </a:p>
@@ -537,7 +540,7 @@
           <a:p>
             <a:fld id="{90F1CE8C-FED1-444A-8008-40B3994193CF}" type="slidenum">
               <a:rPr lang="en-US" smtClean="0"/>
-              <a:t>9</a:t>
+              <a:t>10</a:t>
             </a:fld>
             <a:endParaRPr lang="en-US"/>
           </a:p>
@@ -735,9 +738,9 @@
           <a:bodyPr/>
           <a:lstStyle/>
           <a:p>
-            <a:fld id="{B3B44F0C-6643-4E85-A7FB-3BB2F8AA78FB}" type="datetime1">
+            <a:fld id="{7589139F-201B-47CA-A8A9-C8F47DFCF43B}" type="datetime1">
               <a:rPr lang="en-US" smtClean="0"/>
-              <a:t>10/12/2015</a:t>
+              <a:t>2/27/2016</a:t>
             </a:fld>
             <a:endParaRPr lang="en-US"/>
           </a:p>
@@ -774,21 +777,13 @@
         </p:nvSpPr>
         <p:spPr/>
         <p:txBody>
-          <a:bodyPr/>
+          <a:bodyPr vert="horz" lIns="91440" tIns="45720" rIns="91440" bIns="45720" rtlCol="0" anchor="ctr"/>
           <a:lstStyle>
             <a:lvl1pPr>
-              <a:defRPr>
-                <a:solidFill>
-                  <a:schemeClr val="tx1"/>
-                </a:solidFill>
-              </a:defRPr>
+              <a:defRPr lang="en-US" smtClean="0"/>
             </a:lvl1pPr>
           </a:lstStyle>
           <a:p>
-            <a:r>
-              <a:rPr lang="en-US" smtClean="0"/>
-              <a:t>Page </a:t>
-            </a:r>
             <a:fld id="{ACF7982D-13CD-4EC4-8798-28ABD8E39E5C}" type="slidenum">
               <a:rPr lang="en-US" smtClean="0"/>
               <a:pPr/>
@@ -861,7 +856,12 @@
             <p:ph type="body" orient="vert" idx="1"/>
           </p:nvPr>
         </p:nvSpPr>
-        <p:spPr/>
+        <p:spPr>
+          <a:xfrm>
+            <a:off x="457200" y="762000"/>
+            <a:ext cx="8229600" cy="5715000"/>
+          </a:xfrm>
+        </p:spPr>
         <p:txBody>
           <a:bodyPr vert="eaVert"/>
           <a:lstStyle/>
@@ -918,9 +918,9 @@
           <a:bodyPr/>
           <a:lstStyle/>
           <a:p>
-            <a:fld id="{8F5BB2FE-DFCB-4D7F-A08C-F22FECF2C0CD}" type="datetime1">
+            <a:fld id="{39F8E332-08CA-426A-957F-5073818DEA06}" type="datetime1">
               <a:rPr lang="en-US" smtClean="0"/>
-              <a:t>10/12/2015</a:t>
+              <a:t>2/27/2016</a:t>
             </a:fld>
             <a:endParaRPr lang="en-US"/>
           </a:p>
@@ -1098,9 +1098,9 @@
           <a:bodyPr/>
           <a:lstStyle/>
           <a:p>
-            <a:fld id="{0F45ABAE-FDFC-4E8A-9AEA-00D2AFD8DE8B}" type="datetime1">
+            <a:fld id="{1CCEE4AD-4EA4-4EE5-AB4F-5727B68DCDDB}" type="datetime1">
               <a:rPr lang="en-US" smtClean="0"/>
-              <a:t>10/12/2015</a:t>
+              <a:t>2/27/2016</a:t>
             </a:fld>
             <a:endParaRPr lang="en-US"/>
           </a:p>
@@ -1211,7 +1211,12 @@
             <p:ph idx="1"/>
           </p:nvPr>
         </p:nvSpPr>
-        <p:spPr/>
+        <p:spPr>
+          <a:xfrm>
+            <a:off x="457200" y="762000"/>
+            <a:ext cx="8229600" cy="5715000"/>
+          </a:xfrm>
+        </p:spPr>
         <p:txBody>
           <a:bodyPr/>
           <a:lstStyle/>
@@ -1268,9 +1273,9 @@
           <a:bodyPr/>
           <a:lstStyle/>
           <a:p>
-            <a:fld id="{37163F97-8B7A-4C99-BFC1-3EC5BAD8F465}" type="datetime1">
+            <a:fld id="{74C45312-5D5A-413C-811E-51CC413D3FC7}" type="datetime1">
               <a:rPr lang="en-US" smtClean="0"/>
-              <a:t>10/12/2015</a:t>
+              <a:t>2/27/2016</a:t>
             </a:fld>
             <a:endParaRPr lang="en-US"/>
           </a:p>
@@ -1360,12 +1365,12 @@
         </p:nvSpPr>
         <p:spPr>
           <a:xfrm>
-            <a:off x="722313" y="4406900"/>
+            <a:off x="685800" y="2157413"/>
             <a:ext cx="7772400" cy="1362075"/>
           </a:xfrm>
         </p:spPr>
         <p:txBody>
-          <a:bodyPr anchor="t"/>
+          <a:bodyPr anchor="b" anchorCtr="0"/>
           <a:lstStyle>
             <a:lvl1pPr algn="l">
               <a:defRPr sz="4000" b="1" cap="all"/>
@@ -1392,12 +1397,12 @@
         </p:nvSpPr>
         <p:spPr>
           <a:xfrm>
-            <a:off x="722313" y="2906713"/>
+            <a:off x="685800" y="3529013"/>
             <a:ext cx="7772400" cy="1500187"/>
           </a:xfrm>
         </p:spPr>
         <p:txBody>
-          <a:bodyPr anchor="b"/>
+          <a:bodyPr anchor="t" anchorCtr="0"/>
           <a:lstStyle>
             <a:lvl1pPr marL="0" indent="0">
               <a:buNone/>
@@ -1514,9 +1519,9 @@
           <a:bodyPr/>
           <a:lstStyle/>
           <a:p>
-            <a:fld id="{215CA718-9FC9-4CB4-A637-7B18B96432A9}" type="datetime1">
+            <a:fld id="{443CEAA5-5CF4-4D08-9BB9-7D50715E21F2}" type="datetime1">
               <a:rPr lang="en-US" smtClean="0"/>
-              <a:t>10/12/2015</a:t>
+              <a:t>2/27/2016</a:t>
             </a:fld>
             <a:endParaRPr lang="en-US"/>
           </a:p>
@@ -1629,8 +1634,8 @@
         </p:nvSpPr>
         <p:spPr>
           <a:xfrm>
-            <a:off x="457200" y="1600200"/>
-            <a:ext cx="4038600" cy="4525963"/>
+            <a:off x="457200" y="762000"/>
+            <a:ext cx="4038600" cy="5715000"/>
           </a:xfrm>
         </p:spPr>
         <p:txBody>
@@ -1714,8 +1719,8 @@
         </p:nvSpPr>
         <p:spPr>
           <a:xfrm>
-            <a:off x="4648200" y="1600200"/>
-            <a:ext cx="4038600" cy="4525963"/>
+            <a:off x="4648200" y="762000"/>
+            <a:ext cx="4038600" cy="5715000"/>
           </a:xfrm>
         </p:spPr>
         <p:txBody>
@@ -1802,9 +1807,9 @@
           <a:bodyPr/>
           <a:lstStyle/>
           <a:p>
-            <a:fld id="{02978113-6A0B-4308-BF24-BE3F446DC299}" type="datetime1">
+            <a:fld id="{B44EE941-BE00-4788-B7E8-C0AE4E10A9BF}" type="datetime1">
               <a:rPr lang="en-US" smtClean="0"/>
-              <a:t>10/12/2015</a:t>
+              <a:t>2/27/2016</a:t>
             </a:fld>
             <a:endParaRPr lang="en-US"/>
           </a:p>
@@ -1921,7 +1926,7 @@
         </p:nvSpPr>
         <p:spPr>
           <a:xfrm>
-            <a:off x="457200" y="1535113"/>
+            <a:off x="457200" y="762000"/>
             <a:ext cx="4040188" cy="639762"/>
           </a:xfrm>
         </p:spPr>
@@ -1986,8 +1991,8 @@
         </p:nvSpPr>
         <p:spPr>
           <a:xfrm>
-            <a:off x="457200" y="2174875"/>
-            <a:ext cx="4040188" cy="3951288"/>
+            <a:off x="457200" y="1371600"/>
+            <a:ext cx="4040188" cy="5105400"/>
           </a:xfrm>
         </p:spPr>
         <p:txBody>
@@ -2071,7 +2076,7 @@
         </p:nvSpPr>
         <p:spPr>
           <a:xfrm>
-            <a:off x="4645025" y="1535113"/>
+            <a:off x="4648200" y="762000"/>
             <a:ext cx="4041775" cy="639762"/>
           </a:xfrm>
         </p:spPr>
@@ -2136,8 +2141,8 @@
         </p:nvSpPr>
         <p:spPr>
           <a:xfrm>
-            <a:off x="4645025" y="2174875"/>
-            <a:ext cx="4041775" cy="3951288"/>
+            <a:off x="4648200" y="1371600"/>
+            <a:ext cx="4041775" cy="5105400"/>
           </a:xfrm>
         </p:spPr>
         <p:txBody>
@@ -2224,9 +2229,9 @@
           <a:bodyPr/>
           <a:lstStyle/>
           <a:p>
-            <a:fld id="{30B8CE64-9E95-47EA-AA0B-EDAF22908BEA}" type="datetime1">
+            <a:fld id="{CC540818-E0A3-45A0-B9E7-AB6964DB0AF7}" type="datetime1">
               <a:rPr lang="en-US" smtClean="0"/>
-              <a:t>10/12/2015</a:t>
+              <a:t>2/27/2016</a:t>
             </a:fld>
             <a:endParaRPr lang="en-US"/>
           </a:p>
@@ -2344,17 +2349,17 @@
         </p:nvSpPr>
         <p:spPr>
           <a:xfrm>
-            <a:off x="457200" y="6492875"/>
-            <a:ext cx="2133600" cy="365125"/>
+            <a:off x="457200" y="6569075"/>
+            <a:ext cx="2133600" cy="288925"/>
           </a:xfrm>
         </p:spPr>
         <p:txBody>
           <a:bodyPr/>
           <a:lstStyle/>
           <a:p>
-            <a:fld id="{C05A1361-3B57-4CE1-99E9-6F73D07E7AFD}" type="datetime1">
+            <a:fld id="{107CA5CF-55FE-49DC-B3AC-623F4967B212}" type="datetime1">
               <a:rPr lang="en-US" smtClean="0"/>
-              <a:t>10/12/2015</a:t>
+              <a:t>2/27/2016</a:t>
             </a:fld>
             <a:endParaRPr lang="en-US"/>
           </a:p>
@@ -2372,8 +2377,8 @@
         </p:nvSpPr>
         <p:spPr>
           <a:xfrm>
-            <a:off x="3124200" y="6492875"/>
-            <a:ext cx="2895600" cy="365125"/>
+            <a:off x="3124200" y="6569075"/>
+            <a:ext cx="2895600" cy="288925"/>
           </a:xfrm>
         </p:spPr>
         <p:txBody>
@@ -2396,26 +2401,18 @@
         </p:nvSpPr>
         <p:spPr>
           <a:xfrm>
-            <a:off x="6553200" y="6508750"/>
-            <a:ext cx="2133600" cy="349250"/>
+            <a:off x="6553200" y="6553200"/>
+            <a:ext cx="2133600" cy="228600"/>
           </a:xfrm>
         </p:spPr>
         <p:txBody>
-          <a:bodyPr/>
+          <a:bodyPr vert="horz" lIns="91440" tIns="45720" rIns="91440" bIns="45720" rtlCol="0" anchor="ctr"/>
           <a:lstStyle>
             <a:lvl1pPr>
-              <a:defRPr>
-                <a:solidFill>
-                  <a:schemeClr val="tx1"/>
-                </a:solidFill>
-              </a:defRPr>
+              <a:defRPr lang="en-US" smtClean="0"/>
             </a:lvl1pPr>
           </a:lstStyle>
           <a:p>
-            <a:r>
-              <a:rPr lang="en-US" dirty="0" smtClean="0"/>
-              <a:t>Page </a:t>
-            </a:r>
             <a:fld id="{F1B1EB98-98E7-4A5A-BA8F-7513A9456E79}" type="slidenum">
               <a:rPr lang="en-US" smtClean="0"/>
               <a:pPr/>
@@ -2425,68 +2422,6 @@
           </a:p>
         </p:txBody>
       </p:sp>
-      <p:cxnSp>
-        <p:nvCxnSpPr>
-          <p:cNvPr id="7" name="Straight Connector 6"/>
-          <p:cNvCxnSpPr/>
-          <p:nvPr userDrawn="1"/>
-        </p:nvCxnSpPr>
-        <p:spPr>
-          <a:xfrm>
-            <a:off x="76200" y="685800"/>
-            <a:ext cx="8991600" cy="0"/>
-          </a:xfrm>
-          <a:prstGeom prst="line">
-            <a:avLst/>
-          </a:prstGeom>
-          <a:ln w="38100"/>
-        </p:spPr>
-        <p:style>
-          <a:lnRef idx="1">
-            <a:schemeClr val="accent1"/>
-          </a:lnRef>
-          <a:fillRef idx="0">
-            <a:schemeClr val="accent1"/>
-          </a:fillRef>
-          <a:effectRef idx="0">
-            <a:schemeClr val="accent1"/>
-          </a:effectRef>
-          <a:fontRef idx="minor">
-            <a:schemeClr val="tx1"/>
-          </a:fontRef>
-        </p:style>
-      </p:cxnSp>
-      <p:cxnSp>
-        <p:nvCxnSpPr>
-          <p:cNvPr id="10" name="Straight Connector 9"/>
-          <p:cNvCxnSpPr/>
-          <p:nvPr userDrawn="1"/>
-        </p:nvCxnSpPr>
-        <p:spPr>
-          <a:xfrm>
-            <a:off x="76200" y="6553200"/>
-            <a:ext cx="8991600" cy="0"/>
-          </a:xfrm>
-          <a:prstGeom prst="line">
-            <a:avLst/>
-          </a:prstGeom>
-          <a:ln w="38100"/>
-        </p:spPr>
-        <p:style>
-          <a:lnRef idx="1">
-            <a:schemeClr val="accent1"/>
-          </a:lnRef>
-          <a:fillRef idx="0">
-            <a:schemeClr val="accent1"/>
-          </a:fillRef>
-          <a:effectRef idx="0">
-            <a:schemeClr val="accent1"/>
-          </a:effectRef>
-          <a:fontRef idx="minor">
-            <a:schemeClr val="tx1"/>
-          </a:fontRef>
-        </p:style>
-      </p:cxnSp>
     </p:spTree>
     <p:extLst>
       <p:ext uri="{BB962C8B-B14F-4D97-AF65-F5344CB8AC3E}">
@@ -2532,9 +2467,9 @@
           <a:bodyPr/>
           <a:lstStyle/>
           <a:p>
-            <a:fld id="{48084879-C730-49C2-9369-4526E7313D15}" type="datetime1">
+            <a:fld id="{9C960BAF-EAC5-4B4A-B3FA-08DE80CD43DF}" type="datetime1">
               <a:rPr lang="en-US" smtClean="0"/>
-              <a:t>10/12/2015</a:t>
+              <a:t>2/27/2016</a:t>
             </a:fld>
             <a:endParaRPr lang="en-US"/>
           </a:p>
@@ -2569,7 +2504,12 @@
             <p:ph type="sldNum" sz="quarter" idx="12"/>
           </p:nvPr>
         </p:nvSpPr>
-        <p:spPr/>
+        <p:spPr>
+          <a:xfrm>
+            <a:off x="6553200" y="6553200"/>
+            <a:ext cx="2133600" cy="228600"/>
+          </a:xfrm>
+        </p:spPr>
         <p:txBody>
           <a:bodyPr/>
           <a:lstStyle/>
@@ -2809,9 +2749,9 @@
           <a:bodyPr/>
           <a:lstStyle/>
           <a:p>
-            <a:fld id="{08B42C97-3C78-4F31-BBF5-0836FE73BBF4}" type="datetime1">
+            <a:fld id="{54F98608-D36E-481B-A2F2-5C486B7C18F6}" type="datetime1">
               <a:rPr lang="en-US" smtClean="0"/>
-              <a:t>10/12/2015</a:t>
+              <a:t>2/27/2016</a:t>
             </a:fld>
             <a:endParaRPr lang="en-US"/>
           </a:p>
@@ -2846,7 +2786,12 @@
             <p:ph type="sldNum" sz="quarter" idx="12"/>
           </p:nvPr>
         </p:nvSpPr>
-        <p:spPr/>
+        <p:spPr>
+          <a:xfrm>
+            <a:off x="6553200" y="6553200"/>
+            <a:ext cx="2133600" cy="228600"/>
+          </a:xfrm>
+        </p:spPr>
         <p:txBody>
           <a:bodyPr/>
           <a:lstStyle/>
@@ -3062,9 +3007,9 @@
           <a:bodyPr/>
           <a:lstStyle/>
           <a:p>
-            <a:fld id="{20BBBBF6-E6AB-4416-A560-6979273157FF}" type="datetime1">
+            <a:fld id="{726042FF-C265-4686-B492-9503F312B9F7}" type="datetime1">
               <a:rPr lang="en-US" smtClean="0"/>
-              <a:t>10/12/2015</a:t>
+              <a:t>2/27/2016</a:t>
             </a:fld>
             <a:endParaRPr lang="en-US"/>
           </a:p>
@@ -3159,8 +3104,8 @@
         </p:nvSpPr>
         <p:spPr>
           <a:xfrm>
-            <a:off x="457200" y="274638"/>
-            <a:ext cx="8229600" cy="1143000"/>
+            <a:off x="457200" y="152400"/>
+            <a:ext cx="8229600" cy="487362"/>
           </a:xfrm>
           <a:prstGeom prst="rect">
             <a:avLst/>
@@ -3192,8 +3137,8 @@
         </p:nvSpPr>
         <p:spPr>
           <a:xfrm>
-            <a:off x="457200" y="1600200"/>
-            <a:ext cx="8229600" cy="4525963"/>
+            <a:off x="457200" y="762000"/>
+            <a:ext cx="8229600" cy="5364163"/>
           </a:xfrm>
           <a:prstGeom prst="rect">
             <a:avLst/>
@@ -3254,8 +3199,8 @@
         </p:nvSpPr>
         <p:spPr>
           <a:xfrm>
-            <a:off x="457200" y="6356350"/>
-            <a:ext cx="2133600" cy="365125"/>
+            <a:off x="457200" y="6553200"/>
+            <a:ext cx="2133600" cy="244475"/>
           </a:xfrm>
           <a:prstGeom prst="rect">
             <a:avLst/>
@@ -3275,9 +3220,9 @@
             </a:lvl1pPr>
           </a:lstStyle>
           <a:p>
-            <a:fld id="{BA333682-8707-47CB-92BD-798CEAEF6CB6}" type="datetime1">
+            <a:fld id="{CACDD5D5-767C-4EE7-8E36-1049EE603D55}" type="datetime1">
               <a:rPr lang="en-US" smtClean="0"/>
-              <a:t>10/12/2015</a:t>
+              <a:t>2/27/2016</a:t>
             </a:fld>
             <a:endParaRPr lang="en-US"/>
           </a:p>
@@ -3295,8 +3240,8 @@
         </p:nvSpPr>
         <p:spPr>
           <a:xfrm>
-            <a:off x="3124200" y="6356350"/>
-            <a:ext cx="2895600" cy="365125"/>
+            <a:off x="3124200" y="6553200"/>
+            <a:ext cx="2895600" cy="244475"/>
           </a:xfrm>
           <a:prstGeom prst="rect">
             <a:avLst/>
@@ -3316,7 +3261,7 @@
             </a:lvl1pPr>
           </a:lstStyle>
           <a:p>
-            <a:endParaRPr lang="en-US"/>
+            <a:endParaRPr lang="en-US" dirty="0"/>
           </a:p>
         </p:txBody>
       </p:sp>
@@ -3332,8 +3277,8 @@
         </p:nvSpPr>
         <p:spPr>
           <a:xfrm>
-            <a:off x="6553200" y="6356350"/>
-            <a:ext cx="2133600" cy="365125"/>
+            <a:off x="6553200" y="6553200"/>
+            <a:ext cx="2133600" cy="244475"/>
           </a:xfrm>
           <a:prstGeom prst="rect">
             <a:avLst/>
@@ -3361,6 +3306,68 @@
           </a:p>
         </p:txBody>
       </p:sp>
+      <p:cxnSp>
+        <p:nvCxnSpPr>
+          <p:cNvPr id="7" name="Straight Connector 6"/>
+          <p:cNvCxnSpPr/>
+          <p:nvPr/>
+        </p:nvCxnSpPr>
+        <p:spPr>
+          <a:xfrm>
+            <a:off x="76200" y="685800"/>
+            <a:ext cx="8991600" cy="0"/>
+          </a:xfrm>
+          <a:prstGeom prst="line">
+            <a:avLst/>
+          </a:prstGeom>
+          <a:ln w="38100"/>
+        </p:spPr>
+        <p:style>
+          <a:lnRef idx="1">
+            <a:schemeClr val="accent1"/>
+          </a:lnRef>
+          <a:fillRef idx="0">
+            <a:schemeClr val="accent1"/>
+          </a:fillRef>
+          <a:effectRef idx="0">
+            <a:schemeClr val="accent1"/>
+          </a:effectRef>
+          <a:fontRef idx="minor">
+            <a:schemeClr val="tx1"/>
+          </a:fontRef>
+        </p:style>
+      </p:cxnSp>
+      <p:cxnSp>
+        <p:nvCxnSpPr>
+          <p:cNvPr id="8" name="Straight Connector 7"/>
+          <p:cNvCxnSpPr/>
+          <p:nvPr/>
+        </p:nvCxnSpPr>
+        <p:spPr>
+          <a:xfrm>
+            <a:off x="76200" y="6553200"/>
+            <a:ext cx="8991600" cy="0"/>
+          </a:xfrm>
+          <a:prstGeom prst="line">
+            <a:avLst/>
+          </a:prstGeom>
+          <a:ln w="38100"/>
+        </p:spPr>
+        <p:style>
+          <a:lnRef idx="1">
+            <a:schemeClr val="accent1"/>
+          </a:lnRef>
+          <a:fillRef idx="0">
+            <a:schemeClr val="accent1"/>
+          </a:fillRef>
+          <a:effectRef idx="0">
+            <a:schemeClr val="accent1"/>
+          </a:effectRef>
+          <a:fontRef idx="minor">
+            <a:schemeClr val="tx1"/>
+          </a:fontRef>
+        </p:style>
+      </p:cxnSp>
     </p:spTree>
     <p:extLst>
       <p:ext uri="{BB962C8B-B14F-4D97-AF65-F5344CB8AC3E}">
@@ -3370,17 +3377,17 @@
   </p:cSld>
   <p:clrMap bg1="lt1" tx1="dk1" bg2="lt2" tx2="dk2" accent1="accent1" accent2="accent2" accent3="accent3" accent4="accent4" accent5="accent5" accent6="accent6" hlink="hlink" folHlink="folHlink"/>
   <p:sldLayoutIdLst>
-    <p:sldLayoutId id="2147483649" r:id="rId1"/>
-    <p:sldLayoutId id="2147483650" r:id="rId2"/>
-    <p:sldLayoutId id="2147483651" r:id="rId3"/>
-    <p:sldLayoutId id="2147483652" r:id="rId4"/>
-    <p:sldLayoutId id="2147483653" r:id="rId5"/>
-    <p:sldLayoutId id="2147483654" r:id="rId6"/>
-    <p:sldLayoutId id="2147483655" r:id="rId7"/>
-    <p:sldLayoutId id="2147483656" r:id="rId8"/>
-    <p:sldLayoutId id="2147483657" r:id="rId9"/>
-    <p:sldLayoutId id="2147483658" r:id="rId10"/>
-    <p:sldLayoutId id="2147483659" r:id="rId11"/>
+    <p:sldLayoutId id="2147483661" r:id="rId1"/>
+    <p:sldLayoutId id="2147483662" r:id="rId2"/>
+    <p:sldLayoutId id="2147483663" r:id="rId3"/>
+    <p:sldLayoutId id="2147483664" r:id="rId4"/>
+    <p:sldLayoutId id="2147483665" r:id="rId5"/>
+    <p:sldLayoutId id="2147483666" r:id="rId6"/>
+    <p:sldLayoutId id="2147483667" r:id="rId7"/>
+    <p:sldLayoutId id="2147483668" r:id="rId8"/>
+    <p:sldLayoutId id="2147483669" r:id="rId9"/>
+    <p:sldLayoutId id="2147483670" r:id="rId10"/>
+    <p:sldLayoutId id="2147483671" r:id="rId11"/>
   </p:sldLayoutIdLst>
   <p:hf hdr="0" ftr="0" dt="0"/>
   <p:txStyles>
@@ -3655,7 +3662,7 @@
       </p:grpSpPr>
       <p:sp>
         <p:nvSpPr>
-          <p:cNvPr id="22" name="Title 21"/>
+          <p:cNvPr id="2" name="Title 1"/>
           <p:cNvSpPr>
             <a:spLocks noGrp="1"/>
           </p:cNvSpPr>
@@ -3672,7 +3679,137 @@
           <a:p>
             <a:r>
               <a:rPr lang="en-US" dirty="0" smtClean="0"/>
-              <a:t>Chart View</a:t>
+              <a:t>Use Cases</a:t>
+            </a:r>
+            <a:endParaRPr lang="en-US" dirty="0"/>
+          </a:p>
+        </p:txBody>
+      </p:sp>
+      <p:sp>
+        <p:nvSpPr>
+          <p:cNvPr id="4" name="Content Placeholder 3"/>
+          <p:cNvSpPr>
+            <a:spLocks noGrp="1"/>
+          </p:cNvSpPr>
+          <p:nvPr>
+            <p:ph idx="1"/>
+          </p:nvPr>
+        </p:nvSpPr>
+        <p:spPr/>
+        <p:txBody>
+          <a:bodyPr/>
+          <a:lstStyle/>
+          <a:p>
+            <a:pPr marL="514350" indent="-514350">
+              <a:buFont typeface="+mj-lt"/>
+              <a:buAutoNum type="arabicPeriod"/>
+            </a:pPr>
+            <a:r>
+              <a:rPr lang="en-US" dirty="0" smtClean="0"/>
+              <a:t>Plot two series from a dataset.</a:t>
+            </a:r>
+          </a:p>
+          <a:p>
+            <a:pPr marL="514350" indent="-514350">
+              <a:buFont typeface="+mj-lt"/>
+              <a:buAutoNum type="arabicPeriod"/>
+            </a:pPr>
+            <a:r>
+              <a:rPr lang="en-US" dirty="0" smtClean="0"/>
+              <a:t>Change the domain/range series in a dataset.</a:t>
+            </a:r>
+          </a:p>
+          <a:p>
+            <a:pPr marL="514350" indent="-514350">
+              <a:buFont typeface="+mj-lt"/>
+              <a:buAutoNum type="arabicPeriod"/>
+            </a:pPr>
+            <a:r>
+              <a:rPr lang="en-US" dirty="0" smtClean="0"/>
+              <a:t>Remove points from a series in a dataset.</a:t>
+            </a:r>
+            <a:endParaRPr lang="en-US" dirty="0"/>
+          </a:p>
+        </p:txBody>
+      </p:sp>
+      <p:sp>
+        <p:nvSpPr>
+          <p:cNvPr id="3" name="Slide Number Placeholder 2"/>
+          <p:cNvSpPr>
+            <a:spLocks noGrp="1"/>
+          </p:cNvSpPr>
+          <p:nvPr>
+            <p:ph type="sldNum" sz="quarter" idx="12"/>
+          </p:nvPr>
+        </p:nvSpPr>
+        <p:spPr/>
+        <p:txBody>
+          <a:bodyPr/>
+          <a:lstStyle/>
+          <a:p>
+            <a:r>
+              <a:rPr lang="en-US" dirty="0" smtClean="0"/>
+              <a:t>Page </a:t>
+            </a:r>
+            <a:fld id="{F1B1EB98-98E7-4A5A-BA8F-7513A9456E79}" type="slidenum">
+              <a:rPr lang="en-US" smtClean="0"/>
+              <a:pPr/>
+              <a:t>1</a:t>
+            </a:fld>
+            <a:endParaRPr lang="en-US" dirty="0"/>
+          </a:p>
+        </p:txBody>
+      </p:sp>
+    </p:spTree>
+    <p:extLst>
+      <p:ext uri="{BB962C8B-B14F-4D97-AF65-F5344CB8AC3E}">
+        <p14:creationId xmlns:p14="http://schemas.microsoft.com/office/powerpoint/2010/main" val="1707696137"/>
+      </p:ext>
+    </p:extLst>
+  </p:cSld>
+  <p:clrMapOvr>
+    <a:masterClrMapping/>
+  </p:clrMapOvr>
+</p:sld>
+</file>
+
+<file path=ppt/slides/slide10.xml><?xml version="1.0" encoding="utf-8"?>
+<p:sld xmlns:a="http://schemas.openxmlformats.org/drawingml/2006/main" xmlns:r="http://schemas.openxmlformats.org/officeDocument/2006/relationships" xmlns:p="http://schemas.openxmlformats.org/presentationml/2006/main">
+  <p:cSld>
+    <p:spTree>
+      <p:nvGrpSpPr>
+        <p:cNvPr id="1" name=""/>
+        <p:cNvGrpSpPr/>
+        <p:nvPr/>
+      </p:nvGrpSpPr>
+      <p:grpSpPr>
+        <a:xfrm>
+          <a:off x="0" y="0"/>
+          <a:ext cx="0" cy="0"/>
+          <a:chOff x="0" y="0"/>
+          <a:chExt cx="0" cy="0"/>
+        </a:xfrm>
+      </p:grpSpPr>
+      <p:sp>
+        <p:nvSpPr>
+          <p:cNvPr id="2" name="Title 1"/>
+          <p:cNvSpPr>
+            <a:spLocks noGrp="1"/>
+          </p:cNvSpPr>
+          <p:nvPr>
+            <p:ph type="title"/>
+          </p:nvPr>
+        </p:nvSpPr>
+        <p:spPr/>
+        <p:txBody>
+          <a:bodyPr>
+            <a:normAutofit fontScale="90000"/>
+          </a:bodyPr>
+          <a:lstStyle/>
+          <a:p>
+            <a:r>
+              <a:rPr lang="en-US" dirty="0" smtClean="0"/>
+              <a:t>Legend Properties View</a:t>
             </a:r>
             <a:endParaRPr lang="en-US" dirty="0"/>
           </a:p>
@@ -3680,42 +3817,374 @@
       </p:sp>
       <p:grpSp>
         <p:nvGrpSpPr>
-          <p:cNvPr id="12" name="Group 11"/>
+          <p:cNvPr id="33" name="Group 32"/>
           <p:cNvGrpSpPr/>
           <p:nvPr/>
         </p:nvGrpSpPr>
         <p:grpSpPr>
           <a:xfrm>
-            <a:off x="1447800" y="1828800"/>
-            <a:ext cx="6248400" cy="3810000"/>
-            <a:chOff x="1447800" y="1981200"/>
-            <a:chExt cx="6248400" cy="3810000"/>
+            <a:off x="2705101" y="1981200"/>
+            <a:ext cx="3733800" cy="3352800"/>
+            <a:chOff x="2705101" y="1981200"/>
+            <a:chExt cx="3733800" cy="3352800"/>
           </a:xfrm>
         </p:grpSpPr>
+        <p:sp>
+          <p:nvSpPr>
+            <p:cNvPr id="3" name="Rectangle 2"/>
+            <p:cNvSpPr/>
+            <p:nvPr/>
+          </p:nvSpPr>
+          <p:spPr>
+            <a:xfrm>
+              <a:off x="2705101" y="1981200"/>
+              <a:ext cx="3733800" cy="3352800"/>
+            </a:xfrm>
+            <a:prstGeom prst="rect">
+              <a:avLst/>
+            </a:prstGeom>
+            <a:solidFill>
+              <a:schemeClr val="bg1"/>
+            </a:solidFill>
+          </p:spPr>
+          <p:style>
+            <a:lnRef idx="2">
+              <a:schemeClr val="accent1">
+                <a:shade val="50000"/>
+              </a:schemeClr>
+            </a:lnRef>
+            <a:fillRef idx="1">
+              <a:schemeClr val="accent1"/>
+            </a:fillRef>
+            <a:effectRef idx="0">
+              <a:schemeClr val="accent1"/>
+            </a:effectRef>
+            <a:fontRef idx="minor">
+              <a:schemeClr val="lt1"/>
+            </a:fontRef>
+          </p:style>
+          <p:txBody>
+            <a:bodyPr rtlCol="0" anchor="ctr"/>
+            <a:lstStyle/>
+            <a:p>
+              <a:pPr algn="ctr"/>
+              <a:endParaRPr lang="en-US" dirty="0">
+                <a:solidFill>
+                  <a:schemeClr val="tx1"/>
+                </a:solidFill>
+              </a:endParaRPr>
+            </a:p>
+          </p:txBody>
+        </p:sp>
+        <p:sp>
+          <p:nvSpPr>
+            <p:cNvPr id="4" name="TextBox 3"/>
+            <p:cNvSpPr txBox="1"/>
+            <p:nvPr/>
+          </p:nvSpPr>
+          <p:spPr>
+            <a:xfrm>
+              <a:off x="2808688" y="2085201"/>
+              <a:ext cx="1001312" cy="276999"/>
+            </a:xfrm>
+            <a:prstGeom prst="rect">
+              <a:avLst/>
+            </a:prstGeom>
+            <a:noFill/>
+          </p:spPr>
+          <p:txBody>
+            <a:bodyPr wrap="square" rtlCol="0">
+              <a:spAutoFit/>
+            </a:bodyPr>
+            <a:lstStyle/>
+            <a:p>
+              <a:pPr algn="r"/>
+              <a:r>
+                <a:rPr lang="en-US" sz="1200" dirty="0" smtClean="0"/>
+                <a:t>Visible:</a:t>
+              </a:r>
+              <a:endParaRPr lang="en-US" sz="1200" dirty="0"/>
+            </a:p>
+          </p:txBody>
+        </p:sp>
+        <p:sp>
+          <p:nvSpPr>
+            <p:cNvPr id="6" name="TextBox 5"/>
+            <p:cNvSpPr txBox="1"/>
+            <p:nvPr/>
+          </p:nvSpPr>
+          <p:spPr>
+            <a:xfrm>
+              <a:off x="2819400" y="2466201"/>
+              <a:ext cx="990600" cy="276999"/>
+            </a:xfrm>
+            <a:prstGeom prst="rect">
+              <a:avLst/>
+            </a:prstGeom>
+            <a:noFill/>
+          </p:spPr>
+          <p:txBody>
+            <a:bodyPr wrap="square" rtlCol="0">
+              <a:spAutoFit/>
+            </a:bodyPr>
+            <a:lstStyle/>
+            <a:p>
+              <a:pPr algn="r"/>
+              <a:r>
+                <a:rPr lang="en-US" sz="1200" dirty="0" smtClean="0"/>
+                <a:t>Side:</a:t>
+              </a:r>
+              <a:endParaRPr lang="en-US" sz="1200" dirty="0"/>
+            </a:p>
+          </p:txBody>
+        </p:sp>
+        <p:sp>
+          <p:nvSpPr>
+            <p:cNvPr id="7" name="Rounded Rectangle 6"/>
+            <p:cNvSpPr/>
+            <p:nvPr/>
+          </p:nvSpPr>
+          <p:spPr>
+            <a:xfrm>
+              <a:off x="3810000" y="2456164"/>
+              <a:ext cx="2525311" cy="287036"/>
+            </a:xfrm>
+            <a:prstGeom prst="roundRect">
+              <a:avLst/>
+            </a:prstGeom>
+            <a:solidFill>
+              <a:schemeClr val="bg1"/>
+            </a:solidFill>
+            <a:ln w="19050"/>
+          </p:spPr>
+          <p:style>
+            <a:lnRef idx="2">
+              <a:schemeClr val="accent1">
+                <a:shade val="50000"/>
+              </a:schemeClr>
+            </a:lnRef>
+            <a:fillRef idx="1">
+              <a:schemeClr val="accent1"/>
+            </a:fillRef>
+            <a:effectRef idx="0">
+              <a:schemeClr val="accent1"/>
+            </a:effectRef>
+            <a:fontRef idx="minor">
+              <a:schemeClr val="lt1"/>
+            </a:fontRef>
+          </p:style>
+          <p:txBody>
+            <a:bodyPr rtlCol="0" anchor="ctr"/>
+            <a:lstStyle/>
+            <a:p>
+              <a:pPr algn="ctr"/>
+              <a:endParaRPr lang="en-US"/>
+            </a:p>
+          </p:txBody>
+        </p:sp>
+        <p:sp>
+          <p:nvSpPr>
+            <p:cNvPr id="8" name="TextBox 7"/>
+            <p:cNvSpPr txBox="1"/>
+            <p:nvPr/>
+          </p:nvSpPr>
+          <p:spPr>
+            <a:xfrm>
+              <a:off x="2819400" y="2847201"/>
+              <a:ext cx="990600" cy="276999"/>
+            </a:xfrm>
+            <a:prstGeom prst="rect">
+              <a:avLst/>
+            </a:prstGeom>
+            <a:noFill/>
+          </p:spPr>
+          <p:txBody>
+            <a:bodyPr wrap="square" rtlCol="0">
+              <a:spAutoFit/>
+            </a:bodyPr>
+            <a:lstStyle/>
+            <a:p>
+              <a:pPr algn="r"/>
+              <a:r>
+                <a:rPr lang="en-US" sz="1200" dirty="0" smtClean="0"/>
+                <a:t>Background:</a:t>
+              </a:r>
+              <a:endParaRPr lang="en-US" sz="1200" dirty="0"/>
+            </a:p>
+          </p:txBody>
+        </p:sp>
+        <p:sp>
+          <p:nvSpPr>
+            <p:cNvPr id="13" name="Isosceles Triangle 12"/>
+            <p:cNvSpPr/>
+            <p:nvPr/>
+          </p:nvSpPr>
+          <p:spPr>
+            <a:xfrm rot="10800000">
+              <a:off x="6096000" y="2532941"/>
+              <a:ext cx="152400" cy="143518"/>
+            </a:xfrm>
+            <a:prstGeom prst="triangle">
+              <a:avLst/>
+            </a:prstGeom>
+            <a:solidFill>
+              <a:schemeClr val="bg1"/>
+            </a:solidFill>
+            <a:ln w="12700">
+              <a:solidFill>
+                <a:schemeClr val="tx2"/>
+              </a:solidFill>
+            </a:ln>
+          </p:spPr>
+          <p:style>
+            <a:lnRef idx="2">
+              <a:schemeClr val="accent1">
+                <a:shade val="50000"/>
+              </a:schemeClr>
+            </a:lnRef>
+            <a:fillRef idx="1">
+              <a:schemeClr val="accent1"/>
+            </a:fillRef>
+            <a:effectRef idx="0">
+              <a:schemeClr val="accent1"/>
+            </a:effectRef>
+            <a:fontRef idx="minor">
+              <a:schemeClr val="lt1"/>
+            </a:fontRef>
+          </p:style>
+          <p:txBody>
+            <a:bodyPr rtlCol="0" anchor="ctr"/>
+            <a:lstStyle/>
+            <a:p>
+              <a:pPr algn="ctr"/>
+              <a:endParaRPr lang="en-US"/>
+            </a:p>
+          </p:txBody>
+        </p:sp>
+        <p:sp>
+          <p:nvSpPr>
+            <p:cNvPr id="17" name="Rectangle 16"/>
+            <p:cNvSpPr/>
+            <p:nvPr/>
+          </p:nvSpPr>
+          <p:spPr>
+            <a:xfrm>
+              <a:off x="3810000" y="2168836"/>
+              <a:ext cx="109728" cy="109728"/>
+            </a:xfrm>
+            <a:prstGeom prst="rect">
+              <a:avLst/>
+            </a:prstGeom>
+            <a:solidFill>
+              <a:schemeClr val="bg1"/>
+            </a:solidFill>
+            <a:ln w="19050"/>
+          </p:spPr>
+          <p:style>
+            <a:lnRef idx="2">
+              <a:schemeClr val="accent1">
+                <a:shade val="50000"/>
+              </a:schemeClr>
+            </a:lnRef>
+            <a:fillRef idx="1">
+              <a:schemeClr val="accent1"/>
+            </a:fillRef>
+            <a:effectRef idx="0">
+              <a:schemeClr val="accent1"/>
+            </a:effectRef>
+            <a:fontRef idx="minor">
+              <a:schemeClr val="lt1"/>
+            </a:fontRef>
+          </p:style>
+          <p:txBody>
+            <a:bodyPr rtlCol="0" anchor="ctr"/>
+            <a:lstStyle/>
+            <a:p>
+              <a:pPr algn="ctr"/>
+              <a:endParaRPr lang="en-US"/>
+            </a:p>
+          </p:txBody>
+        </p:sp>
         <p:grpSp>
           <p:nvGrpSpPr>
-            <p:cNvPr id="11" name="Group 10"/>
+            <p:cNvPr id="12" name="Group 11"/>
             <p:cNvGrpSpPr/>
             <p:nvPr/>
           </p:nvGrpSpPr>
           <p:grpSpPr>
             <a:xfrm>
-              <a:off x="1528254" y="2057400"/>
-              <a:ext cx="6087492" cy="3657600"/>
-              <a:chOff x="1528254" y="1600200"/>
-              <a:chExt cx="6087492" cy="3657600"/>
+              <a:off x="3810000" y="2837164"/>
+              <a:ext cx="2525311" cy="287036"/>
+              <a:chOff x="3810000" y="2837164"/>
+              <a:chExt cx="2525311" cy="287036"/>
             </a:xfrm>
           </p:grpSpPr>
           <p:sp>
             <p:nvSpPr>
-              <p:cNvPr id="2" name="Rectangle 1"/>
+              <p:cNvPr id="9" name="Rounded Rectangle 8"/>
               <p:cNvSpPr/>
               <p:nvPr/>
             </p:nvSpPr>
             <p:spPr>
               <a:xfrm>
-                <a:off x="3881946" y="1905000"/>
-                <a:ext cx="3733800" cy="3352800"/>
+                <a:off x="3810000" y="2837164"/>
+                <a:ext cx="2525311" cy="287036"/>
+              </a:xfrm>
+              <a:prstGeom prst="roundRect">
+                <a:avLst/>
+              </a:prstGeom>
+              <a:solidFill>
+                <a:schemeClr val="bg1"/>
+              </a:solidFill>
+              <a:ln w="19050"/>
+            </p:spPr>
+            <p:style>
+              <a:lnRef idx="2">
+                <a:schemeClr val="accent1">
+                  <a:shade val="50000"/>
+                </a:schemeClr>
+              </a:lnRef>
+              <a:fillRef idx="1">
+                <a:schemeClr val="accent1"/>
+              </a:fillRef>
+              <a:effectRef idx="0">
+                <a:schemeClr val="accent1"/>
+              </a:effectRef>
+              <a:fontRef idx="minor">
+                <a:schemeClr val="lt1"/>
+              </a:fontRef>
+            </p:style>
+            <p:txBody>
+              <a:bodyPr rtlCol="0" anchor="ctr"/>
+              <a:lstStyle/>
+              <a:p>
+                <a:pPr algn="r"/>
+                <a:r>
+                  <a:rPr lang="en-US" sz="1200" dirty="0" smtClean="0">
+                    <a:solidFill>
+                      <a:schemeClr val="tx1"/>
+                    </a:solidFill>
+                  </a:rPr>
+                  <a:t>000000:FF</a:t>
+                </a:r>
+                <a:endParaRPr lang="en-US" sz="1200" dirty="0">
+                  <a:solidFill>
+                    <a:schemeClr val="tx1"/>
+                  </a:solidFill>
+                </a:endParaRPr>
+              </a:p>
+            </p:txBody>
+          </p:sp>
+          <p:sp>
+            <p:nvSpPr>
+              <p:cNvPr id="18" name="Rectangle 17"/>
+              <p:cNvSpPr/>
+              <p:nvPr/>
+            </p:nvSpPr>
+            <p:spPr>
+              <a:xfrm>
+                <a:off x="3880014" y="2904482"/>
+                <a:ext cx="1301585" cy="152400"/>
               </a:xfrm>
               <a:prstGeom prst="rect">
                 <a:avLst/>
@@ -3723,6 +4192,11 @@
               <a:solidFill>
                 <a:schemeClr val="bg1"/>
               </a:solidFill>
+              <a:ln w="9525">
+                <a:solidFill>
+                  <a:schemeClr val="tx1"/>
+                </a:solidFill>
+              </a:ln>
             </p:spPr>
             <p:style>
               <a:lnRef idx="2">
@@ -3745,531 +4219,49 @@
               <a:lstStyle/>
               <a:p>
                 <a:pPr algn="ctr"/>
-                <a:r>
-                  <a:rPr lang="en-US" dirty="0" smtClean="0">
-                    <a:solidFill>
-                      <a:schemeClr val="tx1"/>
-                    </a:solidFill>
-                  </a:rPr>
-                  <a:t>Chart/Data/Properties</a:t>
-                </a:r>
-                <a:endParaRPr lang="en-US" dirty="0">
-                  <a:solidFill>
-                    <a:schemeClr val="tx1"/>
-                  </a:solidFill>
-                </a:endParaRPr>
+                <a:endParaRPr lang="en-US"/>
               </a:p>
             </p:txBody>
           </p:sp>
-          <p:sp>
-            <p:nvSpPr>
-              <p:cNvPr id="3" name="Snip Same Side Corner Rectangle 2"/>
-              <p:cNvSpPr/>
-              <p:nvPr/>
-            </p:nvSpPr>
-            <p:spPr>
-              <a:xfrm>
-                <a:off x="3881946" y="1600200"/>
-                <a:ext cx="914400" cy="304800"/>
-              </a:xfrm>
-              <a:prstGeom prst="snip2SameRect">
-                <a:avLst>
-                  <a:gd name="adj1" fmla="val 42825"/>
-                  <a:gd name="adj2" fmla="val 0"/>
-                </a:avLst>
-              </a:prstGeom>
-              <a:solidFill>
-                <a:schemeClr val="bg1"/>
-              </a:solidFill>
-            </p:spPr>
-            <p:style>
-              <a:lnRef idx="2">
-                <a:schemeClr val="accent1">
-                  <a:shade val="50000"/>
-                </a:schemeClr>
-              </a:lnRef>
-              <a:fillRef idx="1">
-                <a:schemeClr val="accent1"/>
-              </a:fillRef>
-              <a:effectRef idx="0">
-                <a:schemeClr val="accent1"/>
-              </a:effectRef>
-              <a:fontRef idx="minor">
-                <a:schemeClr val="lt1"/>
-              </a:fontRef>
-            </p:style>
-            <p:txBody>
-              <a:bodyPr rtlCol="0" anchor="ctr"/>
-              <a:lstStyle/>
-              <a:p>
-                <a:pPr algn="ctr"/>
-                <a:r>
-                  <a:rPr lang="en-US" dirty="0" smtClean="0">
-                    <a:solidFill>
-                      <a:schemeClr val="tx1"/>
-                    </a:solidFill>
-                  </a:rPr>
-                  <a:t>Chart</a:t>
-                </a:r>
-                <a:endParaRPr lang="en-US" dirty="0">
-                  <a:solidFill>
-                    <a:schemeClr val="tx1"/>
-                  </a:solidFill>
-                </a:endParaRPr>
-              </a:p>
-            </p:txBody>
-          </p:sp>
-          <p:sp>
-            <p:nvSpPr>
-              <p:cNvPr id="4" name="Snip Same Side Corner Rectangle 3"/>
-              <p:cNvSpPr/>
-              <p:nvPr/>
-            </p:nvSpPr>
-            <p:spPr>
-              <a:xfrm>
-                <a:off x="4804854" y="1600200"/>
-                <a:ext cx="914400" cy="304800"/>
-              </a:xfrm>
-              <a:prstGeom prst="snip2SameRect">
-                <a:avLst>
-                  <a:gd name="adj1" fmla="val 43642"/>
-                  <a:gd name="adj2" fmla="val 0"/>
-                </a:avLst>
-              </a:prstGeom>
-              <a:solidFill>
-                <a:schemeClr val="bg1"/>
-              </a:solidFill>
-            </p:spPr>
-            <p:style>
-              <a:lnRef idx="2">
-                <a:schemeClr val="accent1">
-                  <a:shade val="50000"/>
-                </a:schemeClr>
-              </a:lnRef>
-              <a:fillRef idx="1">
-                <a:schemeClr val="accent1"/>
-              </a:fillRef>
-              <a:effectRef idx="0">
-                <a:schemeClr val="accent1"/>
-              </a:effectRef>
-              <a:fontRef idx="minor">
-                <a:schemeClr val="lt1"/>
-              </a:fontRef>
-            </p:style>
-            <p:txBody>
-              <a:bodyPr rtlCol="0" anchor="ctr"/>
-              <a:lstStyle/>
-              <a:p>
-                <a:pPr algn="ctr"/>
-                <a:r>
-                  <a:rPr lang="en-US" dirty="0">
-                    <a:solidFill>
-                      <a:schemeClr val="tx1"/>
-                    </a:solidFill>
-                  </a:rPr>
-                  <a:t>Data</a:t>
-                </a:r>
-              </a:p>
-            </p:txBody>
-          </p:sp>
-          <p:sp>
-            <p:nvSpPr>
-              <p:cNvPr id="5" name="Snip Same Side Corner Rectangle 4"/>
-              <p:cNvSpPr/>
-              <p:nvPr/>
-            </p:nvSpPr>
-            <p:spPr>
-              <a:xfrm>
-                <a:off x="5710746" y="1600200"/>
-                <a:ext cx="1286892" cy="304800"/>
-              </a:xfrm>
-              <a:prstGeom prst="snip2SameRect">
-                <a:avLst>
-                  <a:gd name="adj1" fmla="val 41190"/>
-                  <a:gd name="adj2" fmla="val 0"/>
-                </a:avLst>
-              </a:prstGeom>
-              <a:solidFill>
-                <a:schemeClr val="bg1"/>
-              </a:solidFill>
-            </p:spPr>
-            <p:style>
-              <a:lnRef idx="2">
-                <a:schemeClr val="accent1">
-                  <a:shade val="50000"/>
-                </a:schemeClr>
-              </a:lnRef>
-              <a:fillRef idx="1">
-                <a:schemeClr val="accent1"/>
-              </a:fillRef>
-              <a:effectRef idx="0">
-                <a:schemeClr val="accent1"/>
-              </a:effectRef>
-              <a:fontRef idx="minor">
-                <a:schemeClr val="lt1"/>
-              </a:fontRef>
-            </p:style>
-            <p:txBody>
-              <a:bodyPr rtlCol="0" anchor="ctr"/>
-              <a:lstStyle/>
-              <a:p>
-                <a:pPr algn="ctr"/>
-                <a:r>
-                  <a:rPr lang="en-US" dirty="0">
-                    <a:solidFill>
-                      <a:schemeClr val="tx1"/>
-                    </a:solidFill>
-                  </a:rPr>
-                  <a:t>Properties</a:t>
-                </a:r>
-              </a:p>
-            </p:txBody>
-          </p:sp>
-          <p:sp>
-            <p:nvSpPr>
-              <p:cNvPr id="6" name="Rectangle 5"/>
-              <p:cNvSpPr/>
-              <p:nvPr/>
-            </p:nvSpPr>
-            <p:spPr>
-              <a:xfrm>
-                <a:off x="1528254" y="1905000"/>
-                <a:ext cx="2277492" cy="3352800"/>
-              </a:xfrm>
-              <a:prstGeom prst="rect">
-                <a:avLst/>
-              </a:prstGeom>
-              <a:solidFill>
-                <a:schemeClr val="bg1"/>
-              </a:solidFill>
-            </p:spPr>
-            <p:style>
-              <a:lnRef idx="2">
-                <a:schemeClr val="accent1">
-                  <a:shade val="50000"/>
-                </a:schemeClr>
-              </a:lnRef>
-              <a:fillRef idx="1">
-                <a:schemeClr val="accent1"/>
-              </a:fillRef>
-              <a:effectRef idx="0">
-                <a:schemeClr val="accent1"/>
-              </a:effectRef>
-              <a:fontRef idx="minor">
-                <a:schemeClr val="lt1"/>
-              </a:fontRef>
-            </p:style>
-            <p:txBody>
-              <a:bodyPr rtlCol="0" anchor="t">
-                <a:normAutofit fontScale="77500" lnSpcReduction="20000"/>
-              </a:bodyPr>
-              <a:lstStyle/>
-              <a:p>
-                <a:pPr marL="230188" indent="-230188">
-                  <a:buFontTx/>
-                  <a:buChar char="-"/>
-                </a:pPr>
-                <a:r>
-                  <a:rPr lang="en-US" dirty="0" smtClean="0">
-                    <a:solidFill>
-                      <a:schemeClr val="tx1"/>
-                    </a:solidFill>
-                  </a:rPr>
-                  <a:t>Datasets</a:t>
-                </a:r>
-              </a:p>
-              <a:p>
-                <a:pPr marL="458788" lvl="1" indent="-228600">
-                  <a:buFontTx/>
-                  <a:buChar char="-"/>
-                </a:pPr>
-                <a:r>
-                  <a:rPr lang="en-US" dirty="0" smtClean="0">
-                    <a:solidFill>
-                      <a:schemeClr val="tx1"/>
-                    </a:solidFill>
-                  </a:rPr>
-                  <a:t>Dataset 1</a:t>
-                </a:r>
-              </a:p>
-              <a:p>
-                <a:pPr marL="684213" lvl="2" indent="-222250">
-                  <a:buFontTx/>
-                  <a:buChar char="-"/>
-                </a:pPr>
-                <a:r>
-                  <a:rPr lang="en-US" dirty="0" smtClean="0">
-                    <a:solidFill>
-                      <a:schemeClr val="tx1"/>
-                    </a:solidFill>
-                  </a:rPr>
-                  <a:t>Series 1</a:t>
-                </a:r>
-              </a:p>
-              <a:p>
-                <a:pPr marL="684213" lvl="2" indent="-222250">
-                  <a:buFontTx/>
-                  <a:buChar char="-"/>
-                </a:pPr>
-                <a:r>
-                  <a:rPr lang="en-US" dirty="0">
-                    <a:solidFill>
-                      <a:schemeClr val="tx1"/>
-                    </a:solidFill>
-                  </a:rPr>
-                  <a:t>Series 2</a:t>
-                </a:r>
-              </a:p>
-              <a:p>
-                <a:pPr marL="684213" lvl="2" indent="-222250">
-                  <a:buFontTx/>
-                  <a:buChar char="-"/>
-                </a:pPr>
-                <a:r>
-                  <a:rPr lang="en-US" dirty="0" smtClean="0">
-                    <a:solidFill>
-                      <a:schemeClr val="tx1"/>
-                    </a:solidFill>
-                  </a:rPr>
-                  <a:t>…</a:t>
-                </a:r>
-              </a:p>
-              <a:p>
-                <a:pPr marL="684213" lvl="2" indent="-222250">
-                  <a:buFontTx/>
-                  <a:buChar char="-"/>
-                </a:pPr>
-                <a:r>
-                  <a:rPr lang="en-US" dirty="0" smtClean="0">
-                    <a:solidFill>
-                      <a:schemeClr val="tx1"/>
-                    </a:solidFill>
-                  </a:rPr>
-                  <a:t>Series n</a:t>
-                </a:r>
-                <a:endParaRPr lang="en-US" dirty="0">
-                  <a:solidFill>
-                    <a:schemeClr val="tx1"/>
-                  </a:solidFill>
-                </a:endParaRPr>
-              </a:p>
-              <a:p>
-                <a:pPr marL="458788" lvl="1" indent="-228600">
-                  <a:buFontTx/>
-                  <a:buChar char="-"/>
-                </a:pPr>
-                <a:r>
-                  <a:rPr lang="en-US" dirty="0">
-                    <a:solidFill>
-                      <a:schemeClr val="tx1"/>
-                    </a:solidFill>
-                  </a:rPr>
-                  <a:t>Dataset 2</a:t>
-                </a:r>
-              </a:p>
-              <a:p>
-                <a:pPr marL="684213" lvl="2" indent="-222250">
-                  <a:buFontTx/>
-                  <a:buChar char="-"/>
-                </a:pPr>
-                <a:r>
-                  <a:rPr lang="en-US" dirty="0">
-                    <a:solidFill>
-                      <a:schemeClr val="tx1"/>
-                    </a:solidFill>
-                  </a:rPr>
-                  <a:t>Series 1</a:t>
-                </a:r>
-              </a:p>
-              <a:p>
-                <a:pPr marL="684213" lvl="2" indent="-222250">
-                  <a:buFontTx/>
-                  <a:buChar char="-"/>
-                </a:pPr>
-                <a:r>
-                  <a:rPr lang="en-US" dirty="0">
-                    <a:solidFill>
-                      <a:schemeClr val="tx1"/>
-                    </a:solidFill>
-                  </a:rPr>
-                  <a:t>Series 2</a:t>
-                </a:r>
-              </a:p>
-              <a:p>
-                <a:pPr marL="684213" lvl="2" indent="-222250">
-                  <a:buFontTx/>
-                  <a:buChar char="-"/>
-                </a:pPr>
-                <a:r>
-                  <a:rPr lang="en-US" dirty="0" smtClean="0">
-                    <a:solidFill>
-                      <a:schemeClr val="tx1"/>
-                    </a:solidFill>
-                  </a:rPr>
-                  <a:t>…</a:t>
-                </a:r>
-              </a:p>
-              <a:p>
-                <a:pPr marL="684213" lvl="2" indent="-222250">
-                  <a:buFontTx/>
-                  <a:buChar char="-"/>
-                </a:pPr>
-                <a:r>
-                  <a:rPr lang="en-US" dirty="0" smtClean="0">
-                    <a:solidFill>
-                      <a:schemeClr val="tx1"/>
-                    </a:solidFill>
-                  </a:rPr>
-                  <a:t>Series n</a:t>
-                </a:r>
-                <a:endParaRPr lang="en-US" dirty="0">
-                  <a:solidFill>
-                    <a:schemeClr val="tx1"/>
-                  </a:solidFill>
-                </a:endParaRPr>
-              </a:p>
-              <a:p>
-                <a:pPr marL="458788" lvl="1" indent="-228600">
-                  <a:buFontTx/>
-                  <a:buChar char="-"/>
-                </a:pPr>
-                <a:r>
-                  <a:rPr lang="en-US" dirty="0" smtClean="0">
-                    <a:solidFill>
-                      <a:schemeClr val="tx1"/>
-                    </a:solidFill>
-                  </a:rPr>
-                  <a:t>…</a:t>
-                </a:r>
-              </a:p>
-              <a:p>
-                <a:pPr marL="458788" lvl="1" indent="-228600">
-                  <a:buFontTx/>
-                  <a:buChar char="-"/>
-                </a:pPr>
-                <a:r>
-                  <a:rPr lang="en-US" dirty="0" smtClean="0">
-                    <a:solidFill>
-                      <a:schemeClr val="tx1"/>
-                    </a:solidFill>
-                  </a:rPr>
-                  <a:t>Dataset n</a:t>
-                </a:r>
-                <a:endParaRPr lang="en-US" dirty="0">
-                  <a:solidFill>
-                    <a:schemeClr val="tx1"/>
-                  </a:solidFill>
-                </a:endParaRPr>
-              </a:p>
-              <a:p>
-                <a:pPr marL="230188" indent="-230188">
-                  <a:buFontTx/>
-                  <a:buChar char="-"/>
-                </a:pPr>
-                <a:r>
-                  <a:rPr lang="en-US" dirty="0">
-                    <a:solidFill>
-                      <a:schemeClr val="tx1"/>
-                    </a:solidFill>
-                  </a:rPr>
-                  <a:t>Plots</a:t>
-                </a:r>
-              </a:p>
-              <a:p>
-                <a:pPr marL="458788" lvl="1" indent="-228600">
-                  <a:buFontTx/>
-                  <a:buChar char="-"/>
-                </a:pPr>
-                <a:r>
-                  <a:rPr lang="en-US" dirty="0">
-                    <a:solidFill>
-                      <a:schemeClr val="tx1"/>
-                    </a:solidFill>
-                  </a:rPr>
-                  <a:t>Plot 1</a:t>
-                </a:r>
-              </a:p>
-              <a:p>
-                <a:pPr marL="458788" lvl="1" indent="-228600">
-                  <a:buFontTx/>
-                  <a:buChar char="-"/>
-                </a:pPr>
-                <a:r>
-                  <a:rPr lang="en-US" dirty="0">
-                    <a:solidFill>
-                      <a:schemeClr val="tx1"/>
-                    </a:solidFill>
-                  </a:rPr>
-                  <a:t>Plot </a:t>
-                </a:r>
-                <a:r>
-                  <a:rPr lang="en-US" dirty="0" smtClean="0">
-                    <a:solidFill>
-                      <a:schemeClr val="tx1"/>
-                    </a:solidFill>
-                  </a:rPr>
-                  <a:t>2</a:t>
-                </a:r>
-              </a:p>
-              <a:p>
-                <a:pPr marL="458788" lvl="1" indent="-228600">
-                  <a:buFontTx/>
-                  <a:buChar char="-"/>
-                </a:pPr>
-                <a:r>
-                  <a:rPr lang="en-US" dirty="0" smtClean="0">
-                    <a:solidFill>
-                      <a:schemeClr val="tx1"/>
-                    </a:solidFill>
-                  </a:rPr>
-                  <a:t>…</a:t>
-                </a:r>
-              </a:p>
-              <a:p>
-                <a:pPr marL="458788" lvl="1" indent="-228600">
-                  <a:buFontTx/>
-                  <a:buChar char="-"/>
-                </a:pPr>
-                <a:r>
-                  <a:rPr lang="en-US" dirty="0" smtClean="0">
-                    <a:solidFill>
-                      <a:schemeClr val="tx1"/>
-                    </a:solidFill>
-                  </a:rPr>
-                  <a:t>Plot n</a:t>
-                </a:r>
-                <a:endParaRPr lang="en-US" dirty="0">
-                  <a:solidFill>
-                    <a:schemeClr val="tx1"/>
-                  </a:solidFill>
-                </a:endParaRPr>
-              </a:p>
-            </p:txBody>
-          </p:sp>
+        </p:grpSp>
+        <p:grpSp>
+          <p:nvGrpSpPr>
+            <p:cNvPr id="32" name="Group 31"/>
+            <p:cNvGrpSpPr/>
+            <p:nvPr/>
+          </p:nvGrpSpPr>
+          <p:grpSpPr>
+            <a:xfrm>
+              <a:off x="2800351" y="3200400"/>
+              <a:ext cx="3543299" cy="1362840"/>
+              <a:chOff x="2800351" y="3200400"/>
+              <a:chExt cx="3543299" cy="1362840"/>
+            </a:xfrm>
+          </p:grpSpPr>
           <p:grpSp>
             <p:nvGrpSpPr>
-              <p:cNvPr id="10" name="Group 9"/>
+              <p:cNvPr id="30" name="Group 29"/>
               <p:cNvGrpSpPr/>
               <p:nvPr/>
             </p:nvGrpSpPr>
             <p:grpSpPr>
               <a:xfrm>
-                <a:off x="1528254" y="1600200"/>
-                <a:ext cx="2277492" cy="304800"/>
-                <a:chOff x="1528254" y="1600200"/>
-                <a:chExt cx="2277492" cy="304800"/>
+                <a:off x="2800992" y="3506723"/>
+                <a:ext cx="3542658" cy="1056517"/>
+                <a:chOff x="2799723" y="3896482"/>
+                <a:chExt cx="3542658" cy="1056517"/>
               </a:xfrm>
             </p:grpSpPr>
             <p:sp>
               <p:nvSpPr>
-                <p:cNvPr id="7" name="Rectangle 6"/>
+                <p:cNvPr id="19" name="Rectangle 18"/>
                 <p:cNvSpPr/>
                 <p:nvPr/>
               </p:nvSpPr>
               <p:spPr>
                 <a:xfrm>
-                  <a:off x="1528254" y="1600200"/>
-                  <a:ext cx="2277492" cy="304800"/>
+                  <a:off x="2799723" y="3896482"/>
+                  <a:ext cx="3542658" cy="1056517"/>
                 </a:xfrm>
                 <a:prstGeom prst="rect">
                   <a:avLst/>
@@ -4307,269 +4299,501 @@
                 </a:p>
               </p:txBody>
             </p:sp>
-            <p:pic>
-              <p:nvPicPr>
-                <p:cNvPr id="1027" name="Picture 3" descr="C:\Files\jgordon\personal\code\gordoza-code\java\JChartLib\src\org\jutils\chart\icons\chart016.png"/>
-                <p:cNvPicPr>
-                  <a:picLocks noChangeAspect="1" noChangeArrowheads="1"/>
-                </p:cNvPicPr>
+            <p:sp>
+              <p:nvSpPr>
+                <p:cNvPr id="20" name="TextBox 19"/>
+                <p:cNvSpPr txBox="1"/>
                 <p:nvPr/>
-              </p:nvPicPr>
-              <p:blipFill>
-                <a:blip r:embed="rId2">
-                  <a:extLst>
-                    <a:ext uri="{28A0092B-C50C-407E-A947-70E740481C1C}">
-                      <a14:useLocalDpi xmlns:a14="http://schemas.microsoft.com/office/drawing/2010/main" val="0"/>
-                    </a:ext>
-                  </a:extLst>
-                </a:blip>
-                <a:srcRect/>
-                <a:stretch>
-                  <a:fillRect/>
-                </a:stretch>
-              </p:blipFill>
-              <p:spPr bwMode="auto">
+              </p:nvSpPr>
+              <p:spPr>
                 <a:xfrm>
-                  <a:off x="1905000" y="1670304"/>
-                  <a:ext cx="164592" cy="164592"/>
+                  <a:off x="2903310" y="3896483"/>
+                  <a:ext cx="1001312" cy="276999"/>
                 </a:xfrm>
                 <a:prstGeom prst="rect">
                   <a:avLst/>
                 </a:prstGeom>
                 <a:noFill/>
-                <a:extLst>
-                  <a:ext uri="{909E8E84-426E-40DD-AFC4-6F175D3DCCD1}">
-                    <a14:hiddenFill xmlns:a14="http://schemas.microsoft.com/office/drawing/2010/main">
-                      <a:solidFill>
-                        <a:srgbClr val="FFFFFF"/>
-                      </a:solidFill>
-                    </a14:hiddenFill>
-                  </a:ext>
-                </a:extLst>
               </p:spPr>
-            </p:pic>
-            <p:pic>
-              <p:nvPicPr>
-                <p:cNvPr id="1029" name="Picture 5" descr="C:\Files\jgordon\personal\code\gordoza-code\java\jutils\src\org\jutils\icons\save16.png"/>
-                <p:cNvPicPr>
-                  <a:picLocks noChangeAspect="1" noChangeArrowheads="1"/>
-                </p:cNvPicPr>
+              <p:txBody>
+                <a:bodyPr wrap="square" rtlCol="0">
+                  <a:spAutoFit/>
+                </a:bodyPr>
+                <a:lstStyle/>
+                <a:p>
+                  <a:pPr algn="r"/>
+                  <a:r>
+                    <a:rPr lang="en-US" sz="1200" dirty="0" smtClean="0"/>
+                    <a:t>Visible:</a:t>
+                  </a:r>
+                  <a:endParaRPr lang="en-US" sz="1200" dirty="0"/>
+                </a:p>
+              </p:txBody>
+            </p:sp>
+            <p:sp>
+              <p:nvSpPr>
+                <p:cNvPr id="21" name="TextBox 20"/>
+                <p:cNvSpPr txBox="1"/>
                 <p:nvPr/>
-              </p:nvPicPr>
-              <p:blipFill>
-                <a:blip r:embed="rId3">
-                  <a:extLst>
-                    <a:ext uri="{28A0092B-C50C-407E-A947-70E740481C1C}">
-                      <a14:useLocalDpi xmlns:a14="http://schemas.microsoft.com/office/drawing/2010/main" val="0"/>
-                    </a:ext>
-                  </a:extLst>
-                </a:blip>
-                <a:srcRect/>
-                <a:stretch>
-                  <a:fillRect/>
-                </a:stretch>
-              </p:blipFill>
-              <p:spPr bwMode="auto">
+              </p:nvSpPr>
+              <p:spPr>
                 <a:xfrm>
-                  <a:off x="1600200" y="1670304"/>
-                  <a:ext cx="164592" cy="164592"/>
+                  <a:off x="2914022" y="4582037"/>
+                  <a:ext cx="990600" cy="276999"/>
                 </a:xfrm>
                 <a:prstGeom prst="rect">
                   <a:avLst/>
                 </a:prstGeom>
                 <a:noFill/>
-                <a:extLst>
-                  <a:ext uri="{909E8E84-426E-40DD-AFC4-6F175D3DCCD1}">
-                    <a14:hiddenFill xmlns:a14="http://schemas.microsoft.com/office/drawing/2010/main">
-                      <a:solidFill>
-                        <a:srgbClr val="FFFFFF"/>
-                      </a:solidFill>
-                    </a14:hiddenFill>
-                  </a:ext>
-                </a:extLst>
               </p:spPr>
-            </p:pic>
-            <p:pic>
-              <p:nvPicPr>
-                <p:cNvPr id="2051" name="Picture 3" descr="C:\Files\jgordon\personal\code\gordoza-code\java\jutils\src\org\jutils\icons\arrow-left16.png"/>
-                <p:cNvPicPr>
-                  <a:picLocks noChangeAspect="1" noChangeArrowheads="1"/>
-                </p:cNvPicPr>
+              <p:txBody>
+                <a:bodyPr wrap="square" rtlCol="0">
+                  <a:spAutoFit/>
+                </a:bodyPr>
+                <a:lstStyle/>
+                <a:p>
+                  <a:pPr algn="r"/>
+                  <a:r>
+                    <a:rPr lang="en-US" sz="1200" dirty="0" smtClean="0"/>
+                    <a:t>Thickness:</a:t>
+                  </a:r>
+                  <a:endParaRPr lang="en-US" sz="1200" dirty="0"/>
+                </a:p>
+              </p:txBody>
+            </p:sp>
+            <p:sp>
+              <p:nvSpPr>
+                <p:cNvPr id="22" name="Rounded Rectangle 21"/>
+                <p:cNvSpPr/>
                 <p:nvPr/>
-              </p:nvPicPr>
-              <p:blipFill>
-                <a:blip r:embed="rId4">
-                  <a:extLst>
-                    <a:ext uri="{28A0092B-C50C-407E-A947-70E740481C1C}">
-                      <a14:useLocalDpi xmlns:a14="http://schemas.microsoft.com/office/drawing/2010/main" val="0"/>
-                    </a:ext>
-                  </a:extLst>
-                </a:blip>
-                <a:srcRect/>
-                <a:stretch>
-                  <a:fillRect/>
-                </a:stretch>
-              </p:blipFill>
-              <p:spPr bwMode="auto">
+              </p:nvSpPr>
+              <p:spPr>
                 <a:xfrm>
-                  <a:off x="2209800" y="1670304"/>
-                  <a:ext cx="164592" cy="164592"/>
+                  <a:off x="3904623" y="4572000"/>
+                  <a:ext cx="2343778" cy="287036"/>
+                </a:xfrm>
+                <a:prstGeom prst="roundRect">
+                  <a:avLst/>
+                </a:prstGeom>
+                <a:solidFill>
+                  <a:schemeClr val="bg1"/>
+                </a:solidFill>
+                <a:ln w="19050"/>
+              </p:spPr>
+              <p:style>
+                <a:lnRef idx="2">
+                  <a:schemeClr val="accent1">
+                    <a:shade val="50000"/>
+                  </a:schemeClr>
+                </a:lnRef>
+                <a:fillRef idx="1">
+                  <a:schemeClr val="accent1"/>
+                </a:fillRef>
+                <a:effectRef idx="0">
+                  <a:schemeClr val="accent1"/>
+                </a:effectRef>
+                <a:fontRef idx="minor">
+                  <a:schemeClr val="lt1"/>
+                </a:fontRef>
+              </p:style>
+              <p:txBody>
+                <a:bodyPr rtlCol="0" anchor="ctr"/>
+                <a:lstStyle/>
+                <a:p>
+                  <a:pPr algn="ctr"/>
+                  <a:endParaRPr lang="en-US"/>
+                </a:p>
+              </p:txBody>
+            </p:sp>
+            <p:sp>
+              <p:nvSpPr>
+                <p:cNvPr id="23" name="TextBox 22"/>
+                <p:cNvSpPr txBox="1"/>
+                <p:nvPr/>
+              </p:nvSpPr>
+              <p:spPr>
+                <a:xfrm>
+                  <a:off x="2914022" y="4201037"/>
+                  <a:ext cx="990600" cy="276999"/>
                 </a:xfrm>
                 <a:prstGeom prst="rect">
                   <a:avLst/>
                 </a:prstGeom>
                 <a:noFill/>
-                <a:extLst>
-                  <a:ext uri="{909E8E84-426E-40DD-AFC4-6F175D3DCCD1}">
-                    <a14:hiddenFill xmlns:a14="http://schemas.microsoft.com/office/drawing/2010/main">
-                      <a:solidFill>
-                        <a:srgbClr val="FFFFFF"/>
-                      </a:solidFill>
-                    </a14:hiddenFill>
-                  </a:ext>
-                </a:extLst>
               </p:spPr>
-            </p:pic>
-            <p:pic>
-              <p:nvPicPr>
-                <p:cNvPr id="2052" name="Picture 4" descr="C:\Files\jgordon\personal\code\gordoza-code\java\jutils\src\org\jutils\icons\arrow-up16.png"/>
-                <p:cNvPicPr>
-                  <a:picLocks noChangeAspect="1" noChangeArrowheads="1"/>
-                </p:cNvPicPr>
+              <p:txBody>
+                <a:bodyPr wrap="square" rtlCol="0">
+                  <a:spAutoFit/>
+                </a:bodyPr>
+                <a:lstStyle/>
+                <a:p>
+                  <a:pPr algn="r"/>
+                  <a:r>
+                    <a:rPr lang="en-US" sz="1200" dirty="0" smtClean="0"/>
+                    <a:t>Color:</a:t>
+                  </a:r>
+                  <a:endParaRPr lang="en-US" sz="1200" dirty="0"/>
+                </a:p>
+              </p:txBody>
+            </p:sp>
+            <p:sp>
+              <p:nvSpPr>
+                <p:cNvPr id="25" name="Rectangle 24"/>
+                <p:cNvSpPr/>
                 <p:nvPr/>
-              </p:nvPicPr>
-              <p:blipFill>
-                <a:blip r:embed="rId5">
-                  <a:extLst>
-                    <a:ext uri="{28A0092B-C50C-407E-A947-70E740481C1C}">
-                      <a14:useLocalDpi xmlns:a14="http://schemas.microsoft.com/office/drawing/2010/main" val="0"/>
-                    </a:ext>
-                  </a:extLst>
-                </a:blip>
-                <a:srcRect/>
-                <a:stretch>
-                  <a:fillRect/>
-                </a:stretch>
-              </p:blipFill>
-              <p:spPr bwMode="auto">
+              </p:nvSpPr>
+              <p:spPr>
                 <a:xfrm>
-                  <a:off x="2743200" y="1670304"/>
-                  <a:ext cx="164592" cy="164592"/>
+                  <a:off x="3904622" y="3980118"/>
+                  <a:ext cx="109728" cy="109728"/>
                 </a:xfrm>
                 <a:prstGeom prst="rect">
                   <a:avLst/>
                 </a:prstGeom>
-                <a:noFill/>
-                <a:extLst>
-                  <a:ext uri="{909E8E84-426E-40DD-AFC4-6F175D3DCCD1}">
-                    <a14:hiddenFill xmlns:a14="http://schemas.microsoft.com/office/drawing/2010/main">
+                <a:solidFill>
+                  <a:schemeClr val="bg1"/>
+                </a:solidFill>
+                <a:ln w="19050"/>
+              </p:spPr>
+              <p:style>
+                <a:lnRef idx="2">
+                  <a:schemeClr val="accent1">
+                    <a:shade val="50000"/>
+                  </a:schemeClr>
+                </a:lnRef>
+                <a:fillRef idx="1">
+                  <a:schemeClr val="accent1"/>
+                </a:fillRef>
+                <a:effectRef idx="0">
+                  <a:schemeClr val="accent1"/>
+                </a:effectRef>
+                <a:fontRef idx="minor">
+                  <a:schemeClr val="lt1"/>
+                </a:fontRef>
+              </p:style>
+              <p:txBody>
+                <a:bodyPr rtlCol="0" anchor="ctr"/>
+                <a:lstStyle/>
+                <a:p>
+                  <a:pPr algn="ctr"/>
+                  <a:endParaRPr lang="en-US"/>
+                </a:p>
+              </p:txBody>
+            </p:sp>
+            <p:grpSp>
+              <p:nvGrpSpPr>
+                <p:cNvPr id="26" name="Group 25"/>
+                <p:cNvGrpSpPr/>
+                <p:nvPr/>
+              </p:nvGrpSpPr>
+              <p:grpSpPr>
+                <a:xfrm>
+                  <a:off x="3904622" y="4191000"/>
+                  <a:ext cx="2362199" cy="287036"/>
+                  <a:chOff x="3810000" y="2837164"/>
+                  <a:chExt cx="2525311" cy="287036"/>
+                </a:xfrm>
+              </p:grpSpPr>
+              <p:sp>
+                <p:nvSpPr>
+                  <p:cNvPr id="27" name="Rounded Rectangle 26"/>
+                  <p:cNvSpPr/>
+                  <p:nvPr/>
+                </p:nvSpPr>
+                <p:spPr>
+                  <a:xfrm>
+                    <a:off x="3810000" y="2837164"/>
+                    <a:ext cx="2525311" cy="287036"/>
+                  </a:xfrm>
+                  <a:prstGeom prst="roundRect">
+                    <a:avLst/>
+                  </a:prstGeom>
+                  <a:solidFill>
+                    <a:schemeClr val="bg1"/>
+                  </a:solidFill>
+                  <a:ln w="19050"/>
+                </p:spPr>
+                <p:style>
+                  <a:lnRef idx="2">
+                    <a:schemeClr val="accent1">
+                      <a:shade val="50000"/>
+                    </a:schemeClr>
+                  </a:lnRef>
+                  <a:fillRef idx="1">
+                    <a:schemeClr val="accent1"/>
+                  </a:fillRef>
+                  <a:effectRef idx="0">
+                    <a:schemeClr val="accent1"/>
+                  </a:effectRef>
+                  <a:fontRef idx="minor">
+                    <a:schemeClr val="lt1"/>
+                  </a:fontRef>
+                </p:style>
+                <p:txBody>
+                  <a:bodyPr rtlCol="0" anchor="ctr"/>
+                  <a:lstStyle/>
+                  <a:p>
+                    <a:pPr algn="r"/>
+                    <a:r>
+                      <a:rPr lang="en-US" sz="1200" dirty="0" smtClean="0">
+                        <a:solidFill>
+                          <a:schemeClr val="tx1"/>
+                        </a:solidFill>
+                      </a:rPr>
+                      <a:t>000000:FF</a:t>
+                    </a:r>
+                    <a:endParaRPr lang="en-US" sz="1200" dirty="0">
                       <a:solidFill>
-                        <a:srgbClr val="FFFFFF"/>
+                        <a:schemeClr val="tx1"/>
                       </a:solidFill>
-                    </a14:hiddenFill>
-                  </a:ext>
-                </a:extLst>
-              </p:spPr>
-            </p:pic>
-            <p:pic>
-              <p:nvPicPr>
-                <p:cNvPr id="2053" name="Picture 5" descr="C:\Files\jgordon\personal\code\gordoza-code\java\jutils\src\org\jutils\icons\arrow-right16.png"/>
-                <p:cNvPicPr>
-                  <a:picLocks noChangeAspect="1" noChangeArrowheads="1"/>
-                </p:cNvPicPr>
-                <p:nvPr/>
-              </p:nvPicPr>
-              <p:blipFill>
-                <a:blip r:embed="rId6">
-                  <a:extLst>
-                    <a:ext uri="{28A0092B-C50C-407E-A947-70E740481C1C}">
-                      <a14:useLocalDpi xmlns:a14="http://schemas.microsoft.com/office/drawing/2010/main" val="0"/>
-                    </a:ext>
-                  </a:extLst>
-                </a:blip>
-                <a:srcRect/>
-                <a:stretch>
-                  <a:fillRect/>
-                </a:stretch>
-              </p:blipFill>
-              <p:spPr bwMode="auto">
-                <a:xfrm>
-                  <a:off x="2426208" y="1670304"/>
-                  <a:ext cx="164592" cy="164592"/>
-                </a:xfrm>
-                <a:prstGeom prst="rect">
-                  <a:avLst/>
-                </a:prstGeom>
-                <a:noFill/>
-                <a:extLst>
-                  <a:ext uri="{909E8E84-426E-40DD-AFC4-6F175D3DCCD1}">
-                    <a14:hiddenFill xmlns:a14="http://schemas.microsoft.com/office/drawing/2010/main">
-                      <a:solidFill>
-                        <a:srgbClr val="FFFFFF"/>
-                      </a:solidFill>
-                    </a14:hiddenFill>
-                  </a:ext>
-                </a:extLst>
-              </p:spPr>
-            </p:pic>
-            <p:pic>
-              <p:nvPicPr>
-                <p:cNvPr id="23" name="Picture 2" descr="C:\Files\jgordon\personal\code\gordoza-code\java\jutils\src\org\jutils\icons\down16.png"/>
-                <p:cNvPicPr>
-                  <a:picLocks noChangeAspect="1" noChangeArrowheads="1"/>
-                </p:cNvPicPr>
-                <p:nvPr/>
-              </p:nvPicPr>
-              <p:blipFill>
-                <a:blip r:embed="rId7">
-                  <a:extLst>
-                    <a:ext uri="{28A0092B-C50C-407E-A947-70E740481C1C}">
-                      <a14:useLocalDpi xmlns:a14="http://schemas.microsoft.com/office/drawing/2010/main" val="0"/>
-                    </a:ext>
-                  </a:extLst>
-                </a:blip>
-                <a:srcRect/>
-                <a:stretch>
-                  <a:fillRect/>
-                </a:stretch>
-              </p:blipFill>
-              <p:spPr bwMode="auto">
-                <a:xfrm>
-                  <a:off x="2971800" y="1670304"/>
-                  <a:ext cx="164592" cy="164592"/>
-                </a:xfrm>
-                <a:prstGeom prst="rect">
-                  <a:avLst/>
-                </a:prstGeom>
-                <a:noFill/>
-                <a:extLst>
-                  <a:ext uri="{909E8E84-426E-40DD-AFC4-6F175D3DCCD1}">
-                    <a14:hiddenFill xmlns:a14="http://schemas.microsoft.com/office/drawing/2010/main">
-                      <a:solidFill>
-                        <a:srgbClr val="FFFFFF"/>
-                      </a:solidFill>
-                    </a14:hiddenFill>
-                  </a:ext>
-                </a:extLst>
-              </p:spPr>
-            </p:pic>
+                    </a:endParaRPr>
+                  </a:p>
+                </p:txBody>
+              </p:sp>
+              <p:sp>
+                <p:nvSpPr>
+                  <p:cNvPr id="28" name="Rectangle 27"/>
+                  <p:cNvSpPr/>
+                  <p:nvPr/>
+                </p:nvSpPr>
+                <p:spPr>
+                  <a:xfrm>
+                    <a:off x="3880014" y="2904482"/>
+                    <a:ext cx="1301585" cy="152400"/>
+                  </a:xfrm>
+                  <a:prstGeom prst="rect">
+                    <a:avLst/>
+                  </a:prstGeom>
+                  <a:solidFill>
+                    <a:schemeClr val="bg1"/>
+                  </a:solidFill>
+                  <a:ln w="9525">
+                    <a:solidFill>
+                      <a:schemeClr val="tx1"/>
+                    </a:solidFill>
+                  </a:ln>
+                </p:spPr>
+                <p:style>
+                  <a:lnRef idx="2">
+                    <a:schemeClr val="accent1">
+                      <a:shade val="50000"/>
+                    </a:schemeClr>
+                  </a:lnRef>
+                  <a:fillRef idx="1">
+                    <a:schemeClr val="accent1"/>
+                  </a:fillRef>
+                  <a:effectRef idx="0">
+                    <a:schemeClr val="accent1"/>
+                  </a:effectRef>
+                  <a:fontRef idx="minor">
+                    <a:schemeClr val="lt1"/>
+                  </a:fontRef>
+                </p:style>
+                <p:txBody>
+                  <a:bodyPr rtlCol="0" anchor="ctr"/>
+                  <a:lstStyle/>
+                  <a:p>
+                    <a:pPr algn="ctr"/>
+                    <a:endParaRPr lang="en-US"/>
+                  </a:p>
+                </p:txBody>
+              </p:sp>
+            </p:grpSp>
           </p:grpSp>
+          <p:sp>
+            <p:nvSpPr>
+              <p:cNvPr id="29" name="Rectangle 28"/>
+              <p:cNvSpPr/>
+              <p:nvPr/>
+            </p:nvSpPr>
+            <p:spPr>
+              <a:xfrm>
+                <a:off x="2800351" y="3200400"/>
+                <a:ext cx="3543299" cy="307964"/>
+              </a:xfrm>
+              <a:prstGeom prst="rect">
+                <a:avLst/>
+              </a:prstGeom>
+              <a:solidFill>
+                <a:schemeClr val="bg1"/>
+              </a:solidFill>
+            </p:spPr>
+            <p:style>
+              <a:lnRef idx="2">
+                <a:schemeClr val="accent1">
+                  <a:shade val="50000"/>
+                </a:schemeClr>
+              </a:lnRef>
+              <a:fillRef idx="1">
+                <a:schemeClr val="accent1"/>
+              </a:fillRef>
+              <a:effectRef idx="0">
+                <a:schemeClr val="accent1"/>
+              </a:effectRef>
+              <a:fontRef idx="minor">
+                <a:schemeClr val="lt1"/>
+              </a:fontRef>
+            </p:style>
+            <p:txBody>
+              <a:bodyPr rtlCol="0" anchor="ctr"/>
+              <a:lstStyle/>
+              <a:p>
+                <a:r>
+                  <a:rPr lang="en-US" sz="1200" dirty="0" smtClean="0">
+                    <a:solidFill>
+                      <a:schemeClr val="tx1"/>
+                    </a:solidFill>
+                  </a:rPr>
+                  <a:t>Border</a:t>
+                </a:r>
+                <a:endParaRPr lang="en-US" sz="1200" dirty="0">
+                  <a:solidFill>
+                    <a:schemeClr val="tx1"/>
+                  </a:solidFill>
+                </a:endParaRPr>
+              </a:p>
+            </p:txBody>
+          </p:sp>
         </p:grpSp>
+      </p:grpSp>
+      <p:sp>
+        <p:nvSpPr>
+          <p:cNvPr id="35" name="Slide Number Placeholder 34"/>
+          <p:cNvSpPr>
+            <a:spLocks noGrp="1"/>
+          </p:cNvSpPr>
+          <p:nvPr>
+            <p:ph type="sldNum" sz="quarter" idx="12"/>
+          </p:nvPr>
+        </p:nvSpPr>
+        <p:spPr/>
+        <p:txBody>
+          <a:bodyPr/>
+          <a:lstStyle/>
+          <a:p>
+            <a:r>
+              <a:rPr lang="en-US" smtClean="0"/>
+              <a:t>Page </a:t>
+            </a:r>
+            <a:fld id="{F1B1EB98-98E7-4A5A-BA8F-7513A9456E79}" type="slidenum">
+              <a:rPr lang="en-US" smtClean="0"/>
+              <a:pPr/>
+              <a:t>10</a:t>
+            </a:fld>
+            <a:endParaRPr lang="en-US" dirty="0"/>
+          </a:p>
+        </p:txBody>
+      </p:sp>
+    </p:spTree>
+    <p:extLst>
+      <p:ext uri="{BB962C8B-B14F-4D97-AF65-F5344CB8AC3E}">
+        <p14:creationId xmlns:p14="http://schemas.microsoft.com/office/powerpoint/2010/main" val="2673535198"/>
+      </p:ext>
+    </p:extLst>
+  </p:cSld>
+  <p:clrMapOvr>
+    <a:masterClrMapping/>
+  </p:clrMapOvr>
+</p:sld>
+</file>
+
+<file path=ppt/slides/slide11.xml><?xml version="1.0" encoding="utf-8"?>
+<p:sld xmlns:a="http://schemas.openxmlformats.org/drawingml/2006/main" xmlns:r="http://schemas.openxmlformats.org/officeDocument/2006/relationships" xmlns:p="http://schemas.openxmlformats.org/presentationml/2006/main">
+  <p:cSld>
+    <p:spTree>
+      <p:nvGrpSpPr>
+        <p:cNvPr id="1" name=""/>
+        <p:cNvGrpSpPr/>
+        <p:nvPr/>
+      </p:nvGrpSpPr>
+      <p:grpSpPr>
+        <a:xfrm>
+          <a:off x="0" y="0"/>
+          <a:ext cx="0" cy="0"/>
+          <a:chOff x="0" y="0"/>
+          <a:chExt cx="0" cy="0"/>
+        </a:xfrm>
+      </p:grpSpPr>
+      <p:sp>
+        <p:nvSpPr>
+          <p:cNvPr id="2" name="Title 1"/>
+          <p:cNvSpPr>
+            <a:spLocks noGrp="1"/>
+          </p:cNvSpPr>
+          <p:nvPr>
+            <p:ph type="title"/>
+          </p:nvPr>
+        </p:nvSpPr>
+        <p:spPr/>
+        <p:txBody>
+          <a:bodyPr>
+            <a:normAutofit fontScale="90000"/>
+          </a:bodyPr>
+          <a:lstStyle/>
+          <a:p>
+            <a:r>
+              <a:rPr lang="en-US" dirty="0" smtClean="0"/>
+              <a:t>Axes Properties View</a:t>
+            </a:r>
+            <a:endParaRPr lang="en-US" dirty="0"/>
+          </a:p>
+        </p:txBody>
+      </p:sp>
+      <p:sp>
+        <p:nvSpPr>
+          <p:cNvPr id="3" name="Slide Number Placeholder 2"/>
+          <p:cNvSpPr>
+            <a:spLocks noGrp="1"/>
+          </p:cNvSpPr>
+          <p:nvPr>
+            <p:ph type="sldNum" sz="quarter" idx="12"/>
+          </p:nvPr>
+        </p:nvSpPr>
+        <p:spPr/>
+        <p:txBody>
+          <a:bodyPr/>
+          <a:lstStyle/>
+          <a:p>
+            <a:fld id="{F1B1EB98-98E7-4A5A-BA8F-7513A9456E79}" type="slidenum">
+              <a:rPr lang="en-US" smtClean="0"/>
+              <a:pPr/>
+              <a:t>11</a:t>
+            </a:fld>
+            <a:endParaRPr lang="en-US" dirty="0"/>
+          </a:p>
+        </p:txBody>
+      </p:sp>
+      <p:grpSp>
+        <p:nvGrpSpPr>
+          <p:cNvPr id="10" name="Group 9"/>
+          <p:cNvGrpSpPr/>
+          <p:nvPr/>
+        </p:nvGrpSpPr>
+        <p:grpSpPr>
+          <a:xfrm>
+            <a:off x="2247900" y="1981200"/>
+            <a:ext cx="4648200" cy="3352800"/>
+            <a:chOff x="3048000" y="1981200"/>
+            <a:chExt cx="4648200" cy="3352800"/>
+          </a:xfrm>
+        </p:grpSpPr>
         <p:sp>
           <p:nvSpPr>
-            <p:cNvPr id="26" name="Rectangle 25"/>
+            <p:cNvPr id="8" name="Rectangle 7"/>
             <p:cNvSpPr/>
             <p:nvPr/>
           </p:nvSpPr>
           <p:spPr>
             <a:xfrm>
-              <a:off x="1447800" y="1981200"/>
-              <a:ext cx="6248400" cy="3810000"/>
+              <a:off x="3048000" y="1981200"/>
+              <a:ext cx="4648200" cy="3352800"/>
             </a:xfrm>
             <a:prstGeom prst="rect">
               <a:avLst/>
             </a:prstGeom>
-            <a:noFill/>
+            <a:solidFill>
+              <a:schemeClr val="bg1"/>
+            </a:solidFill>
           </p:spPr>
           <p:style>
             <a:lnRef idx="2">
@@ -4600,39 +4824,298 @@
             </a:p>
           </p:txBody>
         </p:sp>
+        <p:sp>
+          <p:nvSpPr>
+            <p:cNvPr id="9" name="Rectangle 8"/>
+            <p:cNvSpPr/>
+            <p:nvPr/>
+          </p:nvSpPr>
+          <p:spPr>
+            <a:xfrm>
+              <a:off x="3162300" y="2362200"/>
+              <a:ext cx="4457700" cy="2895599"/>
+            </a:xfrm>
+            <a:prstGeom prst="rect">
+              <a:avLst/>
+            </a:prstGeom>
+            <a:solidFill>
+              <a:schemeClr val="bg1"/>
+            </a:solidFill>
+          </p:spPr>
+          <p:style>
+            <a:lnRef idx="2">
+              <a:schemeClr val="accent1">
+                <a:shade val="50000"/>
+              </a:schemeClr>
+            </a:lnRef>
+            <a:fillRef idx="1">
+              <a:schemeClr val="accent1"/>
+            </a:fillRef>
+            <a:effectRef idx="0">
+              <a:schemeClr val="accent1"/>
+            </a:effectRef>
+            <a:fontRef idx="minor">
+              <a:schemeClr val="lt1"/>
+            </a:fontRef>
+          </p:style>
+          <p:txBody>
+            <a:bodyPr rtlCol="0" anchor="ctr"/>
+            <a:lstStyle/>
+            <a:p>
+              <a:pPr algn="ctr"/>
+              <a:r>
+                <a:rPr lang="en-US" dirty="0" smtClean="0">
+                  <a:solidFill>
+                    <a:schemeClr val="tx1"/>
+                  </a:solidFill>
+                </a:rPr>
+                <a:t>Axis Properties</a:t>
+              </a:r>
+              <a:endParaRPr lang="en-US" dirty="0">
+                <a:solidFill>
+                  <a:schemeClr val="tx1"/>
+                </a:solidFill>
+              </a:endParaRPr>
+            </a:p>
+          </p:txBody>
+        </p:sp>
+        <p:sp>
+          <p:nvSpPr>
+            <p:cNvPr id="4" name="Snip Same Side Corner Rectangle 3"/>
+            <p:cNvSpPr/>
+            <p:nvPr/>
+          </p:nvSpPr>
+          <p:spPr>
+            <a:xfrm>
+              <a:off x="3162300" y="2057400"/>
+              <a:ext cx="1066800" cy="304800"/>
+            </a:xfrm>
+            <a:prstGeom prst="snip2SameRect">
+              <a:avLst>
+                <a:gd name="adj1" fmla="val 41190"/>
+                <a:gd name="adj2" fmla="val 0"/>
+              </a:avLst>
+            </a:prstGeom>
+            <a:solidFill>
+              <a:schemeClr val="bg1"/>
+            </a:solidFill>
+          </p:spPr>
+          <p:style>
+            <a:lnRef idx="2">
+              <a:schemeClr val="accent1">
+                <a:shade val="50000"/>
+              </a:schemeClr>
+            </a:lnRef>
+            <a:fillRef idx="1">
+              <a:schemeClr val="accent1"/>
+            </a:fillRef>
+            <a:effectRef idx="0">
+              <a:schemeClr val="accent1"/>
+            </a:effectRef>
+            <a:fontRef idx="minor">
+              <a:schemeClr val="lt1"/>
+            </a:fontRef>
+          </p:style>
+          <p:txBody>
+            <a:bodyPr rtlCol="0" anchor="ctr"/>
+            <a:lstStyle/>
+            <a:p>
+              <a:pPr algn="ctr"/>
+              <a:r>
+                <a:rPr lang="en-US" dirty="0" smtClean="0">
+                  <a:solidFill>
+                    <a:schemeClr val="tx1"/>
+                  </a:solidFill>
+                </a:rPr>
+                <a:t>Domain</a:t>
+              </a:r>
+              <a:endParaRPr lang="en-US" dirty="0">
+                <a:solidFill>
+                  <a:schemeClr val="tx1"/>
+                </a:solidFill>
+              </a:endParaRPr>
+            </a:p>
+          </p:txBody>
+        </p:sp>
+        <p:sp>
+          <p:nvSpPr>
+            <p:cNvPr id="5" name="Snip Same Side Corner Rectangle 4"/>
+            <p:cNvSpPr/>
+            <p:nvPr/>
+          </p:nvSpPr>
+          <p:spPr>
+            <a:xfrm>
+              <a:off x="4229100" y="2057400"/>
+              <a:ext cx="1066800" cy="304800"/>
+            </a:xfrm>
+            <a:prstGeom prst="snip2SameRect">
+              <a:avLst>
+                <a:gd name="adj1" fmla="val 41190"/>
+                <a:gd name="adj2" fmla="val 0"/>
+              </a:avLst>
+            </a:prstGeom>
+            <a:solidFill>
+              <a:schemeClr val="bg1"/>
+            </a:solidFill>
+          </p:spPr>
+          <p:style>
+            <a:lnRef idx="2">
+              <a:schemeClr val="accent1">
+                <a:shade val="50000"/>
+              </a:schemeClr>
+            </a:lnRef>
+            <a:fillRef idx="1">
+              <a:schemeClr val="accent1"/>
+            </a:fillRef>
+            <a:effectRef idx="0">
+              <a:schemeClr val="accent1"/>
+            </a:effectRef>
+            <a:fontRef idx="minor">
+              <a:schemeClr val="lt1"/>
+            </a:fontRef>
+          </p:style>
+          <p:txBody>
+            <a:bodyPr rtlCol="0" anchor="ctr"/>
+            <a:lstStyle/>
+            <a:p>
+              <a:pPr algn="ctr"/>
+              <a:r>
+                <a:rPr lang="en-US" sz="1200" dirty="0" smtClean="0">
+                  <a:solidFill>
+                    <a:schemeClr val="tx1"/>
+                  </a:solidFill>
+                </a:rPr>
+                <a:t>Sec Domain</a:t>
+              </a:r>
+              <a:endParaRPr lang="en-US" sz="1200" dirty="0">
+                <a:solidFill>
+                  <a:schemeClr val="tx1"/>
+                </a:solidFill>
+              </a:endParaRPr>
+            </a:p>
+          </p:txBody>
+        </p:sp>
+        <p:sp>
+          <p:nvSpPr>
+            <p:cNvPr id="6" name="Snip Same Side Corner Rectangle 5"/>
+            <p:cNvSpPr/>
+            <p:nvPr/>
+          </p:nvSpPr>
+          <p:spPr>
+            <a:xfrm>
+              <a:off x="5295900" y="2057400"/>
+              <a:ext cx="1066800" cy="304800"/>
+            </a:xfrm>
+            <a:prstGeom prst="snip2SameRect">
+              <a:avLst>
+                <a:gd name="adj1" fmla="val 41190"/>
+                <a:gd name="adj2" fmla="val 0"/>
+              </a:avLst>
+            </a:prstGeom>
+            <a:solidFill>
+              <a:schemeClr val="bg1"/>
+            </a:solidFill>
+          </p:spPr>
+          <p:style>
+            <a:lnRef idx="2">
+              <a:schemeClr val="accent1">
+                <a:shade val="50000"/>
+              </a:schemeClr>
+            </a:lnRef>
+            <a:fillRef idx="1">
+              <a:schemeClr val="accent1"/>
+            </a:fillRef>
+            <a:effectRef idx="0">
+              <a:schemeClr val="accent1"/>
+            </a:effectRef>
+            <a:fontRef idx="minor">
+              <a:schemeClr val="lt1"/>
+            </a:fontRef>
+          </p:style>
+          <p:txBody>
+            <a:bodyPr rtlCol="0" anchor="ctr"/>
+            <a:lstStyle/>
+            <a:p>
+              <a:pPr algn="ctr"/>
+              <a:r>
+                <a:rPr lang="en-US" dirty="0" smtClean="0">
+                  <a:solidFill>
+                    <a:schemeClr val="tx1"/>
+                  </a:solidFill>
+                </a:rPr>
+                <a:t>Range</a:t>
+              </a:r>
+              <a:endParaRPr lang="en-US" dirty="0">
+                <a:solidFill>
+                  <a:schemeClr val="tx1"/>
+                </a:solidFill>
+              </a:endParaRPr>
+            </a:p>
+          </p:txBody>
+        </p:sp>
+        <p:sp>
+          <p:nvSpPr>
+            <p:cNvPr id="7" name="Snip Same Side Corner Rectangle 6"/>
+            <p:cNvSpPr/>
+            <p:nvPr/>
+          </p:nvSpPr>
+          <p:spPr>
+            <a:xfrm>
+              <a:off x="6362700" y="2057400"/>
+              <a:ext cx="1066800" cy="304800"/>
+            </a:xfrm>
+            <a:prstGeom prst="snip2SameRect">
+              <a:avLst>
+                <a:gd name="adj1" fmla="val 41190"/>
+                <a:gd name="adj2" fmla="val 0"/>
+              </a:avLst>
+            </a:prstGeom>
+            <a:solidFill>
+              <a:schemeClr val="bg1"/>
+            </a:solidFill>
+          </p:spPr>
+          <p:style>
+            <a:lnRef idx="2">
+              <a:schemeClr val="accent1">
+                <a:shade val="50000"/>
+              </a:schemeClr>
+            </a:lnRef>
+            <a:fillRef idx="1">
+              <a:schemeClr val="accent1"/>
+            </a:fillRef>
+            <a:effectRef idx="0">
+              <a:schemeClr val="accent1"/>
+            </a:effectRef>
+            <a:fontRef idx="minor">
+              <a:schemeClr val="lt1"/>
+            </a:fontRef>
+          </p:style>
+          <p:txBody>
+            <a:bodyPr rtlCol="0" anchor="ctr"/>
+            <a:lstStyle/>
+            <a:p>
+              <a:pPr algn="ctr"/>
+              <a:r>
+                <a:rPr lang="en-US" sz="1200" dirty="0" smtClean="0">
+                  <a:solidFill>
+                    <a:schemeClr val="tx1"/>
+                  </a:solidFill>
+                </a:rPr>
+                <a:t>Sec Range</a:t>
+              </a:r>
+              <a:endParaRPr lang="en-US" sz="1200" dirty="0">
+                <a:solidFill>
+                  <a:schemeClr val="tx1"/>
+                </a:solidFill>
+              </a:endParaRPr>
+            </a:p>
+          </p:txBody>
+        </p:sp>
       </p:grpSp>
-      <p:sp>
-        <p:nvSpPr>
-          <p:cNvPr id="9" name="Slide Number Placeholder 8"/>
-          <p:cNvSpPr>
-            <a:spLocks noGrp="1"/>
-          </p:cNvSpPr>
-          <p:nvPr>
-            <p:ph type="sldNum" sz="quarter" idx="12"/>
-          </p:nvPr>
-        </p:nvSpPr>
-        <p:spPr/>
-        <p:txBody>
-          <a:bodyPr/>
-          <a:lstStyle/>
-          <a:p>
-            <a:r>
-              <a:rPr lang="en-US" smtClean="0"/>
-              <a:t>Page </a:t>
-            </a:r>
-            <a:fld id="{F1B1EB98-98E7-4A5A-BA8F-7513A9456E79}" type="slidenum">
-              <a:rPr lang="en-US" smtClean="0"/>
-              <a:pPr/>
-              <a:t>1</a:t>
-            </a:fld>
-            <a:endParaRPr lang="en-US" dirty="0"/>
-          </a:p>
-        </p:txBody>
-      </p:sp>
     </p:spTree>
     <p:extLst>
       <p:ext uri="{BB962C8B-B14F-4D97-AF65-F5344CB8AC3E}">
-        <p14:creationId xmlns:p14="http://schemas.microsoft.com/office/powerpoint/2010/main" val="4154363597"/>
+        <p14:creationId xmlns:p14="http://schemas.microsoft.com/office/powerpoint/2010/main" val="4166358124"/>
       </p:ext>
     </p:extLst>
   </p:cSld>
@@ -4642,7 +5125,7 @@
 </p:sld>
 </file>
 
-<file path=ppt/slides/slide10.xml><?xml version="1.0" encoding="utf-8"?>
+<file path=ppt/slides/slide12.xml><?xml version="1.0" encoding="utf-8"?>
 <p:sld xmlns:a="http://schemas.openxmlformats.org/drawingml/2006/main" xmlns:r="http://schemas.openxmlformats.org/officeDocument/2006/relationships" xmlns:p="http://schemas.openxmlformats.org/presentationml/2006/main">
   <p:cSld>
     <p:spTree>
@@ -5577,7 +6060,7 @@
             <a:fld id="{F1B1EB98-98E7-4A5A-BA8F-7513A9456E79}" type="slidenum">
               <a:rPr lang="en-US" smtClean="0"/>
               <a:pPr/>
-              <a:t>10</a:t>
+              <a:t>12</a:t>
             </a:fld>
             <a:endParaRPr lang="en-US" dirty="0"/>
           </a:p>
@@ -5596,7 +6079,7 @@
 </p:sld>
 </file>
 
-<file path=ppt/slides/slide11.xml><?xml version="1.0" encoding="utf-8"?>
+<file path=ppt/slides/slide13.xml><?xml version="1.0" encoding="utf-8"?>
 <p:sld xmlns:a="http://schemas.openxmlformats.org/drawingml/2006/main" xmlns:r="http://schemas.openxmlformats.org/officeDocument/2006/relationships" xmlns:p="http://schemas.openxmlformats.org/presentationml/2006/main">
   <p:cSld>
     <p:spTree>
@@ -5745,11 +6228,6 @@
                 </a:rPr>
                 <a:t>Name	Visible	Dataset	Domain	Range</a:t>
               </a:r>
-              <a:endParaRPr lang="en-US" sz="1200" dirty="0" smtClean="0">
-                <a:solidFill>
-                  <a:schemeClr val="tx1"/>
-                </a:solidFill>
-              </a:endParaRPr>
             </a:p>
             <a:p>
               <a:r>
@@ -5800,11 +6278,6 @@
                 </a:rPr>
                 <a:t>     □	DS2	S2	S4</a:t>
               </a:r>
-              <a:endParaRPr lang="en-US" sz="1200" dirty="0" smtClean="0">
-                <a:solidFill>
-                  <a:schemeClr val="tx1"/>
-                </a:solidFill>
-              </a:endParaRPr>
             </a:p>
             <a:p>
               <a:r>
@@ -5823,11 +6296,6 @@
                 </a:rPr>
                 <a:t>     □	DS3	S1	S2</a:t>
               </a:r>
-              <a:endParaRPr lang="en-US" sz="1200" dirty="0" smtClean="0">
-                <a:solidFill>
-                  <a:schemeClr val="tx1"/>
-                </a:solidFill>
-              </a:endParaRPr>
             </a:p>
             <a:p>
               <a:r>
@@ -6111,7 +6579,7 @@
             <a:fld id="{F1B1EB98-98E7-4A5A-BA8F-7513A9456E79}" type="slidenum">
               <a:rPr lang="en-US" smtClean="0"/>
               <a:pPr/>
-              <a:t>11</a:t>
+              <a:t>13</a:t>
             </a:fld>
             <a:endParaRPr lang="en-US" dirty="0"/>
           </a:p>
@@ -6130,7 +6598,7 @@
 </p:sld>
 </file>
 
-<file path=ppt/slides/slide12.xml><?xml version="1.0" encoding="utf-8"?>
+<file path=ppt/slides/slide14.xml><?xml version="1.0" encoding="utf-8"?>
 <p:sld xmlns:a="http://schemas.openxmlformats.org/drawingml/2006/main" xmlns:r="http://schemas.openxmlformats.org/officeDocument/2006/relationships" xmlns:p="http://schemas.openxmlformats.org/presentationml/2006/main">
   <p:cSld>
     <p:spTree>
@@ -8367,7 +8835,7 @@
             <a:fld id="{F1B1EB98-98E7-4A5A-BA8F-7513A9456E79}" type="slidenum">
               <a:rPr lang="en-US" smtClean="0"/>
               <a:pPr/>
-              <a:t>12</a:t>
+              <a:t>14</a:t>
             </a:fld>
             <a:endParaRPr lang="en-US" dirty="0"/>
           </a:p>
@@ -8386,7 +8854,7 @@
 </p:sld>
 </file>
 
-<file path=ppt/slides/slide13.xml><?xml version="1.0" encoding="utf-8"?>
+<file path=ppt/slides/slide15.xml><?xml version="1.0" encoding="utf-8"?>
 <p:sld xmlns:a="http://schemas.openxmlformats.org/drawingml/2006/main" xmlns:r="http://schemas.openxmlformats.org/officeDocument/2006/relationships" xmlns:p="http://schemas.openxmlformats.org/presentationml/2006/main">
   <p:cSld>
     <p:spTree>
@@ -8424,34 +8892,6 @@
               <a:rPr lang="en-US" dirty="0" smtClean="0"/>
               <a:t>Chart Layout</a:t>
             </a:r>
-            <a:endParaRPr lang="en-US" dirty="0"/>
-          </a:p>
-        </p:txBody>
-      </p:sp>
-      <p:sp>
-        <p:nvSpPr>
-          <p:cNvPr id="3" name="Slide Number Placeholder 2"/>
-          <p:cNvSpPr>
-            <a:spLocks noGrp="1"/>
-          </p:cNvSpPr>
-          <p:nvPr>
-            <p:ph type="sldNum" sz="quarter" idx="12"/>
-          </p:nvPr>
-        </p:nvSpPr>
-        <p:spPr/>
-        <p:txBody>
-          <a:bodyPr/>
-          <a:lstStyle/>
-          <a:p>
-            <a:r>
-              <a:rPr lang="en-US" smtClean="0"/>
-              <a:t>Page </a:t>
-            </a:r>
-            <a:fld id="{F1B1EB98-98E7-4A5A-BA8F-7513A9456E79}" type="slidenum">
-              <a:rPr lang="en-US" smtClean="0"/>
-              <a:pPr/>
-              <a:t>13</a:t>
-            </a:fld>
             <a:endParaRPr lang="en-US" dirty="0"/>
           </a:p>
         </p:txBody>
@@ -9454,10 +9894,158 @@
           </p:txBody>
         </p:sp>
       </p:grpSp>
+      <p:sp>
+        <p:nvSpPr>
+          <p:cNvPr id="3" name="Slide Number Placeholder 2"/>
+          <p:cNvSpPr>
+            <a:spLocks noGrp="1"/>
+          </p:cNvSpPr>
+          <p:nvPr>
+            <p:ph type="sldNum" sz="quarter" idx="12"/>
+          </p:nvPr>
+        </p:nvSpPr>
+        <p:spPr/>
+        <p:txBody>
+          <a:bodyPr/>
+          <a:lstStyle/>
+          <a:p>
+            <a:r>
+              <a:rPr lang="en-US" smtClean="0"/>
+              <a:t>Page </a:t>
+            </a:r>
+            <a:fld id="{F1B1EB98-98E7-4A5A-BA8F-7513A9456E79}" type="slidenum">
+              <a:rPr lang="en-US" smtClean="0"/>
+              <a:pPr/>
+              <a:t>15</a:t>
+            </a:fld>
+            <a:endParaRPr lang="en-US" dirty="0"/>
+          </a:p>
+        </p:txBody>
+      </p:sp>
     </p:spTree>
     <p:extLst>
       <p:ext uri="{BB962C8B-B14F-4D97-AF65-F5344CB8AC3E}">
         <p14:creationId xmlns:p14="http://schemas.microsoft.com/office/powerpoint/2010/main" val="477428930"/>
+      </p:ext>
+    </p:extLst>
+  </p:cSld>
+  <p:clrMapOvr>
+    <a:masterClrMapping/>
+  </p:clrMapOvr>
+</p:sld>
+</file>
+
+<file path=ppt/slides/slide16.xml><?xml version="1.0" encoding="utf-8"?>
+<p:sld xmlns:a="http://schemas.openxmlformats.org/drawingml/2006/main" xmlns:r="http://schemas.openxmlformats.org/officeDocument/2006/relationships" xmlns:p="http://schemas.openxmlformats.org/presentationml/2006/main">
+  <p:cSld>
+    <p:spTree>
+      <p:nvGrpSpPr>
+        <p:cNvPr id="1" name=""/>
+        <p:cNvGrpSpPr/>
+        <p:nvPr/>
+      </p:nvGrpSpPr>
+      <p:grpSpPr>
+        <a:xfrm>
+          <a:off x="0" y="0"/>
+          <a:ext cx="0" cy="0"/>
+          <a:chOff x="0" y="0"/>
+          <a:chExt cx="0" cy="0"/>
+        </a:xfrm>
+      </p:grpSpPr>
+      <p:sp>
+        <p:nvSpPr>
+          <p:cNvPr id="2" name="Title 1"/>
+          <p:cNvSpPr>
+            <a:spLocks noGrp="1"/>
+          </p:cNvSpPr>
+          <p:nvPr>
+            <p:ph type="title"/>
+          </p:nvPr>
+        </p:nvSpPr>
+        <p:spPr/>
+        <p:txBody>
+          <a:bodyPr>
+            <a:normAutofit fontScale="90000"/>
+          </a:bodyPr>
+          <a:lstStyle/>
+          <a:p>
+            <a:r>
+              <a:rPr lang="en-US" dirty="0" smtClean="0"/>
+              <a:t>Class Model</a:t>
+            </a:r>
+            <a:endParaRPr lang="en-US" dirty="0"/>
+          </a:p>
+        </p:txBody>
+      </p:sp>
+      <p:sp>
+        <p:nvSpPr>
+          <p:cNvPr id="3" name="Slide Number Placeholder 2"/>
+          <p:cNvSpPr>
+            <a:spLocks noGrp="1"/>
+          </p:cNvSpPr>
+          <p:nvPr>
+            <p:ph type="sldNum" sz="quarter" idx="12"/>
+          </p:nvPr>
+        </p:nvSpPr>
+        <p:spPr/>
+        <p:txBody>
+          <a:bodyPr/>
+          <a:lstStyle/>
+          <a:p>
+            <a:fld id="{F1B1EB98-98E7-4A5A-BA8F-7513A9456E79}" type="slidenum">
+              <a:rPr lang="en-US" smtClean="0"/>
+              <a:pPr/>
+              <a:t>16</a:t>
+            </a:fld>
+            <a:endParaRPr lang="en-US" dirty="0"/>
+          </a:p>
+        </p:txBody>
+      </p:sp>
+      <p:pic>
+        <p:nvPicPr>
+          <p:cNvPr id="1027" name="Picture 3" descr="C:\Files\jgordon\work\code\gordoza-code\java\JChartLib\docs\JChart.emf"/>
+          <p:cNvPicPr>
+            <a:picLocks noChangeAspect="1" noChangeArrowheads="1"/>
+          </p:cNvPicPr>
+          <p:nvPr/>
+        </p:nvPicPr>
+        <p:blipFill>
+          <a:blip r:embed="rId2" cstate="print">
+            <a:extLst>
+              <a:ext uri="{28A0092B-C50C-407E-A947-70E740481C1C}">
+                <a14:useLocalDpi xmlns:a14="http://schemas.microsoft.com/office/drawing/2010/main" val="0"/>
+              </a:ext>
+            </a:extLst>
+          </a:blip>
+          <a:srcRect/>
+          <a:stretch>
+            <a:fillRect/>
+          </a:stretch>
+        </p:blipFill>
+        <p:spPr bwMode="auto">
+          <a:xfrm>
+            <a:off x="304799" y="990600"/>
+            <a:ext cx="8610601" cy="4488683"/>
+          </a:xfrm>
+          <a:prstGeom prst="rect">
+            <a:avLst/>
+          </a:prstGeom>
+          <a:noFill/>
+          <a:extLst>
+            <a:ext uri="{909E8E84-426E-40DD-AFC4-6F175D3DCCD1}">
+              <a14:hiddenFill xmlns:a14="http://schemas.microsoft.com/office/drawing/2010/main">
+                <a:solidFill>
+                  <a:srgbClr val="FFFFFF"/>
+                </a:solidFill>
+              </a14:hiddenFill>
+            </a:ext>
+          </a:extLst>
+        </p:spPr>
+      </p:pic>
+    </p:spTree>
+    <p:extLst>
+      <p:ext uri="{BB962C8B-B14F-4D97-AF65-F5344CB8AC3E}">
+        <p14:creationId xmlns:p14="http://schemas.microsoft.com/office/powerpoint/2010/main" val="1493946383"/>
       </p:ext>
     </p:extLst>
   </p:cSld>
@@ -9484,9 +10072,1015 @@
           <a:chExt cx="0" cy="0"/>
         </a:xfrm>
       </p:grpSpPr>
+      <p:sp>
+        <p:nvSpPr>
+          <p:cNvPr id="22" name="Title 21"/>
+          <p:cNvSpPr>
+            <a:spLocks noGrp="1"/>
+          </p:cNvSpPr>
+          <p:nvPr>
+            <p:ph type="title"/>
+          </p:nvPr>
+        </p:nvSpPr>
+        <p:spPr/>
+        <p:txBody>
+          <a:bodyPr>
+            <a:normAutofit fontScale="90000"/>
+          </a:bodyPr>
+          <a:lstStyle/>
+          <a:p>
+            <a:r>
+              <a:rPr lang="en-US" dirty="0" smtClean="0"/>
+              <a:t>Chart View</a:t>
+            </a:r>
+            <a:endParaRPr lang="en-US" dirty="0"/>
+          </a:p>
+        </p:txBody>
+      </p:sp>
       <p:grpSp>
         <p:nvGrpSpPr>
-          <p:cNvPr id="10" name="Group 9"/>
+          <p:cNvPr id="12" name="Group 11"/>
+          <p:cNvGrpSpPr/>
+          <p:nvPr/>
+        </p:nvGrpSpPr>
+        <p:grpSpPr>
+          <a:xfrm>
+            <a:off x="1447800" y="1828800"/>
+            <a:ext cx="6248400" cy="3810000"/>
+            <a:chOff x="1447800" y="1981200"/>
+            <a:chExt cx="6248400" cy="3810000"/>
+          </a:xfrm>
+        </p:grpSpPr>
+        <p:grpSp>
+          <p:nvGrpSpPr>
+            <p:cNvPr id="11" name="Group 10"/>
+            <p:cNvGrpSpPr/>
+            <p:nvPr/>
+          </p:nvGrpSpPr>
+          <p:grpSpPr>
+            <a:xfrm>
+              <a:off x="1528254" y="2057400"/>
+              <a:ext cx="6087492" cy="3657600"/>
+              <a:chOff x="1528254" y="1600200"/>
+              <a:chExt cx="6087492" cy="3657600"/>
+            </a:xfrm>
+          </p:grpSpPr>
+          <p:sp>
+            <p:nvSpPr>
+              <p:cNvPr id="2" name="Rectangle 1"/>
+              <p:cNvSpPr/>
+              <p:nvPr/>
+            </p:nvSpPr>
+            <p:spPr>
+              <a:xfrm>
+                <a:off x="3881946" y="1905000"/>
+                <a:ext cx="3733800" cy="3352800"/>
+              </a:xfrm>
+              <a:prstGeom prst="rect">
+                <a:avLst/>
+              </a:prstGeom>
+              <a:solidFill>
+                <a:schemeClr val="bg1"/>
+              </a:solidFill>
+            </p:spPr>
+            <p:style>
+              <a:lnRef idx="2">
+                <a:schemeClr val="accent1">
+                  <a:shade val="50000"/>
+                </a:schemeClr>
+              </a:lnRef>
+              <a:fillRef idx="1">
+                <a:schemeClr val="accent1"/>
+              </a:fillRef>
+              <a:effectRef idx="0">
+                <a:schemeClr val="accent1"/>
+              </a:effectRef>
+              <a:fontRef idx="minor">
+                <a:schemeClr val="lt1"/>
+              </a:fontRef>
+            </p:style>
+            <p:txBody>
+              <a:bodyPr rtlCol="0" anchor="ctr"/>
+              <a:lstStyle/>
+              <a:p>
+                <a:pPr algn="ctr"/>
+                <a:r>
+                  <a:rPr lang="en-US" dirty="0" smtClean="0">
+                    <a:solidFill>
+                      <a:schemeClr val="tx1"/>
+                    </a:solidFill>
+                  </a:rPr>
+                  <a:t>Chart/Data/Properties</a:t>
+                </a:r>
+                <a:endParaRPr lang="en-US" dirty="0">
+                  <a:solidFill>
+                    <a:schemeClr val="tx1"/>
+                  </a:solidFill>
+                </a:endParaRPr>
+              </a:p>
+            </p:txBody>
+          </p:sp>
+          <p:sp>
+            <p:nvSpPr>
+              <p:cNvPr id="3" name="Snip Same Side Corner Rectangle 2"/>
+              <p:cNvSpPr/>
+              <p:nvPr/>
+            </p:nvSpPr>
+            <p:spPr>
+              <a:xfrm>
+                <a:off x="3881946" y="1600200"/>
+                <a:ext cx="914400" cy="304800"/>
+              </a:xfrm>
+              <a:prstGeom prst="snip2SameRect">
+                <a:avLst>
+                  <a:gd name="adj1" fmla="val 42825"/>
+                  <a:gd name="adj2" fmla="val 0"/>
+                </a:avLst>
+              </a:prstGeom>
+              <a:solidFill>
+                <a:schemeClr val="bg1"/>
+              </a:solidFill>
+            </p:spPr>
+            <p:style>
+              <a:lnRef idx="2">
+                <a:schemeClr val="accent1">
+                  <a:shade val="50000"/>
+                </a:schemeClr>
+              </a:lnRef>
+              <a:fillRef idx="1">
+                <a:schemeClr val="accent1"/>
+              </a:fillRef>
+              <a:effectRef idx="0">
+                <a:schemeClr val="accent1"/>
+              </a:effectRef>
+              <a:fontRef idx="minor">
+                <a:schemeClr val="lt1"/>
+              </a:fontRef>
+            </p:style>
+            <p:txBody>
+              <a:bodyPr rtlCol="0" anchor="ctr"/>
+              <a:lstStyle/>
+              <a:p>
+                <a:pPr algn="ctr"/>
+                <a:r>
+                  <a:rPr lang="en-US" dirty="0" smtClean="0">
+                    <a:solidFill>
+                      <a:schemeClr val="tx1"/>
+                    </a:solidFill>
+                  </a:rPr>
+                  <a:t>Chart</a:t>
+                </a:r>
+                <a:endParaRPr lang="en-US" dirty="0">
+                  <a:solidFill>
+                    <a:schemeClr val="tx1"/>
+                  </a:solidFill>
+                </a:endParaRPr>
+              </a:p>
+            </p:txBody>
+          </p:sp>
+          <p:sp>
+            <p:nvSpPr>
+              <p:cNvPr id="4" name="Snip Same Side Corner Rectangle 3"/>
+              <p:cNvSpPr/>
+              <p:nvPr/>
+            </p:nvSpPr>
+            <p:spPr>
+              <a:xfrm>
+                <a:off x="4804854" y="1600200"/>
+                <a:ext cx="914400" cy="304800"/>
+              </a:xfrm>
+              <a:prstGeom prst="snip2SameRect">
+                <a:avLst>
+                  <a:gd name="adj1" fmla="val 43642"/>
+                  <a:gd name="adj2" fmla="val 0"/>
+                </a:avLst>
+              </a:prstGeom>
+              <a:solidFill>
+                <a:schemeClr val="bg1"/>
+              </a:solidFill>
+            </p:spPr>
+            <p:style>
+              <a:lnRef idx="2">
+                <a:schemeClr val="accent1">
+                  <a:shade val="50000"/>
+                </a:schemeClr>
+              </a:lnRef>
+              <a:fillRef idx="1">
+                <a:schemeClr val="accent1"/>
+              </a:fillRef>
+              <a:effectRef idx="0">
+                <a:schemeClr val="accent1"/>
+              </a:effectRef>
+              <a:fontRef idx="minor">
+                <a:schemeClr val="lt1"/>
+              </a:fontRef>
+            </p:style>
+            <p:txBody>
+              <a:bodyPr rtlCol="0" anchor="ctr"/>
+              <a:lstStyle/>
+              <a:p>
+                <a:pPr algn="ctr"/>
+                <a:r>
+                  <a:rPr lang="en-US" dirty="0">
+                    <a:solidFill>
+                      <a:schemeClr val="tx1"/>
+                    </a:solidFill>
+                  </a:rPr>
+                  <a:t>Data</a:t>
+                </a:r>
+              </a:p>
+            </p:txBody>
+          </p:sp>
+          <p:sp>
+            <p:nvSpPr>
+              <p:cNvPr id="5" name="Snip Same Side Corner Rectangle 4"/>
+              <p:cNvSpPr/>
+              <p:nvPr/>
+            </p:nvSpPr>
+            <p:spPr>
+              <a:xfrm>
+                <a:off x="5710746" y="1600200"/>
+                <a:ext cx="1286892" cy="304800"/>
+              </a:xfrm>
+              <a:prstGeom prst="snip2SameRect">
+                <a:avLst>
+                  <a:gd name="adj1" fmla="val 41190"/>
+                  <a:gd name="adj2" fmla="val 0"/>
+                </a:avLst>
+              </a:prstGeom>
+              <a:solidFill>
+                <a:schemeClr val="bg1"/>
+              </a:solidFill>
+            </p:spPr>
+            <p:style>
+              <a:lnRef idx="2">
+                <a:schemeClr val="accent1">
+                  <a:shade val="50000"/>
+                </a:schemeClr>
+              </a:lnRef>
+              <a:fillRef idx="1">
+                <a:schemeClr val="accent1"/>
+              </a:fillRef>
+              <a:effectRef idx="0">
+                <a:schemeClr val="accent1"/>
+              </a:effectRef>
+              <a:fontRef idx="minor">
+                <a:schemeClr val="lt1"/>
+              </a:fontRef>
+            </p:style>
+            <p:txBody>
+              <a:bodyPr rtlCol="0" anchor="ctr"/>
+              <a:lstStyle/>
+              <a:p>
+                <a:pPr algn="ctr"/>
+                <a:r>
+                  <a:rPr lang="en-US" dirty="0">
+                    <a:solidFill>
+                      <a:schemeClr val="tx1"/>
+                    </a:solidFill>
+                  </a:rPr>
+                  <a:t>Properties</a:t>
+                </a:r>
+              </a:p>
+            </p:txBody>
+          </p:sp>
+          <p:sp>
+            <p:nvSpPr>
+              <p:cNvPr id="6" name="Rectangle 5"/>
+              <p:cNvSpPr/>
+              <p:nvPr/>
+            </p:nvSpPr>
+            <p:spPr>
+              <a:xfrm>
+                <a:off x="1528254" y="1905000"/>
+                <a:ext cx="2277492" cy="3352800"/>
+              </a:xfrm>
+              <a:prstGeom prst="rect">
+                <a:avLst/>
+              </a:prstGeom>
+              <a:solidFill>
+                <a:schemeClr val="bg1"/>
+              </a:solidFill>
+            </p:spPr>
+            <p:style>
+              <a:lnRef idx="2">
+                <a:schemeClr val="accent1">
+                  <a:shade val="50000"/>
+                </a:schemeClr>
+              </a:lnRef>
+              <a:fillRef idx="1">
+                <a:schemeClr val="accent1"/>
+              </a:fillRef>
+              <a:effectRef idx="0">
+                <a:schemeClr val="accent1"/>
+              </a:effectRef>
+              <a:fontRef idx="minor">
+                <a:schemeClr val="lt1"/>
+              </a:fontRef>
+            </p:style>
+            <p:txBody>
+              <a:bodyPr rtlCol="0" anchor="t">
+                <a:normAutofit fontScale="77500" lnSpcReduction="20000"/>
+              </a:bodyPr>
+              <a:lstStyle/>
+              <a:p>
+                <a:pPr marL="230188" indent="-230188">
+                  <a:buFontTx/>
+                  <a:buChar char="-"/>
+                </a:pPr>
+                <a:r>
+                  <a:rPr lang="en-US" dirty="0" smtClean="0">
+                    <a:solidFill>
+                      <a:schemeClr val="tx1"/>
+                    </a:solidFill>
+                  </a:rPr>
+                  <a:t>Datasets</a:t>
+                </a:r>
+              </a:p>
+              <a:p>
+                <a:pPr marL="458788" lvl="1" indent="-228600">
+                  <a:buFontTx/>
+                  <a:buChar char="-"/>
+                </a:pPr>
+                <a:r>
+                  <a:rPr lang="en-US" dirty="0" smtClean="0">
+                    <a:solidFill>
+                      <a:schemeClr val="tx1"/>
+                    </a:solidFill>
+                  </a:rPr>
+                  <a:t>Dataset 1</a:t>
+                </a:r>
+              </a:p>
+              <a:p>
+                <a:pPr marL="684213" lvl="2" indent="-222250">
+                  <a:buFontTx/>
+                  <a:buChar char="-"/>
+                </a:pPr>
+                <a:r>
+                  <a:rPr lang="en-US" dirty="0" smtClean="0">
+                    <a:solidFill>
+                      <a:schemeClr val="tx1"/>
+                    </a:solidFill>
+                  </a:rPr>
+                  <a:t>Series 1</a:t>
+                </a:r>
+              </a:p>
+              <a:p>
+                <a:pPr marL="684213" lvl="2" indent="-222250">
+                  <a:buFontTx/>
+                  <a:buChar char="-"/>
+                </a:pPr>
+                <a:r>
+                  <a:rPr lang="en-US" dirty="0">
+                    <a:solidFill>
+                      <a:schemeClr val="tx1"/>
+                    </a:solidFill>
+                  </a:rPr>
+                  <a:t>Series 2</a:t>
+                </a:r>
+              </a:p>
+              <a:p>
+                <a:pPr marL="684213" lvl="2" indent="-222250">
+                  <a:buFontTx/>
+                  <a:buChar char="-"/>
+                </a:pPr>
+                <a:r>
+                  <a:rPr lang="en-US" dirty="0" smtClean="0">
+                    <a:solidFill>
+                      <a:schemeClr val="tx1"/>
+                    </a:solidFill>
+                  </a:rPr>
+                  <a:t>…</a:t>
+                </a:r>
+              </a:p>
+              <a:p>
+                <a:pPr marL="684213" lvl="2" indent="-222250">
+                  <a:buFontTx/>
+                  <a:buChar char="-"/>
+                </a:pPr>
+                <a:r>
+                  <a:rPr lang="en-US" dirty="0" smtClean="0">
+                    <a:solidFill>
+                      <a:schemeClr val="tx1"/>
+                    </a:solidFill>
+                  </a:rPr>
+                  <a:t>Series n</a:t>
+                </a:r>
+                <a:endParaRPr lang="en-US" dirty="0">
+                  <a:solidFill>
+                    <a:schemeClr val="tx1"/>
+                  </a:solidFill>
+                </a:endParaRPr>
+              </a:p>
+              <a:p>
+                <a:pPr marL="458788" lvl="1" indent="-228600">
+                  <a:buFontTx/>
+                  <a:buChar char="-"/>
+                </a:pPr>
+                <a:r>
+                  <a:rPr lang="en-US" dirty="0">
+                    <a:solidFill>
+                      <a:schemeClr val="tx1"/>
+                    </a:solidFill>
+                  </a:rPr>
+                  <a:t>Dataset 2</a:t>
+                </a:r>
+              </a:p>
+              <a:p>
+                <a:pPr marL="684213" lvl="2" indent="-222250">
+                  <a:buFontTx/>
+                  <a:buChar char="-"/>
+                </a:pPr>
+                <a:r>
+                  <a:rPr lang="en-US" dirty="0">
+                    <a:solidFill>
+                      <a:schemeClr val="tx1"/>
+                    </a:solidFill>
+                  </a:rPr>
+                  <a:t>Series 1</a:t>
+                </a:r>
+              </a:p>
+              <a:p>
+                <a:pPr marL="684213" lvl="2" indent="-222250">
+                  <a:buFontTx/>
+                  <a:buChar char="-"/>
+                </a:pPr>
+                <a:r>
+                  <a:rPr lang="en-US" dirty="0">
+                    <a:solidFill>
+                      <a:schemeClr val="tx1"/>
+                    </a:solidFill>
+                  </a:rPr>
+                  <a:t>Series 2</a:t>
+                </a:r>
+              </a:p>
+              <a:p>
+                <a:pPr marL="684213" lvl="2" indent="-222250">
+                  <a:buFontTx/>
+                  <a:buChar char="-"/>
+                </a:pPr>
+                <a:r>
+                  <a:rPr lang="en-US" dirty="0" smtClean="0">
+                    <a:solidFill>
+                      <a:schemeClr val="tx1"/>
+                    </a:solidFill>
+                  </a:rPr>
+                  <a:t>…</a:t>
+                </a:r>
+              </a:p>
+              <a:p>
+                <a:pPr marL="684213" lvl="2" indent="-222250">
+                  <a:buFontTx/>
+                  <a:buChar char="-"/>
+                </a:pPr>
+                <a:r>
+                  <a:rPr lang="en-US" dirty="0" smtClean="0">
+                    <a:solidFill>
+                      <a:schemeClr val="tx1"/>
+                    </a:solidFill>
+                  </a:rPr>
+                  <a:t>Series n</a:t>
+                </a:r>
+                <a:endParaRPr lang="en-US" dirty="0">
+                  <a:solidFill>
+                    <a:schemeClr val="tx1"/>
+                  </a:solidFill>
+                </a:endParaRPr>
+              </a:p>
+              <a:p>
+                <a:pPr marL="458788" lvl="1" indent="-228600">
+                  <a:buFontTx/>
+                  <a:buChar char="-"/>
+                </a:pPr>
+                <a:r>
+                  <a:rPr lang="en-US" dirty="0" smtClean="0">
+                    <a:solidFill>
+                      <a:schemeClr val="tx1"/>
+                    </a:solidFill>
+                  </a:rPr>
+                  <a:t>…</a:t>
+                </a:r>
+              </a:p>
+              <a:p>
+                <a:pPr marL="458788" lvl="1" indent="-228600">
+                  <a:buFontTx/>
+                  <a:buChar char="-"/>
+                </a:pPr>
+                <a:r>
+                  <a:rPr lang="en-US" dirty="0" smtClean="0">
+                    <a:solidFill>
+                      <a:schemeClr val="tx1"/>
+                    </a:solidFill>
+                  </a:rPr>
+                  <a:t>Dataset n</a:t>
+                </a:r>
+                <a:endParaRPr lang="en-US" dirty="0">
+                  <a:solidFill>
+                    <a:schemeClr val="tx1"/>
+                  </a:solidFill>
+                </a:endParaRPr>
+              </a:p>
+              <a:p>
+                <a:pPr marL="230188" indent="-230188">
+                  <a:buFontTx/>
+                  <a:buChar char="-"/>
+                </a:pPr>
+                <a:r>
+                  <a:rPr lang="en-US" dirty="0">
+                    <a:solidFill>
+                      <a:schemeClr val="tx1"/>
+                    </a:solidFill>
+                  </a:rPr>
+                  <a:t>Plots</a:t>
+                </a:r>
+              </a:p>
+              <a:p>
+                <a:pPr marL="458788" lvl="1" indent="-228600">
+                  <a:buFontTx/>
+                  <a:buChar char="-"/>
+                </a:pPr>
+                <a:r>
+                  <a:rPr lang="en-US" dirty="0">
+                    <a:solidFill>
+                      <a:schemeClr val="tx1"/>
+                    </a:solidFill>
+                  </a:rPr>
+                  <a:t>Plot 1</a:t>
+                </a:r>
+              </a:p>
+              <a:p>
+                <a:pPr marL="458788" lvl="1" indent="-228600">
+                  <a:buFontTx/>
+                  <a:buChar char="-"/>
+                </a:pPr>
+                <a:r>
+                  <a:rPr lang="en-US" dirty="0">
+                    <a:solidFill>
+                      <a:schemeClr val="tx1"/>
+                    </a:solidFill>
+                  </a:rPr>
+                  <a:t>Plot </a:t>
+                </a:r>
+                <a:r>
+                  <a:rPr lang="en-US" dirty="0" smtClean="0">
+                    <a:solidFill>
+                      <a:schemeClr val="tx1"/>
+                    </a:solidFill>
+                  </a:rPr>
+                  <a:t>2</a:t>
+                </a:r>
+              </a:p>
+              <a:p>
+                <a:pPr marL="458788" lvl="1" indent="-228600">
+                  <a:buFontTx/>
+                  <a:buChar char="-"/>
+                </a:pPr>
+                <a:r>
+                  <a:rPr lang="en-US" dirty="0" smtClean="0">
+                    <a:solidFill>
+                      <a:schemeClr val="tx1"/>
+                    </a:solidFill>
+                  </a:rPr>
+                  <a:t>…</a:t>
+                </a:r>
+              </a:p>
+              <a:p>
+                <a:pPr marL="458788" lvl="1" indent="-228600">
+                  <a:buFontTx/>
+                  <a:buChar char="-"/>
+                </a:pPr>
+                <a:r>
+                  <a:rPr lang="en-US" dirty="0" smtClean="0">
+                    <a:solidFill>
+                      <a:schemeClr val="tx1"/>
+                    </a:solidFill>
+                  </a:rPr>
+                  <a:t>Plot n</a:t>
+                </a:r>
+                <a:endParaRPr lang="en-US" dirty="0">
+                  <a:solidFill>
+                    <a:schemeClr val="tx1"/>
+                  </a:solidFill>
+                </a:endParaRPr>
+              </a:p>
+            </p:txBody>
+          </p:sp>
+          <p:grpSp>
+            <p:nvGrpSpPr>
+              <p:cNvPr id="10" name="Group 9"/>
+              <p:cNvGrpSpPr/>
+              <p:nvPr/>
+            </p:nvGrpSpPr>
+            <p:grpSpPr>
+              <a:xfrm>
+                <a:off x="1528254" y="1600200"/>
+                <a:ext cx="2277492" cy="304800"/>
+                <a:chOff x="1528254" y="1600200"/>
+                <a:chExt cx="2277492" cy="304800"/>
+              </a:xfrm>
+            </p:grpSpPr>
+            <p:sp>
+              <p:nvSpPr>
+                <p:cNvPr id="7" name="Rectangle 6"/>
+                <p:cNvSpPr/>
+                <p:nvPr/>
+              </p:nvSpPr>
+              <p:spPr>
+                <a:xfrm>
+                  <a:off x="1528254" y="1600200"/>
+                  <a:ext cx="2277492" cy="304800"/>
+                </a:xfrm>
+                <a:prstGeom prst="rect">
+                  <a:avLst/>
+                </a:prstGeom>
+                <a:solidFill>
+                  <a:schemeClr val="bg1"/>
+                </a:solidFill>
+              </p:spPr>
+              <p:style>
+                <a:lnRef idx="2">
+                  <a:schemeClr val="accent1">
+                    <a:shade val="50000"/>
+                  </a:schemeClr>
+                </a:lnRef>
+                <a:fillRef idx="1">
+                  <a:schemeClr val="accent1"/>
+                </a:fillRef>
+                <a:effectRef idx="0">
+                  <a:schemeClr val="accent1"/>
+                </a:effectRef>
+                <a:fontRef idx="minor">
+                  <a:schemeClr val="lt1"/>
+                </a:fontRef>
+              </p:style>
+              <p:txBody>
+                <a:bodyPr rtlCol="0" anchor="ctr"/>
+                <a:lstStyle/>
+                <a:p>
+                  <a:pPr algn="ctr"/>
+                  <a:endParaRPr lang="en-US" dirty="0">
+                    <a:solidFill>
+                      <a:schemeClr val="tx1"/>
+                    </a:solidFill>
+                  </a:endParaRPr>
+                </a:p>
+              </p:txBody>
+            </p:sp>
+            <p:pic>
+              <p:nvPicPr>
+                <p:cNvPr id="1027" name="Picture 3" descr="C:\Files\jgordon\personal\code\gordoza-code\java\JChartLib\src\org\jutils\chart\icons\chart016.png"/>
+                <p:cNvPicPr>
+                  <a:picLocks noChangeAspect="1" noChangeArrowheads="1"/>
+                </p:cNvPicPr>
+                <p:nvPr/>
+              </p:nvPicPr>
+              <p:blipFill>
+                <a:blip r:embed="rId2">
+                  <a:extLst>
+                    <a:ext uri="{28A0092B-C50C-407E-A947-70E740481C1C}">
+                      <a14:useLocalDpi xmlns:a14="http://schemas.microsoft.com/office/drawing/2010/main" val="0"/>
+                    </a:ext>
+                  </a:extLst>
+                </a:blip>
+                <a:srcRect/>
+                <a:stretch>
+                  <a:fillRect/>
+                </a:stretch>
+              </p:blipFill>
+              <p:spPr bwMode="auto">
+                <a:xfrm>
+                  <a:off x="1905000" y="1670304"/>
+                  <a:ext cx="164592" cy="164592"/>
+                </a:xfrm>
+                <a:prstGeom prst="rect">
+                  <a:avLst/>
+                </a:prstGeom>
+                <a:noFill/>
+                <a:extLst>
+                  <a:ext uri="{909E8E84-426E-40DD-AFC4-6F175D3DCCD1}">
+                    <a14:hiddenFill xmlns:a14="http://schemas.microsoft.com/office/drawing/2010/main">
+                      <a:solidFill>
+                        <a:srgbClr val="FFFFFF"/>
+                      </a:solidFill>
+                    </a14:hiddenFill>
+                  </a:ext>
+                </a:extLst>
+              </p:spPr>
+            </p:pic>
+            <p:pic>
+              <p:nvPicPr>
+                <p:cNvPr id="1029" name="Picture 5" descr="C:\Files\jgordon\personal\code\gordoza-code\java\jutils\src\org\jutils\icons\save16.png"/>
+                <p:cNvPicPr>
+                  <a:picLocks noChangeAspect="1" noChangeArrowheads="1"/>
+                </p:cNvPicPr>
+                <p:nvPr/>
+              </p:nvPicPr>
+              <p:blipFill>
+                <a:blip r:embed="rId3">
+                  <a:extLst>
+                    <a:ext uri="{28A0092B-C50C-407E-A947-70E740481C1C}">
+                      <a14:useLocalDpi xmlns:a14="http://schemas.microsoft.com/office/drawing/2010/main" val="0"/>
+                    </a:ext>
+                  </a:extLst>
+                </a:blip>
+                <a:srcRect/>
+                <a:stretch>
+                  <a:fillRect/>
+                </a:stretch>
+              </p:blipFill>
+              <p:spPr bwMode="auto">
+                <a:xfrm>
+                  <a:off x="1600200" y="1670304"/>
+                  <a:ext cx="164592" cy="164592"/>
+                </a:xfrm>
+                <a:prstGeom prst="rect">
+                  <a:avLst/>
+                </a:prstGeom>
+                <a:noFill/>
+                <a:extLst>
+                  <a:ext uri="{909E8E84-426E-40DD-AFC4-6F175D3DCCD1}">
+                    <a14:hiddenFill xmlns:a14="http://schemas.microsoft.com/office/drawing/2010/main">
+                      <a:solidFill>
+                        <a:srgbClr val="FFFFFF"/>
+                      </a:solidFill>
+                    </a14:hiddenFill>
+                  </a:ext>
+                </a:extLst>
+              </p:spPr>
+            </p:pic>
+            <p:pic>
+              <p:nvPicPr>
+                <p:cNvPr id="2051" name="Picture 3" descr="C:\Files\jgordon\personal\code\gordoza-code\java\jutils\src\org\jutils\icons\arrow-left16.png"/>
+                <p:cNvPicPr>
+                  <a:picLocks noChangeAspect="1" noChangeArrowheads="1"/>
+                </p:cNvPicPr>
+                <p:nvPr/>
+              </p:nvPicPr>
+              <p:blipFill>
+                <a:blip r:embed="rId4">
+                  <a:extLst>
+                    <a:ext uri="{28A0092B-C50C-407E-A947-70E740481C1C}">
+                      <a14:useLocalDpi xmlns:a14="http://schemas.microsoft.com/office/drawing/2010/main" val="0"/>
+                    </a:ext>
+                  </a:extLst>
+                </a:blip>
+                <a:srcRect/>
+                <a:stretch>
+                  <a:fillRect/>
+                </a:stretch>
+              </p:blipFill>
+              <p:spPr bwMode="auto">
+                <a:xfrm>
+                  <a:off x="2209800" y="1670304"/>
+                  <a:ext cx="164592" cy="164592"/>
+                </a:xfrm>
+                <a:prstGeom prst="rect">
+                  <a:avLst/>
+                </a:prstGeom>
+                <a:noFill/>
+                <a:extLst>
+                  <a:ext uri="{909E8E84-426E-40DD-AFC4-6F175D3DCCD1}">
+                    <a14:hiddenFill xmlns:a14="http://schemas.microsoft.com/office/drawing/2010/main">
+                      <a:solidFill>
+                        <a:srgbClr val="FFFFFF"/>
+                      </a:solidFill>
+                    </a14:hiddenFill>
+                  </a:ext>
+                </a:extLst>
+              </p:spPr>
+            </p:pic>
+            <p:pic>
+              <p:nvPicPr>
+                <p:cNvPr id="2052" name="Picture 4" descr="C:\Files\jgordon\personal\code\gordoza-code\java\jutils\src\org\jutils\icons\arrow-up16.png"/>
+                <p:cNvPicPr>
+                  <a:picLocks noChangeAspect="1" noChangeArrowheads="1"/>
+                </p:cNvPicPr>
+                <p:nvPr/>
+              </p:nvPicPr>
+              <p:blipFill>
+                <a:blip r:embed="rId5">
+                  <a:extLst>
+                    <a:ext uri="{28A0092B-C50C-407E-A947-70E740481C1C}">
+                      <a14:useLocalDpi xmlns:a14="http://schemas.microsoft.com/office/drawing/2010/main" val="0"/>
+                    </a:ext>
+                  </a:extLst>
+                </a:blip>
+                <a:srcRect/>
+                <a:stretch>
+                  <a:fillRect/>
+                </a:stretch>
+              </p:blipFill>
+              <p:spPr bwMode="auto">
+                <a:xfrm>
+                  <a:off x="2743200" y="1670304"/>
+                  <a:ext cx="164592" cy="164592"/>
+                </a:xfrm>
+                <a:prstGeom prst="rect">
+                  <a:avLst/>
+                </a:prstGeom>
+                <a:noFill/>
+                <a:extLst>
+                  <a:ext uri="{909E8E84-426E-40DD-AFC4-6F175D3DCCD1}">
+                    <a14:hiddenFill xmlns:a14="http://schemas.microsoft.com/office/drawing/2010/main">
+                      <a:solidFill>
+                        <a:srgbClr val="FFFFFF"/>
+                      </a:solidFill>
+                    </a14:hiddenFill>
+                  </a:ext>
+                </a:extLst>
+              </p:spPr>
+            </p:pic>
+            <p:pic>
+              <p:nvPicPr>
+                <p:cNvPr id="2053" name="Picture 5" descr="C:\Files\jgordon\personal\code\gordoza-code\java\jutils\src\org\jutils\icons\arrow-right16.png"/>
+                <p:cNvPicPr>
+                  <a:picLocks noChangeAspect="1" noChangeArrowheads="1"/>
+                </p:cNvPicPr>
+                <p:nvPr/>
+              </p:nvPicPr>
+              <p:blipFill>
+                <a:blip r:embed="rId6">
+                  <a:extLst>
+                    <a:ext uri="{28A0092B-C50C-407E-A947-70E740481C1C}">
+                      <a14:useLocalDpi xmlns:a14="http://schemas.microsoft.com/office/drawing/2010/main" val="0"/>
+                    </a:ext>
+                  </a:extLst>
+                </a:blip>
+                <a:srcRect/>
+                <a:stretch>
+                  <a:fillRect/>
+                </a:stretch>
+              </p:blipFill>
+              <p:spPr bwMode="auto">
+                <a:xfrm>
+                  <a:off x="2426208" y="1670304"/>
+                  <a:ext cx="164592" cy="164592"/>
+                </a:xfrm>
+                <a:prstGeom prst="rect">
+                  <a:avLst/>
+                </a:prstGeom>
+                <a:noFill/>
+                <a:extLst>
+                  <a:ext uri="{909E8E84-426E-40DD-AFC4-6F175D3DCCD1}">
+                    <a14:hiddenFill xmlns:a14="http://schemas.microsoft.com/office/drawing/2010/main">
+                      <a:solidFill>
+                        <a:srgbClr val="FFFFFF"/>
+                      </a:solidFill>
+                    </a14:hiddenFill>
+                  </a:ext>
+                </a:extLst>
+              </p:spPr>
+            </p:pic>
+            <p:pic>
+              <p:nvPicPr>
+                <p:cNvPr id="23" name="Picture 2" descr="C:\Files\jgordon\personal\code\gordoza-code\java\jutils\src\org\jutils\icons\down16.png"/>
+                <p:cNvPicPr>
+                  <a:picLocks noChangeAspect="1" noChangeArrowheads="1"/>
+                </p:cNvPicPr>
+                <p:nvPr/>
+              </p:nvPicPr>
+              <p:blipFill>
+                <a:blip r:embed="rId7">
+                  <a:extLst>
+                    <a:ext uri="{28A0092B-C50C-407E-A947-70E740481C1C}">
+                      <a14:useLocalDpi xmlns:a14="http://schemas.microsoft.com/office/drawing/2010/main" val="0"/>
+                    </a:ext>
+                  </a:extLst>
+                </a:blip>
+                <a:srcRect/>
+                <a:stretch>
+                  <a:fillRect/>
+                </a:stretch>
+              </p:blipFill>
+              <p:spPr bwMode="auto">
+                <a:xfrm>
+                  <a:off x="2971800" y="1670304"/>
+                  <a:ext cx="164592" cy="164592"/>
+                </a:xfrm>
+                <a:prstGeom prst="rect">
+                  <a:avLst/>
+                </a:prstGeom>
+                <a:noFill/>
+                <a:extLst>
+                  <a:ext uri="{909E8E84-426E-40DD-AFC4-6F175D3DCCD1}">
+                    <a14:hiddenFill xmlns:a14="http://schemas.microsoft.com/office/drawing/2010/main">
+                      <a:solidFill>
+                        <a:srgbClr val="FFFFFF"/>
+                      </a:solidFill>
+                    </a14:hiddenFill>
+                  </a:ext>
+                </a:extLst>
+              </p:spPr>
+            </p:pic>
+          </p:grpSp>
+        </p:grpSp>
+        <p:sp>
+          <p:nvSpPr>
+            <p:cNvPr id="26" name="Rectangle 25"/>
+            <p:cNvSpPr/>
+            <p:nvPr/>
+          </p:nvSpPr>
+          <p:spPr>
+            <a:xfrm>
+              <a:off x="1447800" y="1981200"/>
+              <a:ext cx="6248400" cy="3810000"/>
+            </a:xfrm>
+            <a:prstGeom prst="rect">
+              <a:avLst/>
+            </a:prstGeom>
+            <a:noFill/>
+          </p:spPr>
+          <p:style>
+            <a:lnRef idx="2">
+              <a:schemeClr val="accent1">
+                <a:shade val="50000"/>
+              </a:schemeClr>
+            </a:lnRef>
+            <a:fillRef idx="1">
+              <a:schemeClr val="accent1"/>
+            </a:fillRef>
+            <a:effectRef idx="0">
+              <a:schemeClr val="accent1"/>
+            </a:effectRef>
+            <a:fontRef idx="minor">
+              <a:schemeClr val="lt1"/>
+            </a:fontRef>
+          </p:style>
+          <p:txBody>
+            <a:bodyPr rtlCol="0" anchor="ctr"/>
+            <a:lstStyle/>
+            <a:p>
+              <a:pPr algn="ctr"/>
+              <a:endParaRPr lang="en-US" dirty="0">
+                <a:solidFill>
+                  <a:schemeClr val="tx1"/>
+                </a:solidFill>
+              </a:endParaRPr>
+            </a:p>
+          </p:txBody>
+        </p:sp>
+      </p:grpSp>
+      <p:sp>
+        <p:nvSpPr>
+          <p:cNvPr id="9" name="Slide Number Placeholder 8"/>
+          <p:cNvSpPr>
+            <a:spLocks noGrp="1"/>
+          </p:cNvSpPr>
+          <p:nvPr>
+            <p:ph type="sldNum" sz="quarter" idx="12"/>
+          </p:nvPr>
+        </p:nvSpPr>
+        <p:spPr/>
+        <p:txBody>
+          <a:bodyPr/>
+          <a:lstStyle/>
+          <a:p>
+            <a:r>
+              <a:rPr lang="en-US" smtClean="0"/>
+              <a:t>Page </a:t>
+            </a:r>
+            <a:fld id="{F1B1EB98-98E7-4A5A-BA8F-7513A9456E79}" type="slidenum">
+              <a:rPr lang="en-US" smtClean="0"/>
+              <a:pPr/>
+              <a:t>2</a:t>
+            </a:fld>
+            <a:endParaRPr lang="en-US" dirty="0"/>
+          </a:p>
+        </p:txBody>
+      </p:sp>
+    </p:spTree>
+    <p:extLst>
+      <p:ext uri="{BB962C8B-B14F-4D97-AF65-F5344CB8AC3E}">
+        <p14:creationId xmlns:p14="http://schemas.microsoft.com/office/powerpoint/2010/main" val="4154363597"/>
+      </p:ext>
+    </p:extLst>
+  </p:cSld>
+  <p:clrMapOvr>
+    <a:masterClrMapping/>
+  </p:clrMapOvr>
+</p:sld>
+</file>
+
+<file path=ppt/slides/slide3.xml><?xml version="1.0" encoding="utf-8"?>
+<p:sld xmlns:a="http://schemas.openxmlformats.org/drawingml/2006/main" xmlns:r="http://schemas.openxmlformats.org/officeDocument/2006/relationships" xmlns:p="http://schemas.openxmlformats.org/presentationml/2006/main">
+  <p:cSld>
+    <p:spTree>
+      <p:nvGrpSpPr>
+        <p:cNvPr id="1" name=""/>
+        <p:cNvGrpSpPr/>
+        <p:nvPr/>
+      </p:nvGrpSpPr>
+      <p:grpSpPr>
+        <a:xfrm>
+          <a:off x="0" y="0"/>
+          <a:ext cx="0" cy="0"/>
+          <a:chOff x="0" y="0"/>
+          <a:chExt cx="0" cy="0"/>
+        </a:xfrm>
+      </p:grpSpPr>
+      <p:grpSp>
+        <p:nvGrpSpPr>
+          <p:cNvPr id="10" name="Group 11"/>
           <p:cNvGrpSpPr/>
           <p:nvPr/>
         </p:nvGrpSpPr>
@@ -9500,7 +11094,7 @@
         </p:grpSpPr>
         <p:sp>
           <p:nvSpPr>
-            <p:cNvPr id="2" name="Rectangle 1"/>
+            <p:cNvPr id="2" name="Rectangle 14"/>
             <p:cNvSpPr/>
             <p:nvPr/>
           </p:nvSpPr>
@@ -9555,7 +11149,7 @@
         </p:sp>
         <p:grpSp>
           <p:nvGrpSpPr>
-            <p:cNvPr id="3" name="Group 2"/>
+            <p:cNvPr id="3" name="Group 15"/>
             <p:cNvGrpSpPr/>
             <p:nvPr/>
           </p:nvGrpSpPr>
@@ -9569,7 +11163,7 @@
           </p:grpSpPr>
           <p:sp>
             <p:nvSpPr>
-              <p:cNvPr id="4" name="Rectangle 3"/>
+              <p:cNvPr id="4" name="Rectangle 17"/>
               <p:cNvSpPr/>
               <p:nvPr/>
             </p:nvSpPr>
@@ -9781,7 +11375,7 @@
         </p:grpSp>
         <p:sp>
           <p:nvSpPr>
-            <p:cNvPr id="9" name="Rectangle 8"/>
+            <p:cNvPr id="9" name="Rectangle 16"/>
             <p:cNvSpPr/>
             <p:nvPr/>
           </p:nvSpPr>
@@ -9814,7 +11408,9 @@
             </a:fontRef>
           </p:style>
           <p:txBody>
-            <a:bodyPr rtlCol="0" anchor="ctr"/>
+            <a:bodyPr rtlCol="0" anchor="ctr">
+              <a:normAutofit fontScale="85000" lnSpcReduction="10000"/>
+            </a:bodyPr>
             <a:lstStyle/>
             <a:p>
               <a:pPr algn="r"/>
@@ -9824,39 +11420,7 @@
                     <a:schemeClr val="tx1"/>
                   </a:solidFill>
                 </a:rPr>
-                <a:t>(</a:t>
-              </a:r>
-              <a:r>
-                <a:rPr lang="en-US" sz="1200" smtClean="0">
-                  <a:solidFill>
-                    <a:schemeClr val="tx1"/>
-                  </a:solidFill>
-                </a:rPr>
-                <a:t>3.4, 5.677</a:t>
-              </a:r>
-              <a:r>
-                <a:rPr lang="en-US" sz="1200" dirty="0" smtClean="0">
-                  <a:solidFill>
-                    <a:schemeClr val="tx1"/>
-                  </a:solidFill>
-                </a:rPr>
-                <a:t>); </a:t>
-              </a:r>
-              <a:r>
-                <a:rPr lang="en-US" sz="1200" smtClean="0">
-                  <a:solidFill>
-                    <a:schemeClr val="tx1"/>
-                  </a:solidFill>
-                </a:rPr>
-                <a:t>(5643.3, 2.4</a:t>
-              </a:r>
-              <a:r>
-                <a:rPr lang="en-US" sz="1200" dirty="0" smtClean="0">
-                  <a:solidFill>
-                    <a:schemeClr val="tx1"/>
-                  </a:solidFill>
-                </a:rPr>
-                <a:t>); Plots 2 of 2; Size: 400 x 375</a:t>
+                <a:t>(3.4, 5.677), (5643.3, 2.4); [(0,5),(1,7)], [(),(5,55)]; 2 of 2; 400 x 375</a:t>
               </a:r>
               <a:endParaRPr lang="en-US" sz="1200" dirty="0">
                 <a:solidFill>
@@ -9888,34 +11452,6 @@
               <a:rPr lang="en-US" dirty="0" smtClean="0"/>
               <a:t>Chart View</a:t>
             </a:r>
-            <a:endParaRPr lang="en-US" dirty="0"/>
-          </a:p>
-        </p:txBody>
-      </p:sp>
-      <p:sp>
-        <p:nvSpPr>
-          <p:cNvPr id="13" name="Slide Number Placeholder 12"/>
-          <p:cNvSpPr>
-            <a:spLocks noGrp="1"/>
-          </p:cNvSpPr>
-          <p:nvPr>
-            <p:ph type="sldNum" sz="quarter" idx="12"/>
-          </p:nvPr>
-        </p:nvSpPr>
-        <p:spPr/>
-        <p:txBody>
-          <a:bodyPr/>
-          <a:lstStyle/>
-          <a:p>
-            <a:r>
-              <a:rPr lang="en-US" smtClean="0"/>
-              <a:t>Page </a:t>
-            </a:r>
-            <a:fld id="{F1B1EB98-98E7-4A5A-BA8F-7513A9456E79}" type="slidenum">
-              <a:rPr lang="en-US" smtClean="0"/>
-              <a:pPr/>
-              <a:t>2</a:t>
-            </a:fld>
             <a:endParaRPr lang="en-US" dirty="0"/>
           </a:p>
         </p:txBody>
@@ -9961,6 +11497,160 @@
           </a:extLst>
         </p:spPr>
       </p:pic>
+      <p:sp>
+        <p:nvSpPr>
+          <p:cNvPr id="13" name="Slide Number Placeholder 12"/>
+          <p:cNvSpPr>
+            <a:spLocks noGrp="1"/>
+          </p:cNvSpPr>
+          <p:nvPr>
+            <p:ph type="sldNum" sz="quarter" idx="12"/>
+          </p:nvPr>
+        </p:nvSpPr>
+        <p:spPr/>
+        <p:txBody>
+          <a:bodyPr/>
+          <a:lstStyle/>
+          <a:p>
+            <a:r>
+              <a:rPr lang="en-US" smtClean="0"/>
+              <a:t>Page </a:t>
+            </a:r>
+            <a:fld id="{F1B1EB98-98E7-4A5A-BA8F-7513A9456E79}" type="slidenum">
+              <a:rPr lang="en-US" smtClean="0"/>
+              <a:pPr/>
+              <a:t>3</a:t>
+            </a:fld>
+            <a:endParaRPr lang="en-US" dirty="0"/>
+          </a:p>
+        </p:txBody>
+      </p:sp>
+      <p:sp>
+        <p:nvSpPr>
+          <p:cNvPr id="15" name="TextBox 31"/>
+          <p:cNvSpPr txBox="1"/>
+          <p:nvPr/>
+        </p:nvSpPr>
+        <p:spPr>
+          <a:xfrm>
+            <a:off x="6639463" y="3962400"/>
+            <a:ext cx="2352137" cy="1600438"/>
+          </a:xfrm>
+          <a:prstGeom prst="rect">
+            <a:avLst/>
+          </a:prstGeom>
+          <a:noFill/>
+        </p:spPr>
+        <p:txBody>
+          <a:bodyPr wrap="square" rtlCol="0">
+            <a:spAutoFit/>
+          </a:bodyPr>
+          <a:lstStyle/>
+          <a:p>
+            <a:r>
+              <a:rPr lang="en-US" sz="1400" dirty="0" smtClean="0"/>
+              <a:t>Chart Info:</a:t>
+            </a:r>
+          </a:p>
+          <a:p>
+            <a:pPr marL="285750" indent="-285750">
+              <a:buFont typeface="Arial" panose="020B0604020202020204" pitchFamily="34" charset="0"/>
+              <a:buChar char="•"/>
+            </a:pPr>
+            <a:r>
+              <a:rPr lang="en-US" sz="1400" dirty="0"/>
+              <a:t>Cursor primary and secondary (</a:t>
+            </a:r>
+            <a:r>
+              <a:rPr lang="en-US" sz="1400" dirty="0" err="1"/>
+              <a:t>x,y</a:t>
+            </a:r>
+            <a:r>
+              <a:rPr lang="en-US" sz="1400" dirty="0" smtClean="0"/>
+              <a:t>).</a:t>
+            </a:r>
+            <a:endParaRPr lang="en-US" sz="1400" dirty="0"/>
+          </a:p>
+          <a:p>
+            <a:pPr marL="285750" indent="-285750">
+              <a:buFont typeface="Arial" panose="020B0604020202020204" pitchFamily="34" charset="0"/>
+              <a:buChar char="•"/>
+            </a:pPr>
+            <a:r>
+              <a:rPr lang="en-US" sz="1400" dirty="0"/>
+              <a:t>Range primary and secondary [</a:t>
+            </a:r>
+            <a:r>
+              <a:rPr lang="en-US" sz="1400" dirty="0" err="1"/>
+              <a:t>d,r</a:t>
+            </a:r>
+            <a:r>
+              <a:rPr lang="en-US" sz="1400" dirty="0"/>
+              <a:t>]</a:t>
+            </a:r>
+          </a:p>
+          <a:p>
+            <a:pPr marL="285750" indent="-285750">
+              <a:buFont typeface="Arial" panose="020B0604020202020204" pitchFamily="34" charset="0"/>
+              <a:buChar char="•"/>
+            </a:pPr>
+            <a:r>
+              <a:rPr lang="en-US" sz="1400" dirty="0"/>
+              <a:t>Plots visible of total.</a:t>
+            </a:r>
+          </a:p>
+          <a:p>
+            <a:pPr marL="285750" indent="-285750">
+              <a:buFont typeface="Arial" panose="020B0604020202020204" pitchFamily="34" charset="0"/>
+              <a:buChar char="•"/>
+            </a:pPr>
+            <a:r>
+              <a:rPr lang="en-US" sz="1400" dirty="0" smtClean="0"/>
+              <a:t>Size in pixels.</a:t>
+            </a:r>
+          </a:p>
+        </p:txBody>
+      </p:sp>
+      <p:cxnSp>
+        <p:nvCxnSpPr>
+          <p:cNvPr id="17" name="Straight Connector 32"/>
+          <p:cNvCxnSpPr>
+            <a:stCxn id="9" idx="3"/>
+            <a:endCxn id="15" idx="1"/>
+          </p:cNvCxnSpPr>
+          <p:nvPr/>
+        </p:nvCxnSpPr>
+        <p:spPr>
+          <a:xfrm flipV="1">
+            <a:off x="6438899" y="4762619"/>
+            <a:ext cx="200564" cy="418981"/>
+          </a:xfrm>
+          <a:prstGeom prst="line">
+            <a:avLst/>
+          </a:prstGeom>
+          <a:ln w="28575">
+            <a:solidFill>
+              <a:schemeClr val="tx1"/>
+            </a:solidFill>
+            <a:headEnd type="none" w="med" len="med"/>
+            <a:tailEnd type="arrow" w="med" len="med"/>
+          </a:ln>
+        </p:spPr>
+        <p:style>
+          <a:lnRef idx="1">
+            <a:schemeClr val="accent1"/>
+          </a:lnRef>
+          <a:fillRef idx="0">
+            <a:schemeClr val="accent1"/>
+          </a:fillRef>
+          <a:effectRef idx="0">
+            <a:schemeClr val="accent1"/>
+          </a:effectRef>
+          <a:fontRef idx="minor">
+            <a:schemeClr val="tx1"/>
+          </a:fontRef>
+        </p:style>
+      </p:cxnSp>
     </p:spTree>
     <p:extLst>
       <p:ext uri="{BB962C8B-B14F-4D97-AF65-F5344CB8AC3E}">
@@ -9974,7 +11664,7 @@
 </p:sld>
 </file>
 
-<file path=ppt/slides/slide3.xml><?xml version="1.0" encoding="utf-8"?>
+<file path=ppt/slides/slide4.xml><?xml version="1.0" encoding="utf-8"?>
 <p:sld xmlns:a="http://schemas.openxmlformats.org/drawingml/2006/main" xmlns:r="http://schemas.openxmlformats.org/officeDocument/2006/relationships" xmlns:p="http://schemas.openxmlformats.org/presentationml/2006/main">
   <p:cSld>
     <p:spTree>
@@ -10135,14 +11825,14 @@
       </p:sp>
       <p:graphicFrame>
         <p:nvGraphicFramePr>
-          <p:cNvPr id="21" name="Table 20"/>
+          <p:cNvPr id="21" name="Table 6"/>
           <p:cNvGraphicFramePr>
             <a:graphicFrameLocks noGrp="1"/>
           </p:cNvGraphicFramePr>
           <p:nvPr>
             <p:extLst>
               <p:ext uri="{D42A27DB-BD31-4B8C-83A1-F6EECF244321}">
-                <p14:modId xmlns:p14="http://schemas.microsoft.com/office/powerpoint/2010/main" val="1839193688"/>
+                <p14:modId xmlns:p14="http://schemas.microsoft.com/office/powerpoint/2010/main" val="2950127"/>
               </p:ext>
             </p:extLst>
           </p:nvPr>
@@ -10171,14 +11861,14 @@
                     <a:p>
                       <a:pPr algn="ctr"/>
                       <a:r>
-                        <a:rPr lang="en-US" sz="1400" dirty="0" smtClean="0"/>
+                        <a:rPr lang="en-US" sz="1200" dirty="0" smtClean="0"/>
                         <a:t>Series</a:t>
                       </a:r>
                       <a:r>
-                        <a:rPr lang="en-US" sz="1400" baseline="0" dirty="0" smtClean="0"/>
+                        <a:rPr lang="en-US" sz="1200" baseline="0" dirty="0" smtClean="0"/>
                         <a:t> 1</a:t>
                       </a:r>
-                      <a:endParaRPr lang="en-US" sz="1400" dirty="0"/>
+                      <a:endParaRPr lang="en-US" sz="1200" dirty="0"/>
                     </a:p>
                   </a:txBody>
                   <a:tcPr anchor="ctr"/>
@@ -10190,10 +11880,10 @@
                     <a:p>
                       <a:pPr algn="ctr"/>
                       <a:r>
-                        <a:rPr lang="en-US" sz="1400" dirty="0" smtClean="0"/>
+                        <a:rPr lang="en-US" sz="1200" dirty="0" smtClean="0"/>
                         <a:t>Series 2</a:t>
                       </a:r>
-                      <a:endParaRPr lang="en-US" sz="1400" dirty="0"/>
+                      <a:endParaRPr lang="en-US" sz="1200" dirty="0"/>
                     </a:p>
                   </a:txBody>
                   <a:tcPr anchor="ctr"/>
@@ -10205,10 +11895,10 @@
                     <a:p>
                       <a:pPr algn="ctr"/>
                       <a:r>
-                        <a:rPr lang="en-US" sz="1400" dirty="0" smtClean="0"/>
+                        <a:rPr lang="en-US" sz="1200" dirty="0" smtClean="0"/>
                         <a:t>…</a:t>
                       </a:r>
-                      <a:endParaRPr lang="en-US" sz="1400" dirty="0"/>
+                      <a:endParaRPr lang="en-US" sz="1200" dirty="0"/>
                     </a:p>
                   </a:txBody>
                   <a:tcPr anchor="ctr"/>
@@ -10220,14 +11910,14 @@
                     <a:p>
                       <a:pPr algn="ctr"/>
                       <a:r>
-                        <a:rPr lang="en-US" sz="1400" dirty="0" smtClean="0"/>
+                        <a:rPr lang="en-US" sz="1200" dirty="0" smtClean="0"/>
                         <a:t>Series</a:t>
                       </a:r>
                       <a:r>
-                        <a:rPr lang="en-US" sz="1400" baseline="0" dirty="0" smtClean="0"/>
+                        <a:rPr lang="en-US" sz="1200" baseline="0" dirty="0" smtClean="0"/>
                         <a:t> n</a:t>
                       </a:r>
-                      <a:endParaRPr lang="en-US" sz="1400" dirty="0"/>
+                      <a:endParaRPr lang="en-US" sz="1200" dirty="0"/>
                     </a:p>
                   </a:txBody>
                   <a:tcPr anchor="ctr"/>
@@ -10240,7 +11930,7 @@
                     <a:lstStyle/>
                     <a:p>
                       <a:pPr algn="ctr"/>
-                      <a:endParaRPr lang="en-US" sz="1400" dirty="0"/>
+                      <a:endParaRPr lang="en-US" sz="1200" dirty="0"/>
                     </a:p>
                   </a:txBody>
                   <a:tcPr anchor="ctr">
@@ -10253,7 +11943,7 @@
                     <a:lstStyle/>
                     <a:p>
                       <a:pPr algn="ctr"/>
-                      <a:endParaRPr lang="en-US" sz="1400" dirty="0"/>
+                      <a:endParaRPr lang="en-US" sz="1200" dirty="0"/>
                     </a:p>
                   </a:txBody>
                   <a:tcPr anchor="ctr">
@@ -10266,7 +11956,7 @@
                     <a:lstStyle/>
                     <a:p>
                       <a:pPr algn="ctr"/>
-                      <a:endParaRPr lang="en-US" sz="1400" dirty="0"/>
+                      <a:endParaRPr lang="en-US" sz="1200" dirty="0"/>
                     </a:p>
                   </a:txBody>
                   <a:tcPr anchor="ctr">
@@ -10279,7 +11969,7 @@
                     <a:lstStyle/>
                     <a:p>
                       <a:pPr algn="ctr"/>
-                      <a:endParaRPr lang="en-US" sz="1400" dirty="0"/>
+                      <a:endParaRPr lang="en-US" sz="1200" dirty="0"/>
                     </a:p>
                   </a:txBody>
                   <a:tcPr anchor="ctr">
@@ -10294,7 +11984,7 @@
                     <a:lstStyle/>
                     <a:p>
                       <a:pPr algn="ctr"/>
-                      <a:endParaRPr lang="en-US" sz="1400" dirty="0"/>
+                      <a:endParaRPr lang="en-US" sz="1200" dirty="0"/>
                     </a:p>
                   </a:txBody>
                   <a:tcPr anchor="ctr">
@@ -10307,7 +11997,7 @@
                     <a:lstStyle/>
                     <a:p>
                       <a:pPr algn="ctr"/>
-                      <a:endParaRPr lang="en-US" sz="1400" dirty="0"/>
+                      <a:endParaRPr lang="en-US" sz="1200" dirty="0"/>
                     </a:p>
                   </a:txBody>
                   <a:tcPr anchor="ctr">
@@ -10320,7 +12010,7 @@
                     <a:lstStyle/>
                     <a:p>
                       <a:pPr algn="ctr"/>
-                      <a:endParaRPr lang="en-US" sz="1400" dirty="0"/>
+                      <a:endParaRPr lang="en-US" sz="1200" dirty="0"/>
                     </a:p>
                   </a:txBody>
                   <a:tcPr anchor="ctr">
@@ -10333,7 +12023,7 @@
                     <a:lstStyle/>
                     <a:p>
                       <a:pPr algn="ctr"/>
-                      <a:endParaRPr lang="en-US" sz="1400" dirty="0"/>
+                      <a:endParaRPr lang="en-US" sz="1200" dirty="0"/>
                     </a:p>
                   </a:txBody>
                   <a:tcPr anchor="ctr">
@@ -10348,7 +12038,7 @@
                     <a:lstStyle/>
                     <a:p>
                       <a:pPr algn="ctr"/>
-                      <a:endParaRPr lang="en-US" sz="1400" dirty="0"/>
+                      <a:endParaRPr lang="en-US" sz="1200" dirty="0"/>
                     </a:p>
                   </a:txBody>
                   <a:tcPr anchor="ctr">
@@ -10361,7 +12051,7 @@
                     <a:lstStyle/>
                     <a:p>
                       <a:pPr algn="ctr"/>
-                      <a:endParaRPr lang="en-US" sz="1400" dirty="0"/>
+                      <a:endParaRPr lang="en-US" sz="1200" dirty="0"/>
                     </a:p>
                   </a:txBody>
                   <a:tcPr anchor="ctr">
@@ -10374,7 +12064,7 @@
                     <a:lstStyle/>
                     <a:p>
                       <a:pPr algn="ctr"/>
-                      <a:endParaRPr lang="en-US" sz="1400" dirty="0"/>
+                      <a:endParaRPr lang="en-US" sz="1200" dirty="0"/>
                     </a:p>
                   </a:txBody>
                   <a:tcPr anchor="ctr">
@@ -10387,7 +12077,7 @@
                     <a:lstStyle/>
                     <a:p>
                       <a:pPr algn="ctr"/>
-                      <a:endParaRPr lang="en-US" sz="1400" dirty="0"/>
+                      <a:endParaRPr lang="en-US" sz="1200" dirty="0"/>
                     </a:p>
                   </a:txBody>
                   <a:tcPr anchor="ctr">
@@ -10402,7 +12092,7 @@
                     <a:lstStyle/>
                     <a:p>
                       <a:pPr algn="ctr"/>
-                      <a:endParaRPr lang="en-US" sz="1400" dirty="0"/>
+                      <a:endParaRPr lang="en-US" sz="1200" dirty="0"/>
                     </a:p>
                   </a:txBody>
                   <a:tcPr anchor="ctr">
@@ -10415,7 +12105,7 @@
                     <a:lstStyle/>
                     <a:p>
                       <a:pPr algn="ctr"/>
-                      <a:endParaRPr lang="en-US" sz="1400" dirty="0"/>
+                      <a:endParaRPr lang="en-US" sz="1200" dirty="0"/>
                     </a:p>
                   </a:txBody>
                   <a:tcPr anchor="ctr">
@@ -10428,7 +12118,7 @@
                     <a:lstStyle/>
                     <a:p>
                       <a:pPr algn="ctr"/>
-                      <a:endParaRPr lang="en-US" sz="1400" dirty="0"/>
+                      <a:endParaRPr lang="en-US" sz="1200" dirty="0"/>
                     </a:p>
                   </a:txBody>
                   <a:tcPr anchor="ctr">
@@ -10441,7 +12131,7 @@
                     <a:lstStyle/>
                     <a:p>
                       <a:pPr algn="ctr"/>
-                      <a:endParaRPr lang="en-US" sz="1400" dirty="0"/>
+                      <a:endParaRPr lang="en-US" sz="1200" dirty="0"/>
                     </a:p>
                   </a:txBody>
                   <a:tcPr anchor="ctr">
@@ -10456,7 +12146,7 @@
                     <a:lstStyle/>
                     <a:p>
                       <a:pPr algn="ctr"/>
-                      <a:endParaRPr lang="en-US" sz="1400" dirty="0"/>
+                      <a:endParaRPr lang="en-US" sz="1200" dirty="0"/>
                     </a:p>
                   </a:txBody>
                   <a:tcPr anchor="ctr">
@@ -10469,7 +12159,7 @@
                     <a:lstStyle/>
                     <a:p>
                       <a:pPr algn="ctr"/>
-                      <a:endParaRPr lang="en-US" sz="1400" dirty="0"/>
+                      <a:endParaRPr lang="en-US" sz="1200" dirty="0"/>
                     </a:p>
                   </a:txBody>
                   <a:tcPr anchor="ctr">
@@ -10482,7 +12172,7 @@
                     <a:lstStyle/>
                     <a:p>
                       <a:pPr algn="ctr"/>
-                      <a:endParaRPr lang="en-US" sz="1400" dirty="0"/>
+                      <a:endParaRPr lang="en-US" sz="1200" dirty="0"/>
                     </a:p>
                   </a:txBody>
                   <a:tcPr anchor="ctr">
@@ -10495,7 +12185,7 @@
                     <a:lstStyle/>
                     <a:p>
                       <a:pPr algn="ctr"/>
-                      <a:endParaRPr lang="en-US" sz="1400" dirty="0"/>
+                      <a:endParaRPr lang="en-US" sz="1200" dirty="0"/>
                     </a:p>
                   </a:txBody>
                   <a:tcPr anchor="ctr">
@@ -10755,7 +12445,7 @@
             <a:fld id="{F1B1EB98-98E7-4A5A-BA8F-7513A9456E79}" type="slidenum">
               <a:rPr lang="en-US" smtClean="0"/>
               <a:pPr/>
-              <a:t>3</a:t>
+              <a:t>4</a:t>
             </a:fld>
             <a:endParaRPr lang="en-US" dirty="0"/>
           </a:p>
@@ -10774,7 +12464,7 @@
 </p:sld>
 </file>
 
-<file path=ppt/slides/slide4.xml><?xml version="1.0" encoding="utf-8"?>
+<file path=ppt/slides/slide5.xml><?xml version="1.0" encoding="utf-8"?>
 <p:sld xmlns:a="http://schemas.openxmlformats.org/drawingml/2006/main" xmlns:r="http://schemas.openxmlformats.org/officeDocument/2006/relationships" xmlns:p="http://schemas.openxmlformats.org/presentationml/2006/main">
   <p:cSld>
     <p:spTree>
@@ -11234,7 +12924,7 @@
             <a:fld id="{F1B1EB98-98E7-4A5A-BA8F-7513A9456E79}" type="slidenum">
               <a:rPr lang="en-US" smtClean="0"/>
               <a:pPr/>
-              <a:t>4</a:t>
+              <a:t>5</a:t>
             </a:fld>
             <a:endParaRPr lang="en-US" dirty="0"/>
           </a:p>
@@ -11253,7 +12943,7 @@
 </p:sld>
 </file>
 
-<file path=ppt/slides/slide5.xml><?xml version="1.0" encoding="utf-8"?>
+<file path=ppt/slides/slide6.xml><?xml version="1.0" encoding="utf-8"?>
 <p:sld xmlns:a="http://schemas.openxmlformats.org/drawingml/2006/main" xmlns:r="http://schemas.openxmlformats.org/officeDocument/2006/relationships" xmlns:p="http://schemas.openxmlformats.org/presentationml/2006/main">
   <p:cSld>
     <p:spTree>
@@ -11949,7 +13639,7 @@
             <a:fld id="{F1B1EB98-98E7-4A5A-BA8F-7513A9456E79}" type="slidenum">
               <a:rPr lang="en-US" smtClean="0"/>
               <a:pPr/>
-              <a:t>5</a:t>
+              <a:t>6</a:t>
             </a:fld>
             <a:endParaRPr lang="en-US" dirty="0"/>
           </a:p>
@@ -11968,7 +13658,7 @@
 </p:sld>
 </file>
 
-<file path=ppt/slides/slide6.xml><?xml version="1.0" encoding="utf-8"?>
+<file path=ppt/slides/slide7.xml><?xml version="1.0" encoding="utf-8"?>
 <p:sld xmlns:a="http://schemas.openxmlformats.org/drawingml/2006/main" xmlns:r="http://schemas.openxmlformats.org/officeDocument/2006/relationships" xmlns:p="http://schemas.openxmlformats.org/presentationml/2006/main">
   <p:cSld>
     <p:spTree>
@@ -12167,7 +13857,7 @@
             <a:fld id="{F1B1EB98-98E7-4A5A-BA8F-7513A9456E79}" type="slidenum">
               <a:rPr lang="en-US" smtClean="0"/>
               <a:pPr/>
-              <a:t>6</a:t>
+              <a:t>7</a:t>
             </a:fld>
             <a:endParaRPr lang="en-US" dirty="0"/>
           </a:p>
@@ -12186,7 +13876,7 @@
 </p:sld>
 </file>
 
-<file path=ppt/slides/slide7.xml><?xml version="1.0" encoding="utf-8"?>
+<file path=ppt/slides/slide8.xml><?xml version="1.0" encoding="utf-8"?>
 <p:sld xmlns:a="http://schemas.openxmlformats.org/drawingml/2006/main" xmlns:r="http://schemas.openxmlformats.org/officeDocument/2006/relationships" xmlns:p="http://schemas.openxmlformats.org/presentationml/2006/main">
   <p:cSld>
     <p:spTree>
@@ -12228,456 +13918,292 @@
           </a:p>
         </p:txBody>
       </p:sp>
-      <p:sp>
-        <p:nvSpPr>
-          <p:cNvPr id="4" name="Rectangle 3"/>
-          <p:cNvSpPr/>
+      <p:grpSp>
+        <p:nvGrpSpPr>
+          <p:cNvPr id="5" name="Group 4"/>
+          <p:cNvGrpSpPr/>
           <p:nvPr/>
-        </p:nvSpPr>
-        <p:spPr>
+        </p:nvGrpSpPr>
+        <p:grpSpPr>
           <a:xfrm>
-            <a:off x="1371600" y="1981200"/>
-            <a:ext cx="6172200" cy="3352800"/>
+            <a:off x="2933700" y="1981200"/>
+            <a:ext cx="3276600" cy="3352800"/>
+            <a:chOff x="1371600" y="1981200"/>
+            <a:chExt cx="3276600" cy="3352800"/>
           </a:xfrm>
-          <a:prstGeom prst="rect">
-            <a:avLst/>
-          </a:prstGeom>
-          <a:solidFill>
-            <a:schemeClr val="bg1"/>
-          </a:solidFill>
-        </p:spPr>
-        <p:style>
-          <a:lnRef idx="2">
-            <a:schemeClr val="accent1">
-              <a:shade val="50000"/>
-            </a:schemeClr>
-          </a:lnRef>
-          <a:fillRef idx="1">
-            <a:schemeClr val="accent1"/>
-          </a:fillRef>
-          <a:effectRef idx="0">
-            <a:schemeClr val="accent1"/>
-          </a:effectRef>
-          <a:fontRef idx="minor">
-            <a:schemeClr val="lt1"/>
-          </a:fontRef>
-        </p:style>
-        <p:txBody>
-          <a:bodyPr rtlCol="0" anchor="ctr"/>
-          <a:lstStyle/>
-          <a:p>
-            <a:pPr algn="ctr"/>
-            <a:endParaRPr lang="en-US" dirty="0">
-              <a:solidFill>
-                <a:schemeClr val="tx1"/>
-              </a:solidFill>
-            </a:endParaRPr>
-          </a:p>
-        </p:txBody>
-      </p:sp>
-      <p:sp>
-        <p:nvSpPr>
-          <p:cNvPr id="12" name="Rectangle 11"/>
-          <p:cNvSpPr/>
-          <p:nvPr/>
-        </p:nvSpPr>
-        <p:spPr>
-          <a:xfrm>
-            <a:off x="1485900" y="2362200"/>
-            <a:ext cx="5943600" cy="2895599"/>
-          </a:xfrm>
-          <a:prstGeom prst="rect">
-            <a:avLst/>
-          </a:prstGeom>
-          <a:solidFill>
-            <a:schemeClr val="bg1"/>
-          </a:solidFill>
-        </p:spPr>
-        <p:style>
-          <a:lnRef idx="2">
-            <a:schemeClr val="accent1">
-              <a:shade val="50000"/>
-            </a:schemeClr>
-          </a:lnRef>
-          <a:fillRef idx="1">
-            <a:schemeClr val="accent1"/>
-          </a:fillRef>
-          <a:effectRef idx="0">
-            <a:schemeClr val="accent1"/>
-          </a:effectRef>
-          <a:fontRef idx="minor">
-            <a:schemeClr val="lt1"/>
-          </a:fontRef>
-        </p:style>
-        <p:txBody>
-          <a:bodyPr rtlCol="0" anchor="ctr"/>
-          <a:lstStyle/>
-          <a:p>
-            <a:pPr algn="ctr"/>
-            <a:r>
-              <a:rPr lang="en-US" dirty="0" smtClean="0">
+        </p:grpSpPr>
+        <p:sp>
+          <p:nvSpPr>
+            <p:cNvPr id="4" name="Rectangle 2"/>
+            <p:cNvSpPr/>
+            <p:nvPr/>
+          </p:nvSpPr>
+          <p:spPr>
+            <a:xfrm>
+              <a:off x="1371600" y="1981200"/>
+              <a:ext cx="3276600" cy="3352800"/>
+            </a:xfrm>
+            <a:prstGeom prst="rect">
+              <a:avLst/>
+            </a:prstGeom>
+            <a:solidFill>
+              <a:schemeClr val="bg1"/>
+            </a:solidFill>
+          </p:spPr>
+          <p:style>
+            <a:lnRef idx="2">
+              <a:schemeClr val="accent1">
+                <a:shade val="50000"/>
+              </a:schemeClr>
+            </a:lnRef>
+            <a:fillRef idx="1">
+              <a:schemeClr val="accent1"/>
+            </a:fillRef>
+            <a:effectRef idx="0">
+              <a:schemeClr val="accent1"/>
+            </a:effectRef>
+            <a:fontRef idx="minor">
+              <a:schemeClr val="lt1"/>
+            </a:fontRef>
+          </p:style>
+          <p:txBody>
+            <a:bodyPr rtlCol="0" anchor="ctr"/>
+            <a:lstStyle/>
+            <a:p>
+              <a:pPr algn="ctr"/>
+              <a:endParaRPr lang="en-US" dirty="0">
                 <a:solidFill>
                   <a:schemeClr val="tx1"/>
                 </a:solidFill>
-              </a:rPr>
-              <a:t>Chart/Data/Properties</a:t>
-            </a:r>
-            <a:endParaRPr lang="en-US" dirty="0">
-              <a:solidFill>
-                <a:schemeClr val="tx1"/>
-              </a:solidFill>
-            </a:endParaRPr>
-          </a:p>
-        </p:txBody>
-      </p:sp>
-      <p:sp>
-        <p:nvSpPr>
-          <p:cNvPr id="13" name="Snip Same Side Corner Rectangle 12"/>
-          <p:cNvSpPr/>
-          <p:nvPr/>
-        </p:nvSpPr>
-        <p:spPr>
-          <a:xfrm>
-            <a:off x="1485900" y="2057400"/>
-            <a:ext cx="838200" cy="304800"/>
-          </a:xfrm>
-          <a:prstGeom prst="snip2SameRect">
-            <a:avLst>
-              <a:gd name="adj1" fmla="val 42825"/>
-              <a:gd name="adj2" fmla="val 0"/>
-            </a:avLst>
-          </a:prstGeom>
-          <a:solidFill>
-            <a:schemeClr val="bg1"/>
-          </a:solidFill>
-        </p:spPr>
-        <p:style>
-          <a:lnRef idx="2">
-            <a:schemeClr val="accent1">
-              <a:shade val="50000"/>
-            </a:schemeClr>
-          </a:lnRef>
-          <a:fillRef idx="1">
-            <a:schemeClr val="accent1"/>
-          </a:fillRef>
-          <a:effectRef idx="0">
-            <a:schemeClr val="accent1"/>
-          </a:effectRef>
-          <a:fontRef idx="minor">
-            <a:schemeClr val="lt1"/>
-          </a:fontRef>
-        </p:style>
-        <p:txBody>
-          <a:bodyPr rtlCol="0" anchor="ctr"/>
-          <a:lstStyle/>
-          <a:p>
-            <a:pPr algn="ctr"/>
-            <a:r>
-              <a:rPr lang="en-US" dirty="0" smtClean="0">
+              </a:endParaRPr>
+            </a:p>
+          </p:txBody>
+        </p:sp>
+        <p:sp>
+          <p:nvSpPr>
+            <p:cNvPr id="12" name="Rectangle 5"/>
+            <p:cNvSpPr/>
+            <p:nvPr/>
+          </p:nvSpPr>
+          <p:spPr>
+            <a:xfrm>
+              <a:off x="1485900" y="2362200"/>
+              <a:ext cx="3086100" cy="2895599"/>
+            </a:xfrm>
+            <a:prstGeom prst="rect">
+              <a:avLst/>
+            </a:prstGeom>
+            <a:solidFill>
+              <a:schemeClr val="bg1"/>
+            </a:solidFill>
+          </p:spPr>
+          <p:style>
+            <a:lnRef idx="2">
+              <a:schemeClr val="accent1">
+                <a:shade val="50000"/>
+              </a:schemeClr>
+            </a:lnRef>
+            <a:fillRef idx="1">
+              <a:schemeClr val="accent1"/>
+            </a:fillRef>
+            <a:effectRef idx="0">
+              <a:schemeClr val="accent1"/>
+            </a:effectRef>
+            <a:fontRef idx="minor">
+              <a:schemeClr val="lt1"/>
+            </a:fontRef>
+          </p:style>
+          <p:txBody>
+            <a:bodyPr rtlCol="0" anchor="ctr"/>
+            <a:lstStyle/>
+            <a:p>
+              <a:pPr algn="ctr"/>
+              <a:r>
+                <a:rPr lang="en-US" dirty="0" smtClean="0">
+                  <a:solidFill>
+                    <a:schemeClr val="tx1"/>
+                  </a:solidFill>
+                </a:rPr>
+                <a:t>Chart/Data/Properties</a:t>
+              </a:r>
+              <a:endParaRPr lang="en-US" dirty="0">
                 <a:solidFill>
                   <a:schemeClr val="tx1"/>
                 </a:solidFill>
-              </a:rPr>
-              <a:t>Chart</a:t>
-            </a:r>
-            <a:endParaRPr lang="en-US" dirty="0">
-              <a:solidFill>
-                <a:schemeClr val="tx1"/>
-              </a:solidFill>
-            </a:endParaRPr>
-          </a:p>
-        </p:txBody>
-      </p:sp>
-      <p:sp>
-        <p:nvSpPr>
-          <p:cNvPr id="14" name="Snip Same Side Corner Rectangle 13"/>
-          <p:cNvSpPr/>
-          <p:nvPr/>
-        </p:nvSpPr>
-        <p:spPr>
-          <a:xfrm>
-            <a:off x="2324100" y="2057400"/>
-            <a:ext cx="838200" cy="304800"/>
-          </a:xfrm>
-          <a:prstGeom prst="snip2SameRect">
-            <a:avLst>
-              <a:gd name="adj1" fmla="val 43642"/>
-              <a:gd name="adj2" fmla="val 0"/>
-            </a:avLst>
-          </a:prstGeom>
-          <a:solidFill>
-            <a:schemeClr val="bg1"/>
-          </a:solidFill>
-        </p:spPr>
-        <p:style>
-          <a:lnRef idx="2">
-            <a:schemeClr val="accent1">
-              <a:shade val="50000"/>
-            </a:schemeClr>
-          </a:lnRef>
-          <a:fillRef idx="1">
-            <a:schemeClr val="accent1"/>
-          </a:fillRef>
-          <a:effectRef idx="0">
-            <a:schemeClr val="accent1"/>
-          </a:effectRef>
-          <a:fontRef idx="minor">
-            <a:schemeClr val="lt1"/>
-          </a:fontRef>
-        </p:style>
-        <p:txBody>
-          <a:bodyPr rtlCol="0" anchor="ctr"/>
-          <a:lstStyle/>
-          <a:p>
-            <a:pPr algn="ctr"/>
-            <a:r>
-              <a:rPr lang="en-US" dirty="0" smtClean="0">
+              </a:endParaRPr>
+            </a:p>
+          </p:txBody>
+        </p:sp>
+        <p:sp>
+          <p:nvSpPr>
+            <p:cNvPr id="13" name="Snip Same Side Corner Rectangle 6"/>
+            <p:cNvSpPr/>
+            <p:nvPr/>
+          </p:nvSpPr>
+          <p:spPr>
+            <a:xfrm>
+              <a:off x="1485900" y="2057400"/>
+              <a:ext cx="838200" cy="304800"/>
+            </a:xfrm>
+            <a:prstGeom prst="snip2SameRect">
+              <a:avLst>
+                <a:gd name="adj1" fmla="val 42825"/>
+                <a:gd name="adj2" fmla="val 0"/>
+              </a:avLst>
+            </a:prstGeom>
+            <a:solidFill>
+              <a:schemeClr val="bg1"/>
+            </a:solidFill>
+          </p:spPr>
+          <p:style>
+            <a:lnRef idx="2">
+              <a:schemeClr val="accent1">
+                <a:shade val="50000"/>
+              </a:schemeClr>
+            </a:lnRef>
+            <a:fillRef idx="1">
+              <a:schemeClr val="accent1"/>
+            </a:fillRef>
+            <a:effectRef idx="0">
+              <a:schemeClr val="accent1"/>
+            </a:effectRef>
+            <a:fontRef idx="minor">
+              <a:schemeClr val="lt1"/>
+            </a:fontRef>
+          </p:style>
+          <p:txBody>
+            <a:bodyPr rtlCol="0" anchor="ctr"/>
+            <a:lstStyle/>
+            <a:p>
+              <a:pPr algn="ctr"/>
+              <a:r>
+                <a:rPr lang="en-US" dirty="0" smtClean="0">
+                  <a:solidFill>
+                    <a:schemeClr val="tx1"/>
+                  </a:solidFill>
+                </a:rPr>
+                <a:t>Chart</a:t>
+              </a:r>
+              <a:endParaRPr lang="en-US" dirty="0">
                 <a:solidFill>
                   <a:schemeClr val="tx1"/>
                 </a:solidFill>
-              </a:rPr>
-              <a:t>Plots</a:t>
-            </a:r>
-            <a:endParaRPr lang="en-US" dirty="0">
-              <a:solidFill>
-                <a:schemeClr val="tx1"/>
-              </a:solidFill>
-            </a:endParaRPr>
-          </a:p>
-        </p:txBody>
-      </p:sp>
-      <p:sp>
-        <p:nvSpPr>
-          <p:cNvPr id="15" name="Snip Same Side Corner Rectangle 14"/>
-          <p:cNvSpPr/>
-          <p:nvPr/>
-        </p:nvSpPr>
-        <p:spPr>
-          <a:xfrm>
-            <a:off x="3162300" y="2057400"/>
-            <a:ext cx="1066800" cy="304800"/>
-          </a:xfrm>
-          <a:prstGeom prst="snip2SameRect">
-            <a:avLst>
-              <a:gd name="adj1" fmla="val 41190"/>
-              <a:gd name="adj2" fmla="val 0"/>
-            </a:avLst>
-          </a:prstGeom>
-          <a:solidFill>
-            <a:schemeClr val="bg1"/>
-          </a:solidFill>
-        </p:spPr>
-        <p:style>
-          <a:lnRef idx="2">
-            <a:schemeClr val="accent1">
-              <a:shade val="50000"/>
-            </a:schemeClr>
-          </a:lnRef>
-          <a:fillRef idx="1">
-            <a:schemeClr val="accent1"/>
-          </a:fillRef>
-          <a:effectRef idx="0">
-            <a:schemeClr val="accent1"/>
-          </a:effectRef>
-          <a:fontRef idx="minor">
-            <a:schemeClr val="lt1"/>
-          </a:fontRef>
-        </p:style>
-        <p:txBody>
-          <a:bodyPr rtlCol="0" anchor="ctr"/>
-          <a:lstStyle/>
-          <a:p>
-            <a:pPr algn="ctr"/>
-            <a:r>
-              <a:rPr lang="en-US" dirty="0" smtClean="0">
+              </a:endParaRPr>
+            </a:p>
+          </p:txBody>
+        </p:sp>
+        <p:sp>
+          <p:nvSpPr>
+            <p:cNvPr id="14" name="Snip Same Side Corner Rectangle 7"/>
+            <p:cNvSpPr/>
+            <p:nvPr/>
+          </p:nvSpPr>
+          <p:spPr>
+            <a:xfrm>
+              <a:off x="2324100" y="2057400"/>
+              <a:ext cx="838200" cy="304800"/>
+            </a:xfrm>
+            <a:prstGeom prst="snip2SameRect">
+              <a:avLst>
+                <a:gd name="adj1" fmla="val 43642"/>
+                <a:gd name="adj2" fmla="val 0"/>
+              </a:avLst>
+            </a:prstGeom>
+            <a:solidFill>
+              <a:schemeClr val="bg1"/>
+            </a:solidFill>
+          </p:spPr>
+          <p:style>
+            <a:lnRef idx="2">
+              <a:schemeClr val="accent1">
+                <a:shade val="50000"/>
+              </a:schemeClr>
+            </a:lnRef>
+            <a:fillRef idx="1">
+              <a:schemeClr val="accent1"/>
+            </a:fillRef>
+            <a:effectRef idx="0">
+              <a:schemeClr val="accent1"/>
+            </a:effectRef>
+            <a:fontRef idx="minor">
+              <a:schemeClr val="lt1"/>
+            </a:fontRef>
+          </p:style>
+          <p:txBody>
+            <a:bodyPr rtlCol="0" anchor="ctr"/>
+            <a:lstStyle/>
+            <a:p>
+              <a:pPr algn="ctr"/>
+              <a:r>
+                <a:rPr lang="en-US" dirty="0" smtClean="0">
+                  <a:solidFill>
+                    <a:schemeClr val="tx1"/>
+                  </a:solidFill>
+                </a:rPr>
+                <a:t>Plots</a:t>
+              </a:r>
+              <a:endParaRPr lang="en-US" dirty="0">
                 <a:solidFill>
                   <a:schemeClr val="tx1"/>
                 </a:solidFill>
-              </a:rPr>
-              <a:t>Domain</a:t>
-            </a:r>
-            <a:endParaRPr lang="en-US" dirty="0">
-              <a:solidFill>
-                <a:schemeClr val="tx1"/>
-              </a:solidFill>
-            </a:endParaRPr>
-          </a:p>
-        </p:txBody>
-      </p:sp>
-      <p:sp>
-        <p:nvSpPr>
-          <p:cNvPr id="16" name="Snip Same Side Corner Rectangle 15"/>
-          <p:cNvSpPr/>
-          <p:nvPr/>
-        </p:nvSpPr>
-        <p:spPr>
-          <a:xfrm>
-            <a:off x="4229100" y="2057400"/>
-            <a:ext cx="1066800" cy="304800"/>
-          </a:xfrm>
-          <a:prstGeom prst="snip2SameRect">
-            <a:avLst>
-              <a:gd name="adj1" fmla="val 41190"/>
-              <a:gd name="adj2" fmla="val 0"/>
-            </a:avLst>
-          </a:prstGeom>
-          <a:solidFill>
-            <a:schemeClr val="bg1"/>
-          </a:solidFill>
-        </p:spPr>
-        <p:style>
-          <a:lnRef idx="2">
-            <a:schemeClr val="accent1">
-              <a:shade val="50000"/>
-            </a:schemeClr>
-          </a:lnRef>
-          <a:fillRef idx="1">
-            <a:schemeClr val="accent1"/>
-          </a:fillRef>
-          <a:effectRef idx="0">
-            <a:schemeClr val="accent1"/>
-          </a:effectRef>
-          <a:fontRef idx="minor">
-            <a:schemeClr val="lt1"/>
-          </a:fontRef>
-        </p:style>
-        <p:txBody>
-          <a:bodyPr rtlCol="0" anchor="ctr"/>
-          <a:lstStyle/>
-          <a:p>
-            <a:pPr algn="ctr"/>
-            <a:r>
-              <a:rPr lang="en-US" sz="1200" dirty="0" smtClean="0">
-                <a:solidFill>
-                  <a:schemeClr val="tx1"/>
-                </a:solidFill>
-              </a:rPr>
-              <a:t>Sec Domain</a:t>
-            </a:r>
-            <a:endParaRPr lang="en-US" sz="1200" dirty="0">
-              <a:solidFill>
-                <a:schemeClr val="tx1"/>
-              </a:solidFill>
-            </a:endParaRPr>
-          </a:p>
-        </p:txBody>
-      </p:sp>
-      <p:sp>
-        <p:nvSpPr>
-          <p:cNvPr id="17" name="Snip Same Side Corner Rectangle 16"/>
-          <p:cNvSpPr/>
-          <p:nvPr/>
-        </p:nvSpPr>
-        <p:spPr>
-          <a:xfrm>
-            <a:off x="5295900" y="2057400"/>
-            <a:ext cx="1066800" cy="304800"/>
-          </a:xfrm>
-          <a:prstGeom prst="snip2SameRect">
-            <a:avLst>
-              <a:gd name="adj1" fmla="val 41190"/>
-              <a:gd name="adj2" fmla="val 0"/>
-            </a:avLst>
-          </a:prstGeom>
-          <a:solidFill>
-            <a:schemeClr val="bg1"/>
-          </a:solidFill>
-        </p:spPr>
-        <p:style>
-          <a:lnRef idx="2">
-            <a:schemeClr val="accent1">
-              <a:shade val="50000"/>
-            </a:schemeClr>
-          </a:lnRef>
-          <a:fillRef idx="1">
-            <a:schemeClr val="accent1"/>
-          </a:fillRef>
-          <a:effectRef idx="0">
-            <a:schemeClr val="accent1"/>
-          </a:effectRef>
-          <a:fontRef idx="minor">
-            <a:schemeClr val="lt1"/>
-          </a:fontRef>
-        </p:style>
-        <p:txBody>
-          <a:bodyPr rtlCol="0" anchor="ctr"/>
-          <a:lstStyle/>
-          <a:p>
-            <a:pPr algn="ctr"/>
-            <a:r>
-              <a:rPr lang="en-US" dirty="0" smtClean="0">
-                <a:solidFill>
-                  <a:schemeClr val="tx1"/>
-                </a:solidFill>
-              </a:rPr>
-              <a:t>Range</a:t>
-            </a:r>
-            <a:endParaRPr lang="en-US" dirty="0">
-              <a:solidFill>
-                <a:schemeClr val="tx1"/>
-              </a:solidFill>
-            </a:endParaRPr>
-          </a:p>
-        </p:txBody>
-      </p:sp>
-      <p:sp>
-        <p:nvSpPr>
-          <p:cNvPr id="18" name="Snip Same Side Corner Rectangle 17"/>
-          <p:cNvSpPr/>
-          <p:nvPr/>
-        </p:nvSpPr>
-        <p:spPr>
-          <a:xfrm>
-            <a:off x="6362700" y="2057400"/>
-            <a:ext cx="1066800" cy="304800"/>
-          </a:xfrm>
-          <a:prstGeom prst="snip2SameRect">
-            <a:avLst>
-              <a:gd name="adj1" fmla="val 41190"/>
-              <a:gd name="adj2" fmla="val 0"/>
-            </a:avLst>
-          </a:prstGeom>
-          <a:solidFill>
-            <a:schemeClr val="bg1"/>
-          </a:solidFill>
-        </p:spPr>
-        <p:style>
-          <a:lnRef idx="2">
-            <a:schemeClr val="accent1">
-              <a:shade val="50000"/>
-            </a:schemeClr>
-          </a:lnRef>
-          <a:fillRef idx="1">
-            <a:schemeClr val="accent1"/>
-          </a:fillRef>
-          <a:effectRef idx="0">
-            <a:schemeClr val="accent1"/>
-          </a:effectRef>
-          <a:fontRef idx="minor">
-            <a:schemeClr val="lt1"/>
-          </a:fontRef>
-        </p:style>
-        <p:txBody>
-          <a:bodyPr rtlCol="0" anchor="ctr"/>
-          <a:lstStyle/>
-          <a:p>
-            <a:pPr algn="ctr"/>
-            <a:r>
-              <a:rPr lang="en-US" sz="1200" dirty="0" smtClean="0">
-                <a:solidFill>
-                  <a:schemeClr val="tx1"/>
-                </a:solidFill>
-              </a:rPr>
-              <a:t>Sec Range</a:t>
-            </a:r>
-            <a:endParaRPr lang="en-US" sz="1200" dirty="0">
-              <a:solidFill>
-                <a:schemeClr val="tx1"/>
-              </a:solidFill>
-            </a:endParaRPr>
-          </a:p>
-        </p:txBody>
-      </p:sp>
+              </a:endParaRPr>
+            </a:p>
+          </p:txBody>
+        </p:sp>
+        <p:sp>
+          <p:nvSpPr>
+            <p:cNvPr id="15" name="Snip Same Side Corner Rectangle 8"/>
+            <p:cNvSpPr/>
+            <p:nvPr/>
+          </p:nvSpPr>
+          <p:spPr>
+            <a:xfrm>
+              <a:off x="3162300" y="2057400"/>
+              <a:ext cx="1066800" cy="304800"/>
+            </a:xfrm>
+            <a:prstGeom prst="snip2SameRect">
+              <a:avLst>
+                <a:gd name="adj1" fmla="val 41190"/>
+                <a:gd name="adj2" fmla="val 0"/>
+              </a:avLst>
+            </a:prstGeom>
+            <a:solidFill>
+              <a:schemeClr val="bg1"/>
+            </a:solidFill>
+          </p:spPr>
+          <p:style>
+            <a:lnRef idx="2">
+              <a:schemeClr val="accent1">
+                <a:shade val="50000"/>
+              </a:schemeClr>
+            </a:lnRef>
+            <a:fillRef idx="1">
+              <a:schemeClr val="accent1"/>
+            </a:fillRef>
+            <a:effectRef idx="0">
+              <a:schemeClr val="accent1"/>
+            </a:effectRef>
+            <a:fontRef idx="minor">
+              <a:schemeClr val="lt1"/>
+            </a:fontRef>
+          </p:style>
+          <p:txBody>
+            <a:bodyPr rtlCol="0" anchor="ctr"/>
+            <a:lstStyle/>
+            <a:p>
+              <a:pPr algn="ctr"/>
+              <a:r>
+                <a:rPr lang="en-US" dirty="0" smtClean="0">
+                  <a:solidFill>
+                    <a:schemeClr val="tx1"/>
+                  </a:solidFill>
+                </a:rPr>
+                <a:t>Axes</a:t>
+              </a:r>
+            </a:p>
+          </p:txBody>
+        </p:sp>
+      </p:grpSp>
       <p:sp>
         <p:nvSpPr>
           <p:cNvPr id="20" name="Slide Number Placeholder 19"/>
@@ -12700,7 +14226,7 @@
             <a:fld id="{F1B1EB98-98E7-4A5A-BA8F-7513A9456E79}" type="slidenum">
               <a:rPr lang="en-US" smtClean="0"/>
               <a:pPr/>
-              <a:t>7</a:t>
+              <a:t>8</a:t>
             </a:fld>
             <a:endParaRPr lang="en-US" dirty="0"/>
           </a:p>
@@ -12719,7 +14245,7 @@
 </p:sld>
 </file>
 
-<file path=ppt/slides/slide8.xml><?xml version="1.0" encoding="utf-8"?>
+<file path=ppt/slides/slide9.xml><?xml version="1.0" encoding="utf-8"?>
 <p:sld xmlns:a="http://schemas.openxmlformats.org/drawingml/2006/main" xmlns:r="http://schemas.openxmlformats.org/officeDocument/2006/relationships" xmlns:p="http://schemas.openxmlformats.org/presentationml/2006/main">
   <p:cSld>
     <p:spTree>
@@ -15182,7 +16708,7 @@
             <a:fld id="{F1B1EB98-98E7-4A5A-BA8F-7513A9456E79}" type="slidenum">
               <a:rPr lang="en-US" smtClean="0"/>
               <a:pPr/>
-              <a:t>8</a:t>
+              <a:t>9</a:t>
             </a:fld>
             <a:endParaRPr lang="en-US" dirty="0"/>
           </a:p>
@@ -15192,930 +16718,6 @@
     <p:extLst>
       <p:ext uri="{BB962C8B-B14F-4D97-AF65-F5344CB8AC3E}">
         <p14:creationId xmlns:p14="http://schemas.microsoft.com/office/powerpoint/2010/main" val="2970542486"/>
-      </p:ext>
-    </p:extLst>
-  </p:cSld>
-  <p:clrMapOvr>
-    <a:masterClrMapping/>
-  </p:clrMapOvr>
-</p:sld>
-</file>
-
-<file path=ppt/slides/slide9.xml><?xml version="1.0" encoding="utf-8"?>
-<p:sld xmlns:a="http://schemas.openxmlformats.org/drawingml/2006/main" xmlns:r="http://schemas.openxmlformats.org/officeDocument/2006/relationships" xmlns:p="http://schemas.openxmlformats.org/presentationml/2006/main">
-  <p:cSld>
-    <p:spTree>
-      <p:nvGrpSpPr>
-        <p:cNvPr id="1" name=""/>
-        <p:cNvGrpSpPr/>
-        <p:nvPr/>
-      </p:nvGrpSpPr>
-      <p:grpSpPr>
-        <a:xfrm>
-          <a:off x="0" y="0"/>
-          <a:ext cx="0" cy="0"/>
-          <a:chOff x="0" y="0"/>
-          <a:chExt cx="0" cy="0"/>
-        </a:xfrm>
-      </p:grpSpPr>
-      <p:sp>
-        <p:nvSpPr>
-          <p:cNvPr id="2" name="Title 1"/>
-          <p:cNvSpPr>
-            <a:spLocks noGrp="1"/>
-          </p:cNvSpPr>
-          <p:nvPr>
-            <p:ph type="title"/>
-          </p:nvPr>
-        </p:nvSpPr>
-        <p:spPr/>
-        <p:txBody>
-          <a:bodyPr>
-            <a:normAutofit fontScale="90000"/>
-          </a:bodyPr>
-          <a:lstStyle/>
-          <a:p>
-            <a:r>
-              <a:rPr lang="en-US" dirty="0" smtClean="0"/>
-              <a:t>Legend Properties View</a:t>
-            </a:r>
-            <a:endParaRPr lang="en-US" dirty="0"/>
-          </a:p>
-        </p:txBody>
-      </p:sp>
-      <p:grpSp>
-        <p:nvGrpSpPr>
-          <p:cNvPr id="33" name="Group 32"/>
-          <p:cNvGrpSpPr/>
-          <p:nvPr/>
-        </p:nvGrpSpPr>
-        <p:grpSpPr>
-          <a:xfrm>
-            <a:off x="2705101" y="1981200"/>
-            <a:ext cx="3733800" cy="3352800"/>
-            <a:chOff x="2705101" y="1981200"/>
-            <a:chExt cx="3733800" cy="3352800"/>
-          </a:xfrm>
-        </p:grpSpPr>
-        <p:sp>
-          <p:nvSpPr>
-            <p:cNvPr id="3" name="Rectangle 2"/>
-            <p:cNvSpPr/>
-            <p:nvPr/>
-          </p:nvSpPr>
-          <p:spPr>
-            <a:xfrm>
-              <a:off x="2705101" y="1981200"/>
-              <a:ext cx="3733800" cy="3352800"/>
-            </a:xfrm>
-            <a:prstGeom prst="rect">
-              <a:avLst/>
-            </a:prstGeom>
-            <a:solidFill>
-              <a:schemeClr val="bg1"/>
-            </a:solidFill>
-          </p:spPr>
-          <p:style>
-            <a:lnRef idx="2">
-              <a:schemeClr val="accent1">
-                <a:shade val="50000"/>
-              </a:schemeClr>
-            </a:lnRef>
-            <a:fillRef idx="1">
-              <a:schemeClr val="accent1"/>
-            </a:fillRef>
-            <a:effectRef idx="0">
-              <a:schemeClr val="accent1"/>
-            </a:effectRef>
-            <a:fontRef idx="minor">
-              <a:schemeClr val="lt1"/>
-            </a:fontRef>
-          </p:style>
-          <p:txBody>
-            <a:bodyPr rtlCol="0" anchor="ctr"/>
-            <a:lstStyle/>
-            <a:p>
-              <a:pPr algn="ctr"/>
-              <a:endParaRPr lang="en-US" dirty="0">
-                <a:solidFill>
-                  <a:schemeClr val="tx1"/>
-                </a:solidFill>
-              </a:endParaRPr>
-            </a:p>
-          </p:txBody>
-        </p:sp>
-        <p:sp>
-          <p:nvSpPr>
-            <p:cNvPr id="4" name="TextBox 3"/>
-            <p:cNvSpPr txBox="1"/>
-            <p:nvPr/>
-          </p:nvSpPr>
-          <p:spPr>
-            <a:xfrm>
-              <a:off x="2808688" y="2085201"/>
-              <a:ext cx="1001312" cy="276999"/>
-            </a:xfrm>
-            <a:prstGeom prst="rect">
-              <a:avLst/>
-            </a:prstGeom>
-            <a:noFill/>
-          </p:spPr>
-          <p:txBody>
-            <a:bodyPr wrap="square" rtlCol="0">
-              <a:spAutoFit/>
-            </a:bodyPr>
-            <a:lstStyle/>
-            <a:p>
-              <a:pPr algn="r"/>
-              <a:r>
-                <a:rPr lang="en-US" sz="1200" dirty="0" smtClean="0"/>
-                <a:t>Visible:</a:t>
-              </a:r>
-              <a:endParaRPr lang="en-US" sz="1200" dirty="0"/>
-            </a:p>
-          </p:txBody>
-        </p:sp>
-        <p:sp>
-          <p:nvSpPr>
-            <p:cNvPr id="6" name="TextBox 5"/>
-            <p:cNvSpPr txBox="1"/>
-            <p:nvPr/>
-          </p:nvSpPr>
-          <p:spPr>
-            <a:xfrm>
-              <a:off x="2819400" y="2466201"/>
-              <a:ext cx="990600" cy="276999"/>
-            </a:xfrm>
-            <a:prstGeom prst="rect">
-              <a:avLst/>
-            </a:prstGeom>
-            <a:noFill/>
-          </p:spPr>
-          <p:txBody>
-            <a:bodyPr wrap="square" rtlCol="0">
-              <a:spAutoFit/>
-            </a:bodyPr>
-            <a:lstStyle/>
-            <a:p>
-              <a:pPr algn="r"/>
-              <a:r>
-                <a:rPr lang="en-US" sz="1200" dirty="0" smtClean="0"/>
-                <a:t>Side:</a:t>
-              </a:r>
-              <a:endParaRPr lang="en-US" sz="1200" dirty="0"/>
-            </a:p>
-          </p:txBody>
-        </p:sp>
-        <p:sp>
-          <p:nvSpPr>
-            <p:cNvPr id="7" name="Rounded Rectangle 6"/>
-            <p:cNvSpPr/>
-            <p:nvPr/>
-          </p:nvSpPr>
-          <p:spPr>
-            <a:xfrm>
-              <a:off x="3810000" y="2456164"/>
-              <a:ext cx="2525311" cy="287036"/>
-            </a:xfrm>
-            <a:prstGeom prst="roundRect">
-              <a:avLst/>
-            </a:prstGeom>
-            <a:solidFill>
-              <a:schemeClr val="bg1"/>
-            </a:solidFill>
-            <a:ln w="19050"/>
-          </p:spPr>
-          <p:style>
-            <a:lnRef idx="2">
-              <a:schemeClr val="accent1">
-                <a:shade val="50000"/>
-              </a:schemeClr>
-            </a:lnRef>
-            <a:fillRef idx="1">
-              <a:schemeClr val="accent1"/>
-            </a:fillRef>
-            <a:effectRef idx="0">
-              <a:schemeClr val="accent1"/>
-            </a:effectRef>
-            <a:fontRef idx="minor">
-              <a:schemeClr val="lt1"/>
-            </a:fontRef>
-          </p:style>
-          <p:txBody>
-            <a:bodyPr rtlCol="0" anchor="ctr"/>
-            <a:lstStyle/>
-            <a:p>
-              <a:pPr algn="ctr"/>
-              <a:endParaRPr lang="en-US"/>
-            </a:p>
-          </p:txBody>
-        </p:sp>
-        <p:sp>
-          <p:nvSpPr>
-            <p:cNvPr id="8" name="TextBox 7"/>
-            <p:cNvSpPr txBox="1"/>
-            <p:nvPr/>
-          </p:nvSpPr>
-          <p:spPr>
-            <a:xfrm>
-              <a:off x="2819400" y="2847201"/>
-              <a:ext cx="990600" cy="276999"/>
-            </a:xfrm>
-            <a:prstGeom prst="rect">
-              <a:avLst/>
-            </a:prstGeom>
-            <a:noFill/>
-          </p:spPr>
-          <p:txBody>
-            <a:bodyPr wrap="square" rtlCol="0">
-              <a:spAutoFit/>
-            </a:bodyPr>
-            <a:lstStyle/>
-            <a:p>
-              <a:pPr algn="r"/>
-              <a:r>
-                <a:rPr lang="en-US" sz="1200" dirty="0" smtClean="0"/>
-                <a:t>Background:</a:t>
-              </a:r>
-              <a:endParaRPr lang="en-US" sz="1200" dirty="0"/>
-            </a:p>
-          </p:txBody>
-        </p:sp>
-        <p:sp>
-          <p:nvSpPr>
-            <p:cNvPr id="13" name="Isosceles Triangle 12"/>
-            <p:cNvSpPr/>
-            <p:nvPr/>
-          </p:nvSpPr>
-          <p:spPr>
-            <a:xfrm rot="10800000">
-              <a:off x="6096000" y="2532941"/>
-              <a:ext cx="152400" cy="143518"/>
-            </a:xfrm>
-            <a:prstGeom prst="triangle">
-              <a:avLst/>
-            </a:prstGeom>
-            <a:solidFill>
-              <a:schemeClr val="bg1"/>
-            </a:solidFill>
-            <a:ln w="12700">
-              <a:solidFill>
-                <a:schemeClr val="tx2"/>
-              </a:solidFill>
-            </a:ln>
-          </p:spPr>
-          <p:style>
-            <a:lnRef idx="2">
-              <a:schemeClr val="accent1">
-                <a:shade val="50000"/>
-              </a:schemeClr>
-            </a:lnRef>
-            <a:fillRef idx="1">
-              <a:schemeClr val="accent1"/>
-            </a:fillRef>
-            <a:effectRef idx="0">
-              <a:schemeClr val="accent1"/>
-            </a:effectRef>
-            <a:fontRef idx="minor">
-              <a:schemeClr val="lt1"/>
-            </a:fontRef>
-          </p:style>
-          <p:txBody>
-            <a:bodyPr rtlCol="0" anchor="ctr"/>
-            <a:lstStyle/>
-            <a:p>
-              <a:pPr algn="ctr"/>
-              <a:endParaRPr lang="en-US"/>
-            </a:p>
-          </p:txBody>
-        </p:sp>
-        <p:sp>
-          <p:nvSpPr>
-            <p:cNvPr id="17" name="Rectangle 16"/>
-            <p:cNvSpPr/>
-            <p:nvPr/>
-          </p:nvSpPr>
-          <p:spPr>
-            <a:xfrm>
-              <a:off x="3810000" y="2168836"/>
-              <a:ext cx="109728" cy="109728"/>
-            </a:xfrm>
-            <a:prstGeom prst="rect">
-              <a:avLst/>
-            </a:prstGeom>
-            <a:solidFill>
-              <a:schemeClr val="bg1"/>
-            </a:solidFill>
-            <a:ln w="19050"/>
-          </p:spPr>
-          <p:style>
-            <a:lnRef idx="2">
-              <a:schemeClr val="accent1">
-                <a:shade val="50000"/>
-              </a:schemeClr>
-            </a:lnRef>
-            <a:fillRef idx="1">
-              <a:schemeClr val="accent1"/>
-            </a:fillRef>
-            <a:effectRef idx="0">
-              <a:schemeClr val="accent1"/>
-            </a:effectRef>
-            <a:fontRef idx="minor">
-              <a:schemeClr val="lt1"/>
-            </a:fontRef>
-          </p:style>
-          <p:txBody>
-            <a:bodyPr rtlCol="0" anchor="ctr"/>
-            <a:lstStyle/>
-            <a:p>
-              <a:pPr algn="ctr"/>
-              <a:endParaRPr lang="en-US"/>
-            </a:p>
-          </p:txBody>
-        </p:sp>
-        <p:grpSp>
-          <p:nvGrpSpPr>
-            <p:cNvPr id="12" name="Group 11"/>
-            <p:cNvGrpSpPr/>
-            <p:nvPr/>
-          </p:nvGrpSpPr>
-          <p:grpSpPr>
-            <a:xfrm>
-              <a:off x="3810000" y="2837164"/>
-              <a:ext cx="2525311" cy="287036"/>
-              <a:chOff x="3810000" y="2837164"/>
-              <a:chExt cx="2525311" cy="287036"/>
-            </a:xfrm>
-          </p:grpSpPr>
-          <p:sp>
-            <p:nvSpPr>
-              <p:cNvPr id="9" name="Rounded Rectangle 8"/>
-              <p:cNvSpPr/>
-              <p:nvPr/>
-            </p:nvSpPr>
-            <p:spPr>
-              <a:xfrm>
-                <a:off x="3810000" y="2837164"/>
-                <a:ext cx="2525311" cy="287036"/>
-              </a:xfrm>
-              <a:prstGeom prst="roundRect">
-                <a:avLst/>
-              </a:prstGeom>
-              <a:solidFill>
-                <a:schemeClr val="bg1"/>
-              </a:solidFill>
-              <a:ln w="19050"/>
-            </p:spPr>
-            <p:style>
-              <a:lnRef idx="2">
-                <a:schemeClr val="accent1">
-                  <a:shade val="50000"/>
-                </a:schemeClr>
-              </a:lnRef>
-              <a:fillRef idx="1">
-                <a:schemeClr val="accent1"/>
-              </a:fillRef>
-              <a:effectRef idx="0">
-                <a:schemeClr val="accent1"/>
-              </a:effectRef>
-              <a:fontRef idx="minor">
-                <a:schemeClr val="lt1"/>
-              </a:fontRef>
-            </p:style>
-            <p:txBody>
-              <a:bodyPr rtlCol="0" anchor="ctr"/>
-              <a:lstStyle/>
-              <a:p>
-                <a:pPr algn="r"/>
-                <a:r>
-                  <a:rPr lang="en-US" sz="1200" dirty="0" smtClean="0">
-                    <a:solidFill>
-                      <a:schemeClr val="tx1"/>
-                    </a:solidFill>
-                  </a:rPr>
-                  <a:t>000000:FF</a:t>
-                </a:r>
-                <a:endParaRPr lang="en-US" sz="1200" dirty="0">
-                  <a:solidFill>
-                    <a:schemeClr val="tx1"/>
-                  </a:solidFill>
-                </a:endParaRPr>
-              </a:p>
-            </p:txBody>
-          </p:sp>
-          <p:sp>
-            <p:nvSpPr>
-              <p:cNvPr id="18" name="Rectangle 17"/>
-              <p:cNvSpPr/>
-              <p:nvPr/>
-            </p:nvSpPr>
-            <p:spPr>
-              <a:xfrm>
-                <a:off x="3880014" y="2904482"/>
-                <a:ext cx="1301585" cy="152400"/>
-              </a:xfrm>
-              <a:prstGeom prst="rect">
-                <a:avLst/>
-              </a:prstGeom>
-              <a:solidFill>
-                <a:schemeClr val="bg1"/>
-              </a:solidFill>
-              <a:ln w="9525">
-                <a:solidFill>
-                  <a:schemeClr val="tx1"/>
-                </a:solidFill>
-              </a:ln>
-            </p:spPr>
-            <p:style>
-              <a:lnRef idx="2">
-                <a:schemeClr val="accent1">
-                  <a:shade val="50000"/>
-                </a:schemeClr>
-              </a:lnRef>
-              <a:fillRef idx="1">
-                <a:schemeClr val="accent1"/>
-              </a:fillRef>
-              <a:effectRef idx="0">
-                <a:schemeClr val="accent1"/>
-              </a:effectRef>
-              <a:fontRef idx="minor">
-                <a:schemeClr val="lt1"/>
-              </a:fontRef>
-            </p:style>
-            <p:txBody>
-              <a:bodyPr rtlCol="0" anchor="ctr"/>
-              <a:lstStyle/>
-              <a:p>
-                <a:pPr algn="ctr"/>
-                <a:endParaRPr lang="en-US"/>
-              </a:p>
-            </p:txBody>
-          </p:sp>
-        </p:grpSp>
-        <p:grpSp>
-          <p:nvGrpSpPr>
-            <p:cNvPr id="32" name="Group 31"/>
-            <p:cNvGrpSpPr/>
-            <p:nvPr/>
-          </p:nvGrpSpPr>
-          <p:grpSpPr>
-            <a:xfrm>
-              <a:off x="2800351" y="3200400"/>
-              <a:ext cx="3543299" cy="1362840"/>
-              <a:chOff x="2800351" y="3200400"/>
-              <a:chExt cx="3543299" cy="1362840"/>
-            </a:xfrm>
-          </p:grpSpPr>
-          <p:grpSp>
-            <p:nvGrpSpPr>
-              <p:cNvPr id="30" name="Group 29"/>
-              <p:cNvGrpSpPr/>
-              <p:nvPr/>
-            </p:nvGrpSpPr>
-            <p:grpSpPr>
-              <a:xfrm>
-                <a:off x="2800992" y="3506723"/>
-                <a:ext cx="3542658" cy="1056517"/>
-                <a:chOff x="2799723" y="3896482"/>
-                <a:chExt cx="3542658" cy="1056517"/>
-              </a:xfrm>
-            </p:grpSpPr>
-            <p:sp>
-              <p:nvSpPr>
-                <p:cNvPr id="19" name="Rectangle 18"/>
-                <p:cNvSpPr/>
-                <p:nvPr/>
-              </p:nvSpPr>
-              <p:spPr>
-                <a:xfrm>
-                  <a:off x="2799723" y="3896482"/>
-                  <a:ext cx="3542658" cy="1056517"/>
-                </a:xfrm>
-                <a:prstGeom prst="rect">
-                  <a:avLst/>
-                </a:prstGeom>
-                <a:solidFill>
-                  <a:schemeClr val="bg1"/>
-                </a:solidFill>
-              </p:spPr>
-              <p:style>
-                <a:lnRef idx="2">
-                  <a:schemeClr val="accent1">
-                    <a:shade val="50000"/>
-                  </a:schemeClr>
-                </a:lnRef>
-                <a:fillRef idx="1">
-                  <a:schemeClr val="accent1"/>
-                </a:fillRef>
-                <a:effectRef idx="0">
-                  <a:schemeClr val="accent1"/>
-                </a:effectRef>
-                <a:fontRef idx="minor">
-                  <a:schemeClr val="lt1"/>
-                </a:fontRef>
-              </p:style>
-              <p:txBody>
-                <a:bodyPr rtlCol="0" anchor="ctr"/>
-                <a:lstStyle/>
-                <a:p>
-                  <a:pPr algn="ctr"/>
-                  <a:endParaRPr lang="en-US" dirty="0">
-                    <a:solidFill>
-                      <a:schemeClr val="tx1"/>
-                    </a:solidFill>
-                  </a:endParaRPr>
-                </a:p>
-              </p:txBody>
-            </p:sp>
-            <p:sp>
-              <p:nvSpPr>
-                <p:cNvPr id="20" name="TextBox 19"/>
-                <p:cNvSpPr txBox="1"/>
-                <p:nvPr/>
-              </p:nvSpPr>
-              <p:spPr>
-                <a:xfrm>
-                  <a:off x="2903310" y="3896483"/>
-                  <a:ext cx="1001312" cy="276999"/>
-                </a:xfrm>
-                <a:prstGeom prst="rect">
-                  <a:avLst/>
-                </a:prstGeom>
-                <a:noFill/>
-              </p:spPr>
-              <p:txBody>
-                <a:bodyPr wrap="square" rtlCol="0">
-                  <a:spAutoFit/>
-                </a:bodyPr>
-                <a:lstStyle/>
-                <a:p>
-                  <a:pPr algn="r"/>
-                  <a:r>
-                    <a:rPr lang="en-US" sz="1200" dirty="0" smtClean="0"/>
-                    <a:t>Visible:</a:t>
-                  </a:r>
-                  <a:endParaRPr lang="en-US" sz="1200" dirty="0"/>
-                </a:p>
-              </p:txBody>
-            </p:sp>
-            <p:sp>
-              <p:nvSpPr>
-                <p:cNvPr id="21" name="TextBox 20"/>
-                <p:cNvSpPr txBox="1"/>
-                <p:nvPr/>
-              </p:nvSpPr>
-              <p:spPr>
-                <a:xfrm>
-                  <a:off x="2914022" y="4582037"/>
-                  <a:ext cx="990600" cy="276999"/>
-                </a:xfrm>
-                <a:prstGeom prst="rect">
-                  <a:avLst/>
-                </a:prstGeom>
-                <a:noFill/>
-              </p:spPr>
-              <p:txBody>
-                <a:bodyPr wrap="square" rtlCol="0">
-                  <a:spAutoFit/>
-                </a:bodyPr>
-                <a:lstStyle/>
-                <a:p>
-                  <a:pPr algn="r"/>
-                  <a:r>
-                    <a:rPr lang="en-US" sz="1200" dirty="0" smtClean="0"/>
-                    <a:t>Thickness:</a:t>
-                  </a:r>
-                  <a:endParaRPr lang="en-US" sz="1200" dirty="0"/>
-                </a:p>
-              </p:txBody>
-            </p:sp>
-            <p:sp>
-              <p:nvSpPr>
-                <p:cNvPr id="22" name="Rounded Rectangle 21"/>
-                <p:cNvSpPr/>
-                <p:nvPr/>
-              </p:nvSpPr>
-              <p:spPr>
-                <a:xfrm>
-                  <a:off x="3904623" y="4572000"/>
-                  <a:ext cx="2343778" cy="287036"/>
-                </a:xfrm>
-                <a:prstGeom prst="roundRect">
-                  <a:avLst/>
-                </a:prstGeom>
-                <a:solidFill>
-                  <a:schemeClr val="bg1"/>
-                </a:solidFill>
-                <a:ln w="19050"/>
-              </p:spPr>
-              <p:style>
-                <a:lnRef idx="2">
-                  <a:schemeClr val="accent1">
-                    <a:shade val="50000"/>
-                  </a:schemeClr>
-                </a:lnRef>
-                <a:fillRef idx="1">
-                  <a:schemeClr val="accent1"/>
-                </a:fillRef>
-                <a:effectRef idx="0">
-                  <a:schemeClr val="accent1"/>
-                </a:effectRef>
-                <a:fontRef idx="minor">
-                  <a:schemeClr val="lt1"/>
-                </a:fontRef>
-              </p:style>
-              <p:txBody>
-                <a:bodyPr rtlCol="0" anchor="ctr"/>
-                <a:lstStyle/>
-                <a:p>
-                  <a:pPr algn="ctr"/>
-                  <a:endParaRPr lang="en-US"/>
-                </a:p>
-              </p:txBody>
-            </p:sp>
-            <p:sp>
-              <p:nvSpPr>
-                <p:cNvPr id="23" name="TextBox 22"/>
-                <p:cNvSpPr txBox="1"/>
-                <p:nvPr/>
-              </p:nvSpPr>
-              <p:spPr>
-                <a:xfrm>
-                  <a:off x="2914022" y="4201037"/>
-                  <a:ext cx="990600" cy="276999"/>
-                </a:xfrm>
-                <a:prstGeom prst="rect">
-                  <a:avLst/>
-                </a:prstGeom>
-                <a:noFill/>
-              </p:spPr>
-              <p:txBody>
-                <a:bodyPr wrap="square" rtlCol="0">
-                  <a:spAutoFit/>
-                </a:bodyPr>
-                <a:lstStyle/>
-                <a:p>
-                  <a:pPr algn="r"/>
-                  <a:r>
-                    <a:rPr lang="en-US" sz="1200" dirty="0" smtClean="0"/>
-                    <a:t>Color:</a:t>
-                  </a:r>
-                  <a:endParaRPr lang="en-US" sz="1200" dirty="0"/>
-                </a:p>
-              </p:txBody>
-            </p:sp>
-            <p:sp>
-              <p:nvSpPr>
-                <p:cNvPr id="25" name="Rectangle 24"/>
-                <p:cNvSpPr/>
-                <p:nvPr/>
-              </p:nvSpPr>
-              <p:spPr>
-                <a:xfrm>
-                  <a:off x="3904622" y="3980118"/>
-                  <a:ext cx="109728" cy="109728"/>
-                </a:xfrm>
-                <a:prstGeom prst="rect">
-                  <a:avLst/>
-                </a:prstGeom>
-                <a:solidFill>
-                  <a:schemeClr val="bg1"/>
-                </a:solidFill>
-                <a:ln w="19050"/>
-              </p:spPr>
-              <p:style>
-                <a:lnRef idx="2">
-                  <a:schemeClr val="accent1">
-                    <a:shade val="50000"/>
-                  </a:schemeClr>
-                </a:lnRef>
-                <a:fillRef idx="1">
-                  <a:schemeClr val="accent1"/>
-                </a:fillRef>
-                <a:effectRef idx="0">
-                  <a:schemeClr val="accent1"/>
-                </a:effectRef>
-                <a:fontRef idx="minor">
-                  <a:schemeClr val="lt1"/>
-                </a:fontRef>
-              </p:style>
-              <p:txBody>
-                <a:bodyPr rtlCol="0" anchor="ctr"/>
-                <a:lstStyle/>
-                <a:p>
-                  <a:pPr algn="ctr"/>
-                  <a:endParaRPr lang="en-US"/>
-                </a:p>
-              </p:txBody>
-            </p:sp>
-            <p:grpSp>
-              <p:nvGrpSpPr>
-                <p:cNvPr id="26" name="Group 25"/>
-                <p:cNvGrpSpPr/>
-                <p:nvPr/>
-              </p:nvGrpSpPr>
-              <p:grpSpPr>
-                <a:xfrm>
-                  <a:off x="3904622" y="4191000"/>
-                  <a:ext cx="2362199" cy="287036"/>
-                  <a:chOff x="3810000" y="2837164"/>
-                  <a:chExt cx="2525311" cy="287036"/>
-                </a:xfrm>
-              </p:grpSpPr>
-              <p:sp>
-                <p:nvSpPr>
-                  <p:cNvPr id="27" name="Rounded Rectangle 26"/>
-                  <p:cNvSpPr/>
-                  <p:nvPr/>
-                </p:nvSpPr>
-                <p:spPr>
-                  <a:xfrm>
-                    <a:off x="3810000" y="2837164"/>
-                    <a:ext cx="2525311" cy="287036"/>
-                  </a:xfrm>
-                  <a:prstGeom prst="roundRect">
-                    <a:avLst/>
-                  </a:prstGeom>
-                  <a:solidFill>
-                    <a:schemeClr val="bg1"/>
-                  </a:solidFill>
-                  <a:ln w="19050"/>
-                </p:spPr>
-                <p:style>
-                  <a:lnRef idx="2">
-                    <a:schemeClr val="accent1">
-                      <a:shade val="50000"/>
-                    </a:schemeClr>
-                  </a:lnRef>
-                  <a:fillRef idx="1">
-                    <a:schemeClr val="accent1"/>
-                  </a:fillRef>
-                  <a:effectRef idx="0">
-                    <a:schemeClr val="accent1"/>
-                  </a:effectRef>
-                  <a:fontRef idx="minor">
-                    <a:schemeClr val="lt1"/>
-                  </a:fontRef>
-                </p:style>
-                <p:txBody>
-                  <a:bodyPr rtlCol="0" anchor="ctr"/>
-                  <a:lstStyle/>
-                  <a:p>
-                    <a:pPr algn="r"/>
-                    <a:r>
-                      <a:rPr lang="en-US" sz="1200" dirty="0" smtClean="0">
-                        <a:solidFill>
-                          <a:schemeClr val="tx1"/>
-                        </a:solidFill>
-                      </a:rPr>
-                      <a:t>000000:FF</a:t>
-                    </a:r>
-                    <a:endParaRPr lang="en-US" sz="1200" dirty="0">
-                      <a:solidFill>
-                        <a:schemeClr val="tx1"/>
-                      </a:solidFill>
-                    </a:endParaRPr>
-                  </a:p>
-                </p:txBody>
-              </p:sp>
-              <p:sp>
-                <p:nvSpPr>
-                  <p:cNvPr id="28" name="Rectangle 27"/>
-                  <p:cNvSpPr/>
-                  <p:nvPr/>
-                </p:nvSpPr>
-                <p:spPr>
-                  <a:xfrm>
-                    <a:off x="3880014" y="2904482"/>
-                    <a:ext cx="1301585" cy="152400"/>
-                  </a:xfrm>
-                  <a:prstGeom prst="rect">
-                    <a:avLst/>
-                  </a:prstGeom>
-                  <a:solidFill>
-                    <a:schemeClr val="bg1"/>
-                  </a:solidFill>
-                  <a:ln w="9525">
-                    <a:solidFill>
-                      <a:schemeClr val="tx1"/>
-                    </a:solidFill>
-                  </a:ln>
-                </p:spPr>
-                <p:style>
-                  <a:lnRef idx="2">
-                    <a:schemeClr val="accent1">
-                      <a:shade val="50000"/>
-                    </a:schemeClr>
-                  </a:lnRef>
-                  <a:fillRef idx="1">
-                    <a:schemeClr val="accent1"/>
-                  </a:fillRef>
-                  <a:effectRef idx="0">
-                    <a:schemeClr val="accent1"/>
-                  </a:effectRef>
-                  <a:fontRef idx="minor">
-                    <a:schemeClr val="lt1"/>
-                  </a:fontRef>
-                </p:style>
-                <p:txBody>
-                  <a:bodyPr rtlCol="0" anchor="ctr"/>
-                  <a:lstStyle/>
-                  <a:p>
-                    <a:pPr algn="ctr"/>
-                    <a:endParaRPr lang="en-US"/>
-                  </a:p>
-                </p:txBody>
-              </p:sp>
-            </p:grpSp>
-          </p:grpSp>
-          <p:sp>
-            <p:nvSpPr>
-              <p:cNvPr id="29" name="Rectangle 28"/>
-              <p:cNvSpPr/>
-              <p:nvPr/>
-            </p:nvSpPr>
-            <p:spPr>
-              <a:xfrm>
-                <a:off x="2800351" y="3200400"/>
-                <a:ext cx="3543299" cy="307964"/>
-              </a:xfrm>
-              <a:prstGeom prst="rect">
-                <a:avLst/>
-              </a:prstGeom>
-              <a:solidFill>
-                <a:schemeClr val="bg1"/>
-              </a:solidFill>
-            </p:spPr>
-            <p:style>
-              <a:lnRef idx="2">
-                <a:schemeClr val="accent1">
-                  <a:shade val="50000"/>
-                </a:schemeClr>
-              </a:lnRef>
-              <a:fillRef idx="1">
-                <a:schemeClr val="accent1"/>
-              </a:fillRef>
-              <a:effectRef idx="0">
-                <a:schemeClr val="accent1"/>
-              </a:effectRef>
-              <a:fontRef idx="minor">
-                <a:schemeClr val="lt1"/>
-              </a:fontRef>
-            </p:style>
-            <p:txBody>
-              <a:bodyPr rtlCol="0" anchor="ctr"/>
-              <a:lstStyle/>
-              <a:p>
-                <a:r>
-                  <a:rPr lang="en-US" sz="1200" dirty="0" smtClean="0">
-                    <a:solidFill>
-                      <a:schemeClr val="tx1"/>
-                    </a:solidFill>
-                  </a:rPr>
-                  <a:t>Border</a:t>
-                </a:r>
-                <a:endParaRPr lang="en-US" sz="1200" dirty="0">
-                  <a:solidFill>
-                    <a:schemeClr val="tx1"/>
-                  </a:solidFill>
-                </a:endParaRPr>
-              </a:p>
-            </p:txBody>
-          </p:sp>
-        </p:grpSp>
-      </p:grpSp>
-      <p:sp>
-        <p:nvSpPr>
-          <p:cNvPr id="35" name="Slide Number Placeholder 34"/>
-          <p:cNvSpPr>
-            <a:spLocks noGrp="1"/>
-          </p:cNvSpPr>
-          <p:nvPr>
-            <p:ph type="sldNum" sz="quarter" idx="12"/>
-          </p:nvPr>
-        </p:nvSpPr>
-        <p:spPr/>
-        <p:txBody>
-          <a:bodyPr/>
-          <a:lstStyle/>
-          <a:p>
-            <a:r>
-              <a:rPr lang="en-US" smtClean="0"/>
-              <a:t>Page </a:t>
-            </a:r>
-            <a:fld id="{F1B1EB98-98E7-4A5A-BA8F-7513A9456E79}" type="slidenum">
-              <a:rPr lang="en-US" smtClean="0"/>
-              <a:pPr/>
-              <a:t>9</a:t>
-            </a:fld>
-            <a:endParaRPr lang="en-US" dirty="0"/>
-          </a:p>
-        </p:txBody>
-      </p:sp>
-    </p:spTree>
-    <p:extLst>
-      <p:ext uri="{BB962C8B-B14F-4D97-AF65-F5344CB8AC3E}">
-        <p14:creationId xmlns:p14="http://schemas.microsoft.com/office/powerpoint/2010/main" val="2673535198"/>
       </p:ext>
     </p:extLst>
   </p:cSld>

--- a/java/JChartLib/docs/ui_framing.pptx
+++ b/java/JChartLib/docs/ui_framing.pptx
@@ -5,7 +5,7 @@
     <p:sldMasterId id="2147483660" r:id="rId1"/>
   </p:sldMasterIdLst>
   <p:notesMasterIdLst>
-    <p:notesMasterId r:id="rId18"/>
+    <p:notesMasterId r:id="rId19"/>
   </p:notesMasterIdLst>
   <p:sldIdLst>
     <p:sldId id="270" r:id="rId2"/>
@@ -24,6 +24,7 @@
     <p:sldId id="264" r:id="rId15"/>
     <p:sldId id="269" r:id="rId16"/>
     <p:sldId id="271" r:id="rId17"/>
+    <p:sldId id="273" r:id="rId18"/>
   </p:sldIdLst>
   <p:sldSz cx="9144000" cy="6858000" type="screen4x3"/>
   <p:notesSz cx="7010400" cy="9296400"/>
@@ -207,7 +208,7 @@
           <a:p>
             <a:fld id="{451F6C7C-57B4-44C2-A879-518E542631BF}" type="datetimeFigureOut">
               <a:rPr lang="en-US" smtClean="0"/>
-              <a:t>2/27/2016</a:t>
+              <a:t>4/27/2016</a:t>
             </a:fld>
             <a:endParaRPr lang="en-US"/>
           </a:p>
@@ -740,7 +741,7 @@
           <a:p>
             <a:fld id="{7589139F-201B-47CA-A8A9-C8F47DFCF43B}" type="datetime1">
               <a:rPr lang="en-US" smtClean="0"/>
-              <a:t>2/27/2016</a:t>
+              <a:t>4/27/2016</a:t>
             </a:fld>
             <a:endParaRPr lang="en-US"/>
           </a:p>
@@ -920,7 +921,7 @@
           <a:p>
             <a:fld id="{39F8E332-08CA-426A-957F-5073818DEA06}" type="datetime1">
               <a:rPr lang="en-US" smtClean="0"/>
-              <a:t>2/27/2016</a:t>
+              <a:t>4/27/2016</a:t>
             </a:fld>
             <a:endParaRPr lang="en-US"/>
           </a:p>
@@ -1100,7 +1101,7 @@
           <a:p>
             <a:fld id="{1CCEE4AD-4EA4-4EE5-AB4F-5727B68DCDDB}" type="datetime1">
               <a:rPr lang="en-US" smtClean="0"/>
-              <a:t>2/27/2016</a:t>
+              <a:t>4/27/2016</a:t>
             </a:fld>
             <a:endParaRPr lang="en-US"/>
           </a:p>
@@ -1275,7 +1276,7 @@
           <a:p>
             <a:fld id="{74C45312-5D5A-413C-811E-51CC413D3FC7}" type="datetime1">
               <a:rPr lang="en-US" smtClean="0"/>
-              <a:t>2/27/2016</a:t>
+              <a:t>4/27/2016</a:t>
             </a:fld>
             <a:endParaRPr lang="en-US"/>
           </a:p>
@@ -1521,7 +1522,7 @@
           <a:p>
             <a:fld id="{443CEAA5-5CF4-4D08-9BB9-7D50715E21F2}" type="datetime1">
               <a:rPr lang="en-US" smtClean="0"/>
-              <a:t>2/27/2016</a:t>
+              <a:t>4/27/2016</a:t>
             </a:fld>
             <a:endParaRPr lang="en-US"/>
           </a:p>
@@ -1809,7 +1810,7 @@
           <a:p>
             <a:fld id="{B44EE941-BE00-4788-B7E8-C0AE4E10A9BF}" type="datetime1">
               <a:rPr lang="en-US" smtClean="0"/>
-              <a:t>2/27/2016</a:t>
+              <a:t>4/27/2016</a:t>
             </a:fld>
             <a:endParaRPr lang="en-US"/>
           </a:p>
@@ -2231,7 +2232,7 @@
           <a:p>
             <a:fld id="{CC540818-E0A3-45A0-B9E7-AB6964DB0AF7}" type="datetime1">
               <a:rPr lang="en-US" smtClean="0"/>
-              <a:t>2/27/2016</a:t>
+              <a:t>4/27/2016</a:t>
             </a:fld>
             <a:endParaRPr lang="en-US"/>
           </a:p>
@@ -2359,7 +2360,7 @@
           <a:p>
             <a:fld id="{107CA5CF-55FE-49DC-B3AC-623F4967B212}" type="datetime1">
               <a:rPr lang="en-US" smtClean="0"/>
-              <a:t>2/27/2016</a:t>
+              <a:t>4/27/2016</a:t>
             </a:fld>
             <a:endParaRPr lang="en-US"/>
           </a:p>
@@ -2469,7 +2470,7 @@
           <a:p>
             <a:fld id="{9C960BAF-EAC5-4B4A-B3FA-08DE80CD43DF}" type="datetime1">
               <a:rPr lang="en-US" smtClean="0"/>
-              <a:t>2/27/2016</a:t>
+              <a:t>4/27/2016</a:t>
             </a:fld>
             <a:endParaRPr lang="en-US"/>
           </a:p>
@@ -2751,7 +2752,7 @@
           <a:p>
             <a:fld id="{54F98608-D36E-481B-A2F2-5C486B7C18F6}" type="datetime1">
               <a:rPr lang="en-US" smtClean="0"/>
-              <a:t>2/27/2016</a:t>
+              <a:t>4/27/2016</a:t>
             </a:fld>
             <a:endParaRPr lang="en-US"/>
           </a:p>
@@ -3009,7 +3010,7 @@
           <a:p>
             <a:fld id="{726042FF-C265-4686-B492-9503F312B9F7}" type="datetime1">
               <a:rPr lang="en-US" smtClean="0"/>
-              <a:t>2/27/2016</a:t>
+              <a:t>4/27/2016</a:t>
             </a:fld>
             <a:endParaRPr lang="en-US"/>
           </a:p>
@@ -3222,7 +3223,7 @@
           <a:p>
             <a:fld id="{CACDD5D5-767C-4EE7-8E36-1049EE603D55}" type="datetime1">
               <a:rPr lang="en-US" smtClean="0"/>
-              <a:t>2/27/2016</a:t>
+              <a:t>4/27/2016</a:t>
             </a:fld>
             <a:endParaRPr lang="en-US"/>
           </a:p>
@@ -10055,6 +10056,85 @@
 </p:sld>
 </file>
 
+<file path=ppt/slides/slide17.xml><?xml version="1.0" encoding="utf-8"?>
+<p:sld xmlns:a="http://schemas.openxmlformats.org/drawingml/2006/main" xmlns:r="http://schemas.openxmlformats.org/officeDocument/2006/relationships" xmlns:p="http://schemas.openxmlformats.org/presentationml/2006/main">
+  <p:cSld>
+    <p:spTree>
+      <p:nvGrpSpPr>
+        <p:cNvPr id="1" name=""/>
+        <p:cNvGrpSpPr/>
+        <p:nvPr/>
+      </p:nvGrpSpPr>
+      <p:grpSpPr>
+        <a:xfrm>
+          <a:off x="0" y="0"/>
+          <a:ext cx="0" cy="0"/>
+          <a:chOff x="0" y="0"/>
+          <a:chExt cx="0" cy="0"/>
+        </a:xfrm>
+      </p:grpSpPr>
+      <p:sp>
+        <p:nvSpPr>
+          <p:cNvPr id="2" name="Title 1"/>
+          <p:cNvSpPr>
+            <a:spLocks noGrp="1"/>
+          </p:cNvSpPr>
+          <p:nvPr>
+            <p:ph type="title"/>
+          </p:nvPr>
+        </p:nvSpPr>
+        <p:spPr/>
+        <p:txBody>
+          <a:bodyPr>
+            <a:normAutofit fontScale="90000"/>
+          </a:bodyPr>
+          <a:lstStyle/>
+          <a:p>
+            <a:r>
+              <a:rPr lang="en-US" smtClean="0"/>
+              <a:t>Widget Model</a:t>
+            </a:r>
+            <a:endParaRPr lang="en-US"/>
+          </a:p>
+        </p:txBody>
+      </p:sp>
+      <p:sp>
+        <p:nvSpPr>
+          <p:cNvPr id="3" name="Slide Number Placeholder 2"/>
+          <p:cNvSpPr>
+            <a:spLocks noGrp="1"/>
+          </p:cNvSpPr>
+          <p:nvPr>
+            <p:ph type="sldNum" sz="quarter" idx="12"/>
+          </p:nvPr>
+        </p:nvSpPr>
+        <p:spPr/>
+        <p:txBody>
+          <a:bodyPr/>
+          <a:lstStyle/>
+          <a:p>
+            <a:fld id="{F1B1EB98-98E7-4A5A-BA8F-7513A9456E79}" type="slidenum">
+              <a:rPr lang="en-US" smtClean="0"/>
+              <a:pPr/>
+              <a:t>17</a:t>
+            </a:fld>
+            <a:endParaRPr lang="en-US" dirty="0"/>
+          </a:p>
+        </p:txBody>
+      </p:sp>
+    </p:spTree>
+    <p:extLst>
+      <p:ext uri="{BB962C8B-B14F-4D97-AF65-F5344CB8AC3E}">
+        <p14:creationId xmlns:p14="http://schemas.microsoft.com/office/powerpoint/2010/main" val="1863789199"/>
+      </p:ext>
+    </p:extLst>
+  </p:cSld>
+  <p:clrMapOvr>
+    <a:masterClrMapping/>
+  </p:clrMapOvr>
+</p:sld>
+</file>
+
 <file path=ppt/slides/slide2.xml><?xml version="1.0" encoding="utf-8"?>
 <p:sld xmlns:a="http://schemas.openxmlformats.org/drawingml/2006/main" xmlns:r="http://schemas.openxmlformats.org/officeDocument/2006/relationships" xmlns:p="http://schemas.openxmlformats.org/presentationml/2006/main">
   <p:cSld>
@@ -13700,9 +13780,37 @@
           </a:p>
         </p:txBody>
       </p:sp>
+      <p:sp>
+        <p:nvSpPr>
+          <p:cNvPr id="8" name="Slide Number Placeholder 7"/>
+          <p:cNvSpPr>
+            <a:spLocks noGrp="1"/>
+          </p:cNvSpPr>
+          <p:nvPr>
+            <p:ph type="sldNum" sz="quarter" idx="12"/>
+          </p:nvPr>
+        </p:nvSpPr>
+        <p:spPr/>
+        <p:txBody>
+          <a:bodyPr/>
+          <a:lstStyle/>
+          <a:p>
+            <a:r>
+              <a:rPr lang="en-US" smtClean="0"/>
+              <a:t>Page </a:t>
+            </a:r>
+            <a:fld id="{F1B1EB98-98E7-4A5A-BA8F-7513A9456E79}" type="slidenum">
+              <a:rPr lang="en-US" smtClean="0"/>
+              <a:pPr/>
+              <a:t>7</a:t>
+            </a:fld>
+            <a:endParaRPr lang="en-US" dirty="0"/>
+          </a:p>
+        </p:txBody>
+      </p:sp>
       <p:grpSp>
         <p:nvGrpSpPr>
-          <p:cNvPr id="6" name="Group 5"/>
+          <p:cNvPr id="19" name="Group 18"/>
           <p:cNvGrpSpPr/>
           <p:nvPr/>
         </p:nvGrpSpPr>
@@ -13710,7 +13818,7 @@
           <a:xfrm>
             <a:off x="2705101" y="1981200"/>
             <a:ext cx="3733800" cy="3352800"/>
-            <a:chOff x="2705101" y="2286000"/>
+            <a:chOff x="2705101" y="1981200"/>
             <a:chExt cx="3733800" cy="3352800"/>
           </a:xfrm>
         </p:grpSpPr>
@@ -13722,7 +13830,7 @@
           </p:nvSpPr>
           <p:spPr>
             <a:xfrm>
-              <a:off x="2705101" y="2286000"/>
+              <a:off x="2705101" y="1981200"/>
               <a:ext cx="3733800" cy="3352800"/>
             </a:xfrm>
             <a:prstGeom prst="rect">
@@ -13769,7 +13877,7 @@
           </p:nvSpPr>
           <p:spPr>
             <a:xfrm>
-              <a:off x="2808688" y="2390001"/>
+              <a:off x="2808688" y="2085201"/>
               <a:ext cx="658990" cy="276999"/>
             </a:xfrm>
             <a:prstGeom prst="rect">
@@ -13800,7 +13908,378 @@
           </p:nvSpPr>
           <p:spPr>
             <a:xfrm>
-              <a:off x="3467678" y="2379964"/>
+              <a:off x="3467678" y="2075164"/>
+              <a:ext cx="2856921" cy="287036"/>
+            </a:xfrm>
+            <a:prstGeom prst="roundRect">
+              <a:avLst/>
+            </a:prstGeom>
+            <a:noFill/>
+            <a:ln w="19050"/>
+          </p:spPr>
+          <p:style>
+            <a:lnRef idx="2">
+              <a:schemeClr val="accent1">
+                <a:shade val="50000"/>
+              </a:schemeClr>
+            </a:lnRef>
+            <a:fillRef idx="1">
+              <a:schemeClr val="accent1"/>
+            </a:fillRef>
+            <a:effectRef idx="0">
+              <a:schemeClr val="accent1"/>
+            </a:effectRef>
+            <a:fontRef idx="minor">
+              <a:schemeClr val="lt1"/>
+            </a:fontRef>
+          </p:style>
+          <p:txBody>
+            <a:bodyPr rtlCol="0" anchor="ctr"/>
+            <a:lstStyle/>
+            <a:p>
+              <a:pPr algn="ctr"/>
+              <a:endParaRPr lang="en-US"/>
+            </a:p>
+          </p:txBody>
+        </p:sp>
+        <p:sp>
+          <p:nvSpPr>
+            <p:cNvPr id="9" name="TextBox 8"/>
+            <p:cNvSpPr txBox="1"/>
+            <p:nvPr/>
+          </p:nvSpPr>
+          <p:spPr>
+            <a:xfrm>
+              <a:off x="2819400" y="2466201"/>
+              <a:ext cx="658990" cy="276999"/>
+            </a:xfrm>
+            <a:prstGeom prst="rect">
+              <a:avLst/>
+            </a:prstGeom>
+            <a:noFill/>
+          </p:spPr>
+          <p:txBody>
+            <a:bodyPr wrap="square" rtlCol="0">
+              <a:spAutoFit/>
+            </a:bodyPr>
+            <a:lstStyle/>
+            <a:p>
+              <a:pPr algn="r"/>
+              <a:r>
+                <a:rPr lang="en-US" sz="1200" dirty="0" smtClean="0"/>
+                <a:t>Min:</a:t>
+              </a:r>
+              <a:endParaRPr lang="en-US" sz="1200" dirty="0"/>
+            </a:p>
+          </p:txBody>
+        </p:sp>
+        <p:sp>
+          <p:nvSpPr>
+            <p:cNvPr id="10" name="Rounded Rectangle 9"/>
+            <p:cNvSpPr/>
+            <p:nvPr/>
+          </p:nvSpPr>
+          <p:spPr>
+            <a:xfrm>
+              <a:off x="3478390" y="2456164"/>
+              <a:ext cx="2856921" cy="287036"/>
+            </a:xfrm>
+            <a:prstGeom prst="roundRect">
+              <a:avLst/>
+            </a:prstGeom>
+            <a:noFill/>
+            <a:ln w="19050"/>
+          </p:spPr>
+          <p:style>
+            <a:lnRef idx="2">
+              <a:schemeClr val="accent1">
+                <a:shade val="50000"/>
+              </a:schemeClr>
+            </a:lnRef>
+            <a:fillRef idx="1">
+              <a:schemeClr val="accent1"/>
+            </a:fillRef>
+            <a:effectRef idx="0">
+              <a:schemeClr val="accent1"/>
+            </a:effectRef>
+            <a:fontRef idx="minor">
+              <a:schemeClr val="lt1"/>
+            </a:fontRef>
+          </p:style>
+          <p:txBody>
+            <a:bodyPr rtlCol="0" anchor="ctr"/>
+            <a:lstStyle/>
+            <a:p>
+              <a:pPr algn="ctr"/>
+              <a:endParaRPr lang="en-US"/>
+            </a:p>
+          </p:txBody>
+        </p:sp>
+        <p:sp>
+          <p:nvSpPr>
+            <p:cNvPr id="11" name="TextBox 10"/>
+            <p:cNvSpPr txBox="1"/>
+            <p:nvPr/>
+          </p:nvSpPr>
+          <p:spPr>
+            <a:xfrm>
+              <a:off x="2819400" y="2847201"/>
+              <a:ext cx="658990" cy="276999"/>
+            </a:xfrm>
+            <a:prstGeom prst="rect">
+              <a:avLst/>
+            </a:prstGeom>
+            <a:noFill/>
+          </p:spPr>
+          <p:txBody>
+            <a:bodyPr wrap="square" rtlCol="0">
+              <a:spAutoFit/>
+            </a:bodyPr>
+            <a:lstStyle/>
+            <a:p>
+              <a:pPr algn="r"/>
+              <a:r>
+                <a:rPr lang="en-US" sz="1200" dirty="0" smtClean="0"/>
+                <a:t>Max:</a:t>
+              </a:r>
+              <a:endParaRPr lang="en-US" sz="1200" dirty="0"/>
+            </a:p>
+          </p:txBody>
+        </p:sp>
+        <p:sp>
+          <p:nvSpPr>
+            <p:cNvPr id="12" name="Rounded Rectangle 11"/>
+            <p:cNvSpPr/>
+            <p:nvPr/>
+          </p:nvSpPr>
+          <p:spPr>
+            <a:xfrm>
+              <a:off x="3478390" y="2837164"/>
+              <a:ext cx="2856921" cy="287036"/>
+            </a:xfrm>
+            <a:prstGeom prst="roundRect">
+              <a:avLst/>
+            </a:prstGeom>
+            <a:noFill/>
+            <a:ln w="19050"/>
+          </p:spPr>
+          <p:style>
+            <a:lnRef idx="2">
+              <a:schemeClr val="accent1">
+                <a:shade val="50000"/>
+              </a:schemeClr>
+            </a:lnRef>
+            <a:fillRef idx="1">
+              <a:schemeClr val="accent1"/>
+            </a:fillRef>
+            <a:effectRef idx="0">
+              <a:schemeClr val="accent1"/>
+            </a:effectRef>
+            <a:fontRef idx="minor">
+              <a:schemeClr val="lt1"/>
+            </a:fontRef>
+          </p:style>
+          <p:txBody>
+            <a:bodyPr rtlCol="0" anchor="ctr"/>
+            <a:lstStyle/>
+            <a:p>
+              <a:pPr algn="ctr"/>
+              <a:endParaRPr lang="en-US"/>
+            </a:p>
+          </p:txBody>
+        </p:sp>
+        <p:sp>
+          <p:nvSpPr>
+            <p:cNvPr id="13" name="TextBox 12"/>
+            <p:cNvSpPr txBox="1"/>
+            <p:nvPr/>
+          </p:nvSpPr>
+          <p:spPr>
+            <a:xfrm>
+              <a:off x="2819400" y="3228201"/>
+              <a:ext cx="652272" cy="276999"/>
+            </a:xfrm>
+            <a:prstGeom prst="rect">
+              <a:avLst/>
+            </a:prstGeom>
+            <a:noFill/>
+          </p:spPr>
+          <p:txBody>
+            <a:bodyPr wrap="square" rtlCol="0">
+              <a:spAutoFit/>
+            </a:bodyPr>
+            <a:lstStyle/>
+            <a:p>
+              <a:pPr algn="r"/>
+              <a:r>
+                <a:rPr lang="en-US" sz="1200" dirty="0" smtClean="0"/>
+                <a:t>Visible:</a:t>
+              </a:r>
+              <a:endParaRPr lang="en-US" sz="1200" dirty="0"/>
+            </a:p>
+          </p:txBody>
+        </p:sp>
+        <p:sp>
+          <p:nvSpPr>
+            <p:cNvPr id="14" name="Rectangle 13"/>
+            <p:cNvSpPr/>
+            <p:nvPr/>
+          </p:nvSpPr>
+          <p:spPr>
+            <a:xfrm>
+              <a:off x="3471672" y="3311836"/>
+              <a:ext cx="109728" cy="109728"/>
+            </a:xfrm>
+            <a:prstGeom prst="rect">
+              <a:avLst/>
+            </a:prstGeom>
+            <a:solidFill>
+              <a:schemeClr val="bg1"/>
+            </a:solidFill>
+            <a:ln w="19050"/>
+          </p:spPr>
+          <p:style>
+            <a:lnRef idx="2">
+              <a:schemeClr val="accent1">
+                <a:shade val="50000"/>
+              </a:schemeClr>
+            </a:lnRef>
+            <a:fillRef idx="1">
+              <a:schemeClr val="accent1"/>
+            </a:fillRef>
+            <a:effectRef idx="0">
+              <a:schemeClr val="accent1"/>
+            </a:effectRef>
+            <a:fontRef idx="minor">
+              <a:schemeClr val="lt1"/>
+            </a:fontRef>
+          </p:style>
+          <p:txBody>
+            <a:bodyPr rtlCol="0" anchor="ctr"/>
+            <a:lstStyle/>
+            <a:p>
+              <a:pPr algn="ctr"/>
+              <a:endParaRPr lang="en-US"/>
+            </a:p>
+          </p:txBody>
+        </p:sp>
+        <p:sp>
+          <p:nvSpPr>
+            <p:cNvPr id="15" name="TextBox 14"/>
+            <p:cNvSpPr txBox="1"/>
+            <p:nvPr/>
+          </p:nvSpPr>
+          <p:spPr>
+            <a:xfrm>
+              <a:off x="2819400" y="3609201"/>
+              <a:ext cx="658990" cy="276999"/>
+            </a:xfrm>
+            <a:prstGeom prst="rect">
+              <a:avLst/>
+            </a:prstGeom>
+            <a:noFill/>
+          </p:spPr>
+          <p:txBody>
+            <a:bodyPr wrap="square" rtlCol="0">
+              <a:spAutoFit/>
+            </a:bodyPr>
+            <a:lstStyle/>
+            <a:p>
+              <a:pPr algn="r"/>
+              <a:r>
+                <a:rPr lang="en-US" sz="1200" dirty="0" smtClean="0"/>
+                <a:t>Mean:</a:t>
+              </a:r>
+              <a:endParaRPr lang="en-US" sz="1200" dirty="0"/>
+            </a:p>
+          </p:txBody>
+        </p:sp>
+        <p:sp>
+          <p:nvSpPr>
+            <p:cNvPr id="16" name="Rounded Rectangle 15"/>
+            <p:cNvSpPr/>
+            <p:nvPr/>
+          </p:nvSpPr>
+          <p:spPr>
+            <a:xfrm>
+              <a:off x="3478390" y="3599164"/>
+              <a:ext cx="2856921" cy="287036"/>
+            </a:xfrm>
+            <a:prstGeom prst="roundRect">
+              <a:avLst/>
+            </a:prstGeom>
+            <a:noFill/>
+            <a:ln w="19050"/>
+          </p:spPr>
+          <p:style>
+            <a:lnRef idx="2">
+              <a:schemeClr val="accent1">
+                <a:shade val="50000"/>
+              </a:schemeClr>
+            </a:lnRef>
+            <a:fillRef idx="1">
+              <a:schemeClr val="accent1"/>
+            </a:fillRef>
+            <a:effectRef idx="0">
+              <a:schemeClr val="accent1"/>
+            </a:effectRef>
+            <a:fontRef idx="minor">
+              <a:schemeClr val="lt1"/>
+            </a:fontRef>
+          </p:style>
+          <p:txBody>
+            <a:bodyPr rtlCol="0" anchor="ctr"/>
+            <a:lstStyle/>
+            <a:p>
+              <a:pPr algn="ctr"/>
+              <a:endParaRPr lang="en-US"/>
+            </a:p>
+          </p:txBody>
+        </p:sp>
+        <p:sp>
+          <p:nvSpPr>
+            <p:cNvPr id="17" name="TextBox 16"/>
+            <p:cNvSpPr txBox="1"/>
+            <p:nvPr/>
+          </p:nvSpPr>
+          <p:spPr>
+            <a:xfrm>
+              <a:off x="2819400" y="3990201"/>
+              <a:ext cx="658990" cy="276999"/>
+            </a:xfrm>
+            <a:prstGeom prst="rect">
+              <a:avLst/>
+            </a:prstGeom>
+            <a:noFill/>
+          </p:spPr>
+          <p:txBody>
+            <a:bodyPr wrap="square" rtlCol="0">
+              <a:spAutoFit/>
+            </a:bodyPr>
+            <a:lstStyle/>
+            <a:p>
+              <a:pPr algn="r"/>
+              <a:r>
+                <a:rPr lang="en-US" sz="1200" dirty="0" err="1" smtClean="0"/>
+                <a:t>Stddev</a:t>
+              </a:r>
+              <a:r>
+                <a:rPr lang="en-US" sz="1200" dirty="0" smtClean="0"/>
+                <a:t>:</a:t>
+              </a:r>
+              <a:endParaRPr lang="en-US" sz="1200" dirty="0"/>
+            </a:p>
+          </p:txBody>
+        </p:sp>
+        <p:sp>
+          <p:nvSpPr>
+            <p:cNvPr id="18" name="Rounded Rectangle 17"/>
+            <p:cNvSpPr/>
+            <p:nvPr/>
+          </p:nvSpPr>
+          <p:spPr>
+            <a:xfrm>
+              <a:off x="3478390" y="3980164"/>
               <a:ext cx="2856921" cy="287036"/>
             </a:xfrm>
             <a:prstGeom prst="roundRect">
@@ -13835,34 +14314,6 @@
           </p:txBody>
         </p:sp>
       </p:grpSp>
-      <p:sp>
-        <p:nvSpPr>
-          <p:cNvPr id="8" name="Slide Number Placeholder 7"/>
-          <p:cNvSpPr>
-            <a:spLocks noGrp="1"/>
-          </p:cNvSpPr>
-          <p:nvPr>
-            <p:ph type="sldNum" sz="quarter" idx="12"/>
-          </p:nvPr>
-        </p:nvSpPr>
-        <p:spPr/>
-        <p:txBody>
-          <a:bodyPr/>
-          <a:lstStyle/>
-          <a:p>
-            <a:r>
-              <a:rPr lang="en-US" smtClean="0"/>
-              <a:t>Page </a:t>
-            </a:r>
-            <a:fld id="{F1B1EB98-98E7-4A5A-BA8F-7513A9456E79}" type="slidenum">
-              <a:rPr lang="en-US" smtClean="0"/>
-              <a:pPr/>
-              <a:t>7</a:t>
-            </a:fld>
-            <a:endParaRPr lang="en-US" dirty="0"/>
-          </a:p>
-        </p:txBody>
-      </p:sp>
     </p:spTree>
     <p:extLst>
       <p:ext uri="{BB962C8B-B14F-4D97-AF65-F5344CB8AC3E}">

--- a/java/JChartLib/docs/ui_framing.pptx
+++ b/java/JChartLib/docs/ui_framing.pptx
@@ -5,7 +5,7 @@
     <p:sldMasterId id="2147483660" r:id="rId1"/>
   </p:sldMasterIdLst>
   <p:notesMasterIdLst>
-    <p:notesMasterId r:id="rId19"/>
+    <p:notesMasterId r:id="rId29"/>
   </p:notesMasterIdLst>
   <p:sldIdLst>
     <p:sldId id="270" r:id="rId2"/>
@@ -25,6 +25,16 @@
     <p:sldId id="269" r:id="rId16"/>
     <p:sldId id="271" r:id="rId17"/>
     <p:sldId id="273" r:id="rId18"/>
+    <p:sldId id="275" r:id="rId19"/>
+    <p:sldId id="274" r:id="rId20"/>
+    <p:sldId id="276" r:id="rId21"/>
+    <p:sldId id="277" r:id="rId22"/>
+    <p:sldId id="278" r:id="rId23"/>
+    <p:sldId id="279" r:id="rId24"/>
+    <p:sldId id="280" r:id="rId25"/>
+    <p:sldId id="281" r:id="rId26"/>
+    <p:sldId id="282" r:id="rId27"/>
+    <p:sldId id="283" r:id="rId28"/>
   </p:sldIdLst>
   <p:sldSz cx="9144000" cy="6858000" type="screen4x3"/>
   <p:notesSz cx="7010400" cy="9296400"/>
@@ -208,7 +218,7 @@
           <a:p>
             <a:fld id="{451F6C7C-57B4-44C2-A879-518E542631BF}" type="datetimeFigureOut">
               <a:rPr lang="en-US" smtClean="0"/>
-              <a:t>4/27/2016</a:t>
+              <a:t>5/13/2016</a:t>
             </a:fld>
             <a:endParaRPr lang="en-US"/>
           </a:p>
@@ -741,7 +751,7 @@
           <a:p>
             <a:fld id="{7589139F-201B-47CA-A8A9-C8F47DFCF43B}" type="datetime1">
               <a:rPr lang="en-US" smtClean="0"/>
-              <a:t>4/27/2016</a:t>
+              <a:t>5/13/2016</a:t>
             </a:fld>
             <a:endParaRPr lang="en-US"/>
           </a:p>
@@ -921,7 +931,7 @@
           <a:p>
             <a:fld id="{39F8E332-08CA-426A-957F-5073818DEA06}" type="datetime1">
               <a:rPr lang="en-US" smtClean="0"/>
-              <a:t>4/27/2016</a:t>
+              <a:t>5/13/2016</a:t>
             </a:fld>
             <a:endParaRPr lang="en-US"/>
           </a:p>
@@ -1101,7 +1111,7 @@
           <a:p>
             <a:fld id="{1CCEE4AD-4EA4-4EE5-AB4F-5727B68DCDDB}" type="datetime1">
               <a:rPr lang="en-US" smtClean="0"/>
-              <a:t>4/27/2016</a:t>
+              <a:t>5/13/2016</a:t>
             </a:fld>
             <a:endParaRPr lang="en-US"/>
           </a:p>
@@ -1276,7 +1286,7 @@
           <a:p>
             <a:fld id="{74C45312-5D5A-413C-811E-51CC413D3FC7}" type="datetime1">
               <a:rPr lang="en-US" smtClean="0"/>
-              <a:t>4/27/2016</a:t>
+              <a:t>5/13/2016</a:t>
             </a:fld>
             <a:endParaRPr lang="en-US"/>
           </a:p>
@@ -1522,7 +1532,7 @@
           <a:p>
             <a:fld id="{443CEAA5-5CF4-4D08-9BB9-7D50715E21F2}" type="datetime1">
               <a:rPr lang="en-US" smtClean="0"/>
-              <a:t>4/27/2016</a:t>
+              <a:t>5/13/2016</a:t>
             </a:fld>
             <a:endParaRPr lang="en-US"/>
           </a:p>
@@ -1810,7 +1820,7 @@
           <a:p>
             <a:fld id="{B44EE941-BE00-4788-B7E8-C0AE4E10A9BF}" type="datetime1">
               <a:rPr lang="en-US" smtClean="0"/>
-              <a:t>4/27/2016</a:t>
+              <a:t>5/13/2016</a:t>
             </a:fld>
             <a:endParaRPr lang="en-US"/>
           </a:p>
@@ -2232,7 +2242,7 @@
           <a:p>
             <a:fld id="{CC540818-E0A3-45A0-B9E7-AB6964DB0AF7}" type="datetime1">
               <a:rPr lang="en-US" smtClean="0"/>
-              <a:t>4/27/2016</a:t>
+              <a:t>5/13/2016</a:t>
             </a:fld>
             <a:endParaRPr lang="en-US"/>
           </a:p>
@@ -2350,7 +2360,7 @@
         </p:nvSpPr>
         <p:spPr>
           <a:xfrm>
-            <a:off x="457200" y="6569075"/>
+            <a:off x="76200" y="6569075"/>
             <a:ext cx="2133600" cy="288925"/>
           </a:xfrm>
         </p:spPr>
@@ -2360,7 +2370,7 @@
           <a:p>
             <a:fld id="{107CA5CF-55FE-49DC-B3AC-623F4967B212}" type="datetime1">
               <a:rPr lang="en-US" smtClean="0"/>
-              <a:t>4/27/2016</a:t>
+              <a:t>5/13/2016</a:t>
             </a:fld>
             <a:endParaRPr lang="en-US"/>
           </a:p>
@@ -2402,7 +2412,7 @@
         </p:nvSpPr>
         <p:spPr>
           <a:xfrm>
-            <a:off x="6553200" y="6553200"/>
+            <a:off x="6934200" y="6553200"/>
             <a:ext cx="2133600" cy="228600"/>
           </a:xfrm>
         </p:spPr>
@@ -2470,7 +2480,7 @@
           <a:p>
             <a:fld id="{9C960BAF-EAC5-4B4A-B3FA-08DE80CD43DF}" type="datetime1">
               <a:rPr lang="en-US" smtClean="0"/>
-              <a:t>4/27/2016</a:t>
+              <a:t>5/13/2016</a:t>
             </a:fld>
             <a:endParaRPr lang="en-US"/>
           </a:p>
@@ -2752,7 +2762,7 @@
           <a:p>
             <a:fld id="{54F98608-D36E-481B-A2F2-5C486B7C18F6}" type="datetime1">
               <a:rPr lang="en-US" smtClean="0"/>
-              <a:t>4/27/2016</a:t>
+              <a:t>5/13/2016</a:t>
             </a:fld>
             <a:endParaRPr lang="en-US"/>
           </a:p>
@@ -3010,7 +3020,7 @@
           <a:p>
             <a:fld id="{726042FF-C265-4686-B492-9503F312B9F7}" type="datetime1">
               <a:rPr lang="en-US" smtClean="0"/>
-              <a:t>4/27/2016</a:t>
+              <a:t>5/13/2016</a:t>
             </a:fld>
             <a:endParaRPr lang="en-US"/>
           </a:p>
@@ -3200,7 +3210,7 @@
         </p:nvSpPr>
         <p:spPr>
           <a:xfrm>
-            <a:off x="457200" y="6553200"/>
+            <a:off x="76200" y="6553200"/>
             <a:ext cx="2133600" cy="244475"/>
           </a:xfrm>
           <a:prstGeom prst="rect">
@@ -3223,7 +3233,7 @@
           <a:p>
             <a:fld id="{CACDD5D5-767C-4EE7-8E36-1049EE603D55}" type="datetime1">
               <a:rPr lang="en-US" smtClean="0"/>
-              <a:t>4/27/2016</a:t>
+              <a:t>5/13/2016</a:t>
             </a:fld>
             <a:endParaRPr lang="en-US"/>
           </a:p>
@@ -3278,7 +3288,7 @@
         </p:nvSpPr>
         <p:spPr>
           <a:xfrm>
-            <a:off x="6553200" y="6553200"/>
+            <a:off x="6934200" y="6553200"/>
             <a:ext cx="2133600" cy="244475"/>
           </a:xfrm>
           <a:prstGeom prst="rect">
@@ -3748,10 +3758,6 @@
           <a:bodyPr/>
           <a:lstStyle/>
           <a:p>
-            <a:r>
-              <a:rPr lang="en-US" dirty="0" smtClean="0"/>
-              <a:t>Page </a:t>
-            </a:r>
             <a:fld id="{F1B1EB98-98E7-4A5A-BA8F-7513A9456E79}" type="slidenum">
               <a:rPr lang="en-US" smtClean="0"/>
               <a:pPr/>
@@ -4672,10 +4678,6 @@
           <a:bodyPr/>
           <a:lstStyle/>
           <a:p>
-            <a:r>
-              <a:rPr lang="en-US" smtClean="0"/>
-              <a:t>Page </a:t>
-            </a:r>
             <a:fld id="{F1B1EB98-98E7-4A5A-BA8F-7513A9456E79}" type="slidenum">
               <a:rPr lang="en-US" smtClean="0"/>
               <a:pPr/>
@@ -6054,10 +6056,6 @@
           <a:bodyPr/>
           <a:lstStyle/>
           <a:p>
-            <a:r>
-              <a:rPr lang="en-US" smtClean="0"/>
-              <a:t>Page </a:t>
-            </a:r>
             <a:fld id="{F1B1EB98-98E7-4A5A-BA8F-7513A9456E79}" type="slidenum">
               <a:rPr lang="en-US" smtClean="0"/>
               <a:pPr/>
@@ -6573,10 +6571,6 @@
           <a:bodyPr/>
           <a:lstStyle/>
           <a:p>
-            <a:r>
-              <a:rPr lang="en-US" smtClean="0"/>
-              <a:t>Page </a:t>
-            </a:r>
             <a:fld id="{F1B1EB98-98E7-4A5A-BA8F-7513A9456E79}" type="slidenum">
               <a:rPr lang="en-US" smtClean="0"/>
               <a:pPr/>
@@ -8829,10 +8823,6 @@
           <a:bodyPr/>
           <a:lstStyle/>
           <a:p>
-            <a:r>
-              <a:rPr lang="en-US" smtClean="0"/>
-              <a:t>Page </a:t>
-            </a:r>
             <a:fld id="{F1B1EB98-98E7-4A5A-BA8F-7513A9456E79}" type="slidenum">
               <a:rPr lang="en-US" smtClean="0"/>
               <a:pPr/>
@@ -9910,10 +9900,6 @@
           <a:bodyPr/>
           <a:lstStyle/>
           <a:p>
-            <a:r>
-              <a:rPr lang="en-US" smtClean="0"/>
-              <a:t>Page </a:t>
-            </a:r>
             <a:fld id="{F1B1EB98-98E7-4A5A-BA8F-7513A9456E79}" type="slidenum">
               <a:rPr lang="en-US" smtClean="0"/>
               <a:pPr/>
@@ -10091,10 +10077,86 @@
           <a:lstStyle/>
           <a:p>
             <a:r>
-              <a:rPr lang="en-US" smtClean="0"/>
-              <a:t>Widget Model</a:t>
+              <a:rPr lang="en-US" dirty="0" smtClean="0"/>
+              <a:t>Lines and Backgrounds</a:t>
             </a:r>
-            <a:endParaRPr lang="en-US"/>
+            <a:endParaRPr lang="en-US" dirty="0"/>
+          </a:p>
+        </p:txBody>
+      </p:sp>
+      <p:sp>
+        <p:nvSpPr>
+          <p:cNvPr id="4" name="Content Placeholder 3"/>
+          <p:cNvSpPr>
+            <a:spLocks noGrp="1"/>
+          </p:cNvSpPr>
+          <p:nvPr>
+            <p:ph idx="1"/>
+          </p:nvPr>
+        </p:nvSpPr>
+        <p:spPr/>
+        <p:txBody>
+          <a:bodyPr>
+            <a:normAutofit lnSpcReduction="10000"/>
+          </a:bodyPr>
+          <a:lstStyle/>
+          <a:p>
+            <a:r>
+              <a:rPr lang="en-US" dirty="0" err="1" smtClean="0"/>
+              <a:t>LineStyle</a:t>
+            </a:r>
+            <a:endParaRPr lang="en-US" dirty="0" smtClean="0"/>
+          </a:p>
+          <a:p>
+            <a:pPr lvl="1"/>
+            <a:r>
+              <a:rPr lang="en-US" dirty="0" err="1" smtClean="0"/>
+              <a:t>type:LineType</a:t>
+            </a:r>
+            <a:r>
+              <a:rPr lang="en-US" dirty="0" smtClean="0"/>
+              <a:t> - A line can be solid, dots, or dashes.</a:t>
+            </a:r>
+          </a:p>
+          <a:p>
+            <a:pPr lvl="1"/>
+            <a:r>
+              <a:rPr lang="en-US" dirty="0" err="1" smtClean="0"/>
+              <a:t>weight:int</a:t>
+            </a:r>
+            <a:r>
+              <a:rPr lang="en-US" dirty="0" smtClean="0"/>
+              <a:t> – the weight of the line in pixels.</a:t>
+            </a:r>
+          </a:p>
+          <a:p>
+            <a:pPr lvl="1"/>
+            <a:r>
+              <a:rPr lang="en-US" dirty="0" err="1" smtClean="0"/>
+              <a:t>color:Color</a:t>
+            </a:r>
+            <a:r>
+              <a:rPr lang="en-US" dirty="0" smtClean="0"/>
+              <a:t>.</a:t>
+            </a:r>
+          </a:p>
+          <a:p>
+            <a:pPr lvl="1"/>
+            <a:r>
+              <a:rPr lang="en-US" dirty="0" err="1" smtClean="0"/>
+              <a:t>end:Consider</a:t>
+            </a:r>
+            <a:r>
+              <a:rPr lang="en-US" dirty="0" smtClean="0"/>
+              <a:t> adding a line connection method.</a:t>
+            </a:r>
+          </a:p>
+          <a:p>
+            <a:r>
+              <a:rPr lang="en-US" dirty="0" smtClean="0"/>
+              <a:t>Background – A background can be either transparent, a solid color, a pattern, an image, or a color gradient. A background can be applied to both the chart and the plot area. The background for the plot area will always be drawn on top of the chart background.</a:t>
+            </a:r>
+            <a:endParaRPr lang="en-US" dirty="0"/>
           </a:p>
         </p:txBody>
       </p:sp>
@@ -10126,6 +10188,385 @@
     <p:extLst>
       <p:ext uri="{BB962C8B-B14F-4D97-AF65-F5344CB8AC3E}">
         <p14:creationId xmlns:p14="http://schemas.microsoft.com/office/powerpoint/2010/main" val="1863789199"/>
+      </p:ext>
+    </p:extLst>
+  </p:cSld>
+  <p:clrMapOvr>
+    <a:masterClrMapping/>
+  </p:clrMapOvr>
+</p:sld>
+</file>
+
+<file path=ppt/slides/slide18.xml><?xml version="1.0" encoding="utf-8"?>
+<p:sld xmlns:a="http://schemas.openxmlformats.org/drawingml/2006/main" xmlns:r="http://schemas.openxmlformats.org/officeDocument/2006/relationships" xmlns:p="http://schemas.openxmlformats.org/presentationml/2006/main">
+  <p:cSld>
+    <p:spTree>
+      <p:nvGrpSpPr>
+        <p:cNvPr id="1" name=""/>
+        <p:cNvGrpSpPr/>
+        <p:nvPr/>
+      </p:nvGrpSpPr>
+      <p:grpSpPr>
+        <a:xfrm>
+          <a:off x="0" y="0"/>
+          <a:ext cx="0" cy="0"/>
+          <a:chOff x="0" y="0"/>
+          <a:chExt cx="0" cy="0"/>
+        </a:xfrm>
+      </p:grpSpPr>
+      <p:sp>
+        <p:nvSpPr>
+          <p:cNvPr id="2" name="Title 1"/>
+          <p:cNvSpPr>
+            <a:spLocks noGrp="1"/>
+          </p:cNvSpPr>
+          <p:nvPr>
+            <p:ph type="title"/>
+          </p:nvPr>
+        </p:nvSpPr>
+        <p:spPr/>
+        <p:txBody>
+          <a:bodyPr>
+            <a:normAutofit fontScale="90000"/>
+          </a:bodyPr>
+          <a:lstStyle/>
+          <a:p>
+            <a:endParaRPr lang="en-US"/>
+          </a:p>
+        </p:txBody>
+      </p:sp>
+      <p:sp>
+        <p:nvSpPr>
+          <p:cNvPr id="3" name="Content Placeholder 2"/>
+          <p:cNvSpPr>
+            <a:spLocks noGrp="1"/>
+          </p:cNvSpPr>
+          <p:nvPr>
+            <p:ph idx="1"/>
+          </p:nvPr>
+        </p:nvSpPr>
+        <p:spPr/>
+        <p:txBody>
+          <a:bodyPr/>
+          <a:lstStyle/>
+          <a:p>
+            <a:r>
+              <a:rPr lang="en-US" dirty="0" err="1" smtClean="0"/>
+              <a:t>TextLabel</a:t>
+            </a:r>
+            <a:endParaRPr lang="en-US" dirty="0" smtClean="0"/>
+          </a:p>
+          <a:p>
+            <a:pPr lvl="1"/>
+            <a:r>
+              <a:rPr lang="en-US" dirty="0" err="1" smtClean="0"/>
+              <a:t>visible:boolean</a:t>
+            </a:r>
+            <a:endParaRPr lang="en-US" dirty="0" smtClean="0"/>
+          </a:p>
+          <a:p>
+            <a:pPr lvl="1"/>
+            <a:r>
+              <a:rPr lang="en-US" dirty="0" err="1" smtClean="0"/>
+              <a:t>text:String</a:t>
+            </a:r>
+            <a:endParaRPr lang="en-US" dirty="0" smtClean="0"/>
+          </a:p>
+          <a:p>
+            <a:pPr lvl="1"/>
+            <a:r>
+              <a:rPr lang="en-US" dirty="0" err="1" smtClean="0"/>
+              <a:t>style:TextStyle</a:t>
+            </a:r>
+            <a:endParaRPr lang="en-US" dirty="0" smtClean="0"/>
+          </a:p>
+          <a:p>
+            <a:r>
+              <a:rPr lang="en-US" dirty="0" err="1" smtClean="0"/>
+              <a:t>TextStyle</a:t>
+            </a:r>
+            <a:endParaRPr lang="en-US" dirty="0" smtClean="0"/>
+          </a:p>
+          <a:p>
+            <a:pPr lvl="1"/>
+            <a:r>
+              <a:rPr lang="en-US" dirty="0" err="1" smtClean="0"/>
+              <a:t>font:Font</a:t>
+            </a:r>
+            <a:endParaRPr lang="en-US" dirty="0" smtClean="0"/>
+          </a:p>
+          <a:p>
+            <a:pPr lvl="1"/>
+            <a:r>
+              <a:rPr lang="en-US" dirty="0" err="1" smtClean="0"/>
+              <a:t>color:Color</a:t>
+            </a:r>
+            <a:endParaRPr lang="en-US" dirty="0" smtClean="0"/>
+          </a:p>
+          <a:p>
+            <a:pPr lvl="1"/>
+            <a:r>
+              <a:rPr lang="en-US" dirty="0" err="1" smtClean="0"/>
+              <a:t>halign:HorizAlignment</a:t>
+            </a:r>
+            <a:r>
+              <a:rPr lang="en-US" dirty="0" smtClean="0"/>
+              <a:t> – Left, Right, Center</a:t>
+            </a:r>
+          </a:p>
+          <a:p>
+            <a:pPr lvl="1"/>
+            <a:r>
+              <a:rPr lang="en-US" dirty="0" err="1" smtClean="0"/>
+              <a:t>valign:VertAlignment</a:t>
+            </a:r>
+            <a:r>
+              <a:rPr lang="en-US" dirty="0" smtClean="0"/>
+              <a:t> – Top, Middle, Bottom</a:t>
+            </a:r>
+          </a:p>
+          <a:p>
+            <a:pPr lvl="1"/>
+            <a:endParaRPr lang="en-US" dirty="0"/>
+          </a:p>
+        </p:txBody>
+      </p:sp>
+      <p:sp>
+        <p:nvSpPr>
+          <p:cNvPr id="4" name="Slide Number Placeholder 3"/>
+          <p:cNvSpPr>
+            <a:spLocks noGrp="1"/>
+          </p:cNvSpPr>
+          <p:nvPr>
+            <p:ph type="sldNum" sz="quarter" idx="12"/>
+          </p:nvPr>
+        </p:nvSpPr>
+        <p:spPr/>
+        <p:txBody>
+          <a:bodyPr/>
+          <a:lstStyle/>
+          <a:p>
+            <a:fld id="{F1B1EB98-98E7-4A5A-BA8F-7513A9456E79}" type="slidenum">
+              <a:rPr lang="en-US" smtClean="0"/>
+              <a:t>18</a:t>
+            </a:fld>
+            <a:endParaRPr lang="en-US"/>
+          </a:p>
+        </p:txBody>
+      </p:sp>
+    </p:spTree>
+    <p:extLst>
+      <p:ext uri="{BB962C8B-B14F-4D97-AF65-F5344CB8AC3E}">
+        <p14:creationId xmlns:p14="http://schemas.microsoft.com/office/powerpoint/2010/main" val="3846208342"/>
+      </p:ext>
+    </p:extLst>
+  </p:cSld>
+  <p:clrMapOvr>
+    <a:masterClrMapping/>
+  </p:clrMapOvr>
+</p:sld>
+</file>
+
+<file path=ppt/slides/slide19.xml><?xml version="1.0" encoding="utf-8"?>
+<p:sld xmlns:a="http://schemas.openxmlformats.org/drawingml/2006/main" xmlns:r="http://schemas.openxmlformats.org/officeDocument/2006/relationships" xmlns:p="http://schemas.openxmlformats.org/presentationml/2006/main">
+  <p:cSld>
+    <p:spTree>
+      <p:nvGrpSpPr>
+        <p:cNvPr id="1" name=""/>
+        <p:cNvGrpSpPr/>
+        <p:nvPr/>
+      </p:nvGrpSpPr>
+      <p:grpSpPr>
+        <a:xfrm>
+          <a:off x="0" y="0"/>
+          <a:ext cx="0" cy="0"/>
+          <a:chOff x="0" y="0"/>
+          <a:chExt cx="0" cy="0"/>
+        </a:xfrm>
+      </p:grpSpPr>
+      <p:sp>
+        <p:nvSpPr>
+          <p:cNvPr id="2" name="Title 1"/>
+          <p:cNvSpPr>
+            <a:spLocks noGrp="1"/>
+          </p:cNvSpPr>
+          <p:nvPr>
+            <p:ph type="title"/>
+          </p:nvPr>
+        </p:nvSpPr>
+        <p:spPr/>
+        <p:txBody>
+          <a:bodyPr>
+            <a:normAutofit fontScale="90000"/>
+          </a:bodyPr>
+          <a:lstStyle/>
+          <a:p>
+            <a:r>
+              <a:rPr lang="en-US" dirty="0" smtClean="0"/>
+              <a:t>Axes Definition</a:t>
+            </a:r>
+            <a:endParaRPr lang="en-US" dirty="0"/>
+          </a:p>
+        </p:txBody>
+      </p:sp>
+      <p:sp>
+        <p:nvSpPr>
+          <p:cNvPr id="3" name="Content Placeholder 2"/>
+          <p:cNvSpPr>
+            <a:spLocks noGrp="1"/>
+          </p:cNvSpPr>
+          <p:nvPr>
+            <p:ph idx="1"/>
+          </p:nvPr>
+        </p:nvSpPr>
+        <p:spPr/>
+        <p:txBody>
+          <a:bodyPr>
+            <a:normAutofit fontScale="70000" lnSpcReduction="20000"/>
+          </a:bodyPr>
+          <a:lstStyle/>
+          <a:p>
+            <a:pPr marL="0" indent="0">
+              <a:buNone/>
+            </a:pPr>
+            <a:r>
+              <a:rPr lang="en-US" dirty="0" smtClean="0"/>
+              <a:t>There are primary (left vs bottom), secondary (right vs. top), off-area axes (those that sit to the top, left, bottom, or right of the plot area but do not touch it).</a:t>
+            </a:r>
+          </a:p>
+          <a:p>
+            <a:r>
+              <a:rPr lang="en-US" dirty="0" smtClean="0"/>
+              <a:t>Axis – each axis has the following properties:</a:t>
+            </a:r>
+          </a:p>
+          <a:p>
+            <a:pPr lvl="1"/>
+            <a:r>
+              <a:rPr lang="en-US" dirty="0" smtClean="0"/>
+              <a:t>bounds (min/max)</a:t>
+            </a:r>
+          </a:p>
+          <a:p>
+            <a:pPr lvl="1"/>
+            <a:r>
+              <a:rPr lang="en-US" smtClean="0"/>
+              <a:t>drawBaseLine:boolean</a:t>
+            </a:r>
+            <a:endParaRPr lang="en-US" dirty="0" smtClean="0"/>
+          </a:p>
+          <a:p>
+            <a:pPr lvl="1"/>
+            <a:r>
+              <a:rPr lang="en-US" dirty="0" err="1" smtClean="0"/>
+              <a:t>drawTickLine:boolean</a:t>
+            </a:r>
+            <a:endParaRPr lang="en-US" dirty="0" smtClean="0"/>
+          </a:p>
+          <a:p>
+            <a:pPr lvl="1"/>
+            <a:r>
+              <a:rPr lang="en-US" dirty="0" err="1" smtClean="0"/>
+              <a:t>ticks:List</a:t>
+            </a:r>
+            <a:r>
+              <a:rPr lang="en-US" dirty="0" smtClean="0"/>
+              <a:t>&lt;Tick&gt;</a:t>
+            </a:r>
+          </a:p>
+          <a:p>
+            <a:pPr lvl="2"/>
+            <a:r>
+              <a:rPr lang="en-US" dirty="0" err="1" smtClean="0"/>
+              <a:t>value:double</a:t>
+            </a:r>
+            <a:r>
+              <a:rPr lang="en-US" dirty="0" smtClean="0"/>
+              <a:t> – the value must be between min and max and defines where the tick is drawn.</a:t>
+            </a:r>
+          </a:p>
+          <a:p>
+            <a:pPr lvl="2"/>
+            <a:r>
+              <a:rPr lang="en-US" dirty="0" err="1" smtClean="0"/>
+              <a:t>text:String</a:t>
+            </a:r>
+            <a:r>
+              <a:rPr lang="en-US" dirty="0" smtClean="0"/>
+              <a:t> – defines the text to be drawn at that tick.</a:t>
+            </a:r>
+          </a:p>
+          <a:p>
+            <a:pPr lvl="1"/>
+            <a:r>
+              <a:rPr lang="en-US" dirty="0" err="1" smtClean="0"/>
+              <a:t>minorTickCount:int</a:t>
+            </a:r>
+            <a:r>
+              <a:rPr lang="en-US" dirty="0" smtClean="0"/>
+              <a:t> – the number of minor ticks (not tick sections) between major ticks (e.g. a minor tick at each number with major ticks at 0 and 10 would result in 9 ticks and 10 tick sections).</a:t>
+            </a:r>
+          </a:p>
+          <a:p>
+            <a:pPr lvl="1"/>
+            <a:r>
+              <a:rPr lang="en-US" dirty="0" smtClean="0"/>
+              <a:t>Direction (inner/outer) – defines the direction that the tick points from the axis line. The tick text is always placed outside the axis line.</a:t>
+            </a:r>
+          </a:p>
+          <a:p>
+            <a:pPr lvl="1"/>
+            <a:r>
+              <a:rPr lang="en-US" dirty="0" err="1" smtClean="0"/>
+              <a:t>line:LineStyle</a:t>
+            </a:r>
+            <a:endParaRPr lang="en-US" dirty="0" smtClean="0"/>
+          </a:p>
+          <a:p>
+            <a:pPr lvl="1"/>
+            <a:r>
+              <a:rPr lang="en-US" dirty="0" err="1" smtClean="0"/>
+              <a:t>title:TextLabel</a:t>
+            </a:r>
+            <a:endParaRPr lang="en-US" dirty="0" smtClean="0"/>
+          </a:p>
+          <a:p>
+            <a:pPr lvl="1"/>
+            <a:r>
+              <a:rPr lang="en-US" dirty="0" err="1" smtClean="0"/>
+              <a:t>tickTextStyle:TextStyle</a:t>
+            </a:r>
+            <a:endParaRPr lang="en-US" dirty="0"/>
+          </a:p>
+        </p:txBody>
+      </p:sp>
+      <p:sp>
+        <p:nvSpPr>
+          <p:cNvPr id="4" name="Slide Number Placeholder 3"/>
+          <p:cNvSpPr>
+            <a:spLocks noGrp="1"/>
+          </p:cNvSpPr>
+          <p:nvPr>
+            <p:ph type="sldNum" sz="quarter" idx="12"/>
+          </p:nvPr>
+        </p:nvSpPr>
+        <p:spPr/>
+        <p:txBody>
+          <a:bodyPr/>
+          <a:lstStyle/>
+          <a:p>
+            <a:fld id="{F1B1EB98-98E7-4A5A-BA8F-7513A9456E79}" type="slidenum">
+              <a:rPr lang="en-US" smtClean="0"/>
+              <a:t>19</a:t>
+            </a:fld>
+            <a:endParaRPr lang="en-US"/>
+          </a:p>
+        </p:txBody>
+      </p:sp>
+    </p:spTree>
+    <p:extLst>
+      <p:ext uri="{BB962C8B-B14F-4D97-AF65-F5344CB8AC3E}">
+        <p14:creationId xmlns:p14="http://schemas.microsoft.com/office/powerpoint/2010/main" val="2787888141"/>
       </p:ext>
     </p:extLst>
   </p:cSld>
@@ -11115,10 +11556,6 @@
           <a:bodyPr/>
           <a:lstStyle/>
           <a:p>
-            <a:r>
-              <a:rPr lang="en-US" smtClean="0"/>
-              <a:t>Page </a:t>
-            </a:r>
             <a:fld id="{F1B1EB98-98E7-4A5A-BA8F-7513A9456E79}" type="slidenum">
               <a:rPr lang="en-US" smtClean="0"/>
               <a:pPr/>
@@ -11132,6 +11569,1204 @@
     <p:extLst>
       <p:ext uri="{BB962C8B-B14F-4D97-AF65-F5344CB8AC3E}">
         <p14:creationId xmlns:p14="http://schemas.microsoft.com/office/powerpoint/2010/main" val="4154363597"/>
+      </p:ext>
+    </p:extLst>
+  </p:cSld>
+  <p:clrMapOvr>
+    <a:masterClrMapping/>
+  </p:clrMapOvr>
+</p:sld>
+</file>
+
+<file path=ppt/slides/slide20.xml><?xml version="1.0" encoding="utf-8"?>
+<p:sld xmlns:a="http://schemas.openxmlformats.org/drawingml/2006/main" xmlns:r="http://schemas.openxmlformats.org/officeDocument/2006/relationships" xmlns:p="http://schemas.openxmlformats.org/presentationml/2006/main">
+  <p:cSld>
+    <p:spTree>
+      <p:nvGrpSpPr>
+        <p:cNvPr id="1" name=""/>
+        <p:cNvGrpSpPr/>
+        <p:nvPr/>
+      </p:nvGrpSpPr>
+      <p:grpSpPr>
+        <a:xfrm>
+          <a:off x="0" y="0"/>
+          <a:ext cx="0" cy="0"/>
+          <a:chOff x="0" y="0"/>
+          <a:chExt cx="0" cy="0"/>
+        </a:xfrm>
+      </p:grpSpPr>
+      <p:sp>
+        <p:nvSpPr>
+          <p:cNvPr id="2" name="Title 1"/>
+          <p:cNvSpPr>
+            <a:spLocks noGrp="1"/>
+          </p:cNvSpPr>
+          <p:nvPr>
+            <p:ph type="title"/>
+          </p:nvPr>
+        </p:nvSpPr>
+        <p:spPr/>
+        <p:txBody>
+          <a:bodyPr>
+            <a:normAutofit fontScale="90000"/>
+          </a:bodyPr>
+          <a:lstStyle/>
+          <a:p>
+            <a:r>
+              <a:rPr lang="en-US" dirty="0" err="1" smtClean="0"/>
+              <a:t>PlotArea</a:t>
+            </a:r>
+            <a:endParaRPr lang="en-US" dirty="0"/>
+          </a:p>
+        </p:txBody>
+      </p:sp>
+      <p:sp>
+        <p:nvSpPr>
+          <p:cNvPr id="3" name="Content Placeholder 2"/>
+          <p:cNvSpPr>
+            <a:spLocks noGrp="1"/>
+          </p:cNvSpPr>
+          <p:nvPr>
+            <p:ph idx="1"/>
+          </p:nvPr>
+        </p:nvSpPr>
+        <p:spPr/>
+        <p:txBody>
+          <a:bodyPr>
+            <a:normAutofit fontScale="85000" lnSpcReduction="20000"/>
+          </a:bodyPr>
+          <a:lstStyle/>
+          <a:p>
+            <a:r>
+              <a:rPr lang="en-US" dirty="0" err="1" smtClean="0"/>
+              <a:t>gridlines:boolean</a:t>
+            </a:r>
+            <a:endParaRPr lang="en-US" dirty="0" smtClean="0"/>
+          </a:p>
+          <a:p>
+            <a:r>
+              <a:rPr lang="en-US" dirty="0" err="1" smtClean="0"/>
+              <a:t>gridStyle:LineStyle</a:t>
+            </a:r>
+            <a:endParaRPr lang="en-US" dirty="0" smtClean="0"/>
+          </a:p>
+          <a:p>
+            <a:r>
+              <a:rPr lang="en-US" dirty="0" err="1" smtClean="0"/>
+              <a:t>frameAxes:boolean</a:t>
+            </a:r>
+            <a:r>
+              <a:rPr lang="en-US" dirty="0" smtClean="0"/>
+              <a:t> – draws axes as a square frame regardless of the presence of secondary series.</a:t>
+            </a:r>
+          </a:p>
+          <a:p>
+            <a:r>
+              <a:rPr lang="en-US" dirty="0" err="1" smtClean="0"/>
+              <a:t>domain:Axis</a:t>
+            </a:r>
+            <a:endParaRPr lang="en-US" dirty="0" smtClean="0"/>
+          </a:p>
+          <a:p>
+            <a:r>
+              <a:rPr lang="en-US" dirty="0" err="1" smtClean="0"/>
+              <a:t>range:Axis</a:t>
+            </a:r>
+            <a:endParaRPr lang="en-US" dirty="0" smtClean="0"/>
+          </a:p>
+          <a:p>
+            <a:r>
+              <a:rPr lang="en-US" dirty="0" err="1" smtClean="0"/>
+              <a:t>secDomain:Axis</a:t>
+            </a:r>
+            <a:endParaRPr lang="en-US" dirty="0" smtClean="0"/>
+          </a:p>
+          <a:p>
+            <a:r>
+              <a:rPr lang="en-US" dirty="0" err="1" smtClean="0"/>
+              <a:t>secRange:Axis</a:t>
+            </a:r>
+            <a:endParaRPr lang="en-US" dirty="0" smtClean="0"/>
+          </a:p>
+          <a:p>
+            <a:r>
+              <a:rPr lang="en-US" dirty="0" err="1" smtClean="0"/>
+              <a:t>topAxes:List</a:t>
+            </a:r>
+            <a:r>
+              <a:rPr lang="en-US" dirty="0" smtClean="0"/>
+              <a:t>&lt;Axis&gt;</a:t>
+            </a:r>
+          </a:p>
+          <a:p>
+            <a:r>
+              <a:rPr lang="en-US" dirty="0" err="1" smtClean="0"/>
+              <a:t>leftAxes:List</a:t>
+            </a:r>
+            <a:r>
+              <a:rPr lang="en-US" dirty="0" smtClean="0"/>
+              <a:t>&lt;Axis&gt;</a:t>
+            </a:r>
+          </a:p>
+          <a:p>
+            <a:r>
+              <a:rPr lang="en-US" dirty="0" err="1" smtClean="0"/>
+              <a:t>bottomAxes:List</a:t>
+            </a:r>
+            <a:r>
+              <a:rPr lang="en-US" dirty="0" smtClean="0"/>
+              <a:t>&lt;Axis&gt;</a:t>
+            </a:r>
+          </a:p>
+          <a:p>
+            <a:r>
+              <a:rPr lang="en-US" dirty="0" err="1" smtClean="0"/>
+              <a:t>rightAxes:List</a:t>
+            </a:r>
+            <a:r>
+              <a:rPr lang="en-US" dirty="0" smtClean="0"/>
+              <a:t>&lt;Axis&gt;</a:t>
+            </a:r>
+          </a:p>
+          <a:p>
+            <a:r>
+              <a:rPr lang="en-US" dirty="0" err="1" smtClean="0"/>
+              <a:t>background:Background</a:t>
+            </a:r>
+            <a:endParaRPr lang="en-US" dirty="0"/>
+          </a:p>
+        </p:txBody>
+      </p:sp>
+      <p:sp>
+        <p:nvSpPr>
+          <p:cNvPr id="4" name="Slide Number Placeholder 3"/>
+          <p:cNvSpPr>
+            <a:spLocks noGrp="1"/>
+          </p:cNvSpPr>
+          <p:nvPr>
+            <p:ph type="sldNum" sz="quarter" idx="12"/>
+          </p:nvPr>
+        </p:nvSpPr>
+        <p:spPr/>
+        <p:txBody>
+          <a:bodyPr/>
+          <a:lstStyle/>
+          <a:p>
+            <a:fld id="{F1B1EB98-98E7-4A5A-BA8F-7513A9456E79}" type="slidenum">
+              <a:rPr lang="en-US" smtClean="0"/>
+              <a:t>20</a:t>
+            </a:fld>
+            <a:endParaRPr lang="en-US"/>
+          </a:p>
+        </p:txBody>
+      </p:sp>
+    </p:spTree>
+    <p:extLst>
+      <p:ext uri="{BB962C8B-B14F-4D97-AF65-F5344CB8AC3E}">
+        <p14:creationId xmlns:p14="http://schemas.microsoft.com/office/powerpoint/2010/main" val="2537969424"/>
+      </p:ext>
+    </p:extLst>
+  </p:cSld>
+  <p:clrMapOvr>
+    <a:masterClrMapping/>
+  </p:clrMapOvr>
+</p:sld>
+</file>
+
+<file path=ppt/slides/slide21.xml><?xml version="1.0" encoding="utf-8"?>
+<p:sld xmlns:a="http://schemas.openxmlformats.org/drawingml/2006/main" xmlns:r="http://schemas.openxmlformats.org/officeDocument/2006/relationships" xmlns:p="http://schemas.openxmlformats.org/presentationml/2006/main">
+  <p:cSld>
+    <p:spTree>
+      <p:nvGrpSpPr>
+        <p:cNvPr id="1" name=""/>
+        <p:cNvGrpSpPr/>
+        <p:nvPr/>
+      </p:nvGrpSpPr>
+      <p:grpSpPr>
+        <a:xfrm>
+          <a:off x="0" y="0"/>
+          <a:ext cx="0" cy="0"/>
+          <a:chOff x="0" y="0"/>
+          <a:chExt cx="0" cy="0"/>
+        </a:xfrm>
+      </p:grpSpPr>
+      <p:sp>
+        <p:nvSpPr>
+          <p:cNvPr id="2" name="Title 1"/>
+          <p:cNvSpPr>
+            <a:spLocks noGrp="1"/>
+          </p:cNvSpPr>
+          <p:nvPr>
+            <p:ph type="title"/>
+          </p:nvPr>
+        </p:nvSpPr>
+        <p:spPr/>
+        <p:txBody>
+          <a:bodyPr>
+            <a:normAutofit fontScale="90000"/>
+          </a:bodyPr>
+          <a:lstStyle/>
+          <a:p>
+            <a:r>
+              <a:rPr lang="en-US" dirty="0" smtClean="0"/>
+              <a:t>Control Room (The Martian)</a:t>
+            </a:r>
+            <a:endParaRPr lang="en-US" dirty="0"/>
+          </a:p>
+        </p:txBody>
+      </p:sp>
+      <p:sp>
+        <p:nvSpPr>
+          <p:cNvPr id="3" name="Slide Number Placeholder 2"/>
+          <p:cNvSpPr>
+            <a:spLocks noGrp="1"/>
+          </p:cNvSpPr>
+          <p:nvPr>
+            <p:ph type="sldNum" sz="quarter" idx="12"/>
+          </p:nvPr>
+        </p:nvSpPr>
+        <p:spPr/>
+        <p:txBody>
+          <a:bodyPr/>
+          <a:lstStyle/>
+          <a:p>
+            <a:fld id="{F1B1EB98-98E7-4A5A-BA8F-7513A9456E79}" type="slidenum">
+              <a:rPr lang="en-US" smtClean="0"/>
+              <a:pPr/>
+              <a:t>21</a:t>
+            </a:fld>
+            <a:endParaRPr lang="en-US" dirty="0"/>
+          </a:p>
+        </p:txBody>
+      </p:sp>
+      <p:pic>
+        <p:nvPicPr>
+          <p:cNvPr id="1026" name="Picture 2" descr="http://cdn.collider.com/wp-content/uploads/2015/06/the-martian-movie-image-control-room.jpg"/>
+          <p:cNvPicPr>
+            <a:picLocks noChangeAspect="1" noChangeArrowheads="1"/>
+          </p:cNvPicPr>
+          <p:nvPr/>
+        </p:nvPicPr>
+        <p:blipFill>
+          <a:blip r:embed="rId2" cstate="print">
+            <a:extLst>
+              <a:ext uri="{28A0092B-C50C-407E-A947-70E740481C1C}">
+                <a14:useLocalDpi xmlns:a14="http://schemas.microsoft.com/office/drawing/2010/main" val="0"/>
+              </a:ext>
+            </a:extLst>
+          </a:blip>
+          <a:srcRect/>
+          <a:stretch>
+            <a:fillRect/>
+          </a:stretch>
+        </p:blipFill>
+        <p:spPr bwMode="auto">
+          <a:xfrm>
+            <a:off x="228601" y="914400"/>
+            <a:ext cx="8676780" cy="4576176"/>
+          </a:xfrm>
+          <a:prstGeom prst="rect">
+            <a:avLst/>
+          </a:prstGeom>
+          <a:noFill/>
+          <a:extLst>
+            <a:ext uri="{909E8E84-426E-40DD-AFC4-6F175D3DCCD1}">
+              <a14:hiddenFill xmlns:a14="http://schemas.microsoft.com/office/drawing/2010/main">
+                <a:solidFill>
+                  <a:srgbClr val="FFFFFF"/>
+                </a:solidFill>
+              </a14:hiddenFill>
+            </a:ext>
+          </a:extLst>
+        </p:spPr>
+      </p:pic>
+      <p:sp>
+        <p:nvSpPr>
+          <p:cNvPr id="4" name="TextBox 3"/>
+          <p:cNvSpPr txBox="1"/>
+          <p:nvPr/>
+        </p:nvSpPr>
+        <p:spPr>
+          <a:xfrm>
+            <a:off x="228600" y="5486400"/>
+            <a:ext cx="8686799" cy="338554"/>
+          </a:xfrm>
+          <a:prstGeom prst="rect">
+            <a:avLst/>
+          </a:prstGeom>
+          <a:noFill/>
+        </p:spPr>
+        <p:txBody>
+          <a:bodyPr wrap="square" rtlCol="0">
+            <a:spAutoFit/>
+          </a:bodyPr>
+          <a:lstStyle/>
+          <a:p>
+            <a:pPr algn="ctr"/>
+            <a:r>
+              <a:rPr lang="en-US" sz="1600" dirty="0"/>
+              <a:t>http://cdn.collider.com/wp-content/uploads/2015/06/the-martian-movie-image-control-room.jpg</a:t>
+            </a:r>
+          </a:p>
+        </p:txBody>
+      </p:sp>
+    </p:spTree>
+    <p:extLst>
+      <p:ext uri="{BB962C8B-B14F-4D97-AF65-F5344CB8AC3E}">
+        <p14:creationId xmlns:p14="http://schemas.microsoft.com/office/powerpoint/2010/main" val="405317425"/>
+      </p:ext>
+    </p:extLst>
+  </p:cSld>
+  <p:clrMapOvr>
+    <a:masterClrMapping/>
+  </p:clrMapOvr>
+</p:sld>
+</file>
+
+<file path=ppt/slides/slide22.xml><?xml version="1.0" encoding="utf-8"?>
+<p:sld xmlns:a="http://schemas.openxmlformats.org/drawingml/2006/main" xmlns:r="http://schemas.openxmlformats.org/officeDocument/2006/relationships" xmlns:p="http://schemas.openxmlformats.org/presentationml/2006/main">
+  <p:cSld>
+    <p:spTree>
+      <p:nvGrpSpPr>
+        <p:cNvPr id="1" name=""/>
+        <p:cNvGrpSpPr/>
+        <p:nvPr/>
+      </p:nvGrpSpPr>
+      <p:grpSpPr>
+        <a:xfrm>
+          <a:off x="0" y="0"/>
+          <a:ext cx="0" cy="0"/>
+          <a:chOff x="0" y="0"/>
+          <a:chExt cx="0" cy="0"/>
+        </a:xfrm>
+      </p:grpSpPr>
+      <p:sp>
+        <p:nvSpPr>
+          <p:cNvPr id="2" name="Title 1"/>
+          <p:cNvSpPr>
+            <a:spLocks noGrp="1"/>
+          </p:cNvSpPr>
+          <p:nvPr>
+            <p:ph type="title"/>
+          </p:nvPr>
+        </p:nvSpPr>
+        <p:spPr/>
+        <p:txBody>
+          <a:bodyPr>
+            <a:normAutofit fontScale="90000"/>
+          </a:bodyPr>
+          <a:lstStyle/>
+          <a:p>
+            <a:r>
+              <a:rPr lang="en-US" dirty="0"/>
+              <a:t>Control Room (The Martian)</a:t>
+            </a:r>
+          </a:p>
+        </p:txBody>
+      </p:sp>
+      <p:sp>
+        <p:nvSpPr>
+          <p:cNvPr id="3" name="Slide Number Placeholder 2"/>
+          <p:cNvSpPr>
+            <a:spLocks noGrp="1"/>
+          </p:cNvSpPr>
+          <p:nvPr>
+            <p:ph type="sldNum" sz="quarter" idx="12"/>
+          </p:nvPr>
+        </p:nvSpPr>
+        <p:spPr/>
+        <p:txBody>
+          <a:bodyPr/>
+          <a:lstStyle/>
+          <a:p>
+            <a:fld id="{F1B1EB98-98E7-4A5A-BA8F-7513A9456E79}" type="slidenum">
+              <a:rPr lang="en-US" smtClean="0"/>
+              <a:pPr/>
+              <a:t>22</a:t>
+            </a:fld>
+            <a:endParaRPr lang="en-US" dirty="0"/>
+          </a:p>
+        </p:txBody>
+      </p:sp>
+      <p:sp>
+        <p:nvSpPr>
+          <p:cNvPr id="4" name="Rectangle 3"/>
+          <p:cNvSpPr/>
+          <p:nvPr/>
+        </p:nvSpPr>
+        <p:spPr>
+          <a:xfrm>
+            <a:off x="228600" y="5486400"/>
+            <a:ext cx="8686800" cy="276999"/>
+          </a:xfrm>
+          <a:prstGeom prst="rect">
+            <a:avLst/>
+          </a:prstGeom>
+        </p:spPr>
+        <p:txBody>
+          <a:bodyPr wrap="square">
+            <a:spAutoFit/>
+          </a:bodyPr>
+          <a:lstStyle/>
+          <a:p>
+            <a:pPr algn="ctr"/>
+            <a:r>
+              <a:rPr lang="en-US" sz="1200" dirty="0"/>
+              <a:t>http://3.bp.blogspot.com/-</a:t>
+            </a:r>
+            <a:r>
+              <a:rPr lang="en-US" sz="1200" dirty="0" smtClean="0"/>
+              <a:t>IOg7gg3VWsw/Vg4ZgZK3WNI/AAAAAAAABH8/MImWkRXLpsE/s1600/The_Martian_Mission_Control.jpg</a:t>
+            </a:r>
+            <a:endParaRPr lang="en-US" sz="1200" dirty="0"/>
+          </a:p>
+        </p:txBody>
+      </p:sp>
+      <p:pic>
+        <p:nvPicPr>
+          <p:cNvPr id="2050" name="Picture 2" descr="http://3.bp.blogspot.com/-IOg7gg3VWsw/Vg4ZgZK3WNI/AAAAAAAABH8/MImWkRXLpsE/s1600/The_Martian_Mission_Control.jpg"/>
+          <p:cNvPicPr>
+            <a:picLocks noChangeAspect="1" noChangeArrowheads="1"/>
+          </p:cNvPicPr>
+          <p:nvPr/>
+        </p:nvPicPr>
+        <p:blipFill>
+          <a:blip r:embed="rId2">
+            <a:extLst>
+              <a:ext uri="{28A0092B-C50C-407E-A947-70E740481C1C}">
+                <a14:useLocalDpi xmlns:a14="http://schemas.microsoft.com/office/drawing/2010/main" val="0"/>
+              </a:ext>
+            </a:extLst>
+          </a:blip>
+          <a:srcRect/>
+          <a:stretch>
+            <a:fillRect/>
+          </a:stretch>
+        </p:blipFill>
+        <p:spPr bwMode="auto">
+          <a:xfrm>
+            <a:off x="237744" y="914400"/>
+            <a:ext cx="8677656" cy="4578849"/>
+          </a:xfrm>
+          <a:prstGeom prst="rect">
+            <a:avLst/>
+          </a:prstGeom>
+          <a:noFill/>
+          <a:extLst>
+            <a:ext uri="{909E8E84-426E-40DD-AFC4-6F175D3DCCD1}">
+              <a14:hiddenFill xmlns:a14="http://schemas.microsoft.com/office/drawing/2010/main">
+                <a:solidFill>
+                  <a:srgbClr val="FFFFFF"/>
+                </a:solidFill>
+              </a14:hiddenFill>
+            </a:ext>
+          </a:extLst>
+        </p:spPr>
+      </p:pic>
+    </p:spTree>
+    <p:extLst>
+      <p:ext uri="{BB962C8B-B14F-4D97-AF65-F5344CB8AC3E}">
+        <p14:creationId xmlns:p14="http://schemas.microsoft.com/office/powerpoint/2010/main" val="3665104665"/>
+      </p:ext>
+    </p:extLst>
+  </p:cSld>
+  <p:clrMapOvr>
+    <a:masterClrMapping/>
+  </p:clrMapOvr>
+</p:sld>
+</file>
+
+<file path=ppt/slides/slide23.xml><?xml version="1.0" encoding="utf-8"?>
+<p:sld xmlns:a="http://schemas.openxmlformats.org/drawingml/2006/main" xmlns:r="http://schemas.openxmlformats.org/officeDocument/2006/relationships" xmlns:p="http://schemas.openxmlformats.org/presentationml/2006/main">
+  <p:cSld>
+    <p:spTree>
+      <p:nvGrpSpPr>
+        <p:cNvPr id="1" name=""/>
+        <p:cNvGrpSpPr/>
+        <p:nvPr/>
+      </p:nvGrpSpPr>
+      <p:grpSpPr>
+        <a:xfrm>
+          <a:off x="0" y="0"/>
+          <a:ext cx="0" cy="0"/>
+          <a:chOff x="0" y="0"/>
+          <a:chExt cx="0" cy="0"/>
+        </a:xfrm>
+      </p:grpSpPr>
+      <p:sp>
+        <p:nvSpPr>
+          <p:cNvPr id="2" name="Title 1"/>
+          <p:cNvSpPr>
+            <a:spLocks noGrp="1"/>
+          </p:cNvSpPr>
+          <p:nvPr>
+            <p:ph type="title"/>
+          </p:nvPr>
+        </p:nvSpPr>
+        <p:spPr/>
+        <p:txBody>
+          <a:bodyPr>
+            <a:normAutofit fontScale="90000"/>
+          </a:bodyPr>
+          <a:lstStyle/>
+          <a:p>
+            <a:r>
+              <a:rPr lang="en-US" dirty="0"/>
+              <a:t>Control Room (The Martian)</a:t>
+            </a:r>
+          </a:p>
+        </p:txBody>
+      </p:sp>
+      <p:sp>
+        <p:nvSpPr>
+          <p:cNvPr id="3" name="Slide Number Placeholder 2"/>
+          <p:cNvSpPr>
+            <a:spLocks noGrp="1"/>
+          </p:cNvSpPr>
+          <p:nvPr>
+            <p:ph type="sldNum" sz="quarter" idx="12"/>
+          </p:nvPr>
+        </p:nvSpPr>
+        <p:spPr/>
+        <p:txBody>
+          <a:bodyPr/>
+          <a:lstStyle/>
+          <a:p>
+            <a:fld id="{F1B1EB98-98E7-4A5A-BA8F-7513A9456E79}" type="slidenum">
+              <a:rPr lang="en-US" smtClean="0"/>
+              <a:pPr/>
+              <a:t>23</a:t>
+            </a:fld>
+            <a:endParaRPr lang="en-US" dirty="0"/>
+          </a:p>
+        </p:txBody>
+      </p:sp>
+      <p:pic>
+        <p:nvPicPr>
+          <p:cNvPr id="3074" name="Picture 2" descr="http://s3.foxmovies.com/foxmovies/production/films/104/images/gallery/martian-gallery18-gallery-image.jpg"/>
+          <p:cNvPicPr>
+            <a:picLocks noChangeAspect="1" noChangeArrowheads="1"/>
+          </p:cNvPicPr>
+          <p:nvPr/>
+        </p:nvPicPr>
+        <p:blipFill>
+          <a:blip r:embed="rId2">
+            <a:extLst>
+              <a:ext uri="{28A0092B-C50C-407E-A947-70E740481C1C}">
+                <a14:useLocalDpi xmlns:a14="http://schemas.microsoft.com/office/drawing/2010/main" val="0"/>
+              </a:ext>
+            </a:extLst>
+          </a:blip>
+          <a:srcRect/>
+          <a:stretch>
+            <a:fillRect/>
+          </a:stretch>
+        </p:blipFill>
+        <p:spPr bwMode="auto">
+          <a:xfrm>
+            <a:off x="228600" y="914400"/>
+            <a:ext cx="8677656" cy="4670679"/>
+          </a:xfrm>
+          <a:prstGeom prst="rect">
+            <a:avLst/>
+          </a:prstGeom>
+          <a:noFill/>
+          <a:extLst>
+            <a:ext uri="{909E8E84-426E-40DD-AFC4-6F175D3DCCD1}">
+              <a14:hiddenFill xmlns:a14="http://schemas.microsoft.com/office/drawing/2010/main">
+                <a:solidFill>
+                  <a:srgbClr val="FFFFFF"/>
+                </a:solidFill>
+              </a14:hiddenFill>
+            </a:ext>
+          </a:extLst>
+        </p:spPr>
+      </p:pic>
+      <p:sp>
+        <p:nvSpPr>
+          <p:cNvPr id="4" name="Rectangle 3"/>
+          <p:cNvSpPr/>
+          <p:nvPr/>
+        </p:nvSpPr>
+        <p:spPr>
+          <a:xfrm>
+            <a:off x="228600" y="5562600"/>
+            <a:ext cx="8686800" cy="307777"/>
+          </a:xfrm>
+          <a:prstGeom prst="rect">
+            <a:avLst/>
+          </a:prstGeom>
+        </p:spPr>
+        <p:txBody>
+          <a:bodyPr wrap="square">
+            <a:spAutoFit/>
+          </a:bodyPr>
+          <a:lstStyle/>
+          <a:p>
+            <a:pPr algn="ctr"/>
+            <a:r>
+              <a:rPr lang="en-US" sz="1400" dirty="0"/>
+              <a:t>http://s3.foxmovies.com/foxmovies/production/films/104/images/gallery/martian-gallery18-gallery-image.jpg</a:t>
+            </a:r>
+          </a:p>
+        </p:txBody>
+      </p:sp>
+    </p:spTree>
+    <p:extLst>
+      <p:ext uri="{BB962C8B-B14F-4D97-AF65-F5344CB8AC3E}">
+        <p14:creationId xmlns:p14="http://schemas.microsoft.com/office/powerpoint/2010/main" val="1824787362"/>
+      </p:ext>
+    </p:extLst>
+  </p:cSld>
+  <p:clrMapOvr>
+    <a:masterClrMapping/>
+  </p:clrMapOvr>
+</p:sld>
+</file>
+
+<file path=ppt/slides/slide24.xml><?xml version="1.0" encoding="utf-8"?>
+<p:sld xmlns:a="http://schemas.openxmlformats.org/drawingml/2006/main" xmlns:r="http://schemas.openxmlformats.org/officeDocument/2006/relationships" xmlns:p="http://schemas.openxmlformats.org/presentationml/2006/main">
+  <p:cSld>
+    <p:spTree>
+      <p:nvGrpSpPr>
+        <p:cNvPr id="1" name=""/>
+        <p:cNvGrpSpPr/>
+        <p:nvPr/>
+      </p:nvGrpSpPr>
+      <p:grpSpPr>
+        <a:xfrm>
+          <a:off x="0" y="0"/>
+          <a:ext cx="0" cy="0"/>
+          <a:chOff x="0" y="0"/>
+          <a:chExt cx="0" cy="0"/>
+        </a:xfrm>
+      </p:grpSpPr>
+      <p:sp>
+        <p:nvSpPr>
+          <p:cNvPr id="2" name="Title 1"/>
+          <p:cNvSpPr>
+            <a:spLocks noGrp="1"/>
+          </p:cNvSpPr>
+          <p:nvPr>
+            <p:ph type="title"/>
+          </p:nvPr>
+        </p:nvSpPr>
+        <p:spPr/>
+        <p:txBody>
+          <a:bodyPr>
+            <a:normAutofit fontScale="90000"/>
+          </a:bodyPr>
+          <a:lstStyle/>
+          <a:p>
+            <a:r>
+              <a:rPr lang="en-US" dirty="0" smtClean="0"/>
+              <a:t>NASA Control Room</a:t>
+            </a:r>
+            <a:endParaRPr lang="en-US" dirty="0"/>
+          </a:p>
+        </p:txBody>
+      </p:sp>
+      <p:sp>
+        <p:nvSpPr>
+          <p:cNvPr id="3" name="Slide Number Placeholder 2"/>
+          <p:cNvSpPr>
+            <a:spLocks noGrp="1"/>
+          </p:cNvSpPr>
+          <p:nvPr>
+            <p:ph type="sldNum" sz="quarter" idx="12"/>
+          </p:nvPr>
+        </p:nvSpPr>
+        <p:spPr/>
+        <p:txBody>
+          <a:bodyPr/>
+          <a:lstStyle/>
+          <a:p>
+            <a:fld id="{F1B1EB98-98E7-4A5A-BA8F-7513A9456E79}" type="slidenum">
+              <a:rPr lang="en-US" smtClean="0"/>
+              <a:pPr/>
+              <a:t>24</a:t>
+            </a:fld>
+            <a:endParaRPr lang="en-US" dirty="0"/>
+          </a:p>
+        </p:txBody>
+      </p:sp>
+      <p:pic>
+        <p:nvPicPr>
+          <p:cNvPr id="4098" name="Picture 2" descr="https://upload.wikimedia.org/wikipedia/commons/f/fd/STS-128_MCC_space_station_flight_control_room.jpg"/>
+          <p:cNvPicPr>
+            <a:picLocks noChangeAspect="1" noChangeArrowheads="1"/>
+          </p:cNvPicPr>
+          <p:nvPr/>
+        </p:nvPicPr>
+        <p:blipFill rotWithShape="1">
+          <a:blip r:embed="rId2" cstate="print">
+            <a:extLst>
+              <a:ext uri="{28A0092B-C50C-407E-A947-70E740481C1C}">
+                <a14:useLocalDpi xmlns:a14="http://schemas.microsoft.com/office/drawing/2010/main" val="0"/>
+              </a:ext>
+            </a:extLst>
+          </a:blip>
+          <a:srcRect b="9311"/>
+          <a:stretch/>
+        </p:blipFill>
+        <p:spPr bwMode="auto">
+          <a:xfrm>
+            <a:off x="228600" y="930704"/>
+            <a:ext cx="8677656" cy="5237184"/>
+          </a:xfrm>
+          <a:prstGeom prst="rect">
+            <a:avLst/>
+          </a:prstGeom>
+          <a:noFill/>
+          <a:extLst>
+            <a:ext uri="{909E8E84-426E-40DD-AFC4-6F175D3DCCD1}">
+              <a14:hiddenFill xmlns:a14="http://schemas.microsoft.com/office/drawing/2010/main">
+                <a:solidFill>
+                  <a:srgbClr val="FFFFFF"/>
+                </a:solidFill>
+              </a14:hiddenFill>
+            </a:ext>
+          </a:extLst>
+        </p:spPr>
+      </p:pic>
+      <p:sp>
+        <p:nvSpPr>
+          <p:cNvPr id="4" name="Rectangle 3"/>
+          <p:cNvSpPr/>
+          <p:nvPr/>
+        </p:nvSpPr>
+        <p:spPr>
+          <a:xfrm>
+            <a:off x="228600" y="6169223"/>
+            <a:ext cx="8686800" cy="307777"/>
+          </a:xfrm>
+          <a:prstGeom prst="rect">
+            <a:avLst/>
+          </a:prstGeom>
+        </p:spPr>
+        <p:txBody>
+          <a:bodyPr wrap="square">
+            <a:spAutoFit/>
+          </a:bodyPr>
+          <a:lstStyle/>
+          <a:p>
+            <a:pPr algn="ctr"/>
+            <a:r>
+              <a:rPr lang="en-US" sz="1400" dirty="0"/>
+              <a:t>https://upload.wikimedia.org/wikipedia/commons/f/fd/STS-128_MCC_space_station_flight_control_room.jpg</a:t>
+            </a:r>
+          </a:p>
+        </p:txBody>
+      </p:sp>
+    </p:spTree>
+    <p:extLst>
+      <p:ext uri="{BB962C8B-B14F-4D97-AF65-F5344CB8AC3E}">
+        <p14:creationId xmlns:p14="http://schemas.microsoft.com/office/powerpoint/2010/main" val="2451054303"/>
+      </p:ext>
+    </p:extLst>
+  </p:cSld>
+  <p:clrMapOvr>
+    <a:masterClrMapping/>
+  </p:clrMapOvr>
+</p:sld>
+</file>
+
+<file path=ppt/slides/slide25.xml><?xml version="1.0" encoding="utf-8"?>
+<p:sld xmlns:a="http://schemas.openxmlformats.org/drawingml/2006/main" xmlns:r="http://schemas.openxmlformats.org/officeDocument/2006/relationships" xmlns:p="http://schemas.openxmlformats.org/presentationml/2006/main">
+  <p:cSld>
+    <p:spTree>
+      <p:nvGrpSpPr>
+        <p:cNvPr id="1" name=""/>
+        <p:cNvGrpSpPr/>
+        <p:nvPr/>
+      </p:nvGrpSpPr>
+      <p:grpSpPr>
+        <a:xfrm>
+          <a:off x="0" y="0"/>
+          <a:ext cx="0" cy="0"/>
+          <a:chOff x="0" y="0"/>
+          <a:chExt cx="0" cy="0"/>
+        </a:xfrm>
+      </p:grpSpPr>
+      <p:sp>
+        <p:nvSpPr>
+          <p:cNvPr id="2" name="Title 1"/>
+          <p:cNvSpPr>
+            <a:spLocks noGrp="1"/>
+          </p:cNvSpPr>
+          <p:nvPr>
+            <p:ph type="title"/>
+          </p:nvPr>
+        </p:nvSpPr>
+        <p:spPr/>
+        <p:txBody>
+          <a:bodyPr>
+            <a:normAutofit fontScale="90000"/>
+          </a:bodyPr>
+          <a:lstStyle/>
+          <a:p>
+            <a:r>
+              <a:rPr lang="en-US" dirty="0"/>
+              <a:t>NASA Control Room</a:t>
+            </a:r>
+          </a:p>
+        </p:txBody>
+      </p:sp>
+      <p:sp>
+        <p:nvSpPr>
+          <p:cNvPr id="3" name="Slide Number Placeholder 2"/>
+          <p:cNvSpPr>
+            <a:spLocks noGrp="1"/>
+          </p:cNvSpPr>
+          <p:nvPr>
+            <p:ph type="sldNum" sz="quarter" idx="12"/>
+          </p:nvPr>
+        </p:nvSpPr>
+        <p:spPr/>
+        <p:txBody>
+          <a:bodyPr/>
+          <a:lstStyle/>
+          <a:p>
+            <a:fld id="{F1B1EB98-98E7-4A5A-BA8F-7513A9456E79}" type="slidenum">
+              <a:rPr lang="en-US" smtClean="0"/>
+              <a:pPr/>
+              <a:t>25</a:t>
+            </a:fld>
+            <a:endParaRPr lang="en-US" dirty="0"/>
+          </a:p>
+        </p:txBody>
+      </p:sp>
+      <p:pic>
+        <p:nvPicPr>
+          <p:cNvPr id="5122" name="Picture 2" descr="http://www.nasa.gov/images/content/652997main_jsc2012e054285_1600_946-710.jpg"/>
+          <p:cNvPicPr>
+            <a:picLocks noChangeAspect="1" noChangeArrowheads="1"/>
+          </p:cNvPicPr>
+          <p:nvPr/>
+        </p:nvPicPr>
+        <p:blipFill rotWithShape="1">
+          <a:blip r:embed="rId2">
+            <a:extLst>
+              <a:ext uri="{28A0092B-C50C-407E-A947-70E740481C1C}">
+                <a14:useLocalDpi xmlns:a14="http://schemas.microsoft.com/office/drawing/2010/main" val="0"/>
+              </a:ext>
+            </a:extLst>
+          </a:blip>
+          <a:srcRect b="30462"/>
+          <a:stretch/>
+        </p:blipFill>
+        <p:spPr bwMode="auto">
+          <a:xfrm>
+            <a:off x="228600" y="926068"/>
+            <a:ext cx="8677656" cy="4528868"/>
+          </a:xfrm>
+          <a:prstGeom prst="rect">
+            <a:avLst/>
+          </a:prstGeom>
+          <a:noFill/>
+          <a:extLst>
+            <a:ext uri="{909E8E84-426E-40DD-AFC4-6F175D3DCCD1}">
+              <a14:hiddenFill xmlns:a14="http://schemas.microsoft.com/office/drawing/2010/main">
+                <a:solidFill>
+                  <a:srgbClr val="FFFFFF"/>
+                </a:solidFill>
+              </a14:hiddenFill>
+            </a:ext>
+          </a:extLst>
+        </p:spPr>
+      </p:pic>
+      <p:sp>
+        <p:nvSpPr>
+          <p:cNvPr id="4" name="Rectangle 3"/>
+          <p:cNvSpPr/>
+          <p:nvPr/>
+        </p:nvSpPr>
+        <p:spPr>
+          <a:xfrm>
+            <a:off x="228600" y="5421868"/>
+            <a:ext cx="8686800" cy="369332"/>
+          </a:xfrm>
+          <a:prstGeom prst="rect">
+            <a:avLst/>
+          </a:prstGeom>
+        </p:spPr>
+        <p:txBody>
+          <a:bodyPr wrap="square">
+            <a:spAutoFit/>
+          </a:bodyPr>
+          <a:lstStyle/>
+          <a:p>
+            <a:pPr algn="ctr"/>
+            <a:r>
+              <a:rPr lang="en-US" dirty="0"/>
+              <a:t>http://www.nasa.gov/images/content/652997main_jsc2012e054285_1600_946-710.jpg</a:t>
+            </a:r>
+          </a:p>
+        </p:txBody>
+      </p:sp>
+    </p:spTree>
+    <p:extLst>
+      <p:ext uri="{BB962C8B-B14F-4D97-AF65-F5344CB8AC3E}">
+        <p14:creationId xmlns:p14="http://schemas.microsoft.com/office/powerpoint/2010/main" val="3123038276"/>
+      </p:ext>
+    </p:extLst>
+  </p:cSld>
+  <p:clrMapOvr>
+    <a:masterClrMapping/>
+  </p:clrMapOvr>
+</p:sld>
+</file>
+
+<file path=ppt/slides/slide26.xml><?xml version="1.0" encoding="utf-8"?>
+<p:sld xmlns:a="http://schemas.openxmlformats.org/drawingml/2006/main" xmlns:r="http://schemas.openxmlformats.org/officeDocument/2006/relationships" xmlns:p="http://schemas.openxmlformats.org/presentationml/2006/main">
+  <p:cSld>
+    <p:spTree>
+      <p:nvGrpSpPr>
+        <p:cNvPr id="1" name=""/>
+        <p:cNvGrpSpPr/>
+        <p:nvPr/>
+      </p:nvGrpSpPr>
+      <p:grpSpPr>
+        <a:xfrm>
+          <a:off x="0" y="0"/>
+          <a:ext cx="0" cy="0"/>
+          <a:chOff x="0" y="0"/>
+          <a:chExt cx="0" cy="0"/>
+        </a:xfrm>
+      </p:grpSpPr>
+      <p:sp>
+        <p:nvSpPr>
+          <p:cNvPr id="2" name="Title 1"/>
+          <p:cNvSpPr>
+            <a:spLocks noGrp="1"/>
+          </p:cNvSpPr>
+          <p:nvPr>
+            <p:ph type="title"/>
+          </p:nvPr>
+        </p:nvSpPr>
+        <p:spPr/>
+        <p:txBody>
+          <a:bodyPr>
+            <a:normAutofit fontScale="90000"/>
+          </a:bodyPr>
+          <a:lstStyle/>
+          <a:p>
+            <a:endParaRPr lang="en-US"/>
+          </a:p>
+        </p:txBody>
+      </p:sp>
+      <p:sp>
+        <p:nvSpPr>
+          <p:cNvPr id="3" name="Slide Number Placeholder 2"/>
+          <p:cNvSpPr>
+            <a:spLocks noGrp="1"/>
+          </p:cNvSpPr>
+          <p:nvPr>
+            <p:ph type="sldNum" sz="quarter" idx="12"/>
+          </p:nvPr>
+        </p:nvSpPr>
+        <p:spPr/>
+        <p:txBody>
+          <a:bodyPr/>
+          <a:lstStyle/>
+          <a:p>
+            <a:fld id="{F1B1EB98-98E7-4A5A-BA8F-7513A9456E79}" type="slidenum">
+              <a:rPr lang="en-US" smtClean="0"/>
+              <a:pPr/>
+              <a:t>26</a:t>
+            </a:fld>
+            <a:endParaRPr lang="en-US" dirty="0"/>
+          </a:p>
+        </p:txBody>
+      </p:sp>
+      <p:sp>
+        <p:nvSpPr>
+          <p:cNvPr id="4" name="Rectangle 3"/>
+          <p:cNvSpPr/>
+          <p:nvPr/>
+        </p:nvSpPr>
+        <p:spPr>
+          <a:xfrm>
+            <a:off x="228600" y="4038600"/>
+            <a:ext cx="8686800" cy="276999"/>
+          </a:xfrm>
+          <a:prstGeom prst="rect">
+            <a:avLst/>
+          </a:prstGeom>
+        </p:spPr>
+        <p:txBody>
+          <a:bodyPr wrap="square">
+            <a:spAutoFit/>
+          </a:bodyPr>
+          <a:lstStyle/>
+          <a:p>
+            <a:pPr algn="ctr"/>
+            <a:r>
+              <a:rPr lang="en-US" sz="1200" dirty="0"/>
+              <a:t>http://spacefellowship.com/wp-content/uploads/2012/08/ESOC-MainControlRoom-13x19cm-08112011-JMai-4822.jpg</a:t>
+            </a:r>
+          </a:p>
+        </p:txBody>
+      </p:sp>
+      <p:pic>
+        <p:nvPicPr>
+          <p:cNvPr id="6146" name="Picture 2" descr="http://spacefellowship.com/wp-content/uploads/2012/08/ESOC-MainControlRoom-13x19cm-08112011-JMai-4822.jpg"/>
+          <p:cNvPicPr>
+            <a:picLocks noChangeAspect="1" noChangeArrowheads="1"/>
+          </p:cNvPicPr>
+          <p:nvPr/>
+        </p:nvPicPr>
+        <p:blipFill rotWithShape="1">
+          <a:blip r:embed="rId2">
+            <a:extLst>
+              <a:ext uri="{28A0092B-C50C-407E-A947-70E740481C1C}">
+                <a14:useLocalDpi xmlns:a14="http://schemas.microsoft.com/office/drawing/2010/main" val="0"/>
+              </a:ext>
+            </a:extLst>
+          </a:blip>
+          <a:srcRect t="17041" b="29155"/>
+          <a:stretch/>
+        </p:blipFill>
+        <p:spPr bwMode="auto">
+          <a:xfrm>
+            <a:off x="228600" y="924464"/>
+            <a:ext cx="8677656" cy="3114136"/>
+          </a:xfrm>
+          <a:prstGeom prst="rect">
+            <a:avLst/>
+          </a:prstGeom>
+          <a:noFill/>
+          <a:extLst>
+            <a:ext uri="{909E8E84-426E-40DD-AFC4-6F175D3DCCD1}">
+              <a14:hiddenFill xmlns:a14="http://schemas.microsoft.com/office/drawing/2010/main">
+                <a:solidFill>
+                  <a:srgbClr val="FFFFFF"/>
+                </a:solidFill>
+              </a14:hiddenFill>
+            </a:ext>
+          </a:extLst>
+        </p:spPr>
+      </p:pic>
+    </p:spTree>
+    <p:extLst>
+      <p:ext uri="{BB962C8B-B14F-4D97-AF65-F5344CB8AC3E}">
+        <p14:creationId xmlns:p14="http://schemas.microsoft.com/office/powerpoint/2010/main" val="2793129726"/>
+      </p:ext>
+    </p:extLst>
+  </p:cSld>
+  <p:clrMapOvr>
+    <a:masterClrMapping/>
+  </p:clrMapOvr>
+</p:sld>
+</file>
+
+<file path=ppt/slides/slide27.xml><?xml version="1.0" encoding="utf-8"?>
+<p:sld xmlns:a="http://schemas.openxmlformats.org/drawingml/2006/main" xmlns:r="http://schemas.openxmlformats.org/officeDocument/2006/relationships" xmlns:p="http://schemas.openxmlformats.org/presentationml/2006/main">
+  <p:cSld>
+    <p:spTree>
+      <p:nvGrpSpPr>
+        <p:cNvPr id="1" name=""/>
+        <p:cNvGrpSpPr/>
+        <p:nvPr/>
+      </p:nvGrpSpPr>
+      <p:grpSpPr>
+        <a:xfrm>
+          <a:off x="0" y="0"/>
+          <a:ext cx="0" cy="0"/>
+          <a:chOff x="0" y="0"/>
+          <a:chExt cx="0" cy="0"/>
+        </a:xfrm>
+      </p:grpSpPr>
+      <p:sp>
+        <p:nvSpPr>
+          <p:cNvPr id="2" name="Title 1"/>
+          <p:cNvSpPr>
+            <a:spLocks noGrp="1"/>
+          </p:cNvSpPr>
+          <p:nvPr>
+            <p:ph type="title"/>
+          </p:nvPr>
+        </p:nvSpPr>
+        <p:spPr/>
+        <p:txBody>
+          <a:bodyPr>
+            <a:normAutofit fontScale="90000"/>
+          </a:bodyPr>
+          <a:lstStyle/>
+          <a:p>
+            <a:endParaRPr lang="en-US"/>
+          </a:p>
+        </p:txBody>
+      </p:sp>
+      <p:sp>
+        <p:nvSpPr>
+          <p:cNvPr id="3" name="Slide Number Placeholder 2"/>
+          <p:cNvSpPr>
+            <a:spLocks noGrp="1"/>
+          </p:cNvSpPr>
+          <p:nvPr>
+            <p:ph type="sldNum" sz="quarter" idx="12"/>
+          </p:nvPr>
+        </p:nvSpPr>
+        <p:spPr/>
+        <p:txBody>
+          <a:bodyPr/>
+          <a:lstStyle/>
+          <a:p>
+            <a:fld id="{F1B1EB98-98E7-4A5A-BA8F-7513A9456E79}" type="slidenum">
+              <a:rPr lang="en-US" smtClean="0"/>
+              <a:pPr/>
+              <a:t>27</a:t>
+            </a:fld>
+            <a:endParaRPr lang="en-US" dirty="0"/>
+          </a:p>
+        </p:txBody>
+      </p:sp>
+      <p:pic>
+        <p:nvPicPr>
+          <p:cNvPr id="7170" name="Picture 2" descr="https://www.gnu.org/software/gsegrafix/figures/window.png"/>
+          <p:cNvPicPr>
+            <a:picLocks noChangeAspect="1" noChangeArrowheads="1"/>
+          </p:cNvPicPr>
+          <p:nvPr/>
+        </p:nvPicPr>
+        <p:blipFill>
+          <a:blip r:embed="rId2">
+            <a:extLst>
+              <a:ext uri="{28A0092B-C50C-407E-A947-70E740481C1C}">
+                <a14:useLocalDpi xmlns:a14="http://schemas.microsoft.com/office/drawing/2010/main" val="0"/>
+              </a:ext>
+            </a:extLst>
+          </a:blip>
+          <a:srcRect/>
+          <a:stretch>
+            <a:fillRect/>
+          </a:stretch>
+        </p:blipFill>
+        <p:spPr bwMode="auto">
+          <a:xfrm>
+            <a:off x="1600200" y="838200"/>
+            <a:ext cx="6172200" cy="4800601"/>
+          </a:xfrm>
+          <a:prstGeom prst="rect">
+            <a:avLst/>
+          </a:prstGeom>
+          <a:noFill/>
+          <a:extLst>
+            <a:ext uri="{909E8E84-426E-40DD-AFC4-6F175D3DCCD1}">
+              <a14:hiddenFill xmlns:a14="http://schemas.microsoft.com/office/drawing/2010/main">
+                <a:solidFill>
+                  <a:srgbClr val="FFFFFF"/>
+                </a:solidFill>
+              </a14:hiddenFill>
+            </a:ext>
+          </a:extLst>
+        </p:spPr>
+      </p:pic>
+    </p:spTree>
+    <p:extLst>
+      <p:ext uri="{BB962C8B-B14F-4D97-AF65-F5344CB8AC3E}">
+        <p14:creationId xmlns:p14="http://schemas.microsoft.com/office/powerpoint/2010/main" val="3451491691"/>
       </p:ext>
     </p:extLst>
   </p:cSld>
@@ -11592,10 +13227,6 @@
           <a:bodyPr/>
           <a:lstStyle/>
           <a:p>
-            <a:r>
-              <a:rPr lang="en-US" smtClean="0"/>
-              <a:t>Page </a:t>
-            </a:r>
             <a:fld id="{F1B1EB98-98E7-4A5A-BA8F-7513A9456E79}" type="slidenum">
               <a:rPr lang="en-US" smtClean="0"/>
               <a:pPr/>
@@ -12518,10 +14149,6 @@
           <a:bodyPr/>
           <a:lstStyle/>
           <a:p>
-            <a:r>
-              <a:rPr lang="en-US" smtClean="0"/>
-              <a:t>Page </a:t>
-            </a:r>
             <a:fld id="{F1B1EB98-98E7-4A5A-BA8F-7513A9456E79}" type="slidenum">
               <a:rPr lang="en-US" smtClean="0"/>
               <a:pPr/>
@@ -12997,10 +14624,6 @@
           <a:bodyPr/>
           <a:lstStyle/>
           <a:p>
-            <a:r>
-              <a:rPr lang="en-US" smtClean="0"/>
-              <a:t>Page </a:t>
-            </a:r>
             <a:fld id="{F1B1EB98-98E7-4A5A-BA8F-7513A9456E79}" type="slidenum">
               <a:rPr lang="en-US" smtClean="0"/>
               <a:pPr/>
@@ -13712,10 +15335,6 @@
           <a:bodyPr/>
           <a:lstStyle/>
           <a:p>
-            <a:r>
-              <a:rPr lang="en-US" smtClean="0"/>
-              <a:t>Page </a:t>
-            </a:r>
             <a:fld id="{F1B1EB98-98E7-4A5A-BA8F-7513A9456E79}" type="slidenum">
               <a:rPr lang="en-US" smtClean="0"/>
               <a:pPr/>
@@ -13795,10 +15414,6 @@
           <a:bodyPr/>
           <a:lstStyle/>
           <a:p>
-            <a:r>
-              <a:rPr lang="en-US" smtClean="0"/>
-              <a:t>Page </a:t>
-            </a:r>
             <a:fld id="{F1B1EB98-98E7-4A5A-BA8F-7513A9456E79}" type="slidenum">
               <a:rPr lang="en-US" smtClean="0"/>
               <a:pPr/>
@@ -14670,10 +16285,6 @@
           <a:bodyPr/>
           <a:lstStyle/>
           <a:p>
-            <a:r>
-              <a:rPr lang="en-US" smtClean="0"/>
-              <a:t>Page </a:t>
-            </a:r>
             <a:fld id="{F1B1EB98-98E7-4A5A-BA8F-7513A9456E79}" type="slidenum">
               <a:rPr lang="en-US" smtClean="0"/>
               <a:pPr/>
@@ -17152,10 +18763,6 @@
           <a:bodyPr/>
           <a:lstStyle/>
           <a:p>
-            <a:r>
-              <a:rPr lang="en-US" smtClean="0"/>
-              <a:t>Page </a:t>
-            </a:r>
             <a:fld id="{F1B1EB98-98E7-4A5A-BA8F-7513A9456E79}" type="slidenum">
               <a:rPr lang="en-US" smtClean="0"/>
               <a:pPr/>

--- a/java/JChartLib/docs/ui_framing.pptx
+++ b/java/JChartLib/docs/ui_framing.pptx
@@ -10231,7 +10231,11 @@
           </a:bodyPr>
           <a:lstStyle/>
           <a:p>
-            <a:endParaRPr lang="en-US"/>
+            <a:r>
+              <a:rPr lang="en-US" dirty="0" smtClean="0"/>
+              <a:t>Text</a:t>
+            </a:r>
+            <a:endParaRPr lang="en-US" dirty="0"/>
           </a:p>
         </p:txBody>
       </p:sp>
@@ -10450,7 +10454,7 @@
           <a:p>
             <a:pPr lvl="1"/>
             <a:r>
-              <a:rPr lang="en-US" smtClean="0"/>
+              <a:rPr lang="en-US" dirty="0" err="1" smtClean="0"/>
               <a:t>drawBaseLine:boolean</a:t>
             </a:r>
             <a:endParaRPr lang="en-US" dirty="0" smtClean="0"/>
@@ -10459,7 +10463,7 @@
             <a:pPr lvl="1"/>
             <a:r>
               <a:rPr lang="en-US" dirty="0" err="1" smtClean="0"/>
-              <a:t>drawTickLine:boolean</a:t>
+              <a:t>drawTickLines:boolean</a:t>
             </a:r>
             <a:endParaRPr lang="en-US" dirty="0" smtClean="0"/>
           </a:p>
@@ -11633,7 +11637,7 @@
         <p:spPr/>
         <p:txBody>
           <a:bodyPr>
-            <a:normAutofit fontScale="85000" lnSpcReduction="20000"/>
+            <a:normAutofit fontScale="77500" lnSpcReduction="20000"/>
           </a:bodyPr>
           <a:lstStyle/>
           <a:p>
@@ -11647,6 +11651,20 @@
             <a:r>
               <a:rPr lang="en-US" dirty="0" err="1" smtClean="0"/>
               <a:t>gridStyle:LineStyle</a:t>
+            </a:r>
+            <a:endParaRPr lang="en-US" dirty="0" smtClean="0"/>
+          </a:p>
+          <a:p>
+            <a:r>
+              <a:rPr lang="en-US" dirty="0" err="1" smtClean="0"/>
+              <a:t>minorLines:boolean</a:t>
+            </a:r>
+            <a:endParaRPr lang="en-US" dirty="0" smtClean="0"/>
+          </a:p>
+          <a:p>
+            <a:r>
+              <a:rPr lang="en-US" dirty="0" err="1" smtClean="0"/>
+              <a:t>minorLineStyle:LineStyle</a:t>
             </a:r>
             <a:endParaRPr lang="en-US" dirty="0" smtClean="0"/>
           </a:p>

--- a/java/JChartLib/docs/ui_framing.pptx
+++ b/java/JChartLib/docs/ui_framing.pptx
@@ -133,6 +133,22 @@
       </a:defRPr>
     </a:lvl9pPr>
   </p:defaultTextStyle>
+  <p:extLst>
+    <p:ext uri="{EFAFB233-063F-42B5-8137-9DF3F51BA10A}">
+      <p15:sldGuideLst xmlns:p15="http://schemas.microsoft.com/office/powerpoint/2012/main">
+        <p15:guide id="1" orient="horz" pos="2160">
+          <p15:clr>
+            <a:srgbClr val="A4A3A4"/>
+          </p15:clr>
+        </p15:guide>
+        <p15:guide id="2" pos="2880">
+          <p15:clr>
+            <a:srgbClr val="A4A3A4"/>
+          </p15:clr>
+        </p15:guide>
+      </p15:sldGuideLst>
+    </p:ext>
+  </p:extLst>
 </p:presentation>
 </file>
 
@@ -218,7 +234,7 @@
           <a:p>
             <a:fld id="{451F6C7C-57B4-44C2-A879-518E542631BF}" type="datetimeFigureOut">
               <a:rPr lang="en-US" smtClean="0"/>
-              <a:t>5/13/2016</a:t>
+              <a:t>1/1/2019</a:t>
             </a:fld>
             <a:endParaRPr lang="en-US"/>
           </a:p>
@@ -282,38 +298,37 @@
           <a:p>
             <a:pPr lvl="0"/>
             <a:r>
-              <a:rPr lang="en-US" smtClean="0"/>
+              <a:rPr lang="en-US"/>
               <a:t>Click to edit Master text styles</a:t>
             </a:r>
           </a:p>
           <a:p>
             <a:pPr lvl="1"/>
             <a:r>
-              <a:rPr lang="en-US" smtClean="0"/>
+              <a:rPr lang="en-US"/>
               <a:t>Second level</a:t>
             </a:r>
           </a:p>
           <a:p>
             <a:pPr lvl="2"/>
             <a:r>
-              <a:rPr lang="en-US" smtClean="0"/>
+              <a:rPr lang="en-US"/>
               <a:t>Third level</a:t>
             </a:r>
           </a:p>
           <a:p>
             <a:pPr lvl="3"/>
             <a:r>
-              <a:rPr lang="en-US" smtClean="0"/>
+              <a:rPr lang="en-US"/>
               <a:t>Fourth level</a:t>
             </a:r>
           </a:p>
           <a:p>
             <a:pPr lvl="4"/>
             <a:r>
-              <a:rPr lang="en-US" smtClean="0"/>
+              <a:rPr lang="en-US"/>
               <a:t>Fifth level</a:t>
             </a:r>
-            <a:endParaRPr lang="en-US"/>
           </a:p>
         </p:txBody>
       </p:sp>
@@ -608,10 +623,9 @@
           <a:lstStyle/>
           <a:p>
             <a:r>
-              <a:rPr lang="en-US" smtClean="0"/>
+              <a:rPr lang="en-US"/>
               <a:t>Click to edit Master title style</a:t>
             </a:r>
-            <a:endParaRPr lang="en-US"/>
           </a:p>
         </p:txBody>
       </p:sp>
@@ -727,10 +741,9 @@
           </a:lstStyle>
           <a:p>
             <a:r>
-              <a:rPr lang="en-US" smtClean="0"/>
+              <a:rPr lang="en-US"/>
               <a:t>Click to edit Master subtitle style</a:t>
             </a:r>
-            <a:endParaRPr lang="en-US"/>
           </a:p>
         </p:txBody>
       </p:sp>
@@ -751,7 +764,7 @@
           <a:p>
             <a:fld id="{7589139F-201B-47CA-A8A9-C8F47DFCF43B}" type="datetime1">
               <a:rPr lang="en-US" smtClean="0"/>
-              <a:t>5/13/2016</a:t>
+              <a:t>1/1/2019</a:t>
             </a:fld>
             <a:endParaRPr lang="en-US"/>
           </a:p>
@@ -850,10 +863,9 @@
           <a:lstStyle/>
           <a:p>
             <a:r>
-              <a:rPr lang="en-US" smtClean="0"/>
+              <a:rPr lang="en-US"/>
               <a:t>Click to edit Master title style</a:t>
             </a:r>
-            <a:endParaRPr lang="en-US"/>
           </a:p>
         </p:txBody>
       </p:sp>
@@ -879,38 +891,37 @@
           <a:p>
             <a:pPr lvl="0"/>
             <a:r>
-              <a:rPr lang="en-US" smtClean="0"/>
+              <a:rPr lang="en-US"/>
               <a:t>Click to edit Master text styles</a:t>
             </a:r>
           </a:p>
           <a:p>
             <a:pPr lvl="1"/>
             <a:r>
-              <a:rPr lang="en-US" smtClean="0"/>
+              <a:rPr lang="en-US"/>
               <a:t>Second level</a:t>
             </a:r>
           </a:p>
           <a:p>
             <a:pPr lvl="2"/>
             <a:r>
-              <a:rPr lang="en-US" smtClean="0"/>
+              <a:rPr lang="en-US"/>
               <a:t>Third level</a:t>
             </a:r>
           </a:p>
           <a:p>
             <a:pPr lvl="3"/>
             <a:r>
-              <a:rPr lang="en-US" smtClean="0"/>
+              <a:rPr lang="en-US"/>
               <a:t>Fourth level</a:t>
             </a:r>
           </a:p>
           <a:p>
             <a:pPr lvl="4"/>
             <a:r>
-              <a:rPr lang="en-US" smtClean="0"/>
+              <a:rPr lang="en-US"/>
               <a:t>Fifth level</a:t>
             </a:r>
-            <a:endParaRPr lang="en-US"/>
           </a:p>
         </p:txBody>
       </p:sp>
@@ -931,7 +942,7 @@
           <a:p>
             <a:fld id="{39F8E332-08CA-426A-957F-5073818DEA06}" type="datetime1">
               <a:rPr lang="en-US" smtClean="0"/>
-              <a:t>5/13/2016</a:t>
+              <a:t>1/1/2019</a:t>
             </a:fld>
             <a:endParaRPr lang="en-US"/>
           </a:p>
@@ -1030,10 +1041,9 @@
           <a:lstStyle/>
           <a:p>
             <a:r>
-              <a:rPr lang="en-US" smtClean="0"/>
+              <a:rPr lang="en-US"/>
               <a:t>Click to edit Master title style</a:t>
             </a:r>
-            <a:endParaRPr lang="en-US"/>
           </a:p>
         </p:txBody>
       </p:sp>
@@ -1059,38 +1069,37 @@
           <a:p>
             <a:pPr lvl="0"/>
             <a:r>
-              <a:rPr lang="en-US" smtClean="0"/>
+              <a:rPr lang="en-US"/>
               <a:t>Click to edit Master text styles</a:t>
             </a:r>
           </a:p>
           <a:p>
             <a:pPr lvl="1"/>
             <a:r>
-              <a:rPr lang="en-US" smtClean="0"/>
+              <a:rPr lang="en-US"/>
               <a:t>Second level</a:t>
             </a:r>
           </a:p>
           <a:p>
             <a:pPr lvl="2"/>
             <a:r>
-              <a:rPr lang="en-US" smtClean="0"/>
+              <a:rPr lang="en-US"/>
               <a:t>Third level</a:t>
             </a:r>
           </a:p>
           <a:p>
             <a:pPr lvl="3"/>
             <a:r>
-              <a:rPr lang="en-US" smtClean="0"/>
+              <a:rPr lang="en-US"/>
               <a:t>Fourth level</a:t>
             </a:r>
           </a:p>
           <a:p>
             <a:pPr lvl="4"/>
             <a:r>
-              <a:rPr lang="en-US" smtClean="0"/>
+              <a:rPr lang="en-US"/>
               <a:t>Fifth level</a:t>
             </a:r>
-            <a:endParaRPr lang="en-US"/>
           </a:p>
         </p:txBody>
       </p:sp>
@@ -1111,7 +1120,7 @@
           <a:p>
             <a:fld id="{1CCEE4AD-4EA4-4EE5-AB4F-5727B68DCDDB}" type="datetime1">
               <a:rPr lang="en-US" smtClean="0"/>
-              <a:t>5/13/2016</a:t>
+              <a:t>1/1/2019</a:t>
             </a:fld>
             <a:endParaRPr lang="en-US"/>
           </a:p>
@@ -1205,10 +1214,9 @@
           <a:lstStyle/>
           <a:p>
             <a:r>
-              <a:rPr lang="en-US" smtClean="0"/>
+              <a:rPr lang="en-US"/>
               <a:t>Click to edit Master title style</a:t>
             </a:r>
-            <a:endParaRPr lang="en-US"/>
           </a:p>
         </p:txBody>
       </p:sp>
@@ -1234,38 +1242,37 @@
           <a:p>
             <a:pPr lvl="0"/>
             <a:r>
-              <a:rPr lang="en-US" smtClean="0"/>
+              <a:rPr lang="en-US"/>
               <a:t>Click to edit Master text styles</a:t>
             </a:r>
           </a:p>
           <a:p>
             <a:pPr lvl="1"/>
             <a:r>
-              <a:rPr lang="en-US" smtClean="0"/>
+              <a:rPr lang="en-US"/>
               <a:t>Second level</a:t>
             </a:r>
           </a:p>
           <a:p>
             <a:pPr lvl="2"/>
             <a:r>
-              <a:rPr lang="en-US" smtClean="0"/>
+              <a:rPr lang="en-US"/>
               <a:t>Third level</a:t>
             </a:r>
           </a:p>
           <a:p>
             <a:pPr lvl="3"/>
             <a:r>
-              <a:rPr lang="en-US" smtClean="0"/>
+              <a:rPr lang="en-US"/>
               <a:t>Fourth level</a:t>
             </a:r>
           </a:p>
           <a:p>
             <a:pPr lvl="4"/>
             <a:r>
-              <a:rPr lang="en-US" smtClean="0"/>
+              <a:rPr lang="en-US"/>
               <a:t>Fifth level</a:t>
             </a:r>
-            <a:endParaRPr lang="en-US"/>
           </a:p>
         </p:txBody>
       </p:sp>
@@ -1286,7 +1293,7 @@
           <a:p>
             <a:fld id="{74C45312-5D5A-413C-811E-51CC413D3FC7}" type="datetime1">
               <a:rPr lang="en-US" smtClean="0"/>
-              <a:t>5/13/2016</a:t>
+              <a:t>1/1/2019</a:t>
             </a:fld>
             <a:endParaRPr lang="en-US"/>
           </a:p>
@@ -1389,10 +1396,9 @@
           </a:lstStyle>
           <a:p>
             <a:r>
-              <a:rPr lang="en-US" smtClean="0"/>
+              <a:rPr lang="en-US"/>
               <a:t>Click to edit Master title style</a:t>
             </a:r>
-            <a:endParaRPr lang="en-US"/>
           </a:p>
         </p:txBody>
       </p:sp>
@@ -1509,7 +1515,7 @@
           <a:p>
             <a:pPr lvl="0"/>
             <a:r>
-              <a:rPr lang="en-US" smtClean="0"/>
+              <a:rPr lang="en-US"/>
               <a:t>Click to edit Master text styles</a:t>
             </a:r>
           </a:p>
@@ -1532,7 +1538,7 @@
           <a:p>
             <a:fld id="{443CEAA5-5CF4-4D08-9BB9-7D50715E21F2}" type="datetime1">
               <a:rPr lang="en-US" smtClean="0"/>
-              <a:t>5/13/2016</a:t>
+              <a:t>1/1/2019</a:t>
             </a:fld>
             <a:endParaRPr lang="en-US"/>
           </a:p>
@@ -1626,10 +1632,9 @@
           <a:lstStyle/>
           <a:p>
             <a:r>
-              <a:rPr lang="en-US" smtClean="0"/>
+              <a:rPr lang="en-US"/>
               <a:t>Click to edit Master title style</a:t>
             </a:r>
-            <a:endParaRPr lang="en-US"/>
           </a:p>
         </p:txBody>
       </p:sp>
@@ -1683,38 +1688,37 @@
           <a:p>
             <a:pPr lvl="0"/>
             <a:r>
-              <a:rPr lang="en-US" smtClean="0"/>
+              <a:rPr lang="en-US"/>
               <a:t>Click to edit Master text styles</a:t>
             </a:r>
           </a:p>
           <a:p>
             <a:pPr lvl="1"/>
             <a:r>
-              <a:rPr lang="en-US" smtClean="0"/>
+              <a:rPr lang="en-US"/>
               <a:t>Second level</a:t>
             </a:r>
           </a:p>
           <a:p>
             <a:pPr lvl="2"/>
             <a:r>
-              <a:rPr lang="en-US" smtClean="0"/>
+              <a:rPr lang="en-US"/>
               <a:t>Third level</a:t>
             </a:r>
           </a:p>
           <a:p>
             <a:pPr lvl="3"/>
             <a:r>
-              <a:rPr lang="en-US" smtClean="0"/>
+              <a:rPr lang="en-US"/>
               <a:t>Fourth level</a:t>
             </a:r>
           </a:p>
           <a:p>
             <a:pPr lvl="4"/>
             <a:r>
-              <a:rPr lang="en-US" smtClean="0"/>
+              <a:rPr lang="en-US"/>
               <a:t>Fifth level</a:t>
             </a:r>
-            <a:endParaRPr lang="en-US"/>
           </a:p>
         </p:txBody>
       </p:sp>
@@ -1768,38 +1772,37 @@
           <a:p>
             <a:pPr lvl="0"/>
             <a:r>
-              <a:rPr lang="en-US" smtClean="0"/>
+              <a:rPr lang="en-US"/>
               <a:t>Click to edit Master text styles</a:t>
             </a:r>
           </a:p>
           <a:p>
             <a:pPr lvl="1"/>
             <a:r>
-              <a:rPr lang="en-US" smtClean="0"/>
+              <a:rPr lang="en-US"/>
               <a:t>Second level</a:t>
             </a:r>
           </a:p>
           <a:p>
             <a:pPr lvl="2"/>
             <a:r>
-              <a:rPr lang="en-US" smtClean="0"/>
+              <a:rPr lang="en-US"/>
               <a:t>Third level</a:t>
             </a:r>
           </a:p>
           <a:p>
             <a:pPr lvl="3"/>
             <a:r>
-              <a:rPr lang="en-US" smtClean="0"/>
+              <a:rPr lang="en-US"/>
               <a:t>Fourth level</a:t>
             </a:r>
           </a:p>
           <a:p>
             <a:pPr lvl="4"/>
             <a:r>
-              <a:rPr lang="en-US" smtClean="0"/>
+              <a:rPr lang="en-US"/>
               <a:t>Fifth level</a:t>
             </a:r>
-            <a:endParaRPr lang="en-US"/>
           </a:p>
         </p:txBody>
       </p:sp>
@@ -1820,7 +1823,7 @@
           <a:p>
             <a:fld id="{B44EE941-BE00-4788-B7E8-C0AE4E10A9BF}" type="datetime1">
               <a:rPr lang="en-US" smtClean="0"/>
-              <a:t>5/13/2016</a:t>
+              <a:t>1/1/2019</a:t>
             </a:fld>
             <a:endParaRPr lang="en-US"/>
           </a:p>
@@ -1918,10 +1921,9 @@
           </a:lstStyle>
           <a:p>
             <a:r>
-              <a:rPr lang="en-US" smtClean="0"/>
+              <a:rPr lang="en-US"/>
               <a:t>Click to edit Master title style</a:t>
             </a:r>
-            <a:endParaRPr lang="en-US"/>
           </a:p>
         </p:txBody>
       </p:sp>
@@ -1984,7 +1986,7 @@
           <a:p>
             <a:pPr lvl="0"/>
             <a:r>
-              <a:rPr lang="en-US" smtClean="0"/>
+              <a:rPr lang="en-US"/>
               <a:t>Click to edit Master text styles</a:t>
             </a:r>
           </a:p>
@@ -2040,38 +2042,37 @@
           <a:p>
             <a:pPr lvl="0"/>
             <a:r>
-              <a:rPr lang="en-US" smtClean="0"/>
+              <a:rPr lang="en-US"/>
               <a:t>Click to edit Master text styles</a:t>
             </a:r>
           </a:p>
           <a:p>
             <a:pPr lvl="1"/>
             <a:r>
-              <a:rPr lang="en-US" smtClean="0"/>
+              <a:rPr lang="en-US"/>
               <a:t>Second level</a:t>
             </a:r>
           </a:p>
           <a:p>
             <a:pPr lvl="2"/>
             <a:r>
-              <a:rPr lang="en-US" smtClean="0"/>
+              <a:rPr lang="en-US"/>
               <a:t>Third level</a:t>
             </a:r>
           </a:p>
           <a:p>
             <a:pPr lvl="3"/>
             <a:r>
-              <a:rPr lang="en-US" smtClean="0"/>
+              <a:rPr lang="en-US"/>
               <a:t>Fourth level</a:t>
             </a:r>
           </a:p>
           <a:p>
             <a:pPr lvl="4"/>
             <a:r>
-              <a:rPr lang="en-US" smtClean="0"/>
+              <a:rPr lang="en-US"/>
               <a:t>Fifth level</a:t>
             </a:r>
-            <a:endParaRPr lang="en-US"/>
           </a:p>
         </p:txBody>
       </p:sp>
@@ -2134,7 +2135,7 @@
           <a:p>
             <a:pPr lvl="0"/>
             <a:r>
-              <a:rPr lang="en-US" smtClean="0"/>
+              <a:rPr lang="en-US"/>
               <a:t>Click to edit Master text styles</a:t>
             </a:r>
           </a:p>
@@ -2190,38 +2191,37 @@
           <a:p>
             <a:pPr lvl="0"/>
             <a:r>
-              <a:rPr lang="en-US" smtClean="0"/>
+              <a:rPr lang="en-US"/>
               <a:t>Click to edit Master text styles</a:t>
             </a:r>
           </a:p>
           <a:p>
             <a:pPr lvl="1"/>
             <a:r>
-              <a:rPr lang="en-US" smtClean="0"/>
+              <a:rPr lang="en-US"/>
               <a:t>Second level</a:t>
             </a:r>
           </a:p>
           <a:p>
             <a:pPr lvl="2"/>
             <a:r>
-              <a:rPr lang="en-US" smtClean="0"/>
+              <a:rPr lang="en-US"/>
               <a:t>Third level</a:t>
             </a:r>
           </a:p>
           <a:p>
             <a:pPr lvl="3"/>
             <a:r>
-              <a:rPr lang="en-US" smtClean="0"/>
+              <a:rPr lang="en-US"/>
               <a:t>Fourth level</a:t>
             </a:r>
           </a:p>
           <a:p>
             <a:pPr lvl="4"/>
             <a:r>
-              <a:rPr lang="en-US" smtClean="0"/>
+              <a:rPr lang="en-US"/>
               <a:t>Fifth level</a:t>
             </a:r>
-            <a:endParaRPr lang="en-US"/>
           </a:p>
         </p:txBody>
       </p:sp>
@@ -2242,7 +2242,7 @@
           <a:p>
             <a:fld id="{CC540818-E0A3-45A0-B9E7-AB6964DB0AF7}" type="datetime1">
               <a:rPr lang="en-US" smtClean="0"/>
-              <a:t>5/13/2016</a:t>
+              <a:t>1/1/2019</a:t>
             </a:fld>
             <a:endParaRPr lang="en-US"/>
           </a:p>
@@ -2341,10 +2341,9 @@
           <a:lstStyle/>
           <a:p>
             <a:r>
-              <a:rPr lang="en-US" smtClean="0"/>
+              <a:rPr lang="en-US"/>
               <a:t>Click to edit Master title style</a:t>
             </a:r>
-            <a:endParaRPr lang="en-US"/>
           </a:p>
         </p:txBody>
       </p:sp>
@@ -2370,7 +2369,7 @@
           <a:p>
             <a:fld id="{107CA5CF-55FE-49DC-B3AC-623F4967B212}" type="datetime1">
               <a:rPr lang="en-US" smtClean="0"/>
-              <a:t>5/13/2016</a:t>
+              <a:t>1/1/2019</a:t>
             </a:fld>
             <a:endParaRPr lang="en-US"/>
           </a:p>
@@ -2480,7 +2479,7 @@
           <a:p>
             <a:fld id="{9C960BAF-EAC5-4B4A-B3FA-08DE80CD43DF}" type="datetime1">
               <a:rPr lang="en-US" smtClean="0"/>
-              <a:t>5/13/2016</a:t>
+              <a:t>1/1/2019</a:t>
             </a:fld>
             <a:endParaRPr lang="en-US"/>
           </a:p>
@@ -2588,10 +2587,9 @@
           </a:lstStyle>
           <a:p>
             <a:r>
-              <a:rPr lang="en-US" smtClean="0"/>
+              <a:rPr lang="en-US"/>
               <a:t>Click to edit Master title style</a:t>
             </a:r>
-            <a:endParaRPr lang="en-US"/>
           </a:p>
         </p:txBody>
       </p:sp>
@@ -2645,38 +2643,37 @@
           <a:p>
             <a:pPr lvl="0"/>
             <a:r>
-              <a:rPr lang="en-US" smtClean="0"/>
+              <a:rPr lang="en-US"/>
               <a:t>Click to edit Master text styles</a:t>
             </a:r>
           </a:p>
           <a:p>
             <a:pPr lvl="1"/>
             <a:r>
-              <a:rPr lang="en-US" smtClean="0"/>
+              <a:rPr lang="en-US"/>
               <a:t>Second level</a:t>
             </a:r>
           </a:p>
           <a:p>
             <a:pPr lvl="2"/>
             <a:r>
-              <a:rPr lang="en-US" smtClean="0"/>
+              <a:rPr lang="en-US"/>
               <a:t>Third level</a:t>
             </a:r>
           </a:p>
           <a:p>
             <a:pPr lvl="3"/>
             <a:r>
-              <a:rPr lang="en-US" smtClean="0"/>
+              <a:rPr lang="en-US"/>
               <a:t>Fourth level</a:t>
             </a:r>
           </a:p>
           <a:p>
             <a:pPr lvl="4"/>
             <a:r>
-              <a:rPr lang="en-US" smtClean="0"/>
+              <a:rPr lang="en-US"/>
               <a:t>Fifth level</a:t>
             </a:r>
-            <a:endParaRPr lang="en-US"/>
           </a:p>
         </p:txBody>
       </p:sp>
@@ -2739,7 +2736,7 @@
           <a:p>
             <a:pPr lvl="0"/>
             <a:r>
-              <a:rPr lang="en-US" smtClean="0"/>
+              <a:rPr lang="en-US"/>
               <a:t>Click to edit Master text styles</a:t>
             </a:r>
           </a:p>
@@ -2762,7 +2759,7 @@
           <a:p>
             <a:fld id="{54F98608-D36E-481B-A2F2-5C486B7C18F6}" type="datetime1">
               <a:rPr lang="en-US" smtClean="0"/>
-              <a:t>5/13/2016</a:t>
+              <a:t>1/1/2019</a:t>
             </a:fld>
             <a:endParaRPr lang="en-US"/>
           </a:p>
@@ -2870,10 +2867,9 @@
           </a:lstStyle>
           <a:p>
             <a:r>
-              <a:rPr lang="en-US" smtClean="0"/>
+              <a:rPr lang="en-US"/>
               <a:t>Click to edit Master title style</a:t>
             </a:r>
-            <a:endParaRPr lang="en-US"/>
           </a:p>
         </p:txBody>
       </p:sp>
@@ -2997,7 +2993,7 @@
           <a:p>
             <a:pPr lvl="0"/>
             <a:r>
-              <a:rPr lang="en-US" smtClean="0"/>
+              <a:rPr lang="en-US"/>
               <a:t>Click to edit Master text styles</a:t>
             </a:r>
           </a:p>
@@ -3020,7 +3016,7 @@
           <a:p>
             <a:fld id="{726042FF-C265-4686-B492-9503F312B9F7}" type="datetime1">
               <a:rPr lang="en-US" smtClean="0"/>
-              <a:t>5/13/2016</a:t>
+              <a:t>1/1/2019</a:t>
             </a:fld>
             <a:endParaRPr lang="en-US"/>
           </a:p>
@@ -3129,10 +3125,9 @@
           <a:lstStyle/>
           <a:p>
             <a:r>
-              <a:rPr lang="en-US" smtClean="0"/>
+              <a:rPr lang="en-US"/>
               <a:t>Click to edit Master title style</a:t>
             </a:r>
-            <a:endParaRPr lang="en-US"/>
           </a:p>
         </p:txBody>
       </p:sp>
@@ -3163,38 +3158,37 @@
           <a:p>
             <a:pPr lvl="0"/>
             <a:r>
-              <a:rPr lang="en-US" smtClean="0"/>
+              <a:rPr lang="en-US"/>
               <a:t>Click to edit Master text styles</a:t>
             </a:r>
           </a:p>
           <a:p>
             <a:pPr lvl="1"/>
             <a:r>
-              <a:rPr lang="en-US" smtClean="0"/>
+              <a:rPr lang="en-US"/>
               <a:t>Second level</a:t>
             </a:r>
           </a:p>
           <a:p>
             <a:pPr lvl="2"/>
             <a:r>
-              <a:rPr lang="en-US" smtClean="0"/>
+              <a:rPr lang="en-US"/>
               <a:t>Third level</a:t>
             </a:r>
           </a:p>
           <a:p>
             <a:pPr lvl="3"/>
             <a:r>
-              <a:rPr lang="en-US" smtClean="0"/>
+              <a:rPr lang="en-US"/>
               <a:t>Fourth level</a:t>
             </a:r>
           </a:p>
           <a:p>
             <a:pPr lvl="4"/>
             <a:r>
-              <a:rPr lang="en-US" smtClean="0"/>
+              <a:rPr lang="en-US"/>
               <a:t>Fifth level</a:t>
             </a:r>
-            <a:endParaRPr lang="en-US"/>
           </a:p>
         </p:txBody>
       </p:sp>
@@ -3233,7 +3227,7 @@
           <a:p>
             <a:fld id="{CACDD5D5-767C-4EE7-8E36-1049EE603D55}" type="datetime1">
               <a:rPr lang="en-US" smtClean="0"/>
-              <a:t>5/13/2016</a:t>
+              <a:t>1/1/2019</a:t>
             </a:fld>
             <a:endParaRPr lang="en-US"/>
           </a:p>
@@ -3689,10 +3683,9 @@
           <a:lstStyle/>
           <a:p>
             <a:r>
-              <a:rPr lang="en-US" dirty="0" smtClean="0"/>
+              <a:rPr lang="en-US" dirty="0"/>
               <a:t>Use Cases</a:t>
             </a:r>
-            <a:endParaRPr lang="en-US" dirty="0"/>
           </a:p>
         </p:txBody>
       </p:sp>
@@ -3716,7 +3709,7 @@
               <a:buAutoNum type="arabicPeriod"/>
             </a:pPr>
             <a:r>
-              <a:rPr lang="en-US" dirty="0" smtClean="0"/>
+              <a:rPr lang="en-US" dirty="0"/>
               <a:t>Plot two series from a dataset.</a:t>
             </a:r>
           </a:p>
@@ -3726,7 +3719,7 @@
               <a:buAutoNum type="arabicPeriod"/>
             </a:pPr>
             <a:r>
-              <a:rPr lang="en-US" dirty="0" smtClean="0"/>
+              <a:rPr lang="en-US" dirty="0"/>
               <a:t>Change the domain/range series in a dataset.</a:t>
             </a:r>
           </a:p>
@@ -3736,10 +3729,9 @@
               <a:buAutoNum type="arabicPeriod"/>
             </a:pPr>
             <a:r>
-              <a:rPr lang="en-US" dirty="0" smtClean="0"/>
+              <a:rPr lang="en-US" dirty="0"/>
               <a:t>Remove points from a series in a dataset.</a:t>
             </a:r>
-            <a:endParaRPr lang="en-US" dirty="0"/>
           </a:p>
         </p:txBody>
       </p:sp>
@@ -3815,10 +3807,9 @@
           <a:lstStyle/>
           <a:p>
             <a:r>
-              <a:rPr lang="en-US" dirty="0" smtClean="0"/>
+              <a:rPr lang="en-US" dirty="0"/>
               <a:t>Legend Properties View</a:t>
             </a:r>
-            <a:endParaRPr lang="en-US" dirty="0"/>
           </a:p>
         </p:txBody>
       </p:sp>
@@ -3907,10 +3898,9 @@
             <a:p>
               <a:pPr algn="r"/>
               <a:r>
-                <a:rPr lang="en-US" sz="1200" dirty="0" smtClean="0"/>
+                <a:rPr lang="en-US" sz="1200" dirty="0"/>
                 <a:t>Visible:</a:t>
               </a:r>
-              <a:endParaRPr lang="en-US" sz="1200" dirty="0"/>
             </a:p>
           </p:txBody>
         </p:sp>
@@ -3938,10 +3928,9 @@
             <a:p>
               <a:pPr algn="r"/>
               <a:r>
-                <a:rPr lang="en-US" sz="1200" dirty="0" smtClean="0"/>
+                <a:rPr lang="en-US" sz="1200" dirty="0"/>
                 <a:t>Side:</a:t>
               </a:r>
-              <a:endParaRPr lang="en-US" sz="1200" dirty="0"/>
             </a:p>
           </p:txBody>
         </p:sp>
@@ -4013,10 +4002,9 @@
             <a:p>
               <a:pPr algn="r"/>
               <a:r>
-                <a:rPr lang="en-US" sz="1200" dirty="0" smtClean="0"/>
+                <a:rPr lang="en-US" sz="1200" dirty="0"/>
                 <a:t>Background:</a:t>
               </a:r>
-              <a:endParaRPr lang="en-US" sz="1200" dirty="0"/>
             </a:p>
           </p:txBody>
         </p:sp>
@@ -4167,18 +4155,13 @@
               <a:p>
                 <a:pPr algn="r"/>
                 <a:r>
-                  <a:rPr lang="en-US" sz="1200" dirty="0" smtClean="0">
+                  <a:rPr lang="en-US" sz="1200" dirty="0">
                     <a:solidFill>
                       <a:schemeClr val="tx1"/>
                     </a:solidFill>
                   </a:rPr>
                   <a:t>000000:FF</a:t>
                 </a:r>
-                <a:endParaRPr lang="en-US" sz="1200" dirty="0">
-                  <a:solidFill>
-                    <a:schemeClr val="tx1"/>
-                  </a:solidFill>
-                </a:endParaRPr>
               </a:p>
             </p:txBody>
           </p:sp>
@@ -4330,10 +4313,9 @@
                 <a:p>
                   <a:pPr algn="r"/>
                   <a:r>
-                    <a:rPr lang="en-US" sz="1200" dirty="0" smtClean="0"/>
+                    <a:rPr lang="en-US" sz="1200" dirty="0"/>
                     <a:t>Visible:</a:t>
                   </a:r>
-                  <a:endParaRPr lang="en-US" sz="1200" dirty="0"/>
                 </a:p>
               </p:txBody>
             </p:sp>
@@ -4361,10 +4343,9 @@
                 <a:p>
                   <a:pPr algn="r"/>
                   <a:r>
-                    <a:rPr lang="en-US" sz="1200" dirty="0" smtClean="0"/>
+                    <a:rPr lang="en-US" sz="1200" dirty="0"/>
                     <a:t>Thickness:</a:t>
                   </a:r>
-                  <a:endParaRPr lang="en-US" sz="1200" dirty="0"/>
                 </a:p>
               </p:txBody>
             </p:sp>
@@ -4436,10 +4417,9 @@
                 <a:p>
                   <a:pPr algn="r"/>
                   <a:r>
-                    <a:rPr lang="en-US" sz="1200" dirty="0" smtClean="0"/>
+                    <a:rPr lang="en-US" sz="1200" dirty="0"/>
                     <a:t>Color:</a:t>
                   </a:r>
-                  <a:endParaRPr lang="en-US" sz="1200" dirty="0"/>
                 </a:p>
               </p:txBody>
             </p:sp>
@@ -4542,18 +4522,13 @@
                   <a:p>
                     <a:pPr algn="r"/>
                     <a:r>
-                      <a:rPr lang="en-US" sz="1200" dirty="0" smtClean="0">
+                      <a:rPr lang="en-US" sz="1200" dirty="0">
                         <a:solidFill>
                           <a:schemeClr val="tx1"/>
                         </a:solidFill>
                       </a:rPr>
                       <a:t>000000:FF</a:t>
                     </a:r>
-                    <a:endParaRPr lang="en-US" sz="1200" dirty="0">
-                      <a:solidFill>
-                        <a:schemeClr val="tx1"/>
-                      </a:solidFill>
-                    </a:endParaRPr>
                   </a:p>
                 </p:txBody>
               </p:sp>
@@ -4646,18 +4621,13 @@
               <a:lstStyle/>
               <a:p>
                 <a:r>
-                  <a:rPr lang="en-US" sz="1200" dirty="0" smtClean="0">
+                  <a:rPr lang="en-US" sz="1200" dirty="0">
                     <a:solidFill>
                       <a:schemeClr val="tx1"/>
                     </a:solidFill>
                   </a:rPr>
                   <a:t>Border</a:t>
                 </a:r>
-                <a:endParaRPr lang="en-US" sz="1200" dirty="0">
-                  <a:solidFill>
-                    <a:schemeClr val="tx1"/>
-                  </a:solidFill>
-                </a:endParaRPr>
               </a:p>
             </p:txBody>
           </p:sp>
@@ -4735,10 +4705,9 @@
           <a:lstStyle/>
           <a:p>
             <a:r>
-              <a:rPr lang="en-US" dirty="0" smtClean="0"/>
+              <a:rPr lang="en-US" dirty="0"/>
               <a:t>Axes Properties View</a:t>
             </a:r>
-            <a:endParaRPr lang="en-US" dirty="0"/>
           </a:p>
         </p:txBody>
       </p:sp>
@@ -4867,18 +4836,13 @@
             <a:p>
               <a:pPr algn="ctr"/>
               <a:r>
-                <a:rPr lang="en-US" dirty="0" smtClean="0">
+                <a:rPr lang="en-US" dirty="0">
                   <a:solidFill>
                     <a:schemeClr val="tx1"/>
                   </a:solidFill>
                 </a:rPr>
                 <a:t>Axis Properties</a:t>
               </a:r>
-              <a:endParaRPr lang="en-US" dirty="0">
-                <a:solidFill>
-                  <a:schemeClr val="tx1"/>
-                </a:solidFill>
-              </a:endParaRPr>
             </a:p>
           </p:txBody>
         </p:sp>
@@ -4925,18 +4889,13 @@
             <a:p>
               <a:pPr algn="ctr"/>
               <a:r>
-                <a:rPr lang="en-US" dirty="0" smtClean="0">
+                <a:rPr lang="en-US" dirty="0">
                   <a:solidFill>
                     <a:schemeClr val="tx1"/>
                   </a:solidFill>
                 </a:rPr>
                 <a:t>Domain</a:t>
               </a:r>
-              <a:endParaRPr lang="en-US" dirty="0">
-                <a:solidFill>
-                  <a:schemeClr val="tx1"/>
-                </a:solidFill>
-              </a:endParaRPr>
             </a:p>
           </p:txBody>
         </p:sp>
@@ -4983,18 +4942,13 @@
             <a:p>
               <a:pPr algn="ctr"/>
               <a:r>
-                <a:rPr lang="en-US" sz="1200" dirty="0" smtClean="0">
+                <a:rPr lang="en-US" sz="1200" dirty="0">
                   <a:solidFill>
                     <a:schemeClr val="tx1"/>
                   </a:solidFill>
                 </a:rPr>
                 <a:t>Sec Domain</a:t>
               </a:r>
-              <a:endParaRPr lang="en-US" sz="1200" dirty="0">
-                <a:solidFill>
-                  <a:schemeClr val="tx1"/>
-                </a:solidFill>
-              </a:endParaRPr>
             </a:p>
           </p:txBody>
         </p:sp>
@@ -5041,18 +4995,13 @@
             <a:p>
               <a:pPr algn="ctr"/>
               <a:r>
-                <a:rPr lang="en-US" dirty="0" smtClean="0">
+                <a:rPr lang="en-US" dirty="0">
                   <a:solidFill>
                     <a:schemeClr val="tx1"/>
                   </a:solidFill>
                 </a:rPr>
                 <a:t>Range</a:t>
               </a:r>
-              <a:endParaRPr lang="en-US" dirty="0">
-                <a:solidFill>
-                  <a:schemeClr val="tx1"/>
-                </a:solidFill>
-              </a:endParaRPr>
             </a:p>
           </p:txBody>
         </p:sp>
@@ -5099,18 +5048,13 @@
             <a:p>
               <a:pPr algn="ctr"/>
               <a:r>
-                <a:rPr lang="en-US" sz="1200" dirty="0" smtClean="0">
+                <a:rPr lang="en-US" sz="1200" dirty="0">
                   <a:solidFill>
                     <a:schemeClr val="tx1"/>
                   </a:solidFill>
                 </a:rPr>
                 <a:t>Sec Range</a:t>
               </a:r>
-              <a:endParaRPr lang="en-US" sz="1200" dirty="0">
-                <a:solidFill>
-                  <a:schemeClr val="tx1"/>
-                </a:solidFill>
-              </a:endParaRPr>
             </a:p>
           </p:txBody>
         </p:sp>
@@ -5163,10 +5107,9 @@
           <a:lstStyle/>
           <a:p>
             <a:r>
-              <a:rPr lang="en-US" dirty="0" smtClean="0"/>
+              <a:rPr lang="en-US" dirty="0"/>
               <a:t>Axis Properties View</a:t>
             </a:r>
-            <a:endParaRPr lang="en-US" dirty="0"/>
           </a:p>
         </p:txBody>
       </p:sp>
@@ -5255,10 +5198,9 @@
             <a:p>
               <a:pPr algn="r"/>
               <a:r>
-                <a:rPr lang="en-US" sz="1200" dirty="0" smtClean="0"/>
+                <a:rPr lang="en-US" sz="1200" dirty="0"/>
                 <a:t>Auto Ticks:</a:t>
               </a:r>
-              <a:endParaRPr lang="en-US" sz="1200" dirty="0"/>
             </a:p>
           </p:txBody>
         </p:sp>
@@ -5286,10 +5228,9 @@
             <a:p>
               <a:pPr algn="r"/>
               <a:r>
-                <a:rPr lang="en-US" sz="1200" dirty="0" smtClean="0"/>
+                <a:rPr lang="en-US" sz="1200" dirty="0"/>
                 <a:t>Tick Start:</a:t>
               </a:r>
-              <a:endParaRPr lang="en-US" sz="1200" dirty="0"/>
             </a:p>
           </p:txBody>
         </p:sp>
@@ -5375,10 +5316,9 @@
               <a:p>
                 <a:pPr algn="r"/>
                 <a:r>
-                  <a:rPr lang="en-US" sz="1200" dirty="0" smtClean="0"/>
+                  <a:rPr lang="en-US" sz="1200" dirty="0"/>
                   <a:t>Title:</a:t>
                 </a:r>
-                <a:endParaRPr lang="en-US" sz="1200" dirty="0"/>
               </a:p>
             </p:txBody>
           </p:sp>
@@ -5592,10 +5532,9 @@
               <a:p>
                 <a:pPr algn="r"/>
                 <a:r>
-                  <a:rPr lang="en-US" sz="1200" dirty="0" smtClean="0"/>
+                  <a:rPr lang="en-US" sz="1200" dirty="0"/>
                   <a:t>Subtitle:</a:t>
                 </a:r>
-                <a:endParaRPr lang="en-US" sz="1200" dirty="0"/>
               </a:p>
             </p:txBody>
           </p:sp>
@@ -5795,10 +5734,9 @@
             <a:p>
               <a:pPr algn="r"/>
               <a:r>
-                <a:rPr lang="en-US" sz="1200" dirty="0" smtClean="0"/>
+                <a:rPr lang="en-US" sz="1200" dirty="0"/>
                 <a:t>Tick End:</a:t>
               </a:r>
-              <a:endParaRPr lang="en-US" sz="1200" dirty="0"/>
             </a:p>
           </p:txBody>
         </p:sp>
@@ -5826,10 +5764,9 @@
             <a:p>
               <a:pPr algn="r"/>
               <a:r>
-                <a:rPr lang="en-US" sz="1200" dirty="0" smtClean="0"/>
+                <a:rPr lang="en-US" sz="1200" dirty="0"/>
                 <a:t>Tick Width:</a:t>
               </a:r>
-              <a:endParaRPr lang="en-US" sz="1200" dirty="0"/>
             </a:p>
           </p:txBody>
         </p:sp>
@@ -5857,10 +5794,9 @@
             <a:p>
               <a:pPr algn="r"/>
               <a:r>
-                <a:rPr lang="en-US" sz="1200" dirty="0" smtClean="0"/>
+                <a:rPr lang="en-US" sz="1200" dirty="0"/>
                 <a:t>Dock Zero:</a:t>
               </a:r>
-              <a:endParaRPr lang="en-US" sz="1200" dirty="0"/>
             </a:p>
           </p:txBody>
         </p:sp>
@@ -6113,10 +6049,9 @@
           <a:lstStyle/>
           <a:p>
             <a:r>
-              <a:rPr lang="en-US" dirty="0" smtClean="0"/>
+              <a:rPr lang="en-US" dirty="0"/>
               <a:t>Plots Properties View</a:t>
             </a:r>
-            <a:endParaRPr lang="en-US" dirty="0"/>
           </a:p>
         </p:txBody>
       </p:sp>
@@ -6220,7 +6155,7 @@
             <a:lstStyle/>
             <a:p>
               <a:r>
-                <a:rPr lang="en-US" sz="1200" dirty="0" smtClean="0">
+                <a:rPr lang="en-US" sz="1200" dirty="0">
                   <a:solidFill>
                     <a:schemeClr val="tx1"/>
                   </a:solidFill>
@@ -6230,7 +6165,7 @@
             </a:p>
             <a:p>
               <a:r>
-                <a:rPr lang="en-US" sz="1200" dirty="0" smtClean="0">
+                <a:rPr lang="en-US" sz="1200" dirty="0">
                   <a:solidFill>
                     <a:schemeClr val="tx1"/>
                   </a:solidFill>
@@ -6238,7 +6173,7 @@
                 <a:t>Plot 1	     </a:t>
               </a:r>
               <a:r>
-                <a:rPr lang="en-US" sz="1200" dirty="0" smtClean="0">
+                <a:rPr lang="en-US" sz="1200" dirty="0">
                   <a:solidFill>
                     <a:schemeClr val="tx1"/>
                   </a:solidFill>
@@ -6246,7 +6181,7 @@
                 </a:rPr>
                 <a:t>□	DS1	S2	S3</a:t>
               </a:r>
-              <a:endParaRPr lang="en-US" sz="1200" dirty="0" smtClean="0">
+              <a:endParaRPr lang="en-US" sz="1200" dirty="0">
                 <a:solidFill>
                   <a:schemeClr val="tx1"/>
                 </a:solidFill>
@@ -6254,28 +6189,12 @@
             </a:p>
             <a:p>
               <a:r>
-                <a:rPr lang="en-US" sz="1200" dirty="0" smtClean="0">
-                  <a:solidFill>
-                    <a:schemeClr val="tx1"/>
-                  </a:solidFill>
-                </a:rPr>
-                <a:t>Plot </a:t>
-              </a:r>
-              <a:r>
                 <a:rPr lang="en-US" sz="1200" dirty="0">
                   <a:solidFill>
                     <a:schemeClr val="tx1"/>
                   </a:solidFill>
                 </a:rPr>
-                <a:t>2	</a:t>
-              </a:r>
-              <a:r>
-                <a:rPr lang="en-US" sz="1200" dirty="0" smtClean="0">
-                  <a:solidFill>
-                    <a:schemeClr val="tx1"/>
-                  </a:solidFill>
-                </a:rPr>
-                <a:t>     □	DS2	S2	S4</a:t>
+                <a:t>Plot 2	     □	DS2	S2	S4</a:t>
               </a:r>
             </a:p>
             <a:p>
@@ -6285,47 +6204,18 @@
                     <a:schemeClr val="tx1"/>
                   </a:solidFill>
                 </a:rPr>
-                <a:t>…	</a:t>
-              </a:r>
-              <a:r>
-                <a:rPr lang="en-US" sz="1200" dirty="0" smtClean="0">
-                  <a:solidFill>
-                    <a:schemeClr val="tx1"/>
-                  </a:solidFill>
-                </a:rPr>
-                <a:t>     □	DS3	S1	S2</a:t>
+                <a:t>…	     □	DS3	S1	S2</a:t>
               </a:r>
             </a:p>
             <a:p>
-              <a:r>
-                <a:rPr lang="en-US" sz="1200" dirty="0" smtClean="0">
-                  <a:solidFill>
-                    <a:schemeClr val="tx1"/>
-                  </a:solidFill>
-                </a:rPr>
-                <a:t>Plot </a:t>
-              </a:r>
               <a:r>
                 <a:rPr lang="en-US" sz="1200" dirty="0">
                   <a:solidFill>
                     <a:schemeClr val="tx1"/>
                   </a:solidFill>
                 </a:rPr>
-                <a:t>n	</a:t>
+                <a:t>Plot n	     □	DS4	S1	S4</a:t>
               </a:r>
-              <a:r>
-                <a:rPr lang="en-US" sz="1200" dirty="0" smtClean="0">
-                  <a:solidFill>
-                    <a:schemeClr val="tx1"/>
-                  </a:solidFill>
-                </a:rPr>
-                <a:t>     □	DS4	S1	S4</a:t>
-              </a:r>
-              <a:endParaRPr lang="en-US" sz="1200" dirty="0">
-                <a:solidFill>
-                  <a:schemeClr val="tx1"/>
-                </a:solidFill>
-              </a:endParaRPr>
             </a:p>
           </p:txBody>
         </p:sp>
@@ -6628,10 +6518,9 @@
           <a:lstStyle/>
           <a:p>
             <a:r>
-              <a:rPr lang="en-US" dirty="0" smtClean="0"/>
+              <a:rPr lang="en-US" dirty="0"/>
               <a:t>Plot Properties View</a:t>
             </a:r>
-            <a:endParaRPr lang="en-US" dirty="0"/>
           </a:p>
         </p:txBody>
       </p:sp>
@@ -6720,10 +6609,9 @@
             <a:p>
               <a:pPr algn="r"/>
               <a:r>
-                <a:rPr lang="en-US" sz="1200" dirty="0" smtClean="0"/>
+                <a:rPr lang="en-US" sz="1200" dirty="0"/>
                 <a:t>Name:</a:t>
               </a:r>
-              <a:endParaRPr lang="en-US" sz="1200" dirty="0"/>
             </a:p>
           </p:txBody>
         </p:sp>
@@ -6795,10 +6683,9 @@
             <a:p>
               <a:pPr algn="r"/>
               <a:r>
-                <a:rPr lang="en-US" sz="1200" dirty="0" smtClean="0"/>
+                <a:rPr lang="en-US" sz="1200" dirty="0"/>
                 <a:t>Dataset:</a:t>
               </a:r>
-              <a:endParaRPr lang="en-US" sz="1200" dirty="0"/>
             </a:p>
           </p:txBody>
         </p:sp>
@@ -6870,10 +6757,9 @@
             <a:p>
               <a:pPr algn="r"/>
               <a:r>
-                <a:rPr lang="en-US" sz="1200" dirty="0" smtClean="0"/>
+                <a:rPr lang="en-US" sz="1200" dirty="0"/>
                 <a:t>Domain:</a:t>
               </a:r>
-              <a:endParaRPr lang="en-US" sz="1200" dirty="0"/>
             </a:p>
           </p:txBody>
         </p:sp>
@@ -6901,10 +6787,9 @@
             <a:p>
               <a:pPr algn="r"/>
               <a:r>
-                <a:rPr lang="en-US" sz="1200" dirty="0" smtClean="0"/>
+                <a:rPr lang="en-US" sz="1200" dirty="0"/>
                 <a:t>Range:</a:t>
               </a:r>
-              <a:endParaRPr lang="en-US" sz="1200" dirty="0"/>
             </a:p>
           </p:txBody>
         </p:sp>
@@ -6980,10 +6865,9 @@
             <a:p>
               <a:pPr algn="r"/>
               <a:r>
-                <a:rPr lang="en-US" sz="1200" dirty="0" smtClean="0"/>
+                <a:rPr lang="en-US" sz="1200" dirty="0"/>
                 <a:t>Visible:</a:t>
               </a:r>
-              <a:endParaRPr lang="en-US" sz="1200" dirty="0"/>
             </a:p>
           </p:txBody>
         </p:sp>
@@ -7011,10 +6895,9 @@
             <a:p>
               <a:pPr algn="r"/>
               <a:r>
-                <a:rPr lang="en-US" sz="1200" dirty="0" smtClean="0"/>
+                <a:rPr lang="en-US" sz="1200" dirty="0"/>
                 <a:t>Domain Axis:</a:t>
               </a:r>
-              <a:endParaRPr lang="en-US" sz="1200" dirty="0"/>
             </a:p>
           </p:txBody>
         </p:sp>
@@ -7042,10 +6925,9 @@
             <a:p>
               <a:pPr algn="r"/>
               <a:r>
-                <a:rPr lang="en-US" sz="1200" dirty="0" smtClean="0"/>
+                <a:rPr lang="en-US" sz="1200" dirty="0"/>
                 <a:t>Range Axis:</a:t>
               </a:r>
-              <a:endParaRPr lang="en-US" sz="1200" dirty="0"/>
             </a:p>
           </p:txBody>
         </p:sp>
@@ -7451,10 +7333,9 @@
               <a:lstStyle/>
               <a:p>
                 <a:r>
-                  <a:rPr lang="en-US" sz="1200" dirty="0" smtClean="0"/>
+                  <a:rPr lang="en-US" sz="1200" dirty="0"/>
                   <a:t>Primary ?</a:t>
                 </a:r>
-                <a:endParaRPr lang="en-US" sz="1200" dirty="0"/>
               </a:p>
             </p:txBody>
           </p:sp>
@@ -7647,10 +7528,9 @@
               <a:lstStyle/>
               <a:p>
                 <a:r>
-                  <a:rPr lang="en-US" sz="1200" dirty="0" smtClean="0"/>
+                  <a:rPr lang="en-US" sz="1200" dirty="0"/>
                   <a:t>Primary ?</a:t>
                 </a:r>
-                <a:endParaRPr lang="en-US" sz="1200" dirty="0"/>
               </a:p>
             </p:txBody>
           </p:sp>
@@ -7784,10 +7664,9 @@
               <a:p>
                 <a:pPr algn="r"/>
                 <a:r>
-                  <a:rPr lang="en-US" sz="1200" dirty="0" smtClean="0"/>
+                  <a:rPr lang="en-US" sz="1200" dirty="0"/>
                   <a:t>Visible:</a:t>
                 </a:r>
-                <a:endParaRPr lang="en-US" sz="1200" dirty="0"/>
               </a:p>
             </p:txBody>
           </p:sp>
@@ -7815,10 +7694,9 @@
               <a:p>
                 <a:pPr algn="r"/>
                 <a:r>
-                  <a:rPr lang="en-US" sz="1200" dirty="0" smtClean="0"/>
+                  <a:rPr lang="en-US" sz="1200" dirty="0"/>
                   <a:t>Size:</a:t>
                 </a:r>
-                <a:endParaRPr lang="en-US" sz="1200" dirty="0"/>
               </a:p>
             </p:txBody>
           </p:sp>
@@ -7890,10 +7768,9 @@
               <a:p>
                 <a:pPr algn="r"/>
                 <a:r>
-                  <a:rPr lang="en-US" sz="1200" dirty="0" smtClean="0"/>
+                  <a:rPr lang="en-US" sz="1200" dirty="0"/>
                   <a:t>Color:</a:t>
                 </a:r>
-                <a:endParaRPr lang="en-US" sz="1200" dirty="0"/>
               </a:p>
             </p:txBody>
           </p:sp>
@@ -7996,18 +7873,13 @@
                 <a:p>
                   <a:pPr algn="r"/>
                   <a:r>
-                    <a:rPr lang="en-US" sz="1200" dirty="0" smtClean="0">
+                    <a:rPr lang="en-US" sz="1200" dirty="0">
                       <a:solidFill>
                         <a:schemeClr val="tx1"/>
                       </a:solidFill>
                     </a:rPr>
                     <a:t>000000:FF</a:t>
                   </a:r>
-                  <a:endParaRPr lang="en-US" sz="1200" dirty="0">
-                    <a:solidFill>
-                      <a:schemeClr val="tx1"/>
-                    </a:solidFill>
-                  </a:endParaRPr>
                 </a:p>
               </p:txBody>
             </p:sp>
@@ -8099,18 +7971,13 @@
               <a:lstStyle/>
               <a:p>
                 <a:r>
-                  <a:rPr lang="en-US" sz="1200" dirty="0" smtClean="0">
+                  <a:rPr lang="en-US" sz="1200" dirty="0">
                     <a:solidFill>
                       <a:schemeClr val="tx1"/>
                     </a:solidFill>
                   </a:rPr>
                   <a:t>Marker</a:t>
                 </a:r>
-                <a:endParaRPr lang="en-US" sz="1200" dirty="0">
-                  <a:solidFill>
-                    <a:schemeClr val="tx1"/>
-                  </a:solidFill>
-                </a:endParaRPr>
               </a:p>
             </p:txBody>
           </p:sp>
@@ -8138,10 +8005,9 @@
               <a:p>
                 <a:pPr algn="r"/>
                 <a:r>
-                  <a:rPr lang="en-US" sz="1200" dirty="0" smtClean="0"/>
+                  <a:rPr lang="en-US" sz="1200" dirty="0"/>
                   <a:t>Shape:</a:t>
                 </a:r>
-                <a:endParaRPr lang="en-US" sz="1200" dirty="0"/>
               </a:p>
             </p:txBody>
           </p:sp>
@@ -8338,10 +8204,9 @@
               <a:p>
                 <a:pPr algn="r"/>
                 <a:r>
-                  <a:rPr lang="en-US" sz="1200" dirty="0" smtClean="0"/>
+                  <a:rPr lang="en-US" sz="1200" dirty="0"/>
                   <a:t>Visible:</a:t>
                 </a:r>
-                <a:endParaRPr lang="en-US" sz="1200" dirty="0"/>
               </a:p>
             </p:txBody>
           </p:sp>
@@ -8369,10 +8234,9 @@
               <a:p>
                 <a:pPr algn="r"/>
                 <a:r>
-                  <a:rPr lang="en-US" sz="1000" dirty="0" smtClean="0"/>
+                  <a:rPr lang="en-US" sz="1000" dirty="0"/>
                   <a:t>Weight:</a:t>
                 </a:r>
-                <a:endParaRPr lang="en-US" sz="1000" dirty="0"/>
               </a:p>
             </p:txBody>
           </p:sp>
@@ -8444,10 +8308,9 @@
               <a:p>
                 <a:pPr algn="r"/>
                 <a:r>
-                  <a:rPr lang="en-US" sz="1200" dirty="0" smtClean="0"/>
+                  <a:rPr lang="en-US" sz="1200" dirty="0"/>
                   <a:t>Color:</a:t>
                 </a:r>
-                <a:endParaRPr lang="en-US" sz="1200" dirty="0"/>
               </a:p>
             </p:txBody>
           </p:sp>
@@ -8550,18 +8413,13 @@
                 <a:p>
                   <a:pPr algn="r"/>
                   <a:r>
-                    <a:rPr lang="en-US" sz="1200" dirty="0" smtClean="0">
+                    <a:rPr lang="en-US" sz="1200" dirty="0">
                       <a:solidFill>
                         <a:schemeClr val="tx1"/>
                       </a:solidFill>
                     </a:rPr>
                     <a:t>000000:FF</a:t>
                   </a:r>
-                  <a:endParaRPr lang="en-US" sz="1200" dirty="0">
-                    <a:solidFill>
-                      <a:schemeClr val="tx1"/>
-                    </a:solidFill>
-                  </a:endParaRPr>
                 </a:p>
               </p:txBody>
             </p:sp>
@@ -8653,18 +8511,13 @@
               <a:lstStyle/>
               <a:p>
                 <a:r>
-                  <a:rPr lang="en-US" sz="1200" dirty="0" smtClean="0">
+                  <a:rPr lang="en-US" sz="1200" dirty="0">
                     <a:solidFill>
                       <a:schemeClr val="tx1"/>
                     </a:solidFill>
                   </a:rPr>
                   <a:t>Line</a:t>
                 </a:r>
-                <a:endParaRPr lang="en-US" sz="1200" dirty="0">
-                  <a:solidFill>
-                    <a:schemeClr val="tx1"/>
-                  </a:solidFill>
-                </a:endParaRPr>
               </a:p>
             </p:txBody>
           </p:sp>
@@ -8692,10 +8545,9 @@
               <a:p>
                 <a:pPr algn="r"/>
                 <a:r>
-                  <a:rPr lang="en-US" sz="1200" dirty="0" smtClean="0"/>
+                  <a:rPr lang="en-US" sz="1200" dirty="0"/>
                   <a:t>Shape:</a:t>
                 </a:r>
-                <a:endParaRPr lang="en-US" sz="1200" dirty="0"/>
               </a:p>
             </p:txBody>
           </p:sp>
@@ -8880,10 +8732,9 @@
           <a:lstStyle/>
           <a:p>
             <a:r>
-              <a:rPr lang="en-US" dirty="0" smtClean="0"/>
+              <a:rPr lang="en-US" dirty="0"/>
               <a:t>Chart Layout</a:t>
             </a:r>
-            <a:endParaRPr lang="en-US" dirty="0"/>
           </a:p>
         </p:txBody>
       </p:sp>
@@ -8947,18 +8798,13 @@
             <a:p>
               <a:pPr algn="ctr"/>
               <a:r>
-                <a:rPr lang="en-US" dirty="0" smtClean="0">
+                <a:rPr lang="en-US" dirty="0">
                   <a:solidFill>
                     <a:schemeClr val="tx1"/>
                   </a:solidFill>
                 </a:rPr>
                 <a:t>Secondary Domain Title</a:t>
               </a:r>
-              <a:endParaRPr lang="en-US" dirty="0">
-                <a:solidFill>
-                  <a:schemeClr val="tx1"/>
-                </a:solidFill>
-              </a:endParaRPr>
             </a:p>
           </p:txBody>
         </p:sp>
@@ -9008,18 +8854,13 @@
             <a:p>
               <a:pPr algn="ctr"/>
               <a:r>
-                <a:rPr lang="en-US" dirty="0" smtClean="0">
+                <a:rPr lang="en-US" dirty="0">
                   <a:solidFill>
                     <a:schemeClr val="tx1"/>
                   </a:solidFill>
                 </a:rPr>
                 <a:t>Domain Title</a:t>
               </a:r>
-              <a:endParaRPr lang="en-US" dirty="0">
-                <a:solidFill>
-                  <a:schemeClr val="tx1"/>
-                </a:solidFill>
-              </a:endParaRPr>
             </a:p>
           </p:txBody>
         </p:sp>
@@ -9061,18 +8902,13 @@
             <a:p>
               <a:pPr algn="ctr"/>
               <a:r>
-                <a:rPr lang="en-US" dirty="0" smtClean="0">
+                <a:rPr lang="en-US" dirty="0">
                   <a:solidFill>
                     <a:schemeClr val="tx1"/>
                   </a:solidFill>
                 </a:rPr>
                 <a:t>Range Title</a:t>
               </a:r>
-              <a:endParaRPr lang="en-US" dirty="0">
-                <a:solidFill>
-                  <a:schemeClr val="tx1"/>
-                </a:solidFill>
-              </a:endParaRPr>
             </a:p>
           </p:txBody>
         </p:sp>
@@ -9114,18 +8950,13 @@
             <a:p>
               <a:pPr algn="ctr"/>
               <a:r>
-                <a:rPr lang="en-US" dirty="0" smtClean="0">
+                <a:rPr lang="en-US" dirty="0">
                   <a:solidFill>
                     <a:schemeClr val="tx1"/>
                   </a:solidFill>
                 </a:rPr>
                 <a:t>Secondary Range Title</a:t>
               </a:r>
-              <a:endParaRPr lang="en-US" dirty="0">
-                <a:solidFill>
-                  <a:schemeClr val="tx1"/>
-                </a:solidFill>
-              </a:endParaRPr>
             </a:p>
           </p:txBody>
         </p:sp>
@@ -9169,18 +9000,13 @@
             <a:p>
               <a:pPr algn="ctr"/>
               <a:r>
-                <a:rPr lang="en-US" dirty="0" smtClean="0">
+                <a:rPr lang="en-US" dirty="0">
                   <a:solidFill>
                     <a:schemeClr val="tx1"/>
                   </a:solidFill>
                 </a:rPr>
                 <a:t>Chart Title</a:t>
               </a:r>
-              <a:endParaRPr lang="en-US" dirty="0">
-                <a:solidFill>
-                  <a:schemeClr val="tx1"/>
-                </a:solidFill>
-              </a:endParaRPr>
             </a:p>
           </p:txBody>
         </p:sp>
@@ -9224,18 +9050,13 @@
             <a:p>
               <a:pPr algn="ctr"/>
               <a:r>
-                <a:rPr lang="en-US" sz="1200" dirty="0" smtClean="0">
+                <a:rPr lang="en-US" sz="1200" dirty="0">
                   <a:solidFill>
                     <a:schemeClr val="tx1"/>
                   </a:solidFill>
                 </a:rPr>
                 <a:t>min D tick</a:t>
               </a:r>
-              <a:endParaRPr lang="en-US" sz="1200" dirty="0">
-                <a:solidFill>
-                  <a:schemeClr val="tx1"/>
-                </a:solidFill>
-              </a:endParaRPr>
             </a:p>
           </p:txBody>
         </p:sp>
@@ -9279,18 +9100,13 @@
             <a:p>
               <a:pPr algn="ctr"/>
               <a:r>
-                <a:rPr lang="en-US" sz="1200" dirty="0" smtClean="0">
+                <a:rPr lang="en-US" sz="1200" dirty="0">
                   <a:solidFill>
                     <a:schemeClr val="tx1"/>
                   </a:solidFill>
                 </a:rPr>
                 <a:t>max D tick</a:t>
               </a:r>
-              <a:endParaRPr lang="en-US" sz="1200" dirty="0">
-                <a:solidFill>
-                  <a:schemeClr val="tx1"/>
-                </a:solidFill>
-              </a:endParaRPr>
             </a:p>
           </p:txBody>
         </p:sp>
@@ -9334,18 +9150,13 @@
             <a:p>
               <a:pPr algn="ctr"/>
               <a:r>
-                <a:rPr lang="en-US" sz="1200" dirty="0" smtClean="0">
+                <a:rPr lang="en-US" sz="1200" dirty="0">
                   <a:solidFill>
                     <a:schemeClr val="tx1"/>
                   </a:solidFill>
                 </a:rPr>
                 <a:t>min SD tick</a:t>
               </a:r>
-              <a:endParaRPr lang="en-US" sz="1200" dirty="0">
-                <a:solidFill>
-                  <a:schemeClr val="tx1"/>
-                </a:solidFill>
-              </a:endParaRPr>
             </a:p>
           </p:txBody>
         </p:sp>
@@ -9389,18 +9200,13 @@
             <a:p>
               <a:pPr algn="ctr"/>
               <a:r>
-                <a:rPr lang="en-US" sz="1200" dirty="0" smtClean="0">
+                <a:rPr lang="en-US" sz="1200" dirty="0">
                   <a:solidFill>
                     <a:schemeClr val="tx1"/>
                   </a:solidFill>
                 </a:rPr>
                 <a:t>max SD tick</a:t>
               </a:r>
-              <a:endParaRPr lang="en-US" sz="1200" dirty="0">
-                <a:solidFill>
-                  <a:schemeClr val="tx1"/>
-                </a:solidFill>
-              </a:endParaRPr>
             </a:p>
           </p:txBody>
         </p:sp>
@@ -9487,18 +9293,13 @@
             <a:p>
               <a:pPr algn="ctr"/>
               <a:r>
-                <a:rPr lang="en-US" sz="1200" dirty="0" smtClean="0">
+                <a:rPr lang="en-US" sz="1200" dirty="0">
                   <a:solidFill>
                     <a:schemeClr val="tx1"/>
                   </a:solidFill>
                 </a:rPr>
                 <a:t>min R tick</a:t>
               </a:r>
-              <a:endParaRPr lang="en-US" sz="1200" dirty="0">
-                <a:solidFill>
-                  <a:schemeClr val="tx1"/>
-                </a:solidFill>
-              </a:endParaRPr>
             </a:p>
           </p:txBody>
         </p:sp>
@@ -9540,18 +9341,13 @@
             <a:p>
               <a:pPr algn="ctr"/>
               <a:r>
-                <a:rPr lang="en-US" sz="1200" dirty="0" smtClean="0">
+                <a:rPr lang="en-US" sz="1200" dirty="0">
                   <a:solidFill>
                     <a:schemeClr val="tx1"/>
                   </a:solidFill>
                 </a:rPr>
                 <a:t>max R tick</a:t>
               </a:r>
-              <a:endParaRPr lang="en-US" sz="1200" dirty="0">
-                <a:solidFill>
-                  <a:schemeClr val="tx1"/>
-                </a:solidFill>
-              </a:endParaRPr>
             </a:p>
           </p:txBody>
         </p:sp>
@@ -9593,18 +9389,13 @@
             <a:p>
               <a:pPr algn="ctr"/>
               <a:r>
-                <a:rPr lang="en-US" sz="1200" dirty="0" smtClean="0">
+                <a:rPr lang="en-US" sz="1200" dirty="0">
                   <a:solidFill>
                     <a:schemeClr val="tx1"/>
                   </a:solidFill>
                 </a:rPr>
                 <a:t>min SR tick</a:t>
               </a:r>
-              <a:endParaRPr lang="en-US" sz="1200" dirty="0">
-                <a:solidFill>
-                  <a:schemeClr val="tx1"/>
-                </a:solidFill>
-              </a:endParaRPr>
             </a:p>
           </p:txBody>
         </p:sp>
@@ -9646,18 +9437,13 @@
             <a:p>
               <a:pPr algn="ctr"/>
               <a:r>
-                <a:rPr lang="en-US" sz="1200" dirty="0" smtClean="0">
+                <a:rPr lang="en-US" sz="1200" dirty="0">
                   <a:solidFill>
                     <a:schemeClr val="tx1"/>
                   </a:solidFill>
                 </a:rPr>
                 <a:t>max SR tick</a:t>
               </a:r>
-              <a:endParaRPr lang="en-US" sz="1200" dirty="0">
-                <a:solidFill>
-                  <a:schemeClr val="tx1"/>
-                </a:solidFill>
-              </a:endParaRPr>
             </a:p>
           </p:txBody>
         </p:sp>
@@ -9699,18 +9485,13 @@
             <a:p>
               <a:pPr algn="r"/>
               <a:r>
-                <a:rPr lang="en-US" sz="1100" dirty="0" smtClean="0">
+                <a:rPr lang="en-US" sz="1100" dirty="0">
                   <a:solidFill>
                     <a:schemeClr val="tx1"/>
                   </a:solidFill>
                 </a:rPr>
                 <a:t>Top/Bottom</a:t>
               </a:r>
-              <a:endParaRPr lang="en-US" sz="1100" dirty="0">
-                <a:solidFill>
-                  <a:schemeClr val="tx1"/>
-                </a:solidFill>
-              </a:endParaRPr>
             </a:p>
           </p:txBody>
         </p:sp>
@@ -9752,18 +9533,13 @@
             <a:p>
               <a:pPr algn="r"/>
               <a:r>
-                <a:rPr lang="en-US" sz="1100" dirty="0" smtClean="0">
+                <a:rPr lang="en-US" sz="1100" dirty="0">
                   <a:solidFill>
                     <a:schemeClr val="tx1"/>
                   </a:solidFill>
                 </a:rPr>
                 <a:t>Top/Bottom</a:t>
               </a:r>
-              <a:endParaRPr lang="en-US" sz="1100" dirty="0">
-                <a:solidFill>
-                  <a:schemeClr val="tx1"/>
-                </a:solidFill>
-              </a:endParaRPr>
             </a:p>
           </p:txBody>
         </p:sp>
@@ -9807,18 +9583,13 @@
             <a:p>
               <a:pPr algn="ctr"/>
               <a:r>
-                <a:rPr lang="en-US" sz="1400" dirty="0" smtClean="0">
+                <a:rPr lang="en-US" sz="1400" dirty="0">
                   <a:solidFill>
                     <a:schemeClr val="tx1"/>
                   </a:solidFill>
                 </a:rPr>
                 <a:t>Subtitle</a:t>
               </a:r>
-              <a:endParaRPr lang="en-US" sz="1400" dirty="0">
-                <a:solidFill>
-                  <a:schemeClr val="tx1"/>
-                </a:solidFill>
-              </a:endParaRPr>
             </a:p>
           </p:txBody>
         </p:sp>
@@ -9869,18 +9640,13 @@
             <a:p>
               <a:pPr algn="ctr"/>
               <a:r>
-                <a:rPr lang="en-US" dirty="0" smtClean="0">
+                <a:rPr lang="en-US" dirty="0">
                   <a:solidFill>
                     <a:schemeClr val="tx1"/>
                   </a:solidFill>
                 </a:rPr>
                 <a:t>Plots</a:t>
               </a:r>
-              <a:endParaRPr lang="en-US" dirty="0">
-                <a:solidFill>
-                  <a:schemeClr val="tx1"/>
-                </a:solidFill>
-              </a:endParaRPr>
             </a:p>
           </p:txBody>
         </p:sp>
@@ -9957,10 +9723,9 @@
           <a:lstStyle/>
           <a:p>
             <a:r>
-              <a:rPr lang="en-US" dirty="0" smtClean="0"/>
+              <a:rPr lang="en-US" dirty="0"/>
               <a:t>Class Model</a:t>
             </a:r>
-            <a:endParaRPr lang="en-US" dirty="0"/>
           </a:p>
         </p:txBody>
       </p:sp>
@@ -10077,10 +9842,9 @@
           <a:lstStyle/>
           <a:p>
             <a:r>
-              <a:rPr lang="en-US" dirty="0" smtClean="0"/>
+              <a:rPr lang="en-US" dirty="0"/>
               <a:t>Lines and Backgrounds</a:t>
             </a:r>
-            <a:endParaRPr lang="en-US" dirty="0"/>
           </a:p>
         </p:txBody>
       </p:sp>
@@ -10102,61 +9866,60 @@
           <a:lstStyle/>
           <a:p>
             <a:r>
-              <a:rPr lang="en-US" dirty="0" err="1" smtClean="0"/>
+              <a:rPr lang="en-US" dirty="0" err="1"/>
               <a:t>LineStyle</a:t>
             </a:r>
-            <a:endParaRPr lang="en-US" dirty="0" smtClean="0"/>
+            <a:endParaRPr lang="en-US" dirty="0"/>
           </a:p>
           <a:p>
             <a:pPr lvl="1"/>
             <a:r>
-              <a:rPr lang="en-US" dirty="0" err="1" smtClean="0"/>
+              <a:rPr lang="en-US" dirty="0" err="1"/>
               <a:t>type:LineType</a:t>
             </a:r>
             <a:r>
-              <a:rPr lang="en-US" dirty="0" smtClean="0"/>
+              <a:rPr lang="en-US" dirty="0"/>
               <a:t> - A line can be solid, dots, or dashes.</a:t>
             </a:r>
           </a:p>
           <a:p>
             <a:pPr lvl="1"/>
             <a:r>
-              <a:rPr lang="en-US" dirty="0" err="1" smtClean="0"/>
+              <a:rPr lang="en-US" dirty="0" err="1"/>
               <a:t>weight:int</a:t>
             </a:r>
             <a:r>
-              <a:rPr lang="en-US" dirty="0" smtClean="0"/>
+              <a:rPr lang="en-US" dirty="0"/>
               <a:t> – the weight of the line in pixels.</a:t>
             </a:r>
           </a:p>
           <a:p>
             <a:pPr lvl="1"/>
             <a:r>
-              <a:rPr lang="en-US" dirty="0" err="1" smtClean="0"/>
+              <a:rPr lang="en-US" dirty="0" err="1"/>
               <a:t>color:Color</a:t>
             </a:r>
             <a:r>
-              <a:rPr lang="en-US" dirty="0" smtClean="0"/>
+              <a:rPr lang="en-US" dirty="0"/>
               <a:t>.</a:t>
             </a:r>
           </a:p>
           <a:p>
             <a:pPr lvl="1"/>
             <a:r>
-              <a:rPr lang="en-US" dirty="0" err="1" smtClean="0"/>
+              <a:rPr lang="en-US" dirty="0" err="1"/>
               <a:t>end:Consider</a:t>
             </a:r>
             <a:r>
-              <a:rPr lang="en-US" dirty="0" smtClean="0"/>
+              <a:rPr lang="en-US" dirty="0"/>
               <a:t> adding a line connection method.</a:t>
             </a:r>
           </a:p>
           <a:p>
             <a:r>
-              <a:rPr lang="en-US" dirty="0" smtClean="0"/>
+              <a:rPr lang="en-US" dirty="0"/>
               <a:t>Background – A background can be either transparent, a solid color, a pattern, an image, or a color gradient. A background can be applied to both the chart and the plot area. The background for the plot area will always be drawn on top of the chart background.</a:t>
             </a:r>
-            <a:endParaRPr lang="en-US" dirty="0"/>
           </a:p>
         </p:txBody>
       </p:sp>
@@ -10232,10 +9995,9 @@
           <a:lstStyle/>
           <a:p>
             <a:r>
-              <a:rPr lang="en-US" dirty="0" smtClean="0"/>
+              <a:rPr lang="en-US" dirty="0"/>
               <a:t>Text</a:t>
             </a:r>
-            <a:endParaRPr lang="en-US" dirty="0"/>
           </a:p>
         </p:txBody>
       </p:sp>
@@ -10255,77 +10017,77 @@
           <a:lstStyle/>
           <a:p>
             <a:r>
-              <a:rPr lang="en-US" dirty="0" err="1" smtClean="0"/>
+              <a:rPr lang="en-US" dirty="0" err="1"/>
               <a:t>TextLabel</a:t>
             </a:r>
-            <a:endParaRPr lang="en-US" dirty="0" smtClean="0"/>
+            <a:endParaRPr lang="en-US" dirty="0"/>
           </a:p>
           <a:p>
             <a:pPr lvl="1"/>
             <a:r>
-              <a:rPr lang="en-US" dirty="0" err="1" smtClean="0"/>
+              <a:rPr lang="en-US" dirty="0" err="1"/>
               <a:t>visible:boolean</a:t>
             </a:r>
-            <a:endParaRPr lang="en-US" dirty="0" smtClean="0"/>
+            <a:endParaRPr lang="en-US" dirty="0"/>
           </a:p>
           <a:p>
             <a:pPr lvl="1"/>
             <a:r>
-              <a:rPr lang="en-US" dirty="0" err="1" smtClean="0"/>
+              <a:rPr lang="en-US" dirty="0" err="1"/>
               <a:t>text:String</a:t>
             </a:r>
-            <a:endParaRPr lang="en-US" dirty="0" smtClean="0"/>
+            <a:endParaRPr lang="en-US" dirty="0"/>
           </a:p>
           <a:p>
             <a:pPr lvl="1"/>
             <a:r>
-              <a:rPr lang="en-US" dirty="0" err="1" smtClean="0"/>
+              <a:rPr lang="en-US" dirty="0" err="1"/>
               <a:t>style:TextStyle</a:t>
             </a:r>
-            <a:endParaRPr lang="en-US" dirty="0" smtClean="0"/>
+            <a:endParaRPr lang="en-US" dirty="0"/>
           </a:p>
           <a:p>
             <a:r>
-              <a:rPr lang="en-US" dirty="0" err="1" smtClean="0"/>
+              <a:rPr lang="en-US" dirty="0" err="1"/>
               <a:t>TextStyle</a:t>
             </a:r>
-            <a:endParaRPr lang="en-US" dirty="0" smtClean="0"/>
+            <a:endParaRPr lang="en-US" dirty="0"/>
           </a:p>
           <a:p>
             <a:pPr lvl="1"/>
             <a:r>
-              <a:rPr lang="en-US" dirty="0" err="1" smtClean="0"/>
+              <a:rPr lang="en-US" dirty="0" err="1"/>
               <a:t>font:Font</a:t>
             </a:r>
-            <a:endParaRPr lang="en-US" dirty="0" smtClean="0"/>
+            <a:endParaRPr lang="en-US" dirty="0"/>
           </a:p>
           <a:p>
             <a:pPr lvl="1"/>
             <a:r>
-              <a:rPr lang="en-US" dirty="0" err="1" smtClean="0"/>
+              <a:rPr lang="en-US" dirty="0" err="1"/>
               <a:t>color:Color</a:t>
             </a:r>
-            <a:endParaRPr lang="en-US" dirty="0" smtClean="0"/>
+            <a:endParaRPr lang="en-US" dirty="0"/>
           </a:p>
           <a:p>
             <a:pPr lvl="1"/>
             <a:r>
-              <a:rPr lang="en-US" dirty="0" err="1" smtClean="0"/>
+              <a:rPr lang="en-US" dirty="0" err="1"/>
               <a:t>halign:HorizAlignment</a:t>
             </a:r>
             <a:r>
-              <a:rPr lang="en-US" dirty="0" smtClean="0"/>
+              <a:rPr lang="en-US" dirty="0"/>
               <a:t> – Left, Right, Center</a:t>
             </a:r>
           </a:p>
           <a:p>
             <a:pPr lvl="1"/>
             <a:r>
-              <a:rPr lang="en-US" dirty="0" err="1" smtClean="0"/>
+              <a:rPr lang="en-US" dirty="0" err="1"/>
               <a:t>valign:VertAlignment</a:t>
             </a:r>
             <a:r>
-              <a:rPr lang="en-US" dirty="0" smtClean="0"/>
+              <a:rPr lang="en-US" dirty="0"/>
               <a:t> – Top, Middle, Bottom</a:t>
             </a:r>
           </a:p>
@@ -10406,10 +10168,9 @@
           <a:lstStyle/>
           <a:p>
             <a:r>
-              <a:rPr lang="en-US" dirty="0" smtClean="0"/>
+              <a:rPr lang="en-US" dirty="0"/>
               <a:t>Axes Definition</a:t>
             </a:r>
-            <a:endParaRPr lang="en-US" dirty="0"/>
           </a:p>
         </p:txBody>
       </p:sp>
@@ -10434,110 +10195,110 @@
               <a:buNone/>
             </a:pPr>
             <a:r>
-              <a:rPr lang="en-US" dirty="0" smtClean="0"/>
+              <a:rPr lang="en-US" dirty="0"/>
               <a:t>There are primary (left vs bottom), secondary (right vs. top), off-area axes (those that sit to the top, left, bottom, or right of the plot area but do not touch it).</a:t>
             </a:r>
           </a:p>
           <a:p>
             <a:r>
-              <a:rPr lang="en-US" dirty="0" smtClean="0"/>
+              <a:rPr lang="en-US" dirty="0"/>
               <a:t>Axis – each axis has the following properties:</a:t>
             </a:r>
           </a:p>
           <a:p>
             <a:pPr lvl="1"/>
             <a:r>
-              <a:rPr lang="en-US" dirty="0" smtClean="0"/>
+              <a:rPr lang="en-US" dirty="0"/>
               <a:t>bounds (min/max)</a:t>
             </a:r>
           </a:p>
           <a:p>
             <a:pPr lvl="1"/>
             <a:r>
-              <a:rPr lang="en-US" dirty="0" err="1" smtClean="0"/>
+              <a:rPr lang="en-US" dirty="0" err="1"/>
               <a:t>drawBaseLine:boolean</a:t>
             </a:r>
-            <a:endParaRPr lang="en-US" dirty="0" smtClean="0"/>
+            <a:endParaRPr lang="en-US" dirty="0"/>
           </a:p>
           <a:p>
             <a:pPr lvl="1"/>
             <a:r>
-              <a:rPr lang="en-US" dirty="0" err="1" smtClean="0"/>
+              <a:rPr lang="en-US" dirty="0" err="1"/>
               <a:t>drawTickLines:boolean</a:t>
             </a:r>
-            <a:endParaRPr lang="en-US" dirty="0" smtClean="0"/>
+            <a:endParaRPr lang="en-US" dirty="0"/>
           </a:p>
           <a:p>
             <a:pPr lvl="1"/>
             <a:r>
-              <a:rPr lang="en-US" dirty="0" err="1" smtClean="0"/>
+              <a:rPr lang="en-US" dirty="0" err="1"/>
               <a:t>ticks:List</a:t>
             </a:r>
             <a:r>
-              <a:rPr lang="en-US" dirty="0" smtClean="0"/>
+              <a:rPr lang="en-US" dirty="0"/>
               <a:t>&lt;Tick&gt;</a:t>
             </a:r>
           </a:p>
           <a:p>
             <a:pPr lvl="2"/>
             <a:r>
-              <a:rPr lang="en-US" dirty="0" err="1" smtClean="0"/>
+              <a:rPr lang="en-US" dirty="0" err="1"/>
               <a:t>value:double</a:t>
             </a:r>
             <a:r>
-              <a:rPr lang="en-US" dirty="0" smtClean="0"/>
+              <a:rPr lang="en-US" dirty="0"/>
               <a:t> – the value must be between min and max and defines where the tick is drawn.</a:t>
             </a:r>
           </a:p>
           <a:p>
             <a:pPr lvl="2"/>
             <a:r>
-              <a:rPr lang="en-US" dirty="0" err="1" smtClean="0"/>
+              <a:rPr lang="en-US" dirty="0" err="1"/>
               <a:t>text:String</a:t>
             </a:r>
             <a:r>
-              <a:rPr lang="en-US" dirty="0" smtClean="0"/>
+              <a:rPr lang="en-US" dirty="0"/>
               <a:t> – defines the text to be drawn at that tick.</a:t>
             </a:r>
           </a:p>
           <a:p>
             <a:pPr lvl="1"/>
             <a:r>
-              <a:rPr lang="en-US" dirty="0" err="1" smtClean="0"/>
+              <a:rPr lang="en-US" dirty="0" err="1"/>
               <a:t>minorTickCount:int</a:t>
             </a:r>
             <a:r>
-              <a:rPr lang="en-US" dirty="0" smtClean="0"/>
+              <a:rPr lang="en-US" dirty="0"/>
               <a:t> – the number of minor ticks (not tick sections) between major ticks (e.g. a minor tick at each number with major ticks at 0 and 10 would result in 9 ticks and 10 tick sections).</a:t>
             </a:r>
           </a:p>
           <a:p>
             <a:pPr lvl="1"/>
             <a:r>
-              <a:rPr lang="en-US" dirty="0" smtClean="0"/>
+              <a:rPr lang="en-US" dirty="0"/>
               <a:t>Direction (inner/outer) – defines the direction that the tick points from the axis line. The tick text is always placed outside the axis line.</a:t>
             </a:r>
           </a:p>
           <a:p>
             <a:pPr lvl="1"/>
             <a:r>
-              <a:rPr lang="en-US" dirty="0" err="1" smtClean="0"/>
+              <a:rPr lang="en-US" dirty="0" err="1"/>
               <a:t>line:LineStyle</a:t>
             </a:r>
-            <a:endParaRPr lang="en-US" dirty="0" smtClean="0"/>
+            <a:endParaRPr lang="en-US" dirty="0"/>
           </a:p>
           <a:p>
             <a:pPr lvl="1"/>
             <a:r>
-              <a:rPr lang="en-US" dirty="0" err="1" smtClean="0"/>
+              <a:rPr lang="en-US" dirty="0" err="1"/>
               <a:t>title:TextLabel</a:t>
             </a:r>
-            <a:endParaRPr lang="en-US" dirty="0" smtClean="0"/>
+            <a:endParaRPr lang="en-US" dirty="0"/>
           </a:p>
           <a:p>
             <a:pPr lvl="1"/>
             <a:r>
-              <a:rPr lang="en-US" dirty="0" err="1" smtClean="0"/>
+              <a:rPr lang="en-US" dirty="0" err="1"/>
               <a:t>tickTextStyle:TextStyle</a:t>
             </a:r>
             <a:endParaRPr lang="en-US" dirty="0"/>
@@ -10615,16 +10376,45 @@
           <a:lstStyle/>
           <a:p>
             <a:r>
-              <a:rPr lang="en-US" dirty="0" smtClean="0"/>
+              <a:rPr lang="en-US" dirty="0"/>
               <a:t>Chart View</a:t>
             </a:r>
+          </a:p>
+        </p:txBody>
+      </p:sp>
+      <p:sp>
+        <p:nvSpPr>
+          <p:cNvPr id="9" name="Slide Number Placeholder 8"/>
+          <p:cNvSpPr>
+            <a:spLocks noGrp="1"/>
+          </p:cNvSpPr>
+          <p:nvPr>
+            <p:ph type="sldNum" sz="quarter" idx="12"/>
+          </p:nvPr>
+        </p:nvSpPr>
+        <p:spPr/>
+        <p:txBody>
+          <a:bodyPr/>
+          <a:lstStyle/>
+          <a:p>
+            <a:fld id="{F1B1EB98-98E7-4A5A-BA8F-7513A9456E79}" type="slidenum">
+              <a:rPr lang="en-US" smtClean="0"/>
+              <a:pPr/>
+              <a:t>2</a:t>
+            </a:fld>
             <a:endParaRPr lang="en-US" dirty="0"/>
           </a:p>
         </p:txBody>
       </p:sp>
       <p:grpSp>
         <p:nvGrpSpPr>
-          <p:cNvPr id="12" name="Group 11"/>
+          <p:cNvPr id="16" name="Group 15">
+            <a:extLst>
+              <a:ext uri="{FF2B5EF4-FFF2-40B4-BE49-F238E27FC236}">
+                <a16:creationId xmlns:a16="http://schemas.microsoft.com/office/drawing/2014/main" id="{77AACBA7-D314-40DC-B971-A109DE772BCF}"/>
+              </a:ext>
+            </a:extLst>
+          </p:cNvPr>
           <p:cNvGrpSpPr/>
           <p:nvPr/>
         </p:nvGrpSpPr>
@@ -10632,22 +10422,28 @@
           <a:xfrm>
             <a:off x="1447800" y="1828800"/>
             <a:ext cx="6248400" cy="3810000"/>
-            <a:chOff x="1447800" y="1981200"/>
+            <a:chOff x="1447800" y="1828800"/>
             <a:chExt cx="6248400" cy="3810000"/>
           </a:xfrm>
         </p:grpSpPr>
         <p:grpSp>
           <p:nvGrpSpPr>
-            <p:cNvPr id="11" name="Group 10"/>
+            <p:cNvPr id="15" name="Group 14">
+              <a:extLst>
+                <a:ext uri="{FF2B5EF4-FFF2-40B4-BE49-F238E27FC236}">
+                  <a16:creationId xmlns:a16="http://schemas.microsoft.com/office/drawing/2014/main" id="{A3347F5A-2288-4FDD-A8F7-8098086E9272}"/>
+                </a:ext>
+              </a:extLst>
+            </p:cNvPr>
             <p:cNvGrpSpPr/>
             <p:nvPr/>
           </p:nvGrpSpPr>
           <p:grpSpPr>
             <a:xfrm>
-              <a:off x="1528254" y="2057400"/>
-              <a:ext cx="6087492" cy="3657600"/>
-              <a:chOff x="1528254" y="1600200"/>
-              <a:chExt cx="6087492" cy="3657600"/>
+              <a:off x="3881946" y="1905000"/>
+              <a:ext cx="3733800" cy="3657600"/>
+              <a:chOff x="3881946" y="1905000"/>
+              <a:chExt cx="3733800" cy="3657600"/>
             </a:xfrm>
           </p:grpSpPr>
           <p:sp>
@@ -10658,7 +10454,7 @@
             </p:nvSpPr>
             <p:spPr>
               <a:xfrm>
-                <a:off x="3881946" y="1905000"/>
+                <a:off x="3881946" y="2209800"/>
                 <a:ext cx="3733800" cy="3352800"/>
               </a:xfrm>
               <a:prstGeom prst="rect">
@@ -10690,18 +10486,13 @@
               <a:p>
                 <a:pPr algn="ctr"/>
                 <a:r>
-                  <a:rPr lang="en-US" dirty="0" smtClean="0">
+                  <a:rPr lang="en-US" dirty="0">
                     <a:solidFill>
                       <a:schemeClr val="tx1"/>
                     </a:solidFill>
                   </a:rPr>
                   <a:t>Chart/Data/Properties</a:t>
                 </a:r>
-                <a:endParaRPr lang="en-US" dirty="0">
-                  <a:solidFill>
-                    <a:schemeClr val="tx1"/>
-                  </a:solidFill>
-                </a:endParaRPr>
               </a:p>
             </p:txBody>
           </p:sp>
@@ -10713,7 +10504,7 @@
             </p:nvSpPr>
             <p:spPr>
               <a:xfrm>
-                <a:off x="3881946" y="1600200"/>
+                <a:off x="3881946" y="1905000"/>
                 <a:ext cx="914400" cy="304800"/>
               </a:xfrm>
               <a:prstGeom prst="snip2SameRect">
@@ -10748,18 +10539,13 @@
               <a:p>
                 <a:pPr algn="ctr"/>
                 <a:r>
-                  <a:rPr lang="en-US" dirty="0" smtClean="0">
+                  <a:rPr lang="en-US" dirty="0">
                     <a:solidFill>
                       <a:schemeClr val="tx1"/>
                     </a:solidFill>
                   </a:rPr>
                   <a:t>Chart</a:t>
                 </a:r>
-                <a:endParaRPr lang="en-US" dirty="0">
-                  <a:solidFill>
-                    <a:schemeClr val="tx1"/>
-                  </a:solidFill>
-                </a:endParaRPr>
               </a:p>
             </p:txBody>
           </p:sp>
@@ -10771,7 +10557,7 @@
             </p:nvSpPr>
             <p:spPr>
               <a:xfrm>
-                <a:off x="4804854" y="1600200"/>
+                <a:off x="4804854" y="1905000"/>
                 <a:ext cx="914400" cy="304800"/>
               </a:xfrm>
               <a:prstGeom prst="snip2SameRect">
@@ -10824,7 +10610,7 @@
             </p:nvSpPr>
             <p:spPr>
               <a:xfrm>
-                <a:off x="5710746" y="1600200"/>
+                <a:off x="5710746" y="1905000"/>
                 <a:ext cx="1286892" cy="304800"/>
               </a:xfrm>
               <a:prstGeom prst="snip2SameRect">
@@ -10869,6 +10655,72 @@
               </a:p>
             </p:txBody>
           </p:sp>
+        </p:grpSp>
+        <p:sp>
+          <p:nvSpPr>
+            <p:cNvPr id="26" name="Rectangle 25"/>
+            <p:cNvSpPr/>
+            <p:nvPr/>
+          </p:nvSpPr>
+          <p:spPr>
+            <a:xfrm>
+              <a:off x="1447800" y="1828800"/>
+              <a:ext cx="6248400" cy="3810000"/>
+            </a:xfrm>
+            <a:prstGeom prst="rect">
+              <a:avLst/>
+            </a:prstGeom>
+            <a:noFill/>
+          </p:spPr>
+          <p:style>
+            <a:lnRef idx="2">
+              <a:schemeClr val="accent1">
+                <a:shade val="50000"/>
+              </a:schemeClr>
+            </a:lnRef>
+            <a:fillRef idx="1">
+              <a:schemeClr val="accent1"/>
+            </a:fillRef>
+            <a:effectRef idx="0">
+              <a:schemeClr val="accent1"/>
+            </a:effectRef>
+            <a:fontRef idx="minor">
+              <a:schemeClr val="lt1"/>
+            </a:fontRef>
+          </p:style>
+          <p:txBody>
+            <a:bodyPr rtlCol="0" anchor="ctr"/>
+            <a:lstStyle/>
+            <a:p>
+              <a:pPr algn="ctr"/>
+              <a:endParaRPr lang="en-US" dirty="0">
+                <a:solidFill>
+                  <a:schemeClr val="tx1"/>
+                </a:solidFill>
+              </a:endParaRPr>
+            </a:p>
+          </p:txBody>
+        </p:sp>
+        <p:grpSp>
+          <p:nvGrpSpPr>
+            <p:cNvPr id="14" name="Group 13">
+              <a:extLst>
+                <a:ext uri="{FF2B5EF4-FFF2-40B4-BE49-F238E27FC236}">
+                  <a16:creationId xmlns:a16="http://schemas.microsoft.com/office/drawing/2014/main" id="{7DEED73D-6CF3-46E0-879B-C4CB8B8FE9A8}"/>
+                </a:ext>
+              </a:extLst>
+            </p:cNvPr>
+            <p:cNvGrpSpPr/>
+            <p:nvPr/>
+          </p:nvGrpSpPr>
+          <p:grpSpPr>
+            <a:xfrm>
+              <a:off x="1528254" y="1905000"/>
+              <a:ext cx="2277492" cy="3657600"/>
+              <a:chOff x="1528254" y="1905000"/>
+              <a:chExt cx="2277492" cy="3657600"/>
+            </a:xfrm>
+          </p:grpSpPr>
           <p:sp>
             <p:nvSpPr>
               <p:cNvPr id="6" name="Rectangle 5"/>
@@ -10877,7 +10729,7 @@
             </p:nvSpPr>
             <p:spPr>
               <a:xfrm>
-                <a:off x="1528254" y="1905000"/>
+                <a:off x="1528254" y="2209800"/>
                 <a:ext cx="2277492" cy="3352800"/>
               </a:xfrm>
               <a:prstGeom prst="rect">
@@ -10914,7 +10766,7 @@
                   <a:buChar char="-"/>
                 </a:pPr>
                 <a:r>
-                  <a:rPr lang="en-US" dirty="0" smtClean="0">
+                  <a:rPr lang="en-US" dirty="0">
                     <a:solidFill>
                       <a:schemeClr val="tx1"/>
                     </a:solidFill>
@@ -10928,7 +10780,7 @@
                   <a:buChar char="-"/>
                 </a:pPr>
                 <a:r>
-                  <a:rPr lang="en-US" dirty="0" smtClean="0">
+                  <a:rPr lang="en-US" dirty="0">
                     <a:solidFill>
                       <a:schemeClr val="tx1"/>
                     </a:solidFill>
@@ -10942,7 +10794,7 @@
                   <a:buChar char="-"/>
                 </a:pPr>
                 <a:r>
-                  <a:rPr lang="en-US" dirty="0" smtClean="0">
+                  <a:rPr lang="en-US" dirty="0">
                     <a:solidFill>
                       <a:schemeClr val="tx1"/>
                     </a:solidFill>
@@ -10970,7 +10822,7 @@
                   <a:buChar char="-"/>
                 </a:pPr>
                 <a:r>
-                  <a:rPr lang="en-US" dirty="0" smtClean="0">
+                  <a:rPr lang="en-US" dirty="0">
                     <a:solidFill>
                       <a:schemeClr val="tx1"/>
                     </a:solidFill>
@@ -10984,18 +10836,13 @@
                   <a:buChar char="-"/>
                 </a:pPr>
                 <a:r>
-                  <a:rPr lang="en-US" dirty="0" smtClean="0">
+                  <a:rPr lang="en-US" dirty="0">
                     <a:solidFill>
                       <a:schemeClr val="tx1"/>
                     </a:solidFill>
                   </a:rPr>
                   <a:t>Series n</a:t>
                 </a:r>
-                <a:endParaRPr lang="en-US" dirty="0">
-                  <a:solidFill>
-                    <a:schemeClr val="tx1"/>
-                  </a:solidFill>
-                </a:endParaRPr>
               </a:p>
               <a:p>
                 <a:pPr marL="458788" lvl="1" indent="-228600">
@@ -11045,7 +10892,7 @@
                   <a:buChar char="-"/>
                 </a:pPr>
                 <a:r>
-                  <a:rPr lang="en-US" dirty="0" smtClean="0">
+                  <a:rPr lang="en-US" dirty="0">
                     <a:solidFill>
                       <a:schemeClr val="tx1"/>
                     </a:solidFill>
@@ -11059,18 +10906,13 @@
                   <a:buChar char="-"/>
                 </a:pPr>
                 <a:r>
-                  <a:rPr lang="en-US" dirty="0" smtClean="0">
+                  <a:rPr lang="en-US" dirty="0">
                     <a:solidFill>
                       <a:schemeClr val="tx1"/>
                     </a:solidFill>
                   </a:rPr>
                   <a:t>Series n</a:t>
                 </a:r>
-                <a:endParaRPr lang="en-US" dirty="0">
-                  <a:solidFill>
-                    <a:schemeClr val="tx1"/>
-                  </a:solidFill>
-                </a:endParaRPr>
               </a:p>
               <a:p>
                 <a:pPr marL="458788" lvl="1" indent="-228600">
@@ -11078,7 +10920,7 @@
                   <a:buChar char="-"/>
                 </a:pPr>
                 <a:r>
-                  <a:rPr lang="en-US" dirty="0" smtClean="0">
+                  <a:rPr lang="en-US" dirty="0">
                     <a:solidFill>
                       <a:schemeClr val="tx1"/>
                     </a:solidFill>
@@ -11092,18 +10934,13 @@
                   <a:buChar char="-"/>
                 </a:pPr>
                 <a:r>
-                  <a:rPr lang="en-US" dirty="0" smtClean="0">
+                  <a:rPr lang="en-US" dirty="0">
                     <a:solidFill>
                       <a:schemeClr val="tx1"/>
                     </a:solidFill>
                   </a:rPr>
                   <a:t>Dataset n</a:t>
                 </a:r>
-                <a:endParaRPr lang="en-US" dirty="0">
-                  <a:solidFill>
-                    <a:schemeClr val="tx1"/>
-                  </a:solidFill>
-                </a:endParaRPr>
               </a:p>
               <a:p>
                 <a:pPr marL="230188" indent="-230188">
@@ -11144,15 +10981,7 @@
                       <a:schemeClr val="tx1"/>
                     </a:solidFill>
                   </a:rPr>
-                  <a:t>Plot </a:t>
-                </a:r>
-                <a:r>
-                  <a:rPr lang="en-US" dirty="0" smtClean="0">
-                    <a:solidFill>
-                      <a:schemeClr val="tx1"/>
-                    </a:solidFill>
-                  </a:rPr>
-                  <a:t>2</a:t>
+                  <a:t>Plot 2</a:t>
                 </a:r>
               </a:p>
               <a:p>
@@ -11161,7 +10990,7 @@
                   <a:buChar char="-"/>
                 </a:pPr>
                 <a:r>
-                  <a:rPr lang="en-US" dirty="0" smtClean="0">
+                  <a:rPr lang="en-US" dirty="0">
                     <a:solidFill>
                       <a:schemeClr val="tx1"/>
                     </a:solidFill>
@@ -11175,32 +11004,33 @@
                   <a:buChar char="-"/>
                 </a:pPr>
                 <a:r>
-                  <a:rPr lang="en-US" dirty="0" smtClean="0">
+                  <a:rPr lang="en-US" dirty="0">
                     <a:solidFill>
                       <a:schemeClr val="tx1"/>
                     </a:solidFill>
                   </a:rPr>
                   <a:t>Plot n</a:t>
                 </a:r>
-                <a:endParaRPr lang="en-US" dirty="0">
-                  <a:solidFill>
-                    <a:schemeClr val="tx1"/>
-                  </a:solidFill>
-                </a:endParaRPr>
               </a:p>
             </p:txBody>
           </p:sp>
           <p:grpSp>
             <p:nvGrpSpPr>
-              <p:cNvPr id="10" name="Group 9"/>
+              <p:cNvPr id="13" name="Group 12">
+                <a:extLst>
+                  <a:ext uri="{FF2B5EF4-FFF2-40B4-BE49-F238E27FC236}">
+                    <a16:creationId xmlns:a16="http://schemas.microsoft.com/office/drawing/2014/main" id="{42E1684A-DD56-4E66-878C-46CBF8CC37D1}"/>
+                  </a:ext>
+                </a:extLst>
+              </p:cNvPr>
               <p:cNvGrpSpPr/>
               <p:nvPr/>
             </p:nvGrpSpPr>
             <p:grpSpPr>
               <a:xfrm>
-                <a:off x="1528254" y="1600200"/>
+                <a:off x="1528254" y="1905000"/>
                 <a:ext cx="2277492" cy="304800"/>
-                <a:chOff x="1528254" y="1600200"/>
+                <a:chOff x="1528254" y="1905000"/>
                 <a:chExt cx="2277492" cy="304800"/>
               </a:xfrm>
             </p:grpSpPr>
@@ -11212,7 +11042,7 @@
               </p:nvSpPr>
               <p:spPr>
                 <a:xfrm>
-                  <a:off x="1528254" y="1600200"/>
+                  <a:off x="1528254" y="1905000"/>
                   <a:ext cx="2277492" cy="304800"/>
                 </a:xfrm>
                 <a:prstGeom prst="rect">
@@ -11274,7 +11104,7 @@
               </p:blipFill>
               <p:spPr bwMode="auto">
                 <a:xfrm>
-                  <a:off x="1905000" y="1670304"/>
+                  <a:off x="2121408" y="1975104"/>
                   <a:ext cx="164592" cy="164592"/>
                 </a:xfrm>
                 <a:prstGeom prst="rect">
@@ -11315,7 +11145,7 @@
               </p:blipFill>
               <p:spPr bwMode="auto">
                 <a:xfrm>
-                  <a:off x="1600200" y="1670304"/>
+                  <a:off x="1816608" y="1975104"/>
                   <a:ext cx="164592" cy="164592"/>
                 </a:xfrm>
                 <a:prstGeom prst="rect">
@@ -11356,7 +11186,7 @@
               </p:blipFill>
               <p:spPr bwMode="auto">
                 <a:xfrm>
-                  <a:off x="2209800" y="1670304"/>
+                  <a:off x="2426208" y="1975104"/>
                   <a:ext cx="164592" cy="164592"/>
                 </a:xfrm>
                 <a:prstGeom prst="rect">
@@ -11397,7 +11227,7 @@
               </p:blipFill>
               <p:spPr bwMode="auto">
                 <a:xfrm>
-                  <a:off x="2743200" y="1670304"/>
+                  <a:off x="2959608" y="1975104"/>
                   <a:ext cx="164592" cy="164592"/>
                 </a:xfrm>
                 <a:prstGeom prst="rect">
@@ -11438,7 +11268,7 @@
               </p:blipFill>
               <p:spPr bwMode="auto">
                 <a:xfrm>
-                  <a:off x="2426208" y="1670304"/>
+                  <a:off x="2642616" y="1975104"/>
                   <a:ext cx="164592" cy="164592"/>
                 </a:xfrm>
                 <a:prstGeom prst="rect">
@@ -11479,7 +11309,54 @@
               </p:blipFill>
               <p:spPr bwMode="auto">
                 <a:xfrm>
-                  <a:off x="2971800" y="1670304"/>
+                  <a:off x="3188208" y="1975104"/>
+                  <a:ext cx="164592" cy="164592"/>
+                </a:xfrm>
+                <a:prstGeom prst="rect">
+                  <a:avLst/>
+                </a:prstGeom>
+                <a:noFill/>
+                <a:extLst>
+                  <a:ext uri="{909E8E84-426E-40DD-AFC4-6F175D3DCCD1}">
+                    <a14:hiddenFill xmlns:a14="http://schemas.microsoft.com/office/drawing/2010/main">
+                      <a:solidFill>
+                        <a:srgbClr val="FFFFFF"/>
+                      </a:solidFill>
+                    </a14:hiddenFill>
+                  </a:ext>
+                </a:extLst>
+              </p:spPr>
+            </p:pic>
+            <p:pic>
+              <p:nvPicPr>
+                <p:cNvPr id="20" name="Picture 2" descr="C:\Files\jgordon\personal\code\gordoza-code\java\jutils\src\org\jutils\icons\folder16.png">
+                  <a:extLst>
+                    <a:ext uri="{FF2B5EF4-FFF2-40B4-BE49-F238E27FC236}">
+                      <a16:creationId xmlns:a16="http://schemas.microsoft.com/office/drawing/2014/main" id="{39CF91BC-959D-4857-838E-73DB7A70FB78}"/>
+                    </a:ext>
+                  </a:extLst>
+                </p:cNvPr>
+                <p:cNvPicPr>
+                  <a:picLocks noChangeAspect="1" noChangeArrowheads="1"/>
+                </p:cNvPicPr>
+                <p:nvPr/>
+              </p:nvPicPr>
+              <p:blipFill>
+                <a:blip r:embed="rId8">
+                  <a:extLst>
+                    <a:ext uri="{28A0092B-C50C-407E-A947-70E740481C1C}">
+                      <a14:useLocalDpi xmlns:a14="http://schemas.microsoft.com/office/drawing/2010/main" val="0"/>
+                    </a:ext>
+                  </a:extLst>
+                </a:blip>
+                <a:srcRect/>
+                <a:stretch>
+                  <a:fillRect/>
+                </a:stretch>
+              </p:blipFill>
+              <p:spPr bwMode="auto">
+                <a:xfrm>
+                  <a:off x="1594104" y="1975104"/>
                   <a:ext cx="164592" cy="164592"/>
                 </a:xfrm>
                 <a:prstGeom prst="rect">
@@ -11499,76 +11376,306 @@
             </p:pic>
           </p:grpSp>
         </p:grpSp>
-        <p:sp>
-          <p:nvSpPr>
-            <p:cNvPr id="26" name="Rectangle 25"/>
-            <p:cNvSpPr/>
-            <p:nvPr/>
-          </p:nvSpPr>
-          <p:spPr>
-            <a:xfrm>
-              <a:off x="1447800" y="1981200"/>
-              <a:ext cx="6248400" cy="3810000"/>
-            </a:xfrm>
-            <a:prstGeom prst="rect">
-              <a:avLst/>
-            </a:prstGeom>
-            <a:noFill/>
-          </p:spPr>
-          <p:style>
-            <a:lnRef idx="2">
-              <a:schemeClr val="accent1">
-                <a:shade val="50000"/>
-              </a:schemeClr>
-            </a:lnRef>
-            <a:fillRef idx="1">
-              <a:schemeClr val="accent1"/>
-            </a:fillRef>
-            <a:effectRef idx="0">
-              <a:schemeClr val="accent1"/>
-            </a:effectRef>
-            <a:fontRef idx="minor">
-              <a:schemeClr val="lt1"/>
-            </a:fontRef>
-          </p:style>
-          <p:txBody>
-            <a:bodyPr rtlCol="0" anchor="ctr"/>
-            <a:lstStyle/>
-            <a:p>
-              <a:pPr algn="ctr"/>
-              <a:endParaRPr lang="en-US" dirty="0">
+      </p:grpSp>
+      <p:pic>
+        <p:nvPicPr>
+          <p:cNvPr id="18" name="Picture 17">
+            <a:extLst>
+              <a:ext uri="{FF2B5EF4-FFF2-40B4-BE49-F238E27FC236}">
+                <a16:creationId xmlns:a16="http://schemas.microsoft.com/office/drawing/2014/main" id="{1D6C1288-4F7A-4A4D-901E-DB942B3AC5DD}"/>
+              </a:ext>
+            </a:extLst>
+          </p:cNvPr>
+          <p:cNvPicPr>
+            <a:picLocks noChangeAspect="1"/>
+          </p:cNvPicPr>
+          <p:nvPr/>
+        </p:nvPicPr>
+        <p:blipFill>
+          <a:blip r:embed="rId9">
+            <a:extLst>
+              <a:ext uri="{28A0092B-C50C-407E-A947-70E740481C1C}">
+                <a14:useLocalDpi xmlns:a14="http://schemas.microsoft.com/office/drawing/2010/main" val="0"/>
+              </a:ext>
+            </a:extLst>
+          </a:blip>
+          <a:stretch>
+            <a:fillRect/>
+          </a:stretch>
+        </p:blipFill>
+        <p:spPr>
+          <a:xfrm>
+            <a:off x="1686414" y="2251166"/>
+            <a:ext cx="164592" cy="164592"/>
+          </a:xfrm>
+          <a:prstGeom prst="rect">
+            <a:avLst/>
+          </a:prstGeom>
+        </p:spPr>
+      </p:pic>
+      <p:pic>
+        <p:nvPicPr>
+          <p:cNvPr id="21" name="Picture 20">
+            <a:extLst>
+              <a:ext uri="{FF2B5EF4-FFF2-40B4-BE49-F238E27FC236}">
+                <a16:creationId xmlns:a16="http://schemas.microsoft.com/office/drawing/2014/main" id="{68767B0E-4C13-4199-AE3E-2F4505DFF148}"/>
+              </a:ext>
+            </a:extLst>
+          </p:cNvPr>
+          <p:cNvPicPr>
+            <a:picLocks noChangeAspect="1"/>
+          </p:cNvPicPr>
+          <p:nvPr/>
+        </p:nvPicPr>
+        <p:blipFill>
+          <a:blip r:embed="rId10">
+            <a:extLst>
+              <a:ext uri="{28A0092B-C50C-407E-A947-70E740481C1C}">
+                <a14:useLocalDpi xmlns:a14="http://schemas.microsoft.com/office/drawing/2010/main" val="0"/>
+              </a:ext>
+            </a:extLst>
+          </a:blip>
+          <a:stretch>
+            <a:fillRect/>
+          </a:stretch>
+        </p:blipFill>
+        <p:spPr>
+          <a:xfrm>
+            <a:off x="1925463" y="2420112"/>
+            <a:ext cx="164592" cy="164592"/>
+          </a:xfrm>
+          <a:prstGeom prst="rect">
+            <a:avLst/>
+          </a:prstGeom>
+        </p:spPr>
+      </p:pic>
+      <p:pic>
+        <p:nvPicPr>
+          <p:cNvPr id="30" name="Picture 29">
+            <a:extLst>
+              <a:ext uri="{FF2B5EF4-FFF2-40B4-BE49-F238E27FC236}">
+                <a16:creationId xmlns:a16="http://schemas.microsoft.com/office/drawing/2014/main" id="{7696B9CA-2EA5-48A8-8CBC-9FBBDE45896A}"/>
+              </a:ext>
+            </a:extLst>
+          </p:cNvPr>
+          <p:cNvPicPr>
+            <a:picLocks noChangeAspect="1"/>
+          </p:cNvPicPr>
+          <p:nvPr/>
+        </p:nvPicPr>
+        <p:blipFill>
+          <a:blip r:embed="rId10">
+            <a:extLst>
+              <a:ext uri="{28A0092B-C50C-407E-A947-70E740481C1C}">
+                <a14:useLocalDpi xmlns:a14="http://schemas.microsoft.com/office/drawing/2010/main" val="0"/>
+              </a:ext>
+            </a:extLst>
+          </a:blip>
+          <a:stretch>
+            <a:fillRect/>
+          </a:stretch>
+        </p:blipFill>
+        <p:spPr>
+          <a:xfrm>
+            <a:off x="1925463" y="3270504"/>
+            <a:ext cx="164592" cy="164592"/>
+          </a:xfrm>
+          <a:prstGeom prst="rect">
+            <a:avLst/>
+          </a:prstGeom>
+        </p:spPr>
+      </p:pic>
+      <p:pic>
+        <p:nvPicPr>
+          <p:cNvPr id="31" name="Picture 30">
+            <a:extLst>
+              <a:ext uri="{FF2B5EF4-FFF2-40B4-BE49-F238E27FC236}">
+                <a16:creationId xmlns:a16="http://schemas.microsoft.com/office/drawing/2014/main" id="{49BB33C6-19A1-4E07-9D6E-482A86AC3567}"/>
+              </a:ext>
+            </a:extLst>
+          </p:cNvPr>
+          <p:cNvPicPr>
+            <a:picLocks noChangeAspect="1"/>
+          </p:cNvPicPr>
+          <p:nvPr/>
+        </p:nvPicPr>
+        <p:blipFill>
+          <a:blip r:embed="rId10">
+            <a:extLst>
+              <a:ext uri="{28A0092B-C50C-407E-A947-70E740481C1C}">
+                <a14:useLocalDpi xmlns:a14="http://schemas.microsoft.com/office/drawing/2010/main" val="0"/>
+              </a:ext>
+            </a:extLst>
+          </a:blip>
+          <a:stretch>
+            <a:fillRect/>
+          </a:stretch>
+        </p:blipFill>
+        <p:spPr>
+          <a:xfrm>
+            <a:off x="1913271" y="4305081"/>
+            <a:ext cx="164592" cy="164592"/>
+          </a:xfrm>
+          <a:prstGeom prst="rect">
+            <a:avLst/>
+          </a:prstGeom>
+        </p:spPr>
+      </p:pic>
+      <p:pic>
+        <p:nvPicPr>
+          <p:cNvPr id="32" name="Picture 3" descr="C:\Files\jgordon\personal\code\gordoza-code\java\JChartLib\src\org\jutils\chart\icons\chart016.png">
+            <a:extLst>
+              <a:ext uri="{FF2B5EF4-FFF2-40B4-BE49-F238E27FC236}">
+                <a16:creationId xmlns:a16="http://schemas.microsoft.com/office/drawing/2014/main" id="{0E42CD55-2C4C-45F8-B8E1-E6FE0E766CBC}"/>
+              </a:ext>
+            </a:extLst>
+          </p:cNvPr>
+          <p:cNvPicPr>
+            <a:picLocks noChangeAspect="1" noChangeArrowheads="1"/>
+          </p:cNvPicPr>
+          <p:nvPr/>
+        </p:nvPicPr>
+        <p:blipFill>
+          <a:blip r:embed="rId2">
+            <a:extLst>
+              <a:ext uri="{28A0092B-C50C-407E-A947-70E740481C1C}">
+                <a14:useLocalDpi xmlns:a14="http://schemas.microsoft.com/office/drawing/2010/main" val="0"/>
+              </a:ext>
+            </a:extLst>
+          </a:blip>
+          <a:srcRect/>
+          <a:stretch>
+            <a:fillRect/>
+          </a:stretch>
+        </p:blipFill>
+        <p:spPr bwMode="auto">
+          <a:xfrm>
+            <a:off x="1686414" y="4480123"/>
+            <a:ext cx="164592" cy="164592"/>
+          </a:xfrm>
+          <a:prstGeom prst="rect">
+            <a:avLst/>
+          </a:prstGeom>
+          <a:noFill/>
+          <a:extLst>
+            <a:ext uri="{909E8E84-426E-40DD-AFC4-6F175D3DCCD1}">
+              <a14:hiddenFill xmlns:a14="http://schemas.microsoft.com/office/drawing/2010/main">
                 <a:solidFill>
-                  <a:schemeClr val="tx1"/>
+                  <a:srgbClr val="FFFFFF"/>
                 </a:solidFill>
-              </a:endParaRPr>
-            </a:p>
-          </p:txBody>
-        </p:sp>
-      </p:grpSp>
-      <p:sp>
-        <p:nvSpPr>
-          <p:cNvPr id="9" name="Slide Number Placeholder 8"/>
-          <p:cNvSpPr>
-            <a:spLocks noGrp="1"/>
-          </p:cNvSpPr>
-          <p:nvPr>
-            <p:ph type="sldNum" sz="quarter" idx="12"/>
-          </p:nvPr>
-        </p:nvSpPr>
-        <p:spPr/>
-        <p:txBody>
-          <a:bodyPr/>
-          <a:lstStyle/>
-          <a:p>
-            <a:fld id="{F1B1EB98-98E7-4A5A-BA8F-7513A9456E79}" type="slidenum">
-              <a:rPr lang="en-US" smtClean="0"/>
-              <a:pPr/>
-              <a:t>2</a:t>
-            </a:fld>
-            <a:endParaRPr lang="en-US" dirty="0"/>
-          </a:p>
-        </p:txBody>
-      </p:sp>
+              </a14:hiddenFill>
+            </a:ext>
+          </a:extLst>
+        </p:spPr>
+      </p:pic>
+      <p:pic>
+        <p:nvPicPr>
+          <p:cNvPr id="25" name="Picture 24">
+            <a:extLst>
+              <a:ext uri="{FF2B5EF4-FFF2-40B4-BE49-F238E27FC236}">
+                <a16:creationId xmlns:a16="http://schemas.microsoft.com/office/drawing/2014/main" id="{D97D29E4-5709-485B-AA23-975512950A0F}"/>
+              </a:ext>
+            </a:extLst>
+          </p:cNvPr>
+          <p:cNvPicPr>
+            <a:picLocks noChangeAspect="1"/>
+          </p:cNvPicPr>
+          <p:nvPr/>
+        </p:nvPicPr>
+        <p:blipFill>
+          <a:blip r:embed="rId11">
+            <a:extLst>
+              <a:ext uri="{28A0092B-C50C-407E-A947-70E740481C1C}">
+                <a14:useLocalDpi xmlns:a14="http://schemas.microsoft.com/office/drawing/2010/main" val="0"/>
+              </a:ext>
+            </a:extLst>
+          </a:blip>
+          <a:stretch>
+            <a:fillRect/>
+          </a:stretch>
+        </p:blipFill>
+        <p:spPr>
+          <a:xfrm>
+            <a:off x="1922568" y="4638619"/>
+            <a:ext cx="164592" cy="164592"/>
+          </a:xfrm>
+          <a:prstGeom prst="rect">
+            <a:avLst/>
+          </a:prstGeom>
+        </p:spPr>
+      </p:pic>
+      <p:pic>
+        <p:nvPicPr>
+          <p:cNvPr id="35" name="Picture 34">
+            <a:extLst>
+              <a:ext uri="{FF2B5EF4-FFF2-40B4-BE49-F238E27FC236}">
+                <a16:creationId xmlns:a16="http://schemas.microsoft.com/office/drawing/2014/main" id="{16AD5E21-2FC0-47AE-84C0-F4BF828179F6}"/>
+              </a:ext>
+            </a:extLst>
+          </p:cNvPr>
+          <p:cNvPicPr>
+            <a:picLocks noChangeAspect="1"/>
+          </p:cNvPicPr>
+          <p:nvPr/>
+        </p:nvPicPr>
+        <p:blipFill>
+          <a:blip r:embed="rId11">
+            <a:extLst>
+              <a:ext uri="{28A0092B-C50C-407E-A947-70E740481C1C}">
+                <a14:useLocalDpi xmlns:a14="http://schemas.microsoft.com/office/drawing/2010/main" val="0"/>
+              </a:ext>
+            </a:extLst>
+          </a:blip>
+          <a:stretch>
+            <a:fillRect/>
+          </a:stretch>
+        </p:blipFill>
+        <p:spPr>
+          <a:xfrm>
+            <a:off x="1922568" y="4819975"/>
+            <a:ext cx="164592" cy="164592"/>
+          </a:xfrm>
+          <a:prstGeom prst="rect">
+            <a:avLst/>
+          </a:prstGeom>
+        </p:spPr>
+      </p:pic>
+      <p:pic>
+        <p:nvPicPr>
+          <p:cNvPr id="36" name="Picture 35">
+            <a:extLst>
+              <a:ext uri="{FF2B5EF4-FFF2-40B4-BE49-F238E27FC236}">
+                <a16:creationId xmlns:a16="http://schemas.microsoft.com/office/drawing/2014/main" id="{BBBCE6C7-1540-4349-9B0B-401D4D866460}"/>
+              </a:ext>
+            </a:extLst>
+          </p:cNvPr>
+          <p:cNvPicPr>
+            <a:picLocks noChangeAspect="1"/>
+          </p:cNvPicPr>
+          <p:nvPr/>
+        </p:nvPicPr>
+        <p:blipFill>
+          <a:blip r:embed="rId11">
+            <a:extLst>
+              <a:ext uri="{28A0092B-C50C-407E-A947-70E740481C1C}">
+                <a14:useLocalDpi xmlns:a14="http://schemas.microsoft.com/office/drawing/2010/main" val="0"/>
+              </a:ext>
+            </a:extLst>
+          </a:blip>
+          <a:stretch>
+            <a:fillRect/>
+          </a:stretch>
+        </p:blipFill>
+        <p:spPr>
+          <a:xfrm>
+            <a:off x="1913271" y="5165923"/>
+            <a:ext cx="164592" cy="164592"/>
+          </a:xfrm>
+          <a:prstGeom prst="rect">
+            <a:avLst/>
+          </a:prstGeom>
+        </p:spPr>
+      </p:pic>
     </p:spTree>
     <p:extLst>
       <p:ext uri="{BB962C8B-B14F-4D97-AF65-F5344CB8AC3E}">
@@ -11617,7 +11724,7 @@
           <a:lstStyle/>
           <a:p>
             <a:r>
-              <a:rPr lang="en-US" dirty="0" err="1" smtClean="0"/>
+              <a:rPr lang="en-US" dirty="0" err="1"/>
               <a:t>PlotArea</a:t>
             </a:r>
             <a:endParaRPr lang="en-US" dirty="0"/>
@@ -11642,113 +11749,113 @@
           <a:lstStyle/>
           <a:p>
             <a:r>
-              <a:rPr lang="en-US" dirty="0" err="1" smtClean="0"/>
+              <a:rPr lang="en-US" dirty="0" err="1"/>
               <a:t>gridlines:boolean</a:t>
             </a:r>
-            <a:endParaRPr lang="en-US" dirty="0" smtClean="0"/>
+            <a:endParaRPr lang="en-US" dirty="0"/>
           </a:p>
           <a:p>
             <a:r>
-              <a:rPr lang="en-US" dirty="0" err="1" smtClean="0"/>
+              <a:rPr lang="en-US" dirty="0" err="1"/>
               <a:t>gridStyle:LineStyle</a:t>
             </a:r>
-            <a:endParaRPr lang="en-US" dirty="0" smtClean="0"/>
+            <a:endParaRPr lang="en-US" dirty="0"/>
           </a:p>
           <a:p>
             <a:r>
-              <a:rPr lang="en-US" dirty="0" err="1" smtClean="0"/>
+              <a:rPr lang="en-US" dirty="0" err="1"/>
               <a:t>minorLines:boolean</a:t>
             </a:r>
-            <a:endParaRPr lang="en-US" dirty="0" smtClean="0"/>
+            <a:endParaRPr lang="en-US" dirty="0"/>
           </a:p>
           <a:p>
             <a:r>
-              <a:rPr lang="en-US" dirty="0" err="1" smtClean="0"/>
+              <a:rPr lang="en-US" dirty="0" err="1"/>
               <a:t>minorLineStyle:LineStyle</a:t>
             </a:r>
-            <a:endParaRPr lang="en-US" dirty="0" smtClean="0"/>
+            <a:endParaRPr lang="en-US" dirty="0"/>
           </a:p>
           <a:p>
             <a:r>
-              <a:rPr lang="en-US" dirty="0" err="1" smtClean="0"/>
+              <a:rPr lang="en-US" dirty="0" err="1"/>
               <a:t>frameAxes:boolean</a:t>
             </a:r>
             <a:r>
-              <a:rPr lang="en-US" dirty="0" smtClean="0"/>
+              <a:rPr lang="en-US" dirty="0"/>
               <a:t> – draws axes as a square frame regardless of the presence of secondary series.</a:t>
             </a:r>
           </a:p>
           <a:p>
             <a:r>
-              <a:rPr lang="en-US" dirty="0" err="1" smtClean="0"/>
+              <a:rPr lang="en-US" dirty="0" err="1"/>
               <a:t>domain:Axis</a:t>
             </a:r>
-            <a:endParaRPr lang="en-US" dirty="0" smtClean="0"/>
+            <a:endParaRPr lang="en-US" dirty="0"/>
           </a:p>
           <a:p>
             <a:r>
-              <a:rPr lang="en-US" dirty="0" err="1" smtClean="0"/>
+              <a:rPr lang="en-US" dirty="0" err="1"/>
               <a:t>range:Axis</a:t>
             </a:r>
-            <a:endParaRPr lang="en-US" dirty="0" smtClean="0"/>
+            <a:endParaRPr lang="en-US" dirty="0"/>
           </a:p>
           <a:p>
             <a:r>
-              <a:rPr lang="en-US" dirty="0" err="1" smtClean="0"/>
+              <a:rPr lang="en-US" dirty="0" err="1"/>
               <a:t>secDomain:Axis</a:t>
             </a:r>
-            <a:endParaRPr lang="en-US" dirty="0" smtClean="0"/>
+            <a:endParaRPr lang="en-US" dirty="0"/>
           </a:p>
           <a:p>
             <a:r>
-              <a:rPr lang="en-US" dirty="0" err="1" smtClean="0"/>
+              <a:rPr lang="en-US" dirty="0" err="1"/>
               <a:t>secRange:Axis</a:t>
             </a:r>
-            <a:endParaRPr lang="en-US" dirty="0" smtClean="0"/>
+            <a:endParaRPr lang="en-US" dirty="0"/>
           </a:p>
           <a:p>
             <a:r>
-              <a:rPr lang="en-US" dirty="0" err="1" smtClean="0"/>
+              <a:rPr lang="en-US" dirty="0" err="1"/>
               <a:t>topAxes:List</a:t>
             </a:r>
             <a:r>
-              <a:rPr lang="en-US" dirty="0" smtClean="0"/>
+              <a:rPr lang="en-US" dirty="0"/>
               <a:t>&lt;Axis&gt;</a:t>
             </a:r>
           </a:p>
           <a:p>
             <a:r>
-              <a:rPr lang="en-US" dirty="0" err="1" smtClean="0"/>
+              <a:rPr lang="en-US" dirty="0" err="1"/>
               <a:t>leftAxes:List</a:t>
             </a:r>
             <a:r>
-              <a:rPr lang="en-US" dirty="0" smtClean="0"/>
+              <a:rPr lang="en-US" dirty="0"/>
               <a:t>&lt;Axis&gt;</a:t>
             </a:r>
           </a:p>
           <a:p>
             <a:r>
-              <a:rPr lang="en-US" dirty="0" err="1" smtClean="0"/>
+              <a:rPr lang="en-US" dirty="0" err="1"/>
               <a:t>bottomAxes:List</a:t>
             </a:r>
             <a:r>
-              <a:rPr lang="en-US" dirty="0" smtClean="0"/>
+              <a:rPr lang="en-US" dirty="0"/>
               <a:t>&lt;Axis&gt;</a:t>
             </a:r>
           </a:p>
           <a:p>
             <a:r>
-              <a:rPr lang="en-US" dirty="0" err="1" smtClean="0"/>
+              <a:rPr lang="en-US" dirty="0" err="1"/>
               <a:t>rightAxes:List</a:t>
             </a:r>
             <a:r>
-              <a:rPr lang="en-US" dirty="0" smtClean="0"/>
+              <a:rPr lang="en-US" dirty="0"/>
               <a:t>&lt;Axis&gt;</a:t>
             </a:r>
           </a:p>
           <a:p>
             <a:r>
-              <a:rPr lang="en-US" dirty="0" err="1" smtClean="0"/>
+              <a:rPr lang="en-US" dirty="0" err="1"/>
               <a:t>background:Background</a:t>
             </a:r>
             <a:endParaRPr lang="en-US" dirty="0"/>
@@ -11826,10 +11933,9 @@
           <a:lstStyle/>
           <a:p>
             <a:r>
-              <a:rPr lang="en-US" dirty="0" smtClean="0"/>
+              <a:rPr lang="en-US" dirty="0"/>
               <a:t>Control Room (The Martian)</a:t>
             </a:r>
-            <a:endParaRPr lang="en-US" dirty="0"/>
           </a:p>
         </p:txBody>
       </p:sp>
@@ -12030,13 +12136,8 @@
             <a:pPr algn="ctr"/>
             <a:r>
               <a:rPr lang="en-US" sz="1200" dirty="0"/>
-              <a:t>http://3.bp.blogspot.com/-</a:t>
+              <a:t>http://3.bp.blogspot.com/-IOg7gg3VWsw/Vg4ZgZK3WNI/AAAAAAAABH8/MImWkRXLpsE/s1600/The_Martian_Mission_Control.jpg</a:t>
             </a:r>
-            <a:r>
-              <a:rPr lang="en-US" sz="1200" dirty="0" smtClean="0"/>
-              <a:t>IOg7gg3VWsw/Vg4ZgZK3WNI/AAAAAAAABH8/MImWkRXLpsE/s1600/The_Martian_Mission_Control.jpg</a:t>
-            </a:r>
-            <a:endParaRPr lang="en-US" sz="1200" dirty="0"/>
           </a:p>
         </p:txBody>
       </p:sp>
@@ -12277,10 +12378,9 @@
           <a:lstStyle/>
           <a:p>
             <a:r>
-              <a:rPr lang="en-US" dirty="0" smtClean="0"/>
+              <a:rPr lang="en-US" dirty="0"/>
               <a:t>NASA Control Room</a:t>
             </a:r>
-            <a:endParaRPr lang="en-US" dirty="0"/>
           </a:p>
         </p:txBody>
       </p:sp>
@@ -12865,18 +12965,13 @@
             <a:p>
               <a:pPr algn="ctr"/>
               <a:r>
-                <a:rPr lang="en-US" dirty="0" smtClean="0">
+                <a:rPr lang="en-US" dirty="0">
                   <a:solidFill>
                     <a:schemeClr val="tx1"/>
                   </a:solidFill>
                 </a:rPr>
                 <a:t>Chart</a:t>
               </a:r>
-              <a:endParaRPr lang="en-US" dirty="0">
-                <a:solidFill>
-                  <a:schemeClr val="tx1"/>
-                </a:solidFill>
-              </a:endParaRPr>
             </a:p>
           </p:txBody>
         </p:sp>
@@ -13142,24 +13237,19 @@
           </p:style>
           <p:txBody>
             <a:bodyPr rtlCol="0" anchor="ctr">
-              <a:normAutofit fontScale="85000" lnSpcReduction="10000"/>
+              <a:normAutofit/>
             </a:bodyPr>
             <a:lstStyle/>
             <a:p>
               <a:pPr algn="r"/>
               <a:r>
-                <a:rPr lang="en-US" sz="1200" dirty="0" smtClean="0">
+                <a:rPr lang="en-US" sz="1200" dirty="0">
                   <a:solidFill>
                     <a:schemeClr val="tx1"/>
                   </a:solidFill>
                 </a:rPr>
-                <a:t>(3.4, 5.677), (5643.3, 2.4); [(0,5),(1,7)], [(),(5,55)]; 2 of 2; 400 x 375</a:t>
+                <a:t>(3.4, 5.677) | (5643.3, 2.4) | 2 plots | 400 x 375</a:t>
               </a:r>
-              <a:endParaRPr lang="en-US" sz="1200" dirty="0">
-                <a:solidFill>
-                  <a:schemeClr val="tx1"/>
-                </a:solidFill>
-              </a:endParaRPr>
             </a:p>
           </p:txBody>
         </p:sp>
@@ -13182,10 +13272,9 @@
           <a:lstStyle/>
           <a:p>
             <a:r>
-              <a:rPr lang="en-US" dirty="0" smtClean="0"/>
+              <a:rPr lang="en-US" dirty="0"/>
               <a:t>Chart View</a:t>
             </a:r>
-            <a:endParaRPr lang="en-US" dirty="0"/>
           </a:p>
         </p:txBody>
       </p:sp>
@@ -13263,7 +13352,7 @@
         <p:spPr>
           <a:xfrm>
             <a:off x="6639463" y="3962400"/>
-            <a:ext cx="2352137" cy="1600438"/>
+            <a:ext cx="2352137" cy="1169551"/>
           </a:xfrm>
           <a:prstGeom prst="rect">
             <a:avLst/>
@@ -13277,7 +13366,7 @@
           <a:lstStyle/>
           <a:p>
             <a:r>
-              <a:rPr lang="en-US" sz="1400" dirty="0" smtClean="0"/>
+              <a:rPr lang="en-US" sz="1400" dirty="0"/>
               <a:t>Chart Info:</a:t>
             </a:r>
           </a:p>
@@ -13295,27 +13384,8 @@
               <a:t>x,y</a:t>
             </a:r>
             <a:r>
-              <a:rPr lang="en-US" sz="1400" dirty="0" smtClean="0"/>
+              <a:rPr lang="en-US" sz="1400" dirty="0"/>
               <a:t>).</a:t>
-            </a:r>
-            <a:endParaRPr lang="en-US" sz="1400" dirty="0"/>
-          </a:p>
-          <a:p>
-            <a:pPr marL="285750" indent="-285750">
-              <a:buFont typeface="Arial" panose="020B0604020202020204" pitchFamily="34" charset="0"/>
-              <a:buChar char="•"/>
-            </a:pPr>
-            <a:r>
-              <a:rPr lang="en-US" sz="1400" dirty="0"/>
-              <a:t>Range primary and secondary [</a:t>
-            </a:r>
-            <a:r>
-              <a:rPr lang="en-US" sz="1400" dirty="0" err="1"/>
-              <a:t>d,r</a:t>
-            </a:r>
-            <a:r>
-              <a:rPr lang="en-US" sz="1400" dirty="0"/>
-              <a:t>]</a:t>
             </a:r>
           </a:p>
           <a:p>
@@ -13334,7 +13404,7 @@
               <a:buChar char="•"/>
             </a:pPr>
             <a:r>
-              <a:rPr lang="en-US" sz="1400" dirty="0" smtClean="0"/>
+              <a:rPr lang="en-US" sz="1400" dirty="0"/>
               <a:t>Size in pixels.</a:t>
             </a:r>
           </a:p>
@@ -13351,8 +13421,8 @@
         </p:nvCxnSpPr>
         <p:spPr>
           <a:xfrm flipV="1">
-            <a:off x="6438899" y="4762619"/>
-            <a:ext cx="200564" cy="418981"/>
+            <a:off x="6438899" y="4547176"/>
+            <a:ext cx="200564" cy="634424"/>
           </a:xfrm>
           <a:prstGeom prst="line">
             <a:avLst/>
@@ -13511,18 +13581,13 @@
             <a:p>
               <a:pPr algn="r"/>
               <a:r>
-                <a:rPr lang="en-US" sz="1200" dirty="0" smtClean="0">
+                <a:rPr lang="en-US" sz="1200" dirty="0">
                   <a:solidFill>
                     <a:schemeClr val="tx1"/>
                   </a:solidFill>
                 </a:rPr>
                 <a:t>Showing n of m points</a:t>
               </a:r>
-              <a:endParaRPr lang="en-US" sz="1200" dirty="0">
-                <a:solidFill>
-                  <a:schemeClr val="tx1"/>
-                </a:solidFill>
-              </a:endParaRPr>
             </a:p>
           </p:txBody>
         </p:sp>
@@ -13545,10 +13610,9 @@
           <a:lstStyle/>
           <a:p>
             <a:r>
-              <a:rPr lang="en-US" dirty="0" smtClean="0"/>
+              <a:rPr lang="en-US" dirty="0"/>
               <a:t>Data View</a:t>
             </a:r>
-            <a:endParaRPr lang="en-US" dirty="0"/>
           </a:p>
         </p:txBody>
       </p:sp>
@@ -13577,10 +13641,34 @@
                 <a:tableStyleId>{D7AC3CCA-C797-4891-BE02-D94E43425B78}</a:tableStyleId>
               </a:tblPr>
               <a:tblGrid>
-                <a:gridCol w="868035"/>
-                <a:gridCol w="868035"/>
-                <a:gridCol w="868035"/>
-                <a:gridCol w="868035"/>
+                <a:gridCol w="868035">
+                  <a:extLst>
+                    <a:ext uri="{9D8B030D-6E8A-4147-A177-3AD203B41FA5}">
+                      <a16:colId xmlns:a16="http://schemas.microsoft.com/office/drawing/2014/main" val="20000"/>
+                    </a:ext>
+                  </a:extLst>
+                </a:gridCol>
+                <a:gridCol w="868035">
+                  <a:extLst>
+                    <a:ext uri="{9D8B030D-6E8A-4147-A177-3AD203B41FA5}">
+                      <a16:colId xmlns:a16="http://schemas.microsoft.com/office/drawing/2014/main" val="20001"/>
+                    </a:ext>
+                  </a:extLst>
+                </a:gridCol>
+                <a:gridCol w="868035">
+                  <a:extLst>
+                    <a:ext uri="{9D8B030D-6E8A-4147-A177-3AD203B41FA5}">
+                      <a16:colId xmlns:a16="http://schemas.microsoft.com/office/drawing/2014/main" val="20002"/>
+                    </a:ext>
+                  </a:extLst>
+                </a:gridCol>
+                <a:gridCol w="868035">
+                  <a:extLst>
+                    <a:ext uri="{9D8B030D-6E8A-4147-A177-3AD203B41FA5}">
+                      <a16:colId xmlns:a16="http://schemas.microsoft.com/office/drawing/2014/main" val="20003"/>
+                    </a:ext>
+                  </a:extLst>
+                </a:gridCol>
               </a:tblGrid>
               <a:tr h="370840">
                 <a:tc>
@@ -13590,11 +13678,11 @@
                     <a:p>
                       <a:pPr algn="ctr"/>
                       <a:r>
-                        <a:rPr lang="en-US" sz="1200" dirty="0" smtClean="0"/>
+                        <a:rPr lang="en-US" sz="1200" dirty="0"/>
                         <a:t>Series</a:t>
                       </a:r>
                       <a:r>
-                        <a:rPr lang="en-US" sz="1200" baseline="0" dirty="0" smtClean="0"/>
+                        <a:rPr lang="en-US" sz="1200" baseline="0" dirty="0"/>
                         <a:t> 1</a:t>
                       </a:r>
                       <a:endParaRPr lang="en-US" sz="1200" dirty="0"/>
@@ -13609,10 +13697,9 @@
                     <a:p>
                       <a:pPr algn="ctr"/>
                       <a:r>
-                        <a:rPr lang="en-US" sz="1200" dirty="0" smtClean="0"/>
+                        <a:rPr lang="en-US" sz="1200" dirty="0"/>
                         <a:t>Series 2</a:t>
                       </a:r>
-                      <a:endParaRPr lang="en-US" sz="1200" dirty="0"/>
                     </a:p>
                   </a:txBody>
                   <a:tcPr anchor="ctr"/>
@@ -13624,10 +13711,9 @@
                     <a:p>
                       <a:pPr algn="ctr"/>
                       <a:r>
-                        <a:rPr lang="en-US" sz="1200" dirty="0" smtClean="0"/>
+                        <a:rPr lang="en-US" sz="1200" dirty="0"/>
                         <a:t>…</a:t>
                       </a:r>
-                      <a:endParaRPr lang="en-US" sz="1200" dirty="0"/>
                     </a:p>
                   </a:txBody>
                   <a:tcPr anchor="ctr"/>
@@ -13639,11 +13725,11 @@
                     <a:p>
                       <a:pPr algn="ctr"/>
                       <a:r>
-                        <a:rPr lang="en-US" sz="1200" dirty="0" smtClean="0"/>
+                        <a:rPr lang="en-US" sz="1200" dirty="0"/>
                         <a:t>Series</a:t>
                       </a:r>
                       <a:r>
-                        <a:rPr lang="en-US" sz="1200" baseline="0" dirty="0" smtClean="0"/>
+                        <a:rPr lang="en-US" sz="1200" baseline="0" dirty="0"/>
                         <a:t> n</a:t>
                       </a:r>
                       <a:endParaRPr lang="en-US" sz="1200" dirty="0"/>
@@ -13651,6 +13737,11 @@
                   </a:txBody>
                   <a:tcPr anchor="ctr"/>
                 </a:tc>
+                <a:extLst>
+                  <a:ext uri="{0D108BD9-81ED-4DB2-BD59-A6C34878D82A}">
+                    <a16:rowId xmlns:a16="http://schemas.microsoft.com/office/drawing/2014/main" val="10000"/>
+                  </a:ext>
+                </a:extLst>
               </a:tr>
               <a:tr h="370840">
                 <a:tc>
@@ -13705,6 +13796,11 @@
                     <a:noFill/>
                   </a:tcPr>
                 </a:tc>
+                <a:extLst>
+                  <a:ext uri="{0D108BD9-81ED-4DB2-BD59-A6C34878D82A}">
+                    <a16:rowId xmlns:a16="http://schemas.microsoft.com/office/drawing/2014/main" val="10001"/>
+                  </a:ext>
+                </a:extLst>
               </a:tr>
               <a:tr h="370840">
                 <a:tc>
@@ -13759,6 +13855,11 @@
                     <a:noFill/>
                   </a:tcPr>
                 </a:tc>
+                <a:extLst>
+                  <a:ext uri="{0D108BD9-81ED-4DB2-BD59-A6C34878D82A}">
+                    <a16:rowId xmlns:a16="http://schemas.microsoft.com/office/drawing/2014/main" val="10002"/>
+                  </a:ext>
+                </a:extLst>
               </a:tr>
               <a:tr h="370840">
                 <a:tc>
@@ -13813,6 +13914,11 @@
                     <a:noFill/>
                   </a:tcPr>
                 </a:tc>
+                <a:extLst>
+                  <a:ext uri="{0D108BD9-81ED-4DB2-BD59-A6C34878D82A}">
+                    <a16:rowId xmlns:a16="http://schemas.microsoft.com/office/drawing/2014/main" val="10003"/>
+                  </a:ext>
+                </a:extLst>
               </a:tr>
               <a:tr h="370840">
                 <a:tc>
@@ -13867,6 +13973,11 @@
                     <a:noFill/>
                   </a:tcPr>
                 </a:tc>
+                <a:extLst>
+                  <a:ext uri="{0D108BD9-81ED-4DB2-BD59-A6C34878D82A}">
+                    <a16:rowId xmlns:a16="http://schemas.microsoft.com/office/drawing/2014/main" val="10004"/>
+                  </a:ext>
+                </a:extLst>
               </a:tr>
               <a:tr h="370840">
                 <a:tc>
@@ -13921,6 +14032,11 @@
                     <a:noFill/>
                   </a:tcPr>
                 </a:tc>
+                <a:extLst>
+                  <a:ext uri="{0D108BD9-81ED-4DB2-BD59-A6C34878D82A}">
+                    <a16:rowId xmlns:a16="http://schemas.microsoft.com/office/drawing/2014/main" val="10005"/>
+                  </a:ext>
+                </a:extLst>
               </a:tr>
             </a:tbl>
           </a:graphicData>
@@ -14224,10 +14340,9 @@
           <a:lstStyle/>
           <a:p>
             <a:r>
-              <a:rPr lang="en-US" dirty="0" smtClean="0"/>
+              <a:rPr lang="en-US" dirty="0"/>
               <a:t>Datasets Properties View</a:t>
             </a:r>
-            <a:endParaRPr lang="en-US" dirty="0"/>
           </a:p>
         </p:txBody>
       </p:sp>
@@ -14332,18 +14447,13 @@
             <a:p>
               <a:pPr algn="r"/>
               <a:r>
-                <a:rPr lang="en-US" sz="1200" dirty="0" smtClean="0">
+                <a:rPr lang="en-US" sz="1200" dirty="0">
                   <a:solidFill>
                     <a:schemeClr val="tx1"/>
                   </a:solidFill>
                 </a:rPr>
-                <a:t>Plots 2 of 2; Size: 400 x 375</a:t>
+                <a:t>2 Plots; Size: 400 x 375</a:t>
               </a:r>
-              <a:endParaRPr lang="en-US" sz="1200" dirty="0">
-                <a:solidFill>
-                  <a:schemeClr val="tx1"/>
-                </a:solidFill>
-              </a:endParaRPr>
             </a:p>
           </p:txBody>
         </p:sp>
@@ -14571,7 +14681,7 @@
             <a:lstStyle/>
             <a:p>
               <a:r>
-                <a:rPr lang="en-US" sz="1200" b="1" dirty="0" smtClean="0">
+                <a:rPr lang="en-US" sz="1200" b="1" dirty="0">
                   <a:solidFill>
                     <a:schemeClr val="tx1"/>
                   </a:solidFill>
@@ -14581,7 +14691,7 @@
             </a:p>
             <a:p>
               <a:r>
-                <a:rPr lang="en-US" sz="1200" dirty="0" smtClean="0">
+                <a:rPr lang="en-US" sz="1200" dirty="0">
                   <a:solidFill>
                     <a:schemeClr val="tx1"/>
                   </a:solidFill>
@@ -14591,7 +14701,7 @@
             </a:p>
             <a:p>
               <a:r>
-                <a:rPr lang="en-US" sz="1200" dirty="0" smtClean="0">
+                <a:rPr lang="en-US" sz="1200" dirty="0">
                   <a:solidFill>
                     <a:schemeClr val="tx1"/>
                   </a:solidFill>
@@ -14601,7 +14711,7 @@
             </a:p>
             <a:p>
               <a:r>
-                <a:rPr lang="en-US" sz="1200" dirty="0" smtClean="0">
+                <a:rPr lang="en-US" sz="1200" dirty="0">
                   <a:solidFill>
                     <a:schemeClr val="tx1"/>
                   </a:solidFill>
@@ -14611,18 +14721,13 @@
             </a:p>
             <a:p>
               <a:r>
-                <a:rPr lang="en-US" sz="1200" dirty="0" smtClean="0">
+                <a:rPr lang="en-US" sz="1200" dirty="0">
                   <a:solidFill>
                     <a:schemeClr val="tx1"/>
                   </a:solidFill>
                 </a:rPr>
                 <a:t>Dataset n</a:t>
               </a:r>
-              <a:endParaRPr lang="en-US" sz="1200" dirty="0">
-                <a:solidFill>
-                  <a:schemeClr val="tx1"/>
-                </a:solidFill>
-              </a:endParaRPr>
             </a:p>
           </p:txBody>
         </p:sp>
@@ -14699,10 +14804,9 @@
           <a:lstStyle/>
           <a:p>
             <a:r>
-              <a:rPr lang="en-US" dirty="0" smtClean="0"/>
+              <a:rPr lang="en-US" dirty="0"/>
               <a:t>Dataset Properties View</a:t>
             </a:r>
-            <a:endParaRPr lang="en-US" dirty="0"/>
           </a:p>
         </p:txBody>
       </p:sp>
@@ -14806,7 +14910,7 @@
             <a:lstStyle/>
             <a:p>
               <a:r>
-                <a:rPr lang="en-US" sz="1200" b="1" dirty="0" smtClean="0">
+                <a:rPr lang="en-US" sz="1200" b="1" dirty="0">
                   <a:solidFill>
                     <a:schemeClr val="tx1"/>
                   </a:solidFill>
@@ -14814,7 +14918,7 @@
                 <a:t>Series</a:t>
               </a:r>
               <a:r>
-                <a:rPr lang="en-US" sz="1200" dirty="0" smtClean="0">
+                <a:rPr lang="en-US" sz="1200" dirty="0">
                   <a:solidFill>
                     <a:schemeClr val="tx1"/>
                   </a:solidFill>
@@ -14822,7 +14926,7 @@
                 <a:t>	</a:t>
               </a:r>
               <a:r>
-                <a:rPr lang="en-US" sz="1200" b="1" dirty="0" smtClean="0">
+                <a:rPr lang="en-US" sz="1200" b="1" dirty="0">
                   <a:solidFill>
                     <a:schemeClr val="tx1"/>
                   </a:solidFill>
@@ -14830,7 +14934,7 @@
                 <a:t>Min</a:t>
               </a:r>
               <a:r>
-                <a:rPr lang="en-US" sz="1200" dirty="0" smtClean="0">
+                <a:rPr lang="en-US" sz="1200" dirty="0">
                   <a:solidFill>
                     <a:schemeClr val="tx1"/>
                   </a:solidFill>
@@ -14838,7 +14942,7 @@
                 <a:t>	</a:t>
               </a:r>
               <a:r>
-                <a:rPr lang="en-US" sz="1200" b="1" dirty="0" smtClean="0">
+                <a:rPr lang="en-US" sz="1200" b="1" dirty="0">
                   <a:solidFill>
                     <a:schemeClr val="tx1"/>
                   </a:solidFill>
@@ -14848,7 +14952,7 @@
             </a:p>
             <a:p>
               <a:r>
-                <a:rPr lang="en-US" sz="1200" dirty="0" smtClean="0">
+                <a:rPr lang="en-US" sz="1200" dirty="0">
                   <a:solidFill>
                     <a:schemeClr val="tx1"/>
                   </a:solidFill>
@@ -14858,7 +14962,7 @@
             </a:p>
             <a:p>
               <a:r>
-                <a:rPr lang="en-US" sz="1200" dirty="0" smtClean="0">
+                <a:rPr lang="en-US" sz="1200" dirty="0">
                   <a:solidFill>
                     <a:schemeClr val="tx1"/>
                   </a:solidFill>
@@ -14868,7 +14972,7 @@
             </a:p>
             <a:p>
               <a:r>
-                <a:rPr lang="en-US" sz="1200" dirty="0" smtClean="0">
+                <a:rPr lang="en-US" sz="1200" dirty="0">
                   <a:solidFill>
                     <a:schemeClr val="tx1"/>
                   </a:solidFill>
@@ -14878,18 +14982,13 @@
             </a:p>
             <a:p>
               <a:r>
-                <a:rPr lang="en-US" sz="1200" dirty="0" smtClean="0">
+                <a:rPr lang="en-US" sz="1200" dirty="0">
                   <a:solidFill>
                     <a:schemeClr val="tx1"/>
                   </a:solidFill>
                 </a:rPr>
                 <a:t>Series n</a:t>
               </a:r>
-              <a:endParaRPr lang="en-US" sz="1200" dirty="0">
-                <a:solidFill>
-                  <a:schemeClr val="tx1"/>
-                </a:solidFill>
-              </a:endParaRPr>
             </a:p>
           </p:txBody>
         </p:sp>
@@ -14917,10 +15016,9 @@
             <a:p>
               <a:pPr algn="r"/>
               <a:r>
-                <a:rPr lang="en-US" sz="1200" dirty="0" smtClean="0"/>
+                <a:rPr lang="en-US" sz="1200" dirty="0"/>
                 <a:t>Name:</a:t>
               </a:r>
-              <a:endParaRPr lang="en-US" sz="1200" dirty="0"/>
             </a:p>
           </p:txBody>
         </p:sp>
@@ -15189,10 +15287,9 @@
               <a:p>
                 <a:pPr algn="r"/>
                 <a:r>
-                  <a:rPr lang="en-US" sz="1200" dirty="0" smtClean="0"/>
+                  <a:rPr lang="en-US" sz="1200" dirty="0"/>
                   <a:t>Resource:</a:t>
                 </a:r>
-                <a:endParaRPr lang="en-US" sz="1200" dirty="0"/>
               </a:p>
             </p:txBody>
           </p:sp>
@@ -15410,10 +15507,9 @@
           <a:lstStyle/>
           <a:p>
             <a:r>
-              <a:rPr lang="en-US" dirty="0" smtClean="0"/>
+              <a:rPr lang="en-US" dirty="0"/>
               <a:t>Series Properties View</a:t>
             </a:r>
-            <a:endParaRPr lang="en-US" dirty="0"/>
           </a:p>
         </p:txBody>
       </p:sp>
@@ -15441,512 +15537,661 @@
           </a:p>
         </p:txBody>
       </p:sp>
-      <p:grpSp>
-        <p:nvGrpSpPr>
-          <p:cNvPr id="19" name="Group 18"/>
-          <p:cNvGrpSpPr/>
+      <p:sp>
+        <p:nvSpPr>
+          <p:cNvPr id="3" name="Rectangle 2"/>
+          <p:cNvSpPr/>
           <p:nvPr/>
-        </p:nvGrpSpPr>
-        <p:grpSpPr>
+        </p:nvSpPr>
+        <p:spPr>
           <a:xfrm>
             <a:off x="2705101" y="1981200"/>
             <a:ext cx="3733800" cy="3352800"/>
-            <a:chOff x="2705101" y="1981200"/>
-            <a:chExt cx="3733800" cy="3352800"/>
           </a:xfrm>
-        </p:grpSpPr>
-        <p:sp>
-          <p:nvSpPr>
-            <p:cNvPr id="3" name="Rectangle 2"/>
-            <p:cNvSpPr/>
-            <p:nvPr/>
-          </p:nvSpPr>
-          <p:spPr>
-            <a:xfrm>
-              <a:off x="2705101" y="1981200"/>
-              <a:ext cx="3733800" cy="3352800"/>
-            </a:xfrm>
-            <a:prstGeom prst="rect">
-              <a:avLst/>
-            </a:prstGeom>
-            <a:solidFill>
-              <a:schemeClr val="bg1"/>
-            </a:solidFill>
-          </p:spPr>
-          <p:style>
-            <a:lnRef idx="2">
-              <a:schemeClr val="accent1">
-                <a:shade val="50000"/>
-              </a:schemeClr>
-            </a:lnRef>
-            <a:fillRef idx="1">
-              <a:schemeClr val="accent1"/>
-            </a:fillRef>
-            <a:effectRef idx="0">
-              <a:schemeClr val="accent1"/>
-            </a:effectRef>
-            <a:fontRef idx="minor">
-              <a:schemeClr val="lt1"/>
-            </a:fontRef>
-          </p:style>
-          <p:txBody>
-            <a:bodyPr rtlCol="0" anchor="ctr"/>
-            <a:lstStyle/>
-            <a:p>
-              <a:pPr algn="ctr"/>
-              <a:endParaRPr lang="en-US" dirty="0">
-                <a:solidFill>
-                  <a:schemeClr val="tx1"/>
-                </a:solidFill>
-              </a:endParaRPr>
-            </a:p>
-          </p:txBody>
-        </p:sp>
-        <p:sp>
-          <p:nvSpPr>
-            <p:cNvPr id="4" name="TextBox 3"/>
-            <p:cNvSpPr txBox="1"/>
-            <p:nvPr/>
-          </p:nvSpPr>
-          <p:spPr>
-            <a:xfrm>
-              <a:off x="2808688" y="2085201"/>
-              <a:ext cx="658990" cy="276999"/>
-            </a:xfrm>
-            <a:prstGeom prst="rect">
-              <a:avLst/>
-            </a:prstGeom>
-            <a:noFill/>
-          </p:spPr>
-          <p:txBody>
-            <a:bodyPr wrap="square" rtlCol="0">
-              <a:spAutoFit/>
-            </a:bodyPr>
-            <a:lstStyle/>
-            <a:p>
-              <a:pPr algn="r"/>
-              <a:r>
-                <a:rPr lang="en-US" sz="1200" dirty="0" smtClean="0"/>
-                <a:t>Name:</a:t>
-              </a:r>
-              <a:endParaRPr lang="en-US" sz="1200" dirty="0"/>
-            </a:p>
-          </p:txBody>
-        </p:sp>
-        <p:sp>
-          <p:nvSpPr>
-            <p:cNvPr id="5" name="Rounded Rectangle 4"/>
-            <p:cNvSpPr/>
-            <p:nvPr/>
-          </p:nvSpPr>
-          <p:spPr>
-            <a:xfrm>
-              <a:off x="3467678" y="2075164"/>
-              <a:ext cx="2856921" cy="287036"/>
-            </a:xfrm>
-            <a:prstGeom prst="roundRect">
-              <a:avLst/>
-            </a:prstGeom>
-            <a:noFill/>
-            <a:ln w="19050"/>
-          </p:spPr>
-          <p:style>
-            <a:lnRef idx="2">
-              <a:schemeClr val="accent1">
-                <a:shade val="50000"/>
-              </a:schemeClr>
-            </a:lnRef>
-            <a:fillRef idx="1">
-              <a:schemeClr val="accent1"/>
-            </a:fillRef>
-            <a:effectRef idx="0">
-              <a:schemeClr val="accent1"/>
-            </a:effectRef>
-            <a:fontRef idx="minor">
-              <a:schemeClr val="lt1"/>
-            </a:fontRef>
-          </p:style>
-          <p:txBody>
-            <a:bodyPr rtlCol="0" anchor="ctr"/>
-            <a:lstStyle/>
-            <a:p>
-              <a:pPr algn="ctr"/>
-              <a:endParaRPr lang="en-US"/>
-            </a:p>
-          </p:txBody>
-        </p:sp>
-        <p:sp>
-          <p:nvSpPr>
-            <p:cNvPr id="9" name="TextBox 8"/>
-            <p:cNvSpPr txBox="1"/>
-            <p:nvPr/>
-          </p:nvSpPr>
-          <p:spPr>
-            <a:xfrm>
-              <a:off x="2819400" y="2466201"/>
-              <a:ext cx="658990" cy="276999"/>
-            </a:xfrm>
-            <a:prstGeom prst="rect">
-              <a:avLst/>
-            </a:prstGeom>
-            <a:noFill/>
-          </p:spPr>
-          <p:txBody>
-            <a:bodyPr wrap="square" rtlCol="0">
-              <a:spAutoFit/>
-            </a:bodyPr>
-            <a:lstStyle/>
-            <a:p>
-              <a:pPr algn="r"/>
-              <a:r>
-                <a:rPr lang="en-US" sz="1200" dirty="0" smtClean="0"/>
-                <a:t>Min:</a:t>
-              </a:r>
-              <a:endParaRPr lang="en-US" sz="1200" dirty="0"/>
-            </a:p>
-          </p:txBody>
-        </p:sp>
-        <p:sp>
-          <p:nvSpPr>
-            <p:cNvPr id="10" name="Rounded Rectangle 9"/>
-            <p:cNvSpPr/>
-            <p:nvPr/>
-          </p:nvSpPr>
-          <p:spPr>
-            <a:xfrm>
-              <a:off x="3478390" y="2456164"/>
-              <a:ext cx="2856921" cy="287036"/>
-            </a:xfrm>
-            <a:prstGeom prst="roundRect">
-              <a:avLst/>
-            </a:prstGeom>
-            <a:noFill/>
-            <a:ln w="19050"/>
-          </p:spPr>
-          <p:style>
-            <a:lnRef idx="2">
-              <a:schemeClr val="accent1">
-                <a:shade val="50000"/>
-              </a:schemeClr>
-            </a:lnRef>
-            <a:fillRef idx="1">
-              <a:schemeClr val="accent1"/>
-            </a:fillRef>
-            <a:effectRef idx="0">
-              <a:schemeClr val="accent1"/>
-            </a:effectRef>
-            <a:fontRef idx="minor">
-              <a:schemeClr val="lt1"/>
-            </a:fontRef>
-          </p:style>
-          <p:txBody>
-            <a:bodyPr rtlCol="0" anchor="ctr"/>
-            <a:lstStyle/>
-            <a:p>
-              <a:pPr algn="ctr"/>
-              <a:endParaRPr lang="en-US"/>
-            </a:p>
-          </p:txBody>
-        </p:sp>
-        <p:sp>
-          <p:nvSpPr>
-            <p:cNvPr id="11" name="TextBox 10"/>
-            <p:cNvSpPr txBox="1"/>
-            <p:nvPr/>
-          </p:nvSpPr>
-          <p:spPr>
-            <a:xfrm>
-              <a:off x="2819400" y="2847201"/>
-              <a:ext cx="658990" cy="276999"/>
-            </a:xfrm>
-            <a:prstGeom prst="rect">
-              <a:avLst/>
-            </a:prstGeom>
-            <a:noFill/>
-          </p:spPr>
-          <p:txBody>
-            <a:bodyPr wrap="square" rtlCol="0">
-              <a:spAutoFit/>
-            </a:bodyPr>
-            <a:lstStyle/>
-            <a:p>
-              <a:pPr algn="r"/>
-              <a:r>
-                <a:rPr lang="en-US" sz="1200" dirty="0" smtClean="0"/>
-                <a:t>Max:</a:t>
-              </a:r>
-              <a:endParaRPr lang="en-US" sz="1200" dirty="0"/>
-            </a:p>
-          </p:txBody>
-        </p:sp>
-        <p:sp>
-          <p:nvSpPr>
-            <p:cNvPr id="12" name="Rounded Rectangle 11"/>
-            <p:cNvSpPr/>
-            <p:nvPr/>
-          </p:nvSpPr>
-          <p:spPr>
-            <a:xfrm>
-              <a:off x="3478390" y="2837164"/>
-              <a:ext cx="2856921" cy="287036"/>
-            </a:xfrm>
-            <a:prstGeom prst="roundRect">
-              <a:avLst/>
-            </a:prstGeom>
-            <a:noFill/>
-            <a:ln w="19050"/>
-          </p:spPr>
-          <p:style>
-            <a:lnRef idx="2">
-              <a:schemeClr val="accent1">
-                <a:shade val="50000"/>
-              </a:schemeClr>
-            </a:lnRef>
-            <a:fillRef idx="1">
-              <a:schemeClr val="accent1"/>
-            </a:fillRef>
-            <a:effectRef idx="0">
-              <a:schemeClr val="accent1"/>
-            </a:effectRef>
-            <a:fontRef idx="minor">
-              <a:schemeClr val="lt1"/>
-            </a:fontRef>
-          </p:style>
-          <p:txBody>
-            <a:bodyPr rtlCol="0" anchor="ctr"/>
-            <a:lstStyle/>
-            <a:p>
-              <a:pPr algn="ctr"/>
-              <a:endParaRPr lang="en-US"/>
-            </a:p>
-          </p:txBody>
-        </p:sp>
-        <p:sp>
-          <p:nvSpPr>
-            <p:cNvPr id="13" name="TextBox 12"/>
-            <p:cNvSpPr txBox="1"/>
-            <p:nvPr/>
-          </p:nvSpPr>
-          <p:spPr>
-            <a:xfrm>
-              <a:off x="2819400" y="3228201"/>
-              <a:ext cx="652272" cy="276999"/>
-            </a:xfrm>
-            <a:prstGeom prst="rect">
-              <a:avLst/>
-            </a:prstGeom>
-            <a:noFill/>
-          </p:spPr>
-          <p:txBody>
-            <a:bodyPr wrap="square" rtlCol="0">
-              <a:spAutoFit/>
-            </a:bodyPr>
-            <a:lstStyle/>
-            <a:p>
-              <a:pPr algn="r"/>
-              <a:r>
-                <a:rPr lang="en-US" sz="1200" dirty="0" smtClean="0"/>
-                <a:t>Visible:</a:t>
-              </a:r>
-              <a:endParaRPr lang="en-US" sz="1200" dirty="0"/>
-            </a:p>
-          </p:txBody>
-        </p:sp>
-        <p:sp>
-          <p:nvSpPr>
-            <p:cNvPr id="14" name="Rectangle 13"/>
-            <p:cNvSpPr/>
-            <p:nvPr/>
-          </p:nvSpPr>
-          <p:spPr>
-            <a:xfrm>
-              <a:off x="3471672" y="3311836"/>
-              <a:ext cx="109728" cy="109728"/>
-            </a:xfrm>
-            <a:prstGeom prst="rect">
-              <a:avLst/>
-            </a:prstGeom>
-            <a:solidFill>
-              <a:schemeClr val="bg1"/>
-            </a:solidFill>
-            <a:ln w="19050"/>
-          </p:spPr>
-          <p:style>
-            <a:lnRef idx="2">
-              <a:schemeClr val="accent1">
-                <a:shade val="50000"/>
-              </a:schemeClr>
-            </a:lnRef>
-            <a:fillRef idx="1">
-              <a:schemeClr val="accent1"/>
-            </a:fillRef>
-            <a:effectRef idx="0">
-              <a:schemeClr val="accent1"/>
-            </a:effectRef>
-            <a:fontRef idx="minor">
-              <a:schemeClr val="lt1"/>
-            </a:fontRef>
-          </p:style>
-          <p:txBody>
-            <a:bodyPr rtlCol="0" anchor="ctr"/>
-            <a:lstStyle/>
-            <a:p>
-              <a:pPr algn="ctr"/>
-              <a:endParaRPr lang="en-US"/>
-            </a:p>
-          </p:txBody>
-        </p:sp>
-        <p:sp>
-          <p:nvSpPr>
-            <p:cNvPr id="15" name="TextBox 14"/>
-            <p:cNvSpPr txBox="1"/>
-            <p:nvPr/>
-          </p:nvSpPr>
-          <p:spPr>
-            <a:xfrm>
-              <a:off x="2819400" y="3609201"/>
-              <a:ext cx="658990" cy="276999"/>
-            </a:xfrm>
-            <a:prstGeom prst="rect">
-              <a:avLst/>
-            </a:prstGeom>
-            <a:noFill/>
-          </p:spPr>
-          <p:txBody>
-            <a:bodyPr wrap="square" rtlCol="0">
-              <a:spAutoFit/>
-            </a:bodyPr>
-            <a:lstStyle/>
-            <a:p>
-              <a:pPr algn="r"/>
-              <a:r>
-                <a:rPr lang="en-US" sz="1200" dirty="0" smtClean="0"/>
-                <a:t>Mean:</a:t>
-              </a:r>
-              <a:endParaRPr lang="en-US" sz="1200" dirty="0"/>
-            </a:p>
-          </p:txBody>
-        </p:sp>
-        <p:sp>
-          <p:nvSpPr>
-            <p:cNvPr id="16" name="Rounded Rectangle 15"/>
-            <p:cNvSpPr/>
-            <p:nvPr/>
-          </p:nvSpPr>
-          <p:spPr>
-            <a:xfrm>
-              <a:off x="3478390" y="3599164"/>
-              <a:ext cx="2856921" cy="287036"/>
-            </a:xfrm>
-            <a:prstGeom prst="roundRect">
-              <a:avLst/>
-            </a:prstGeom>
-            <a:noFill/>
-            <a:ln w="19050"/>
-          </p:spPr>
-          <p:style>
-            <a:lnRef idx="2">
-              <a:schemeClr val="accent1">
-                <a:shade val="50000"/>
-              </a:schemeClr>
-            </a:lnRef>
-            <a:fillRef idx="1">
-              <a:schemeClr val="accent1"/>
-            </a:fillRef>
-            <a:effectRef idx="0">
-              <a:schemeClr val="accent1"/>
-            </a:effectRef>
-            <a:fontRef idx="minor">
-              <a:schemeClr val="lt1"/>
-            </a:fontRef>
-          </p:style>
-          <p:txBody>
-            <a:bodyPr rtlCol="0" anchor="ctr"/>
-            <a:lstStyle/>
-            <a:p>
-              <a:pPr algn="ctr"/>
-              <a:endParaRPr lang="en-US"/>
-            </a:p>
-          </p:txBody>
-        </p:sp>
-        <p:sp>
-          <p:nvSpPr>
-            <p:cNvPr id="17" name="TextBox 16"/>
-            <p:cNvSpPr txBox="1"/>
-            <p:nvPr/>
-          </p:nvSpPr>
-          <p:spPr>
-            <a:xfrm>
-              <a:off x="2819400" y="3990201"/>
-              <a:ext cx="658990" cy="276999"/>
-            </a:xfrm>
-            <a:prstGeom prst="rect">
-              <a:avLst/>
-            </a:prstGeom>
-            <a:noFill/>
-          </p:spPr>
-          <p:txBody>
-            <a:bodyPr wrap="square" rtlCol="0">
-              <a:spAutoFit/>
-            </a:bodyPr>
-            <a:lstStyle/>
-            <a:p>
-              <a:pPr algn="r"/>
-              <a:r>
-                <a:rPr lang="en-US" sz="1200" dirty="0" err="1" smtClean="0"/>
-                <a:t>Stddev</a:t>
-              </a:r>
-              <a:r>
-                <a:rPr lang="en-US" sz="1200" dirty="0" smtClean="0"/>
-                <a:t>:</a:t>
-              </a:r>
-              <a:endParaRPr lang="en-US" sz="1200" dirty="0"/>
-            </a:p>
-          </p:txBody>
-        </p:sp>
-        <p:sp>
-          <p:nvSpPr>
-            <p:cNvPr id="18" name="Rounded Rectangle 17"/>
-            <p:cNvSpPr/>
-            <p:nvPr/>
-          </p:nvSpPr>
-          <p:spPr>
-            <a:xfrm>
-              <a:off x="3478390" y="3980164"/>
-              <a:ext cx="2856921" cy="287036"/>
-            </a:xfrm>
-            <a:prstGeom prst="roundRect">
-              <a:avLst/>
-            </a:prstGeom>
-            <a:noFill/>
-            <a:ln w="19050"/>
-          </p:spPr>
-          <p:style>
-            <a:lnRef idx="2">
-              <a:schemeClr val="accent1">
-                <a:shade val="50000"/>
-              </a:schemeClr>
-            </a:lnRef>
-            <a:fillRef idx="1">
-              <a:schemeClr val="accent1"/>
-            </a:fillRef>
-            <a:effectRef idx="0">
-              <a:schemeClr val="accent1"/>
-            </a:effectRef>
-            <a:fontRef idx="minor">
-              <a:schemeClr val="lt1"/>
-            </a:fontRef>
-          </p:style>
-          <p:txBody>
-            <a:bodyPr rtlCol="0" anchor="ctr"/>
-            <a:lstStyle/>
-            <a:p>
-              <a:pPr algn="ctr"/>
-              <a:endParaRPr lang="en-US"/>
-            </a:p>
-          </p:txBody>
-        </p:sp>
-      </p:grpSp>
+          <a:prstGeom prst="rect">
+            <a:avLst/>
+          </a:prstGeom>
+          <a:solidFill>
+            <a:schemeClr val="bg1"/>
+          </a:solidFill>
+        </p:spPr>
+        <p:style>
+          <a:lnRef idx="2">
+            <a:schemeClr val="accent1">
+              <a:shade val="50000"/>
+            </a:schemeClr>
+          </a:lnRef>
+          <a:fillRef idx="1">
+            <a:schemeClr val="accent1"/>
+          </a:fillRef>
+          <a:effectRef idx="0">
+            <a:schemeClr val="accent1"/>
+          </a:effectRef>
+          <a:fontRef idx="minor">
+            <a:schemeClr val="lt1"/>
+          </a:fontRef>
+        </p:style>
+        <p:txBody>
+          <a:bodyPr rtlCol="0" anchor="ctr"/>
+          <a:lstStyle/>
+          <a:p>
+            <a:pPr algn="ctr"/>
+            <a:endParaRPr lang="en-US" dirty="0">
+              <a:solidFill>
+                <a:schemeClr val="tx1"/>
+              </a:solidFill>
+            </a:endParaRPr>
+          </a:p>
+        </p:txBody>
+      </p:sp>
+      <p:sp>
+        <p:nvSpPr>
+          <p:cNvPr id="4" name="TextBox 3"/>
+          <p:cNvSpPr txBox="1"/>
+          <p:nvPr/>
+        </p:nvSpPr>
+        <p:spPr>
+          <a:xfrm>
+            <a:off x="2808688" y="2085201"/>
+            <a:ext cx="658990" cy="276999"/>
+          </a:xfrm>
+          <a:prstGeom prst="rect">
+            <a:avLst/>
+          </a:prstGeom>
+          <a:noFill/>
+        </p:spPr>
+        <p:txBody>
+          <a:bodyPr wrap="square" rtlCol="0">
+            <a:spAutoFit/>
+          </a:bodyPr>
+          <a:lstStyle/>
+          <a:p>
+            <a:pPr algn="r"/>
+            <a:r>
+              <a:rPr lang="en-US" sz="1200" dirty="0"/>
+              <a:t>Name:</a:t>
+            </a:r>
+          </a:p>
+        </p:txBody>
+      </p:sp>
+      <p:sp>
+        <p:nvSpPr>
+          <p:cNvPr id="5" name="Rounded Rectangle 4"/>
+          <p:cNvSpPr/>
+          <p:nvPr/>
+        </p:nvSpPr>
+        <p:spPr>
+          <a:xfrm>
+            <a:off x="3467678" y="2075164"/>
+            <a:ext cx="2856921" cy="287036"/>
+          </a:xfrm>
+          <a:prstGeom prst="roundRect">
+            <a:avLst/>
+          </a:prstGeom>
+          <a:noFill/>
+          <a:ln w="19050"/>
+        </p:spPr>
+        <p:style>
+          <a:lnRef idx="2">
+            <a:schemeClr val="accent1">
+              <a:shade val="50000"/>
+            </a:schemeClr>
+          </a:lnRef>
+          <a:fillRef idx="1">
+            <a:schemeClr val="accent1"/>
+          </a:fillRef>
+          <a:effectRef idx="0">
+            <a:schemeClr val="accent1"/>
+          </a:effectRef>
+          <a:fontRef idx="minor">
+            <a:schemeClr val="lt1"/>
+          </a:fontRef>
+        </p:style>
+        <p:txBody>
+          <a:bodyPr rtlCol="0" anchor="ctr"/>
+          <a:lstStyle/>
+          <a:p>
+            <a:pPr algn="ctr"/>
+            <a:endParaRPr lang="en-US"/>
+          </a:p>
+        </p:txBody>
+      </p:sp>
+      <p:sp>
+        <p:nvSpPr>
+          <p:cNvPr id="9" name="TextBox 8"/>
+          <p:cNvSpPr txBox="1"/>
+          <p:nvPr/>
+        </p:nvSpPr>
+        <p:spPr>
+          <a:xfrm>
+            <a:off x="2819400" y="2847201"/>
+            <a:ext cx="658990" cy="276999"/>
+          </a:xfrm>
+          <a:prstGeom prst="rect">
+            <a:avLst/>
+          </a:prstGeom>
+          <a:noFill/>
+        </p:spPr>
+        <p:txBody>
+          <a:bodyPr wrap="square" rtlCol="0">
+            <a:spAutoFit/>
+          </a:bodyPr>
+          <a:lstStyle/>
+          <a:p>
+            <a:pPr algn="r"/>
+            <a:r>
+              <a:rPr lang="en-US" sz="1200" dirty="0"/>
+              <a:t>Min:</a:t>
+            </a:r>
+          </a:p>
+        </p:txBody>
+      </p:sp>
+      <p:sp>
+        <p:nvSpPr>
+          <p:cNvPr id="10" name="Rounded Rectangle 9"/>
+          <p:cNvSpPr/>
+          <p:nvPr/>
+        </p:nvSpPr>
+        <p:spPr>
+          <a:xfrm>
+            <a:off x="3478390" y="2837164"/>
+            <a:ext cx="2856921" cy="287036"/>
+          </a:xfrm>
+          <a:prstGeom prst="roundRect">
+            <a:avLst/>
+          </a:prstGeom>
+          <a:noFill/>
+          <a:ln w="19050"/>
+        </p:spPr>
+        <p:style>
+          <a:lnRef idx="2">
+            <a:schemeClr val="accent1">
+              <a:shade val="50000"/>
+            </a:schemeClr>
+          </a:lnRef>
+          <a:fillRef idx="1">
+            <a:schemeClr val="accent1"/>
+          </a:fillRef>
+          <a:effectRef idx="0">
+            <a:schemeClr val="accent1"/>
+          </a:effectRef>
+          <a:fontRef idx="minor">
+            <a:schemeClr val="lt1"/>
+          </a:fontRef>
+        </p:style>
+        <p:txBody>
+          <a:bodyPr rtlCol="0" anchor="ctr"/>
+          <a:lstStyle/>
+          <a:p>
+            <a:pPr algn="ctr"/>
+            <a:endParaRPr lang="en-US"/>
+          </a:p>
+        </p:txBody>
+      </p:sp>
+      <p:sp>
+        <p:nvSpPr>
+          <p:cNvPr id="11" name="TextBox 10"/>
+          <p:cNvSpPr txBox="1"/>
+          <p:nvPr/>
+        </p:nvSpPr>
+        <p:spPr>
+          <a:xfrm>
+            <a:off x="2819400" y="3228201"/>
+            <a:ext cx="658990" cy="276999"/>
+          </a:xfrm>
+          <a:prstGeom prst="rect">
+            <a:avLst/>
+          </a:prstGeom>
+          <a:noFill/>
+        </p:spPr>
+        <p:txBody>
+          <a:bodyPr wrap="square" rtlCol="0">
+            <a:spAutoFit/>
+          </a:bodyPr>
+          <a:lstStyle/>
+          <a:p>
+            <a:pPr algn="r"/>
+            <a:r>
+              <a:rPr lang="en-US" sz="1200" dirty="0"/>
+              <a:t>Max:</a:t>
+            </a:r>
+          </a:p>
+        </p:txBody>
+      </p:sp>
+      <p:sp>
+        <p:nvSpPr>
+          <p:cNvPr id="12" name="Rounded Rectangle 11"/>
+          <p:cNvSpPr/>
+          <p:nvPr/>
+        </p:nvSpPr>
+        <p:spPr>
+          <a:xfrm>
+            <a:off x="3478390" y="3218164"/>
+            <a:ext cx="2856921" cy="287036"/>
+          </a:xfrm>
+          <a:prstGeom prst="roundRect">
+            <a:avLst/>
+          </a:prstGeom>
+          <a:noFill/>
+          <a:ln w="19050"/>
+        </p:spPr>
+        <p:style>
+          <a:lnRef idx="2">
+            <a:schemeClr val="accent1">
+              <a:shade val="50000"/>
+            </a:schemeClr>
+          </a:lnRef>
+          <a:fillRef idx="1">
+            <a:schemeClr val="accent1"/>
+          </a:fillRef>
+          <a:effectRef idx="0">
+            <a:schemeClr val="accent1"/>
+          </a:effectRef>
+          <a:fontRef idx="minor">
+            <a:schemeClr val="lt1"/>
+          </a:fontRef>
+        </p:style>
+        <p:txBody>
+          <a:bodyPr rtlCol="0" anchor="ctr"/>
+          <a:lstStyle/>
+          <a:p>
+            <a:pPr algn="ctr"/>
+            <a:endParaRPr lang="en-US"/>
+          </a:p>
+        </p:txBody>
+      </p:sp>
+      <p:sp>
+        <p:nvSpPr>
+          <p:cNvPr id="13" name="TextBox 12"/>
+          <p:cNvSpPr txBox="1"/>
+          <p:nvPr/>
+        </p:nvSpPr>
+        <p:spPr>
+          <a:xfrm>
+            <a:off x="2819400" y="3609201"/>
+            <a:ext cx="652272" cy="276999"/>
+          </a:xfrm>
+          <a:prstGeom prst="rect">
+            <a:avLst/>
+          </a:prstGeom>
+          <a:noFill/>
+        </p:spPr>
+        <p:txBody>
+          <a:bodyPr wrap="square" rtlCol="0">
+            <a:spAutoFit/>
+          </a:bodyPr>
+          <a:lstStyle/>
+          <a:p>
+            <a:pPr algn="r"/>
+            <a:r>
+              <a:rPr lang="en-US" sz="1200" dirty="0"/>
+              <a:t>Visible:</a:t>
+            </a:r>
+          </a:p>
+        </p:txBody>
+      </p:sp>
+      <p:sp>
+        <p:nvSpPr>
+          <p:cNvPr id="14" name="Rectangle 13"/>
+          <p:cNvSpPr/>
+          <p:nvPr/>
+        </p:nvSpPr>
+        <p:spPr>
+          <a:xfrm>
+            <a:off x="3471672" y="3692836"/>
+            <a:ext cx="109728" cy="109728"/>
+          </a:xfrm>
+          <a:prstGeom prst="rect">
+            <a:avLst/>
+          </a:prstGeom>
+          <a:solidFill>
+            <a:schemeClr val="bg1"/>
+          </a:solidFill>
+          <a:ln w="19050"/>
+        </p:spPr>
+        <p:style>
+          <a:lnRef idx="2">
+            <a:schemeClr val="accent1">
+              <a:shade val="50000"/>
+            </a:schemeClr>
+          </a:lnRef>
+          <a:fillRef idx="1">
+            <a:schemeClr val="accent1"/>
+          </a:fillRef>
+          <a:effectRef idx="0">
+            <a:schemeClr val="accent1"/>
+          </a:effectRef>
+          <a:fontRef idx="minor">
+            <a:schemeClr val="lt1"/>
+          </a:fontRef>
+        </p:style>
+        <p:txBody>
+          <a:bodyPr rtlCol="0" anchor="ctr"/>
+          <a:lstStyle/>
+          <a:p>
+            <a:pPr algn="ctr"/>
+            <a:endParaRPr lang="en-US"/>
+          </a:p>
+        </p:txBody>
+      </p:sp>
+      <p:sp>
+        <p:nvSpPr>
+          <p:cNvPr id="15" name="TextBox 14"/>
+          <p:cNvSpPr txBox="1"/>
+          <p:nvPr/>
+        </p:nvSpPr>
+        <p:spPr>
+          <a:xfrm>
+            <a:off x="2819400" y="4295001"/>
+            <a:ext cx="658990" cy="276999"/>
+          </a:xfrm>
+          <a:prstGeom prst="rect">
+            <a:avLst/>
+          </a:prstGeom>
+          <a:noFill/>
+        </p:spPr>
+        <p:txBody>
+          <a:bodyPr wrap="square" rtlCol="0">
+            <a:spAutoFit/>
+          </a:bodyPr>
+          <a:lstStyle/>
+          <a:p>
+            <a:pPr algn="r"/>
+            <a:r>
+              <a:rPr lang="en-US" sz="1200" dirty="0"/>
+              <a:t>Mean:</a:t>
+            </a:r>
+          </a:p>
+        </p:txBody>
+      </p:sp>
+      <p:sp>
+        <p:nvSpPr>
+          <p:cNvPr id="16" name="Rounded Rectangle 15"/>
+          <p:cNvSpPr/>
+          <p:nvPr/>
+        </p:nvSpPr>
+        <p:spPr>
+          <a:xfrm>
+            <a:off x="3478390" y="4284964"/>
+            <a:ext cx="2856921" cy="287036"/>
+          </a:xfrm>
+          <a:prstGeom prst="roundRect">
+            <a:avLst/>
+          </a:prstGeom>
+          <a:noFill/>
+          <a:ln w="19050"/>
+        </p:spPr>
+        <p:style>
+          <a:lnRef idx="2">
+            <a:schemeClr val="accent1">
+              <a:shade val="50000"/>
+            </a:schemeClr>
+          </a:lnRef>
+          <a:fillRef idx="1">
+            <a:schemeClr val="accent1"/>
+          </a:fillRef>
+          <a:effectRef idx="0">
+            <a:schemeClr val="accent1"/>
+          </a:effectRef>
+          <a:fontRef idx="minor">
+            <a:schemeClr val="lt1"/>
+          </a:fontRef>
+        </p:style>
+        <p:txBody>
+          <a:bodyPr rtlCol="0" anchor="ctr"/>
+          <a:lstStyle/>
+          <a:p>
+            <a:pPr algn="ctr"/>
+            <a:endParaRPr lang="en-US"/>
+          </a:p>
+        </p:txBody>
+      </p:sp>
+      <p:sp>
+        <p:nvSpPr>
+          <p:cNvPr id="17" name="TextBox 16"/>
+          <p:cNvSpPr txBox="1"/>
+          <p:nvPr/>
+        </p:nvSpPr>
+        <p:spPr>
+          <a:xfrm>
+            <a:off x="2819400" y="4676001"/>
+            <a:ext cx="658990" cy="276999"/>
+          </a:xfrm>
+          <a:prstGeom prst="rect">
+            <a:avLst/>
+          </a:prstGeom>
+          <a:noFill/>
+        </p:spPr>
+        <p:txBody>
+          <a:bodyPr wrap="square" rtlCol="0">
+            <a:spAutoFit/>
+          </a:bodyPr>
+          <a:lstStyle/>
+          <a:p>
+            <a:pPr algn="r"/>
+            <a:r>
+              <a:rPr lang="en-US" sz="1200" dirty="0" err="1"/>
+              <a:t>Stddev</a:t>
+            </a:r>
+            <a:r>
+              <a:rPr lang="en-US" sz="1200" dirty="0"/>
+              <a:t>:</a:t>
+            </a:r>
+          </a:p>
+        </p:txBody>
+      </p:sp>
+      <p:sp>
+        <p:nvSpPr>
+          <p:cNvPr id="18" name="Rounded Rectangle 17"/>
+          <p:cNvSpPr/>
+          <p:nvPr/>
+        </p:nvSpPr>
+        <p:spPr>
+          <a:xfrm>
+            <a:off x="3478390" y="4665964"/>
+            <a:ext cx="2856921" cy="287036"/>
+          </a:xfrm>
+          <a:prstGeom prst="roundRect">
+            <a:avLst/>
+          </a:prstGeom>
+          <a:noFill/>
+          <a:ln w="19050"/>
+        </p:spPr>
+        <p:style>
+          <a:lnRef idx="2">
+            <a:schemeClr val="accent1">
+              <a:shade val="50000"/>
+            </a:schemeClr>
+          </a:lnRef>
+          <a:fillRef idx="1">
+            <a:schemeClr val="accent1"/>
+          </a:fillRef>
+          <a:effectRef idx="0">
+            <a:schemeClr val="accent1"/>
+          </a:effectRef>
+          <a:fontRef idx="minor">
+            <a:schemeClr val="lt1"/>
+          </a:fontRef>
+        </p:style>
+        <p:txBody>
+          <a:bodyPr rtlCol="0" anchor="ctr"/>
+          <a:lstStyle/>
+          <a:p>
+            <a:pPr algn="ctr"/>
+            <a:endParaRPr lang="en-US"/>
+          </a:p>
+        </p:txBody>
+      </p:sp>
+      <p:sp>
+        <p:nvSpPr>
+          <p:cNvPr id="20" name="TextBox 19">
+            <a:extLst>
+              <a:ext uri="{FF2B5EF4-FFF2-40B4-BE49-F238E27FC236}">
+                <a16:creationId xmlns:a16="http://schemas.microsoft.com/office/drawing/2014/main" id="{6ECF7525-48EF-47D1-815A-B686ABC86561}"/>
+              </a:ext>
+            </a:extLst>
+          </p:cNvPr>
+          <p:cNvSpPr txBox="1"/>
+          <p:nvPr/>
+        </p:nvSpPr>
+        <p:spPr>
+          <a:xfrm>
+            <a:off x="2819400" y="2466201"/>
+            <a:ext cx="658990" cy="276999"/>
+          </a:xfrm>
+          <a:prstGeom prst="rect">
+            <a:avLst/>
+          </a:prstGeom>
+          <a:noFill/>
+        </p:spPr>
+        <p:txBody>
+          <a:bodyPr wrap="square" rtlCol="0">
+            <a:spAutoFit/>
+          </a:bodyPr>
+          <a:lstStyle/>
+          <a:p>
+            <a:pPr algn="r"/>
+            <a:r>
+              <a:rPr lang="en-US" sz="1200" dirty="0"/>
+              <a:t>Count:</a:t>
+            </a:r>
+          </a:p>
+        </p:txBody>
+      </p:sp>
+      <p:sp>
+        <p:nvSpPr>
+          <p:cNvPr id="21" name="Rounded Rectangle 9">
+            <a:extLst>
+              <a:ext uri="{FF2B5EF4-FFF2-40B4-BE49-F238E27FC236}">
+                <a16:creationId xmlns:a16="http://schemas.microsoft.com/office/drawing/2014/main" id="{391E9764-3EE1-4FD7-9E79-E4A7F58C4DC5}"/>
+              </a:ext>
+            </a:extLst>
+          </p:cNvPr>
+          <p:cNvSpPr/>
+          <p:nvPr/>
+        </p:nvSpPr>
+        <p:spPr>
+          <a:xfrm>
+            <a:off x="3478390" y="2456164"/>
+            <a:ext cx="2856921" cy="287036"/>
+          </a:xfrm>
+          <a:prstGeom prst="roundRect">
+            <a:avLst/>
+          </a:prstGeom>
+          <a:noFill/>
+          <a:ln w="19050"/>
+        </p:spPr>
+        <p:style>
+          <a:lnRef idx="2">
+            <a:schemeClr val="accent1">
+              <a:shade val="50000"/>
+            </a:schemeClr>
+          </a:lnRef>
+          <a:fillRef idx="1">
+            <a:schemeClr val="accent1"/>
+          </a:fillRef>
+          <a:effectRef idx="0">
+            <a:schemeClr val="accent1"/>
+          </a:effectRef>
+          <a:fontRef idx="minor">
+            <a:schemeClr val="lt1"/>
+          </a:fontRef>
+        </p:style>
+        <p:txBody>
+          <a:bodyPr rtlCol="0" anchor="ctr"/>
+          <a:lstStyle/>
+          <a:p>
+            <a:pPr algn="ctr"/>
+            <a:endParaRPr lang="en-US"/>
+          </a:p>
+        </p:txBody>
+      </p:sp>
+      <p:sp>
+        <p:nvSpPr>
+          <p:cNvPr id="22" name="TextBox 21">
+            <a:extLst>
+              <a:ext uri="{FF2B5EF4-FFF2-40B4-BE49-F238E27FC236}">
+                <a16:creationId xmlns:a16="http://schemas.microsoft.com/office/drawing/2014/main" id="{0B1DDC72-6006-420D-9EEC-2777FCE40110}"/>
+              </a:ext>
+            </a:extLst>
+          </p:cNvPr>
+          <p:cNvSpPr txBox="1"/>
+          <p:nvPr/>
+        </p:nvSpPr>
+        <p:spPr>
+          <a:xfrm>
+            <a:off x="2715810" y="3962400"/>
+            <a:ext cx="755862" cy="276999"/>
+          </a:xfrm>
+          <a:prstGeom prst="rect">
+            <a:avLst/>
+          </a:prstGeom>
+          <a:noFill/>
+        </p:spPr>
+        <p:txBody>
+          <a:bodyPr wrap="square" rtlCol="0">
+            <a:spAutoFit/>
+          </a:bodyPr>
+          <a:lstStyle/>
+          <a:p>
+            <a:pPr algn="r"/>
+            <a:r>
+              <a:rPr lang="en-US" sz="1200" dirty="0"/>
+              <a:t>Ordered:</a:t>
+            </a:r>
+          </a:p>
+        </p:txBody>
+      </p:sp>
+      <p:sp>
+        <p:nvSpPr>
+          <p:cNvPr id="23" name="Rectangle 22">
+            <a:extLst>
+              <a:ext uri="{FF2B5EF4-FFF2-40B4-BE49-F238E27FC236}">
+                <a16:creationId xmlns:a16="http://schemas.microsoft.com/office/drawing/2014/main" id="{A8923DAB-5D3E-4898-B177-B9818399A196}"/>
+              </a:ext>
+            </a:extLst>
+          </p:cNvPr>
+          <p:cNvSpPr/>
+          <p:nvPr/>
+        </p:nvSpPr>
+        <p:spPr>
+          <a:xfrm>
+            <a:off x="3471672" y="4046035"/>
+            <a:ext cx="109728" cy="109728"/>
+          </a:xfrm>
+          <a:prstGeom prst="rect">
+            <a:avLst/>
+          </a:prstGeom>
+          <a:solidFill>
+            <a:schemeClr val="bg1"/>
+          </a:solidFill>
+          <a:ln w="19050"/>
+        </p:spPr>
+        <p:style>
+          <a:lnRef idx="2">
+            <a:schemeClr val="accent1">
+              <a:shade val="50000"/>
+            </a:schemeClr>
+          </a:lnRef>
+          <a:fillRef idx="1">
+            <a:schemeClr val="accent1"/>
+          </a:fillRef>
+          <a:effectRef idx="0">
+            <a:schemeClr val="accent1"/>
+          </a:effectRef>
+          <a:fontRef idx="minor">
+            <a:schemeClr val="lt1"/>
+          </a:fontRef>
+        </p:style>
+        <p:txBody>
+          <a:bodyPr rtlCol="0" anchor="ctr"/>
+          <a:lstStyle/>
+          <a:p>
+            <a:pPr algn="ctr"/>
+            <a:endParaRPr lang="en-US"/>
+          </a:p>
+        </p:txBody>
+      </p:sp>
     </p:spTree>
     <p:extLst>
       <p:ext uri="{BB962C8B-B14F-4D97-AF65-F5344CB8AC3E}">
@@ -15995,10 +16240,9 @@
           <a:lstStyle/>
           <a:p>
             <a:r>
-              <a:rPr lang="en-US" dirty="0" smtClean="0"/>
+              <a:rPr lang="en-US" dirty="0"/>
               <a:t>Chart Properties View</a:t>
             </a:r>
-            <a:endParaRPr lang="en-US" dirty="0"/>
           </a:p>
         </p:txBody>
       </p:sp>
@@ -16103,18 +16347,13 @@
             <a:p>
               <a:pPr algn="ctr"/>
               <a:r>
-                <a:rPr lang="en-US" dirty="0" smtClean="0">
+                <a:rPr lang="en-US" dirty="0">
                   <a:solidFill>
                     <a:schemeClr val="tx1"/>
                   </a:solidFill>
                 </a:rPr>
                 <a:t>Chart/Data/Properties</a:t>
               </a:r>
-              <a:endParaRPr lang="en-US" dirty="0">
-                <a:solidFill>
-                  <a:schemeClr val="tx1"/>
-                </a:solidFill>
-              </a:endParaRPr>
             </a:p>
           </p:txBody>
         </p:sp>
@@ -16161,18 +16400,13 @@
             <a:p>
               <a:pPr algn="ctr"/>
               <a:r>
-                <a:rPr lang="en-US" dirty="0" smtClean="0">
+                <a:rPr lang="en-US" dirty="0">
                   <a:solidFill>
                     <a:schemeClr val="tx1"/>
                   </a:solidFill>
                 </a:rPr>
                 <a:t>Chart</a:t>
               </a:r>
-              <a:endParaRPr lang="en-US" dirty="0">
-                <a:solidFill>
-                  <a:schemeClr val="tx1"/>
-                </a:solidFill>
-              </a:endParaRPr>
             </a:p>
           </p:txBody>
         </p:sp>
@@ -16219,18 +16453,13 @@
             <a:p>
               <a:pPr algn="ctr"/>
               <a:r>
-                <a:rPr lang="en-US" dirty="0" smtClean="0">
+                <a:rPr lang="en-US" dirty="0">
                   <a:solidFill>
                     <a:schemeClr val="tx1"/>
                   </a:solidFill>
                 </a:rPr>
                 <a:t>Plots</a:t>
               </a:r>
-              <a:endParaRPr lang="en-US" dirty="0">
-                <a:solidFill>
-                  <a:schemeClr val="tx1"/>
-                </a:solidFill>
-              </a:endParaRPr>
             </a:p>
           </p:txBody>
         </p:sp>
@@ -16277,7 +16506,7 @@
             <a:p>
               <a:pPr algn="ctr"/>
               <a:r>
-                <a:rPr lang="en-US" dirty="0" smtClean="0">
+                <a:rPr lang="en-US" dirty="0">
                   <a:solidFill>
                     <a:schemeClr val="tx1"/>
                   </a:solidFill>
@@ -16360,18 +16589,17 @@
           <a:lstStyle/>
           <a:p>
             <a:r>
-              <a:rPr lang="en-US" dirty="0" smtClean="0"/>
+              <a:rPr lang="en-US" dirty="0"/>
               <a:t>Chart </a:t>
             </a:r>
             <a:r>
-              <a:rPr lang="en-US" dirty="0" err="1" smtClean="0"/>
+              <a:rPr lang="en-US" dirty="0" err="1"/>
               <a:t>Config</a:t>
             </a:r>
             <a:r>
-              <a:rPr lang="en-US" dirty="0" smtClean="0"/>
+              <a:rPr lang="en-US" dirty="0"/>
               <a:t> Properties View</a:t>
             </a:r>
-            <a:endParaRPr lang="en-US" dirty="0"/>
           </a:p>
         </p:txBody>
       </p:sp>
@@ -16460,10 +16688,9 @@
             <a:p>
               <a:pPr algn="r"/>
               <a:r>
-                <a:rPr lang="en-US" sz="1200" dirty="0" smtClean="0"/>
+                <a:rPr lang="en-US" sz="1200" dirty="0"/>
                 <a:t>Title:</a:t>
               </a:r>
-              <a:endParaRPr lang="en-US" sz="1200" dirty="0"/>
             </a:p>
           </p:txBody>
         </p:sp>
@@ -16692,10 +16919,9 @@
             <a:p>
               <a:pPr algn="r"/>
               <a:r>
-                <a:rPr lang="en-US" sz="1200" dirty="0" smtClean="0"/>
+                <a:rPr lang="en-US" sz="1200" dirty="0"/>
                 <a:t>Subtitle:</a:t>
               </a:r>
-              <a:endParaRPr lang="en-US" sz="1200" dirty="0"/>
             </a:p>
           </p:txBody>
         </p:sp>
@@ -16924,10 +17150,9 @@
             <a:p>
               <a:pPr algn="r"/>
               <a:r>
-                <a:rPr lang="en-US" sz="1200" dirty="0" smtClean="0"/>
+                <a:rPr lang="en-US" sz="1200" dirty="0"/>
                 <a:t>Top/Bottom:</a:t>
               </a:r>
-              <a:endParaRPr lang="en-US" sz="1200" dirty="0"/>
             </a:p>
           </p:txBody>
         </p:sp>
@@ -17156,10 +17381,9 @@
             <a:p>
               <a:pPr algn="r"/>
               <a:r>
-                <a:rPr lang="en-US" sz="1200" dirty="0" smtClean="0"/>
+                <a:rPr lang="en-US" sz="1200" dirty="0"/>
                 <a:t>Spacing:</a:t>
               </a:r>
-              <a:endParaRPr lang="en-US" sz="1200" dirty="0"/>
             </a:p>
           </p:txBody>
         </p:sp>
@@ -17362,10 +17586,9 @@
             <a:lstStyle/>
             <a:p>
               <a:r>
-                <a:rPr lang="en-US" sz="1200" dirty="0" smtClean="0"/>
+                <a:rPr lang="en-US" sz="1200" dirty="0"/>
                 <a:t>top</a:t>
               </a:r>
-              <a:endParaRPr lang="en-US" sz="1200" dirty="0"/>
             </a:p>
           </p:txBody>
         </p:sp>
@@ -17392,10 +17615,9 @@
             <a:lstStyle/>
             <a:p>
               <a:r>
-                <a:rPr lang="en-US" sz="1200" dirty="0" smtClean="0"/>
+                <a:rPr lang="en-US" sz="1200" dirty="0"/>
                 <a:t>left</a:t>
               </a:r>
-              <a:endParaRPr lang="en-US" sz="1200" dirty="0"/>
             </a:p>
           </p:txBody>
         </p:sp>
@@ -17422,10 +17644,9 @@
             <a:lstStyle/>
             <a:p>
               <a:r>
-                <a:rPr lang="en-US" sz="1200" dirty="0" smtClean="0"/>
+                <a:rPr lang="en-US" sz="1200" dirty="0"/>
                 <a:t>bottom</a:t>
               </a:r>
-              <a:endParaRPr lang="en-US" sz="1200" dirty="0"/>
             </a:p>
           </p:txBody>
         </p:sp>
@@ -17452,10 +17673,9 @@
             <a:lstStyle/>
             <a:p>
               <a:r>
-                <a:rPr lang="en-US" sz="1200" dirty="0" smtClean="0"/>
+                <a:rPr lang="en-US" sz="1200" dirty="0"/>
                 <a:t>right</a:t>
               </a:r>
-              <a:endParaRPr lang="en-US" sz="1200" dirty="0"/>
             </a:p>
           </p:txBody>
         </p:sp>
@@ -17483,10 +17703,9 @@
             <a:p>
               <a:pPr algn="r"/>
               <a:r>
-                <a:rPr lang="en-US" sz="1200" dirty="0" smtClean="0"/>
+                <a:rPr lang="en-US" sz="1200" dirty="0"/>
                 <a:t>Background:</a:t>
               </a:r>
-              <a:endParaRPr lang="en-US" sz="1200" dirty="0"/>
             </a:p>
           </p:txBody>
         </p:sp>
@@ -17545,18 +17764,13 @@
               <a:p>
                 <a:pPr algn="r"/>
                 <a:r>
-                  <a:rPr lang="en-US" sz="1200" dirty="0" smtClean="0">
+                  <a:rPr lang="en-US" sz="1200" dirty="0">
                     <a:solidFill>
                       <a:schemeClr val="tx1"/>
                     </a:solidFill>
                   </a:rPr>
                   <a:t>000000:FF</a:t>
                 </a:r>
-                <a:endParaRPr lang="en-US" sz="1200" dirty="0">
-                  <a:solidFill>
-                    <a:schemeClr val="tx1"/>
-                  </a:solidFill>
-                </a:endParaRPr>
               </a:p>
             </p:txBody>
           </p:sp>
@@ -17725,10 +17939,9 @@
             <a:p>
               <a:pPr algn="r"/>
               <a:r>
-                <a:rPr lang="en-US" sz="1200" dirty="0" smtClean="0"/>
+                <a:rPr lang="en-US" sz="1200" dirty="0"/>
                 <a:t>Fill:</a:t>
               </a:r>
-              <a:endParaRPr lang="en-US" sz="1200" dirty="0"/>
             </a:p>
           </p:txBody>
         </p:sp>
@@ -17848,10 +18061,9 @@
             <a:p>
               <a:pPr algn="r"/>
               <a:r>
-                <a:rPr lang="en-US" sz="1200" dirty="0" smtClean="0"/>
+                <a:rPr lang="en-US" sz="1200" dirty="0"/>
                 <a:t>Dimension:</a:t>
               </a:r>
-              <a:endParaRPr lang="en-US" sz="1200" dirty="0"/>
             </a:p>
           </p:txBody>
         </p:sp>
@@ -17879,10 +18091,9 @@
             <a:p>
               <a:pPr algn="r"/>
               <a:r>
-                <a:rPr lang="en-US" sz="1200" dirty="0" smtClean="0"/>
+                <a:rPr lang="en-US" sz="1200" dirty="0"/>
                 <a:t>Width:</a:t>
               </a:r>
-              <a:endParaRPr lang="en-US" sz="1200" dirty="0"/>
             </a:p>
           </p:txBody>
         </p:sp>
@@ -17954,10 +18165,9 @@
             <a:p>
               <a:pPr algn="r"/>
               <a:r>
-                <a:rPr lang="en-US" sz="1200" dirty="0" smtClean="0"/>
+                <a:rPr lang="en-US" sz="1200" dirty="0"/>
                 <a:t>Height:</a:t>
               </a:r>
-              <a:endParaRPr lang="en-US" sz="1200" dirty="0"/>
             </a:p>
           </p:txBody>
         </p:sp>
@@ -18177,10 +18387,9 @@
             <a:p>
               <a:pPr algn="r"/>
               <a:r>
-                <a:rPr lang="en-US" sz="1200" dirty="0" smtClean="0"/>
+                <a:rPr lang="en-US" sz="1200" dirty="0"/>
                 <a:t>Anti-aliasing:</a:t>
               </a:r>
-              <a:endParaRPr lang="en-US" sz="1200" dirty="0"/>
             </a:p>
           </p:txBody>
         </p:sp>
@@ -18208,10 +18417,9 @@
             <a:p>
               <a:pPr algn="r"/>
               <a:r>
-                <a:rPr lang="en-US" sz="1200" dirty="0" smtClean="0"/>
+                <a:rPr lang="en-US" sz="1200" dirty="0"/>
                 <a:t>Gridlines:</a:t>
               </a:r>
-              <a:endParaRPr lang="en-US" sz="1200" dirty="0"/>
             </a:p>
           </p:txBody>
         </p:sp>
@@ -18239,10 +18447,9 @@
             <a:p>
               <a:pPr algn="r"/>
               <a:r>
-                <a:rPr lang="en-US" sz="1200" dirty="0" smtClean="0"/>
+                <a:rPr lang="en-US" sz="1200" dirty="0"/>
                 <a:t>Minor Ticks:</a:t>
               </a:r>
-              <a:endParaRPr lang="en-US" sz="1200" dirty="0"/>
             </a:p>
           </p:txBody>
         </p:sp>
@@ -18313,10 +18520,9 @@
             <a:lstStyle/>
             <a:p>
               <a:r>
-                <a:rPr lang="en-US" sz="1200" dirty="0" smtClean="0"/>
+                <a:rPr lang="en-US" sz="1200" dirty="0"/>
                 <a:t>Object</a:t>
               </a:r>
-              <a:endParaRPr lang="en-US" sz="1200" dirty="0"/>
             </a:p>
           </p:txBody>
         </p:sp>
@@ -18387,10 +18593,9 @@
             <a:lstStyle/>
             <a:p>
               <a:r>
-                <a:rPr lang="en-US" sz="1200" dirty="0" smtClean="0"/>
+                <a:rPr lang="en-US" sz="1200" dirty="0"/>
                 <a:t>Text</a:t>
               </a:r>
-              <a:endParaRPr lang="en-US" sz="1200" dirty="0"/>
             </a:p>
           </p:txBody>
         </p:sp>
@@ -18461,10 +18666,9 @@
             <a:lstStyle/>
             <a:p>
               <a:r>
-                <a:rPr lang="en-US" sz="1200" dirty="0" smtClean="0"/>
+                <a:rPr lang="en-US" sz="1200" dirty="0"/>
                 <a:t>Horizontal</a:t>
               </a:r>
-              <a:endParaRPr lang="en-US" sz="1200" dirty="0"/>
             </a:p>
           </p:txBody>
         </p:sp>
@@ -18535,10 +18739,9 @@
             <a:lstStyle/>
             <a:p>
               <a:r>
-                <a:rPr lang="en-US" sz="1200" dirty="0" smtClean="0"/>
+                <a:rPr lang="en-US" sz="1200" dirty="0"/>
                 <a:t>Vertical</a:t>
               </a:r>
-              <a:endParaRPr lang="en-US" sz="1200" dirty="0"/>
             </a:p>
           </p:txBody>
         </p:sp>
@@ -18609,10 +18812,9 @@
             <a:lstStyle/>
             <a:p>
               <a:r>
-                <a:rPr lang="en-US" sz="1200" dirty="0" smtClean="0"/>
+                <a:rPr lang="en-US" sz="1200" dirty="0"/>
                 <a:t>Horizontal</a:t>
               </a:r>
-              <a:endParaRPr lang="en-US" sz="1200" dirty="0"/>
             </a:p>
           </p:txBody>
         </p:sp>
@@ -18683,10 +18885,9 @@
             <a:lstStyle/>
             <a:p>
               <a:r>
-                <a:rPr lang="en-US" sz="1200" dirty="0" smtClean="0"/>
+                <a:rPr lang="en-US" sz="1200" dirty="0"/>
                 <a:t>Vertical</a:t>
               </a:r>
-              <a:endParaRPr lang="en-US" sz="1200" dirty="0"/>
             </a:p>
           </p:txBody>
         </p:sp>
@@ -18714,10 +18915,9 @@
             <a:p>
               <a:pPr algn="r"/>
               <a:r>
-                <a:rPr lang="en-US" sz="1200" dirty="0" smtClean="0"/>
+                <a:rPr lang="en-US" sz="1200" dirty="0"/>
                 <a:t>Crosshairs:</a:t>
               </a:r>
-              <a:endParaRPr lang="en-US" sz="1200" dirty="0"/>
             </a:p>
           </p:txBody>
         </p:sp>
